--- a/설계.pptx
+++ b/설계.pptx
@@ -6,6 +6,7 @@
   </p:sldMasterIdLst>
   <p:sldIdLst>
     <p:sldId id="256" r:id="rId2"/>
+    <p:sldId id="257" r:id="rId3"/>
   </p:sldIdLst>
   <p:sldSz cx="12192000" cy="6858000"/>
   <p:notesSz cx="6858000" cy="9144000"/>
@@ -104,6 +105,11 @@
       </a:defRPr>
     </a:lvl9pPr>
   </p:defaultTextStyle>
+  <p:extLst>
+    <p:ext uri="{EFAFB233-063F-42B5-8137-9DF3F51BA10A}">
+      <p15:sldGuideLst xmlns:p15="http://schemas.microsoft.com/office/powerpoint/2012/main"/>
+    </p:ext>
+  </p:extLst>
 </p:presentation>
 </file>
 
@@ -254,7 +260,7 @@
           <a:p>
             <a:fld id="{E871AFEF-E56D-43CB-B2BD-C2590331E35B}" type="datetimeFigureOut">
               <a:rPr lang="ko-KR" altLang="en-US" smtClean="0"/>
-              <a:t>2021-11-24</a:t>
+              <a:t>2021. 11. 25.</a:t>
             </a:fld>
             <a:endParaRPr lang="ko-KR" altLang="en-US"/>
           </a:p>
@@ -452,7 +458,7 @@
           <a:p>
             <a:fld id="{E871AFEF-E56D-43CB-B2BD-C2590331E35B}" type="datetimeFigureOut">
               <a:rPr lang="ko-KR" altLang="en-US" smtClean="0"/>
-              <a:t>2021-11-24</a:t>
+              <a:t>2021. 11. 25.</a:t>
             </a:fld>
             <a:endParaRPr lang="ko-KR" altLang="en-US"/>
           </a:p>
@@ -660,7 +666,7 @@
           <a:p>
             <a:fld id="{E871AFEF-E56D-43CB-B2BD-C2590331E35B}" type="datetimeFigureOut">
               <a:rPr lang="ko-KR" altLang="en-US" smtClean="0"/>
-              <a:t>2021-11-24</a:t>
+              <a:t>2021. 11. 25.</a:t>
             </a:fld>
             <a:endParaRPr lang="ko-KR" altLang="en-US"/>
           </a:p>
@@ -858,7 +864,7 @@
           <a:p>
             <a:fld id="{E871AFEF-E56D-43CB-B2BD-C2590331E35B}" type="datetimeFigureOut">
               <a:rPr lang="ko-KR" altLang="en-US" smtClean="0"/>
-              <a:t>2021-11-24</a:t>
+              <a:t>2021. 11. 25.</a:t>
             </a:fld>
             <a:endParaRPr lang="ko-KR" altLang="en-US"/>
           </a:p>
@@ -1133,7 +1139,7 @@
           <a:p>
             <a:fld id="{E871AFEF-E56D-43CB-B2BD-C2590331E35B}" type="datetimeFigureOut">
               <a:rPr lang="ko-KR" altLang="en-US" smtClean="0"/>
-              <a:t>2021-11-24</a:t>
+              <a:t>2021. 11. 25.</a:t>
             </a:fld>
             <a:endParaRPr lang="ko-KR" altLang="en-US"/>
           </a:p>
@@ -1398,7 +1404,7 @@
           <a:p>
             <a:fld id="{E871AFEF-E56D-43CB-B2BD-C2590331E35B}" type="datetimeFigureOut">
               <a:rPr lang="ko-KR" altLang="en-US" smtClean="0"/>
-              <a:t>2021-11-24</a:t>
+              <a:t>2021. 11. 25.</a:t>
             </a:fld>
             <a:endParaRPr lang="ko-KR" altLang="en-US"/>
           </a:p>
@@ -1810,7 +1816,7 @@
           <a:p>
             <a:fld id="{E871AFEF-E56D-43CB-B2BD-C2590331E35B}" type="datetimeFigureOut">
               <a:rPr lang="ko-KR" altLang="en-US" smtClean="0"/>
-              <a:t>2021-11-24</a:t>
+              <a:t>2021. 11. 25.</a:t>
             </a:fld>
             <a:endParaRPr lang="ko-KR" altLang="en-US"/>
           </a:p>
@@ -1951,7 +1957,7 @@
           <a:p>
             <a:fld id="{E871AFEF-E56D-43CB-B2BD-C2590331E35B}" type="datetimeFigureOut">
               <a:rPr lang="ko-KR" altLang="en-US" smtClean="0"/>
-              <a:t>2021-11-24</a:t>
+              <a:t>2021. 11. 25.</a:t>
             </a:fld>
             <a:endParaRPr lang="ko-KR" altLang="en-US"/>
           </a:p>
@@ -2064,7 +2070,7 @@
           <a:p>
             <a:fld id="{E871AFEF-E56D-43CB-B2BD-C2590331E35B}" type="datetimeFigureOut">
               <a:rPr lang="ko-KR" altLang="en-US" smtClean="0"/>
-              <a:t>2021-11-24</a:t>
+              <a:t>2021. 11. 25.</a:t>
             </a:fld>
             <a:endParaRPr lang="ko-KR" altLang="en-US"/>
           </a:p>
@@ -2375,7 +2381,7 @@
           <a:p>
             <a:fld id="{E871AFEF-E56D-43CB-B2BD-C2590331E35B}" type="datetimeFigureOut">
               <a:rPr lang="ko-KR" altLang="en-US" smtClean="0"/>
-              <a:t>2021-11-24</a:t>
+              <a:t>2021. 11. 25.</a:t>
             </a:fld>
             <a:endParaRPr lang="ko-KR" altLang="en-US"/>
           </a:p>
@@ -2663,7 +2669,7 @@
           <a:p>
             <a:fld id="{E871AFEF-E56D-43CB-B2BD-C2590331E35B}" type="datetimeFigureOut">
               <a:rPr lang="ko-KR" altLang="en-US" smtClean="0"/>
-              <a:t>2021-11-24</a:t>
+              <a:t>2021. 11. 25.</a:t>
             </a:fld>
             <a:endParaRPr lang="ko-KR" altLang="en-US"/>
           </a:p>
@@ -2904,7 +2910,7 @@
           <a:p>
             <a:fld id="{E871AFEF-E56D-43CB-B2BD-C2590331E35B}" type="datetimeFigureOut">
               <a:rPr lang="ko-KR" altLang="en-US" smtClean="0"/>
-              <a:t>2021-11-24</a:t>
+              <a:t>2021. 11. 25.</a:t>
             </a:fld>
             <a:endParaRPr lang="ko-KR" altLang="en-US"/>
           </a:p>
@@ -3336,14 +3342,1277 @@
           <p:nvPr>
             <p:extLst>
               <p:ext uri="{D42A27DB-BD31-4B8C-83A1-F6EECF244321}">
-                <p14:modId xmlns:p14="http://schemas.microsoft.com/office/powerpoint/2010/main" val="1979026485"/>
+                <p14:modId xmlns:p14="http://schemas.microsoft.com/office/powerpoint/2010/main" val="1385150891"/>
               </p:ext>
             </p:extLst>
           </p:nvPr>
         </p:nvGraphicFramePr>
         <p:xfrm>
-          <a:off x="344742" y="213690"/>
-          <a:ext cx="3223664" cy="3667760"/>
+          <a:off x="248016" y="62312"/>
+          <a:ext cx="3223664" cy="3550920"/>
+        </p:xfrm>
+        <a:graphic>
+          <a:graphicData uri="http://schemas.openxmlformats.org/drawingml/2006/table">
+            <a:tbl>
+              <a:tblPr firstRow="1" bandRow="1">
+                <a:tableStyleId>{5C22544A-7EE6-4342-B048-85BDC9FD1C3A}</a:tableStyleId>
+              </a:tblPr>
+              <a:tblGrid>
+                <a:gridCol w="1377732">
+                  <a:extLst>
+                    <a:ext uri="{9D8B030D-6E8A-4147-A177-3AD203B41FA5}">
+                      <a16:colId xmlns:a16="http://schemas.microsoft.com/office/drawing/2014/main" val="3704678566"/>
+                    </a:ext>
+                  </a:extLst>
+                </a:gridCol>
+                <a:gridCol w="1845932">
+                  <a:extLst>
+                    <a:ext uri="{9D8B030D-6E8A-4147-A177-3AD203B41FA5}">
+                      <a16:colId xmlns:a16="http://schemas.microsoft.com/office/drawing/2014/main" val="2644198070"/>
+                    </a:ext>
+                  </a:extLst>
+                </a:gridCol>
+              </a:tblGrid>
+              <a:tr h="294498">
+                <a:tc gridSpan="2">
+                  <a:txBody>
+                    <a:bodyPr/>
+                    <a:lstStyle/>
+                    <a:p>
+                      <a:pPr algn="ctr" latinLnBrk="1"/>
+                      <a:r>
+                        <a:rPr lang="en-US" altLang="ko-KR" sz="1400" dirty="0"/>
+                        <a:t>Member</a:t>
+                      </a:r>
+                      <a:endParaRPr lang="ko-KR" altLang="en-US" sz="1400" dirty="0"/>
+                    </a:p>
+                  </a:txBody>
+                  <a:tcPr/>
+                </a:tc>
+                <a:tc hMerge="1">
+                  <a:txBody>
+                    <a:bodyPr/>
+                    <a:lstStyle/>
+                    <a:p>
+                      <a:pPr algn="ctr" latinLnBrk="1"/>
+                      <a:endParaRPr lang="ko-KR" altLang="en-US" dirty="0"/>
+                    </a:p>
+                  </a:txBody>
+                  <a:tcPr/>
+                </a:tc>
+                <a:extLst>
+                  <a:ext uri="{0D108BD9-81ED-4DB2-BD59-A6C34878D82A}">
+                    <a16:rowId xmlns:a16="http://schemas.microsoft.com/office/drawing/2014/main" val="3908604909"/>
+                  </a:ext>
+                </a:extLst>
+              </a:tr>
+              <a:tr h="370840">
+                <a:tc>
+                  <a:txBody>
+                    <a:bodyPr/>
+                    <a:lstStyle/>
+                    <a:p>
+                      <a:pPr algn="l" latinLnBrk="1"/>
+                      <a:r>
+                        <a:rPr lang="en-US" altLang="ko-KR" sz="1400" dirty="0"/>
+                        <a:t>id</a:t>
+                      </a:r>
+                      <a:endParaRPr lang="ko-KR" altLang="en-US" sz="1400" dirty="0"/>
+                    </a:p>
+                  </a:txBody>
+                  <a:tcPr/>
+                </a:tc>
+                <a:tc>
+                  <a:txBody>
+                    <a:bodyPr/>
+                    <a:lstStyle/>
+                    <a:p>
+                      <a:pPr algn="ctr" latinLnBrk="1"/>
+                      <a:r>
+                        <a:rPr lang="en-US" altLang="ko-KR" sz="1400" dirty="0"/>
+                        <a:t>Long</a:t>
+                      </a:r>
+                      <a:endParaRPr lang="ko-KR" altLang="en-US" sz="1400" dirty="0"/>
+                    </a:p>
+                  </a:txBody>
+                  <a:tcPr/>
+                </a:tc>
+                <a:extLst>
+                  <a:ext uri="{0D108BD9-81ED-4DB2-BD59-A6C34878D82A}">
+                    <a16:rowId xmlns:a16="http://schemas.microsoft.com/office/drawing/2014/main" val="1439998827"/>
+                  </a:ext>
+                </a:extLst>
+              </a:tr>
+              <a:tr h="370840">
+                <a:tc>
+                  <a:txBody>
+                    <a:bodyPr/>
+                    <a:lstStyle/>
+                    <a:p>
+                      <a:pPr algn="l" latinLnBrk="1"/>
+                      <a:r>
+                        <a:rPr lang="en-US" altLang="ko-KR" sz="1400" dirty="0"/>
+                        <a:t>name</a:t>
+                      </a:r>
+                      <a:endParaRPr lang="ko-KR" altLang="en-US" sz="1400" dirty="0"/>
+                    </a:p>
+                  </a:txBody>
+                  <a:tcPr/>
+                </a:tc>
+                <a:tc>
+                  <a:txBody>
+                    <a:bodyPr/>
+                    <a:lstStyle/>
+                    <a:p>
+                      <a:pPr algn="ctr" latinLnBrk="1"/>
+                      <a:r>
+                        <a:rPr lang="en-US" altLang="ko-KR" sz="1400" dirty="0"/>
+                        <a:t>String</a:t>
+                      </a:r>
+                      <a:endParaRPr lang="ko-KR" altLang="en-US" sz="1400" dirty="0"/>
+                    </a:p>
+                  </a:txBody>
+                  <a:tcPr/>
+                </a:tc>
+                <a:extLst>
+                  <a:ext uri="{0D108BD9-81ED-4DB2-BD59-A6C34878D82A}">
+                    <a16:rowId xmlns:a16="http://schemas.microsoft.com/office/drawing/2014/main" val="3998362511"/>
+                  </a:ext>
+                </a:extLst>
+              </a:tr>
+              <a:tr h="370840">
+                <a:tc>
+                  <a:txBody>
+                    <a:bodyPr/>
+                    <a:lstStyle/>
+                    <a:p>
+                      <a:pPr algn="l" latinLnBrk="1"/>
+                      <a:r>
+                        <a:rPr lang="en-US" altLang="ko-KR" sz="1400" dirty="0"/>
+                        <a:t>email</a:t>
+                      </a:r>
+                      <a:endParaRPr lang="ko-KR" altLang="en-US" sz="1400" dirty="0"/>
+                    </a:p>
+                  </a:txBody>
+                  <a:tcPr/>
+                </a:tc>
+                <a:tc>
+                  <a:txBody>
+                    <a:bodyPr/>
+                    <a:lstStyle/>
+                    <a:p>
+                      <a:pPr algn="ctr" latinLnBrk="1"/>
+                      <a:r>
+                        <a:rPr lang="en-US" altLang="ko-KR" sz="1400" dirty="0"/>
+                        <a:t>String</a:t>
+                      </a:r>
+                      <a:endParaRPr lang="ko-KR" altLang="en-US" sz="1400" dirty="0"/>
+                    </a:p>
+                  </a:txBody>
+                  <a:tcPr/>
+                </a:tc>
+                <a:extLst>
+                  <a:ext uri="{0D108BD9-81ED-4DB2-BD59-A6C34878D82A}">
+                    <a16:rowId xmlns:a16="http://schemas.microsoft.com/office/drawing/2014/main" val="3072322551"/>
+                  </a:ext>
+                </a:extLst>
+              </a:tr>
+              <a:tr h="0">
+                <a:tc>
+                  <a:txBody>
+                    <a:bodyPr/>
+                    <a:lstStyle/>
+                    <a:p>
+                      <a:pPr algn="l" latinLnBrk="1"/>
+                      <a:r>
+                        <a:rPr lang="en-US" altLang="ko-KR" sz="1400" dirty="0"/>
+                        <a:t>password</a:t>
+                      </a:r>
+                      <a:endParaRPr lang="ko-KR" altLang="en-US" sz="1400" dirty="0"/>
+                    </a:p>
+                  </a:txBody>
+                  <a:tcPr/>
+                </a:tc>
+                <a:tc>
+                  <a:txBody>
+                    <a:bodyPr/>
+                    <a:lstStyle/>
+                    <a:p>
+                      <a:pPr algn="ctr" latinLnBrk="1"/>
+                      <a:r>
+                        <a:rPr lang="en-US" altLang="ko-KR" sz="1400" dirty="0"/>
+                        <a:t>String</a:t>
+                      </a:r>
+                      <a:endParaRPr lang="ko-KR" altLang="en-US" sz="1400" dirty="0"/>
+                    </a:p>
+                  </a:txBody>
+                  <a:tcPr/>
+                </a:tc>
+                <a:extLst>
+                  <a:ext uri="{0D108BD9-81ED-4DB2-BD59-A6C34878D82A}">
+                    <a16:rowId xmlns:a16="http://schemas.microsoft.com/office/drawing/2014/main" val="481429477"/>
+                  </a:ext>
+                </a:extLst>
+              </a:tr>
+              <a:tr h="217424">
+                <a:tc>
+                  <a:txBody>
+                    <a:bodyPr/>
+                    <a:lstStyle/>
+                    <a:p>
+                      <a:pPr algn="l" latinLnBrk="1"/>
+                      <a:r>
+                        <a:rPr lang="en-US" altLang="ko-KR" sz="1400" dirty="0"/>
+                        <a:t>point</a:t>
+                      </a:r>
+                      <a:endParaRPr lang="ko-KR" altLang="en-US" sz="1400" dirty="0"/>
+                    </a:p>
+                  </a:txBody>
+                  <a:tcPr/>
+                </a:tc>
+                <a:tc>
+                  <a:txBody>
+                    <a:bodyPr/>
+                    <a:lstStyle/>
+                    <a:p>
+                      <a:pPr algn="ctr" latinLnBrk="1"/>
+                      <a:r>
+                        <a:rPr lang="en-US" altLang="ko-KR" sz="1400" dirty="0"/>
+                        <a:t>Integer</a:t>
+                      </a:r>
+                      <a:endParaRPr lang="ko-KR" altLang="en-US" sz="1400" dirty="0"/>
+                    </a:p>
+                  </a:txBody>
+                  <a:tcPr/>
+                </a:tc>
+                <a:extLst>
+                  <a:ext uri="{0D108BD9-81ED-4DB2-BD59-A6C34878D82A}">
+                    <a16:rowId xmlns:a16="http://schemas.microsoft.com/office/drawing/2014/main" val="4166403407"/>
+                  </a:ext>
+                </a:extLst>
+              </a:tr>
+              <a:tr h="217424">
+                <a:tc>
+                  <a:txBody>
+                    <a:bodyPr/>
+                    <a:lstStyle/>
+                    <a:p>
+                      <a:pPr algn="l" latinLnBrk="1"/>
+                      <a:r>
+                        <a:rPr lang="en-US" altLang="ko-KR" sz="1400" dirty="0"/>
+                        <a:t>state</a:t>
+                      </a:r>
+                      <a:endParaRPr lang="ko-KR" altLang="en-US" sz="1400" dirty="0"/>
+                    </a:p>
+                  </a:txBody>
+                  <a:tcPr/>
+                </a:tc>
+                <a:tc>
+                  <a:txBody>
+                    <a:bodyPr/>
+                    <a:lstStyle/>
+                    <a:p>
+                      <a:pPr algn="ctr" latinLnBrk="1"/>
+                      <a:r>
+                        <a:rPr lang="en" altLang="ko-Kore-KR" sz="1400" dirty="0" err="1"/>
+                        <a:t>MemberState</a:t>
+                      </a:r>
+                      <a:r>
+                        <a:rPr lang="en" altLang="ko-Kore-KR" sz="1400" dirty="0"/>
+                        <a:t>(</a:t>
+                      </a:r>
+                      <a:r>
+                        <a:rPr lang="en" altLang="ko-Kore-KR" sz="1400" dirty="0" err="1"/>
+                        <a:t>enum</a:t>
+                      </a:r>
+                      <a:r>
+                        <a:rPr lang="en" altLang="ko-Kore-KR" sz="1400" dirty="0"/>
+                        <a:t>)</a:t>
+                      </a:r>
+                      <a:endParaRPr lang="ko-KR" altLang="en-US" sz="1400" dirty="0"/>
+                    </a:p>
+                  </a:txBody>
+                  <a:tcPr/>
+                </a:tc>
+                <a:extLst>
+                  <a:ext uri="{0D108BD9-81ED-4DB2-BD59-A6C34878D82A}">
+                    <a16:rowId xmlns:a16="http://schemas.microsoft.com/office/drawing/2014/main" val="188654072"/>
+                  </a:ext>
+                </a:extLst>
+              </a:tr>
+              <a:tr h="217424">
+                <a:tc>
+                  <a:txBody>
+                    <a:bodyPr/>
+                    <a:lstStyle/>
+                    <a:p>
+                      <a:pPr algn="l" latinLnBrk="1"/>
+                      <a:r>
+                        <a:rPr lang="en" altLang="ko-KR" sz="1400" kern="1200" dirty="0">
+                          <a:solidFill>
+                            <a:schemeClr val="dk1"/>
+                          </a:solidFill>
+                          <a:effectLst/>
+                          <a:latin typeface="+mn-lt"/>
+                          <a:ea typeface="+mn-ea"/>
+                          <a:cs typeface="+mn-cs"/>
+                        </a:rPr>
+                        <a:t>orders</a:t>
+                      </a:r>
+                      <a:endParaRPr lang="ko-KR" altLang="en-US" sz="1400" dirty="0"/>
+                    </a:p>
+                  </a:txBody>
+                  <a:tcPr/>
+                </a:tc>
+                <a:tc>
+                  <a:txBody>
+                    <a:bodyPr/>
+                    <a:lstStyle/>
+                    <a:p>
+                      <a:pPr algn="ctr" latinLnBrk="1"/>
+                      <a:r>
+                        <a:rPr lang="en-US" altLang="ko-KR" sz="1400" dirty="0"/>
+                        <a:t>List&lt;Order&gt;</a:t>
+                      </a:r>
+                      <a:endParaRPr lang="ko-KR" altLang="en-US" sz="1400" dirty="0"/>
+                    </a:p>
+                  </a:txBody>
+                  <a:tcPr/>
+                </a:tc>
+                <a:extLst>
+                  <a:ext uri="{0D108BD9-81ED-4DB2-BD59-A6C34878D82A}">
+                    <a16:rowId xmlns:a16="http://schemas.microsoft.com/office/drawing/2014/main" val="2596554188"/>
+                  </a:ext>
+                </a:extLst>
+              </a:tr>
+              <a:tr h="217424">
+                <a:tc>
+                  <a:txBody>
+                    <a:bodyPr/>
+                    <a:lstStyle/>
+                    <a:p>
+                      <a:pPr algn="l" latinLnBrk="1"/>
+                      <a:r>
+                        <a:rPr lang="en" altLang="ko-Kore-KR" sz="1400" kern="1200" dirty="0" err="1">
+                          <a:solidFill>
+                            <a:schemeClr val="dk1"/>
+                          </a:solidFill>
+                          <a:effectLst/>
+                          <a:latin typeface="+mn-lt"/>
+                          <a:ea typeface="+mn-ea"/>
+                          <a:cs typeface="+mn-cs"/>
+                        </a:rPr>
+                        <a:t>pointHistory</a:t>
+                      </a:r>
+                      <a:endParaRPr lang="ko-KR" altLang="en-US" sz="1400" dirty="0"/>
+                    </a:p>
+                  </a:txBody>
+                  <a:tcPr/>
+                </a:tc>
+                <a:tc>
+                  <a:txBody>
+                    <a:bodyPr/>
+                    <a:lstStyle/>
+                    <a:p>
+                      <a:pPr algn="ctr" latinLnBrk="1"/>
+                      <a:r>
+                        <a:rPr lang="en-US" altLang="ko-KR" sz="1400" dirty="0"/>
+                        <a:t>List&lt;Point&gt;</a:t>
+                      </a:r>
+                      <a:endParaRPr lang="ko-KR" altLang="en-US" sz="1400" dirty="0"/>
+                    </a:p>
+                  </a:txBody>
+                  <a:tcPr/>
+                </a:tc>
+                <a:extLst>
+                  <a:ext uri="{0D108BD9-81ED-4DB2-BD59-A6C34878D82A}">
+                    <a16:rowId xmlns:a16="http://schemas.microsoft.com/office/drawing/2014/main" val="2956083767"/>
+                  </a:ext>
+                </a:extLst>
+              </a:tr>
+              <a:tr h="217424">
+                <a:tc>
+                  <a:txBody>
+                    <a:bodyPr/>
+                    <a:lstStyle/>
+                    <a:p>
+                      <a:pPr algn="l" latinLnBrk="1"/>
+                      <a:r>
+                        <a:rPr lang="en" altLang="ko-Kore-KR" sz="1400" kern="1200" dirty="0" err="1">
+                          <a:solidFill>
+                            <a:schemeClr val="dk1"/>
+                          </a:solidFill>
+                          <a:effectLst/>
+                          <a:latin typeface="+mn-lt"/>
+                          <a:ea typeface="+mn-ea"/>
+                          <a:cs typeface="+mn-cs"/>
+                        </a:rPr>
+                        <a:t>purchasedList</a:t>
+                      </a:r>
+                      <a:endParaRPr lang="ko-KR" altLang="en-US" sz="1400" dirty="0"/>
+                    </a:p>
+                  </a:txBody>
+                  <a:tcPr/>
+                </a:tc>
+                <a:tc>
+                  <a:txBody>
+                    <a:bodyPr/>
+                    <a:lstStyle/>
+                    <a:p>
+                      <a:pPr algn="ctr" latinLnBrk="1"/>
+                      <a:r>
+                        <a:rPr lang="en-US" altLang="ko-KR" sz="1400" dirty="0"/>
+                        <a:t>List&lt;Purchased&gt; </a:t>
+                      </a:r>
+                      <a:endParaRPr lang="ko-KR" altLang="en-US" sz="1400" dirty="0"/>
+                    </a:p>
+                  </a:txBody>
+                  <a:tcPr/>
+                </a:tc>
+                <a:extLst>
+                  <a:ext uri="{0D108BD9-81ED-4DB2-BD59-A6C34878D82A}">
+                    <a16:rowId xmlns:a16="http://schemas.microsoft.com/office/drawing/2014/main" val="4099654682"/>
+                  </a:ext>
+                </a:extLst>
+              </a:tr>
+              <a:tr h="217424">
+                <a:tc>
+                  <a:txBody>
+                    <a:bodyPr/>
+                    <a:lstStyle/>
+                    <a:p>
+                      <a:pPr algn="l" latinLnBrk="1"/>
+                      <a:r>
+                        <a:rPr lang="en-US" altLang="ko-KR" sz="1400" dirty="0"/>
+                        <a:t>cart</a:t>
+                      </a:r>
+                      <a:endParaRPr lang="ko-KR" altLang="en-US" sz="1400" dirty="0"/>
+                    </a:p>
+                  </a:txBody>
+                  <a:tcPr/>
+                </a:tc>
+                <a:tc>
+                  <a:txBody>
+                    <a:bodyPr/>
+                    <a:lstStyle/>
+                    <a:p>
+                      <a:pPr algn="ctr" latinLnBrk="1"/>
+                      <a:r>
+                        <a:rPr lang="en-US" altLang="ko-KR" sz="1400" dirty="0"/>
+                        <a:t>Cart</a:t>
+                      </a:r>
+                      <a:endParaRPr lang="ko-KR" altLang="en-US" sz="1400" dirty="0"/>
+                    </a:p>
+                  </a:txBody>
+                  <a:tcPr/>
+                </a:tc>
+                <a:extLst>
+                  <a:ext uri="{0D108BD9-81ED-4DB2-BD59-A6C34878D82A}">
+                    <a16:rowId xmlns:a16="http://schemas.microsoft.com/office/drawing/2014/main" val="2843266301"/>
+                  </a:ext>
+                </a:extLst>
+              </a:tr>
+            </a:tbl>
+          </a:graphicData>
+        </a:graphic>
+      </p:graphicFrame>
+      <p:graphicFrame>
+        <p:nvGraphicFramePr>
+          <p:cNvPr id="5" name="표 4">
+            <a:extLst>
+              <a:ext uri="{FF2B5EF4-FFF2-40B4-BE49-F238E27FC236}">
+                <a16:creationId xmlns:a16="http://schemas.microsoft.com/office/drawing/2014/main" id="{B800F02D-C648-4A38-8E77-3A41A52B1CF3}"/>
+              </a:ext>
+            </a:extLst>
+          </p:cNvPr>
+          <p:cNvGraphicFramePr>
+            <a:graphicFrameLocks noGrp="1"/>
+          </p:cNvGraphicFramePr>
+          <p:nvPr>
+            <p:extLst>
+              <p:ext uri="{D42A27DB-BD31-4B8C-83A1-F6EECF244321}">
+                <p14:modId xmlns:p14="http://schemas.microsoft.com/office/powerpoint/2010/main" val="2048433754"/>
+              </p:ext>
+            </p:extLst>
+          </p:nvPr>
+        </p:nvGraphicFramePr>
+        <p:xfrm>
+          <a:off x="4099095" y="4279762"/>
+          <a:ext cx="3223664" cy="1046480"/>
+        </p:xfrm>
+        <a:graphic>
+          <a:graphicData uri="http://schemas.openxmlformats.org/drawingml/2006/table">
+            <a:tbl>
+              <a:tblPr firstRow="1" bandRow="1">
+                <a:tableStyleId>{5C22544A-7EE6-4342-B048-85BDC9FD1C3A}</a:tableStyleId>
+              </a:tblPr>
+              <a:tblGrid>
+                <a:gridCol w="1557426">
+                  <a:extLst>
+                    <a:ext uri="{9D8B030D-6E8A-4147-A177-3AD203B41FA5}">
+                      <a16:colId xmlns:a16="http://schemas.microsoft.com/office/drawing/2014/main" val="3704678566"/>
+                    </a:ext>
+                  </a:extLst>
+                </a:gridCol>
+                <a:gridCol w="1666238">
+                  <a:extLst>
+                    <a:ext uri="{9D8B030D-6E8A-4147-A177-3AD203B41FA5}">
+                      <a16:colId xmlns:a16="http://schemas.microsoft.com/office/drawing/2014/main" val="2644198070"/>
+                    </a:ext>
+                  </a:extLst>
+                </a:gridCol>
+              </a:tblGrid>
+              <a:tr h="294498">
+                <a:tc gridSpan="2">
+                  <a:txBody>
+                    <a:bodyPr/>
+                    <a:lstStyle/>
+                    <a:p>
+                      <a:pPr algn="ctr" latinLnBrk="1"/>
+                      <a:r>
+                        <a:rPr lang="en-US" altLang="ko-KR" sz="1400" dirty="0"/>
+                        <a:t>Cart</a:t>
+                      </a:r>
+                      <a:endParaRPr lang="ko-KR" altLang="en-US" sz="1400" dirty="0"/>
+                    </a:p>
+                  </a:txBody>
+                  <a:tcPr anchor="ctr"/>
+                </a:tc>
+                <a:tc hMerge="1">
+                  <a:txBody>
+                    <a:bodyPr/>
+                    <a:lstStyle/>
+                    <a:p>
+                      <a:pPr algn="ctr" latinLnBrk="1"/>
+                      <a:endParaRPr lang="ko-KR" altLang="en-US" dirty="0"/>
+                    </a:p>
+                  </a:txBody>
+                  <a:tcPr/>
+                </a:tc>
+                <a:extLst>
+                  <a:ext uri="{0D108BD9-81ED-4DB2-BD59-A6C34878D82A}">
+                    <a16:rowId xmlns:a16="http://schemas.microsoft.com/office/drawing/2014/main" val="3908604909"/>
+                  </a:ext>
+                </a:extLst>
+              </a:tr>
+              <a:tr h="370840">
+                <a:tc>
+                  <a:txBody>
+                    <a:bodyPr/>
+                    <a:lstStyle/>
+                    <a:p>
+                      <a:pPr algn="l" latinLnBrk="1"/>
+                      <a:r>
+                        <a:rPr lang="en-US" altLang="ko-KR" sz="1400" dirty="0"/>
+                        <a:t>id</a:t>
+                      </a:r>
+                      <a:endParaRPr lang="ko-KR" altLang="en-US" sz="1400" dirty="0"/>
+                    </a:p>
+                  </a:txBody>
+                  <a:tcPr anchor="ctr"/>
+                </a:tc>
+                <a:tc>
+                  <a:txBody>
+                    <a:bodyPr/>
+                    <a:lstStyle/>
+                    <a:p>
+                      <a:pPr algn="ctr" latinLnBrk="1"/>
+                      <a:r>
+                        <a:rPr lang="en-US" altLang="ko-KR" sz="1400" dirty="0"/>
+                        <a:t>Long</a:t>
+                      </a:r>
+                      <a:endParaRPr lang="ko-KR" altLang="en-US" sz="1400" dirty="0"/>
+                    </a:p>
+                  </a:txBody>
+                  <a:tcPr anchor="ctr"/>
+                </a:tc>
+                <a:extLst>
+                  <a:ext uri="{0D108BD9-81ED-4DB2-BD59-A6C34878D82A}">
+                    <a16:rowId xmlns:a16="http://schemas.microsoft.com/office/drawing/2014/main" val="1439998827"/>
+                  </a:ext>
+                </a:extLst>
+              </a:tr>
+              <a:tr h="370840">
+                <a:tc>
+                  <a:txBody>
+                    <a:bodyPr/>
+                    <a:lstStyle/>
+                    <a:p>
+                      <a:pPr marL="0" marR="0" lvl="0" indent="0" algn="l" defTabSz="914400" rtl="0" eaLnBrk="1" fontAlgn="auto" latinLnBrk="1" hangingPunct="1">
+                        <a:lnSpc>
+                          <a:spcPct val="100000"/>
+                        </a:lnSpc>
+                        <a:spcBef>
+                          <a:spcPts val="0"/>
+                        </a:spcBef>
+                        <a:spcAft>
+                          <a:spcPts val="0"/>
+                        </a:spcAft>
+                        <a:buClrTx/>
+                        <a:buSzTx/>
+                        <a:buFontTx/>
+                        <a:buNone/>
+                        <a:tabLst/>
+                        <a:defRPr/>
+                      </a:pPr>
+                      <a:r>
+                        <a:rPr lang="en-US" altLang="ko-KR" sz="1400" dirty="0" err="1"/>
+                        <a:t>cartItems</a:t>
+                      </a:r>
+                      <a:endParaRPr lang="ko-KR" altLang="en-US" sz="1400" dirty="0"/>
+                    </a:p>
+                  </a:txBody>
+                  <a:tcPr anchor="ctr"/>
+                </a:tc>
+                <a:tc>
+                  <a:txBody>
+                    <a:bodyPr/>
+                    <a:lstStyle/>
+                    <a:p>
+                      <a:pPr algn="ctr" latinLnBrk="1"/>
+                      <a:r>
+                        <a:rPr lang="en-US" altLang="ko-KR" sz="1400" dirty="0"/>
+                        <a:t>List&lt;</a:t>
+                      </a:r>
+                      <a:r>
+                        <a:rPr lang="en-US" altLang="ko-KR" sz="1400" dirty="0" err="1"/>
+                        <a:t>CartItem</a:t>
+                      </a:r>
+                      <a:r>
+                        <a:rPr lang="en-US" altLang="ko-KR" sz="1400" dirty="0"/>
+                        <a:t>&gt;</a:t>
+                      </a:r>
+                      <a:endParaRPr lang="ko-KR" altLang="en-US" sz="1400" dirty="0"/>
+                    </a:p>
+                  </a:txBody>
+                  <a:tcPr anchor="ctr"/>
+                </a:tc>
+                <a:extLst>
+                  <a:ext uri="{0D108BD9-81ED-4DB2-BD59-A6C34878D82A}">
+                    <a16:rowId xmlns:a16="http://schemas.microsoft.com/office/drawing/2014/main" val="3072322551"/>
+                  </a:ext>
+                </a:extLst>
+              </a:tr>
+            </a:tbl>
+          </a:graphicData>
+        </a:graphic>
+      </p:graphicFrame>
+      <p:graphicFrame>
+        <p:nvGraphicFramePr>
+          <p:cNvPr id="6" name="표 4">
+            <a:extLst>
+              <a:ext uri="{FF2B5EF4-FFF2-40B4-BE49-F238E27FC236}">
+                <a16:creationId xmlns:a16="http://schemas.microsoft.com/office/drawing/2014/main" id="{09537B2A-925F-4157-86E1-D716F018CA66}"/>
+              </a:ext>
+            </a:extLst>
+          </p:cNvPr>
+          <p:cNvGraphicFramePr>
+            <a:graphicFrameLocks noGrp="1"/>
+          </p:cNvGraphicFramePr>
+          <p:nvPr>
+            <p:extLst>
+              <p:ext uri="{D42A27DB-BD31-4B8C-83A1-F6EECF244321}">
+                <p14:modId xmlns:p14="http://schemas.microsoft.com/office/powerpoint/2010/main" val="2858300241"/>
+              </p:ext>
+            </p:extLst>
+          </p:nvPr>
+        </p:nvGraphicFramePr>
+        <p:xfrm>
+          <a:off x="8577590" y="30364"/>
+          <a:ext cx="3223664" cy="2570480"/>
+        </p:xfrm>
+        <a:graphic>
+          <a:graphicData uri="http://schemas.openxmlformats.org/drawingml/2006/table">
+            <a:tbl>
+              <a:tblPr firstRow="1" bandRow="1">
+                <a:tableStyleId>{5C22544A-7EE6-4342-B048-85BDC9FD1C3A}</a:tableStyleId>
+              </a:tblPr>
+              <a:tblGrid>
+                <a:gridCol w="1608401">
+                  <a:extLst>
+                    <a:ext uri="{9D8B030D-6E8A-4147-A177-3AD203B41FA5}">
+                      <a16:colId xmlns:a16="http://schemas.microsoft.com/office/drawing/2014/main" val="3704678566"/>
+                    </a:ext>
+                  </a:extLst>
+                </a:gridCol>
+                <a:gridCol w="1615263">
+                  <a:extLst>
+                    <a:ext uri="{9D8B030D-6E8A-4147-A177-3AD203B41FA5}">
+                      <a16:colId xmlns:a16="http://schemas.microsoft.com/office/drawing/2014/main" val="2644198070"/>
+                    </a:ext>
+                  </a:extLst>
+                </a:gridCol>
+              </a:tblGrid>
+              <a:tr h="295685">
+                <a:tc gridSpan="2">
+                  <a:txBody>
+                    <a:bodyPr/>
+                    <a:lstStyle/>
+                    <a:p>
+                      <a:pPr algn="ctr" latinLnBrk="1"/>
+                      <a:r>
+                        <a:rPr lang="en-US" altLang="ko-KR" sz="1400" dirty="0"/>
+                        <a:t>Item</a:t>
+                      </a:r>
+                      <a:endParaRPr lang="ko-KR" altLang="en-US" sz="1400" dirty="0"/>
+                    </a:p>
+                  </a:txBody>
+                  <a:tcPr anchor="ctr"/>
+                </a:tc>
+                <a:tc hMerge="1">
+                  <a:txBody>
+                    <a:bodyPr/>
+                    <a:lstStyle/>
+                    <a:p>
+                      <a:pPr algn="ctr" latinLnBrk="1"/>
+                      <a:endParaRPr lang="ko-KR" altLang="en-US" dirty="0"/>
+                    </a:p>
+                  </a:txBody>
+                  <a:tcPr/>
+                </a:tc>
+                <a:extLst>
+                  <a:ext uri="{0D108BD9-81ED-4DB2-BD59-A6C34878D82A}">
+                    <a16:rowId xmlns:a16="http://schemas.microsoft.com/office/drawing/2014/main" val="3908604909"/>
+                  </a:ext>
+                </a:extLst>
+              </a:tr>
+              <a:tr h="370840">
+                <a:tc>
+                  <a:txBody>
+                    <a:bodyPr/>
+                    <a:lstStyle/>
+                    <a:p>
+                      <a:pPr algn="l" latinLnBrk="1"/>
+                      <a:r>
+                        <a:rPr lang="en-US" altLang="ko-KR" sz="1400" dirty="0"/>
+                        <a:t>id</a:t>
+                      </a:r>
+                      <a:endParaRPr lang="ko-KR" altLang="en-US" sz="1400" dirty="0"/>
+                    </a:p>
+                  </a:txBody>
+                  <a:tcPr anchor="ctr"/>
+                </a:tc>
+                <a:tc>
+                  <a:txBody>
+                    <a:bodyPr/>
+                    <a:lstStyle/>
+                    <a:p>
+                      <a:pPr algn="ctr" latinLnBrk="1"/>
+                      <a:r>
+                        <a:rPr lang="en-US" altLang="ko-KR" sz="1400" dirty="0"/>
+                        <a:t>Long</a:t>
+                      </a:r>
+                      <a:endParaRPr lang="ko-KR" altLang="en-US" sz="1400" dirty="0"/>
+                    </a:p>
+                  </a:txBody>
+                  <a:tcPr anchor="ctr"/>
+                </a:tc>
+                <a:extLst>
+                  <a:ext uri="{0D108BD9-81ED-4DB2-BD59-A6C34878D82A}">
+                    <a16:rowId xmlns:a16="http://schemas.microsoft.com/office/drawing/2014/main" val="1439998827"/>
+                  </a:ext>
+                </a:extLst>
+              </a:tr>
+              <a:tr h="370840">
+                <a:tc>
+                  <a:txBody>
+                    <a:bodyPr/>
+                    <a:lstStyle/>
+                    <a:p>
+                      <a:pPr algn="l" latinLnBrk="1"/>
+                      <a:r>
+                        <a:rPr lang="en-US" altLang="ko-KR" sz="1400" dirty="0"/>
+                        <a:t>name</a:t>
+                      </a:r>
+                      <a:endParaRPr lang="ko-KR" altLang="en-US" sz="1400" dirty="0"/>
+                    </a:p>
+                  </a:txBody>
+                  <a:tcPr anchor="ctr"/>
+                </a:tc>
+                <a:tc>
+                  <a:txBody>
+                    <a:bodyPr/>
+                    <a:lstStyle/>
+                    <a:p>
+                      <a:pPr algn="ctr" latinLnBrk="1"/>
+                      <a:r>
+                        <a:rPr lang="en-US" altLang="ko-KR" sz="1400" dirty="0"/>
+                        <a:t>String</a:t>
+                      </a:r>
+                      <a:endParaRPr lang="ko-KR" altLang="en-US" sz="1400" dirty="0"/>
+                    </a:p>
+                  </a:txBody>
+                  <a:tcPr anchor="ctr"/>
+                </a:tc>
+                <a:extLst>
+                  <a:ext uri="{0D108BD9-81ED-4DB2-BD59-A6C34878D82A}">
+                    <a16:rowId xmlns:a16="http://schemas.microsoft.com/office/drawing/2014/main" val="3072322551"/>
+                  </a:ext>
+                </a:extLst>
+              </a:tr>
+              <a:tr h="0">
+                <a:tc>
+                  <a:txBody>
+                    <a:bodyPr/>
+                    <a:lstStyle/>
+                    <a:p>
+                      <a:pPr algn="l" latinLnBrk="1"/>
+                      <a:r>
+                        <a:rPr lang="en-US" altLang="ko-KR" sz="1400" dirty="0"/>
+                        <a:t>price</a:t>
+                      </a:r>
+                      <a:endParaRPr lang="ko-KR" altLang="en-US" sz="1400" dirty="0"/>
+                    </a:p>
+                  </a:txBody>
+                  <a:tcPr anchor="ctr"/>
+                </a:tc>
+                <a:tc>
+                  <a:txBody>
+                    <a:bodyPr/>
+                    <a:lstStyle/>
+                    <a:p>
+                      <a:pPr algn="ctr" latinLnBrk="1"/>
+                      <a:r>
+                        <a:rPr lang="en-US" altLang="ko-KR" sz="1400" dirty="0"/>
+                        <a:t>Integer</a:t>
+                      </a:r>
+                      <a:endParaRPr lang="ko-KR" altLang="en-US" sz="1400" dirty="0"/>
+                    </a:p>
+                  </a:txBody>
+                  <a:tcPr anchor="ctr"/>
+                </a:tc>
+                <a:extLst>
+                  <a:ext uri="{0D108BD9-81ED-4DB2-BD59-A6C34878D82A}">
+                    <a16:rowId xmlns:a16="http://schemas.microsoft.com/office/drawing/2014/main" val="481429477"/>
+                  </a:ext>
+                </a:extLst>
+              </a:tr>
+              <a:tr h="291592">
+                <a:tc>
+                  <a:txBody>
+                    <a:bodyPr/>
+                    <a:lstStyle/>
+                    <a:p>
+                      <a:pPr algn="l" latinLnBrk="1"/>
+                      <a:r>
+                        <a:rPr lang="en-US" altLang="ko-KR" sz="1400" dirty="0"/>
+                        <a:t>description</a:t>
+                      </a:r>
+                      <a:endParaRPr lang="ko-KR" altLang="en-US" sz="1400" dirty="0"/>
+                    </a:p>
+                  </a:txBody>
+                  <a:tcPr anchor="ctr"/>
+                </a:tc>
+                <a:tc>
+                  <a:txBody>
+                    <a:bodyPr/>
+                    <a:lstStyle/>
+                    <a:p>
+                      <a:pPr algn="ctr" latinLnBrk="1"/>
+                      <a:r>
+                        <a:rPr lang="en-US" altLang="ko-KR" sz="1400" dirty="0"/>
+                        <a:t>String</a:t>
+                      </a:r>
+                      <a:endParaRPr lang="ko-KR" altLang="en-US" sz="1400" dirty="0"/>
+                    </a:p>
+                  </a:txBody>
+                  <a:tcPr anchor="ctr"/>
+                </a:tc>
+                <a:extLst>
+                  <a:ext uri="{0D108BD9-81ED-4DB2-BD59-A6C34878D82A}">
+                    <a16:rowId xmlns:a16="http://schemas.microsoft.com/office/drawing/2014/main" val="1828050153"/>
+                  </a:ext>
+                </a:extLst>
+              </a:tr>
+              <a:tr h="217424">
+                <a:tc>
+                  <a:txBody>
+                    <a:bodyPr/>
+                    <a:lstStyle/>
+                    <a:p>
+                      <a:pPr algn="l" latinLnBrk="1"/>
+                      <a:r>
+                        <a:rPr lang="en-US" altLang="ko-KR" sz="1400" dirty="0" err="1"/>
+                        <a:t>fileData</a:t>
+                      </a:r>
+                      <a:endParaRPr lang="ko-KR" altLang="en-US" sz="1400" dirty="0"/>
+                    </a:p>
+                  </a:txBody>
+                  <a:tcPr anchor="ctr"/>
+                </a:tc>
+                <a:tc>
+                  <a:txBody>
+                    <a:bodyPr/>
+                    <a:lstStyle/>
+                    <a:p>
+                      <a:pPr algn="ctr" latinLnBrk="1"/>
+                      <a:r>
+                        <a:rPr lang="en-US" altLang="ko-KR" sz="1400" dirty="0" err="1"/>
+                        <a:t>FileData</a:t>
+                      </a:r>
+                      <a:endParaRPr lang="ko-KR" altLang="en-US" sz="1400" dirty="0"/>
+                    </a:p>
+                  </a:txBody>
+                  <a:tcPr anchor="ctr"/>
+                </a:tc>
+                <a:extLst>
+                  <a:ext uri="{0D108BD9-81ED-4DB2-BD59-A6C34878D82A}">
+                    <a16:rowId xmlns:a16="http://schemas.microsoft.com/office/drawing/2014/main" val="4166403407"/>
+                  </a:ext>
+                </a:extLst>
+              </a:tr>
+              <a:tr h="217424">
+                <a:tc>
+                  <a:txBody>
+                    <a:bodyPr/>
+                    <a:lstStyle/>
+                    <a:p>
+                      <a:pPr algn="l" latinLnBrk="1"/>
+                      <a:r>
+                        <a:rPr lang="en-US" altLang="ko-KR" sz="1400" dirty="0"/>
+                        <a:t>comments</a:t>
+                      </a:r>
+                      <a:endParaRPr lang="ko-KR" altLang="en-US" sz="1400" dirty="0"/>
+                    </a:p>
+                  </a:txBody>
+                  <a:tcPr anchor="ctr"/>
+                </a:tc>
+                <a:tc>
+                  <a:txBody>
+                    <a:bodyPr/>
+                    <a:lstStyle/>
+                    <a:p>
+                      <a:pPr algn="ctr" latinLnBrk="1"/>
+                      <a:r>
+                        <a:rPr lang="en-US" altLang="ko-KR" sz="1400" dirty="0"/>
+                        <a:t>List&lt;Comment&gt;</a:t>
+                      </a:r>
+                      <a:endParaRPr lang="ko-KR" altLang="en-US" sz="1400" dirty="0"/>
+                    </a:p>
+                  </a:txBody>
+                  <a:tcPr anchor="ctr"/>
+                </a:tc>
+                <a:extLst>
+                  <a:ext uri="{0D108BD9-81ED-4DB2-BD59-A6C34878D82A}">
+                    <a16:rowId xmlns:a16="http://schemas.microsoft.com/office/drawing/2014/main" val="4220313337"/>
+                  </a:ext>
+                </a:extLst>
+              </a:tr>
+              <a:tr h="217424">
+                <a:tc>
+                  <a:txBody>
+                    <a:bodyPr/>
+                    <a:lstStyle/>
+                    <a:p>
+                      <a:pPr marL="0" marR="0" lvl="0" indent="0" algn="l" defTabSz="914400" rtl="0" eaLnBrk="1" fontAlgn="auto" latinLnBrk="1" hangingPunct="1">
+                        <a:lnSpc>
+                          <a:spcPct val="100000"/>
+                        </a:lnSpc>
+                        <a:spcBef>
+                          <a:spcPts val="0"/>
+                        </a:spcBef>
+                        <a:spcAft>
+                          <a:spcPts val="0"/>
+                        </a:spcAft>
+                        <a:buClrTx/>
+                        <a:buSzTx/>
+                        <a:buFontTx/>
+                        <a:buNone/>
+                        <a:tabLst/>
+                        <a:defRPr/>
+                      </a:pPr>
+                      <a:r>
+                        <a:rPr lang="en-US" altLang="ko-KR" sz="1400" dirty="0" err="1"/>
+                        <a:t>storeImageName</a:t>
+                      </a:r>
+                      <a:endParaRPr lang="ko-KR" altLang="en-US" sz="1400" dirty="0"/>
+                    </a:p>
+                  </a:txBody>
+                  <a:tcPr anchor="ctr"/>
+                </a:tc>
+                <a:tc>
+                  <a:txBody>
+                    <a:bodyPr/>
+                    <a:lstStyle/>
+                    <a:p>
+                      <a:pPr algn="ctr" latinLnBrk="1"/>
+                      <a:r>
+                        <a:rPr lang="en-US" altLang="ko-KR" sz="1400" dirty="0"/>
+                        <a:t>String</a:t>
+                      </a:r>
+                      <a:endParaRPr lang="ko-KR" altLang="en-US" sz="1400" dirty="0"/>
+                    </a:p>
+                  </a:txBody>
+                  <a:tcPr anchor="ctr"/>
+                </a:tc>
+                <a:extLst>
+                  <a:ext uri="{0D108BD9-81ED-4DB2-BD59-A6C34878D82A}">
+                    <a16:rowId xmlns:a16="http://schemas.microsoft.com/office/drawing/2014/main" val="2853880192"/>
+                  </a:ext>
+                </a:extLst>
+              </a:tr>
+            </a:tbl>
+          </a:graphicData>
+        </a:graphic>
+      </p:graphicFrame>
+      <p:graphicFrame>
+        <p:nvGraphicFramePr>
+          <p:cNvPr id="7" name="표 6">
+            <a:extLst>
+              <a:ext uri="{FF2B5EF4-FFF2-40B4-BE49-F238E27FC236}">
+                <a16:creationId xmlns:a16="http://schemas.microsoft.com/office/drawing/2014/main" id="{868DDB22-03F8-44B4-81C2-12E5E41711B9}"/>
+              </a:ext>
+            </a:extLst>
+          </p:cNvPr>
+          <p:cNvGraphicFramePr>
+            <a:graphicFrameLocks noGrp="1"/>
+          </p:cNvGraphicFramePr>
+          <p:nvPr>
+            <p:extLst>
+              <p:ext uri="{D42A27DB-BD31-4B8C-83A1-F6EECF244321}">
+                <p14:modId xmlns:p14="http://schemas.microsoft.com/office/powerpoint/2010/main" val="1222114532"/>
+              </p:ext>
+            </p:extLst>
+          </p:nvPr>
+        </p:nvGraphicFramePr>
+        <p:xfrm>
+          <a:off x="246036" y="3385682"/>
+          <a:ext cx="3223664" cy="1788160"/>
+        </p:xfrm>
+        <a:graphic>
+          <a:graphicData uri="http://schemas.openxmlformats.org/drawingml/2006/table">
+            <a:tbl>
+              <a:tblPr firstRow="1" bandRow="1">
+                <a:tableStyleId>{5C22544A-7EE6-4342-B048-85BDC9FD1C3A}</a:tableStyleId>
+              </a:tblPr>
+              <a:tblGrid>
+                <a:gridCol w="1188414">
+                  <a:extLst>
+                    <a:ext uri="{9D8B030D-6E8A-4147-A177-3AD203B41FA5}">
+                      <a16:colId xmlns:a16="http://schemas.microsoft.com/office/drawing/2014/main" val="3704678566"/>
+                    </a:ext>
+                  </a:extLst>
+                </a:gridCol>
+                <a:gridCol w="2035250">
+                  <a:extLst>
+                    <a:ext uri="{9D8B030D-6E8A-4147-A177-3AD203B41FA5}">
+                      <a16:colId xmlns:a16="http://schemas.microsoft.com/office/drawing/2014/main" val="2644198070"/>
+                    </a:ext>
+                  </a:extLst>
+                </a:gridCol>
+              </a:tblGrid>
+              <a:tr h="294498">
+                <a:tc gridSpan="2">
+                  <a:txBody>
+                    <a:bodyPr/>
+                    <a:lstStyle/>
+                    <a:p>
+                      <a:pPr algn="ctr" latinLnBrk="1"/>
+                      <a:r>
+                        <a:rPr lang="en-US" altLang="ko-KR" sz="1400" dirty="0"/>
+                        <a:t>Order</a:t>
+                      </a:r>
+                      <a:endParaRPr lang="ko-KR" altLang="en-US" sz="1400" dirty="0"/>
+                    </a:p>
+                  </a:txBody>
+                  <a:tcPr/>
+                </a:tc>
+                <a:tc hMerge="1">
+                  <a:txBody>
+                    <a:bodyPr/>
+                    <a:lstStyle/>
+                    <a:p>
+                      <a:pPr algn="ctr" latinLnBrk="1"/>
+                      <a:endParaRPr lang="ko-KR" altLang="en-US" dirty="0"/>
+                    </a:p>
+                  </a:txBody>
+                  <a:tcPr/>
+                </a:tc>
+                <a:extLst>
+                  <a:ext uri="{0D108BD9-81ED-4DB2-BD59-A6C34878D82A}">
+                    <a16:rowId xmlns:a16="http://schemas.microsoft.com/office/drawing/2014/main" val="3908604909"/>
+                  </a:ext>
+                </a:extLst>
+              </a:tr>
+              <a:tr h="370840">
+                <a:tc>
+                  <a:txBody>
+                    <a:bodyPr/>
+                    <a:lstStyle/>
+                    <a:p>
+                      <a:pPr algn="l" latinLnBrk="1"/>
+                      <a:r>
+                        <a:rPr lang="en-US" altLang="ko-KR" sz="1400" dirty="0"/>
+                        <a:t>id</a:t>
+                      </a:r>
+                      <a:endParaRPr lang="ko-KR" altLang="en-US" sz="1400" dirty="0"/>
+                    </a:p>
+                  </a:txBody>
+                  <a:tcPr anchor="ctr"/>
+                </a:tc>
+                <a:tc>
+                  <a:txBody>
+                    <a:bodyPr/>
+                    <a:lstStyle/>
+                    <a:p>
+                      <a:pPr algn="ctr" latinLnBrk="1"/>
+                      <a:r>
+                        <a:rPr lang="en-US" altLang="ko-KR" sz="1400" dirty="0"/>
+                        <a:t>Long</a:t>
+                      </a:r>
+                      <a:endParaRPr lang="ko-KR" altLang="en-US" sz="1400" dirty="0"/>
+                    </a:p>
+                  </a:txBody>
+                  <a:tcPr anchor="ctr"/>
+                </a:tc>
+                <a:extLst>
+                  <a:ext uri="{0D108BD9-81ED-4DB2-BD59-A6C34878D82A}">
+                    <a16:rowId xmlns:a16="http://schemas.microsoft.com/office/drawing/2014/main" val="1439998827"/>
+                  </a:ext>
+                </a:extLst>
+              </a:tr>
+              <a:tr h="370840">
+                <a:tc>
+                  <a:txBody>
+                    <a:bodyPr/>
+                    <a:lstStyle/>
+                    <a:p>
+                      <a:pPr algn="l" latinLnBrk="1"/>
+                      <a:r>
+                        <a:rPr lang="en-US" altLang="ko-KR" sz="1400" dirty="0"/>
+                        <a:t>Member</a:t>
+                      </a:r>
+                      <a:endParaRPr lang="ko-KR" altLang="en-US" sz="1400" dirty="0"/>
+                    </a:p>
+                  </a:txBody>
+                  <a:tcPr anchor="ctr"/>
+                </a:tc>
+                <a:tc>
+                  <a:txBody>
+                    <a:bodyPr/>
+                    <a:lstStyle/>
+                    <a:p>
+                      <a:pPr algn="ctr" latinLnBrk="1"/>
+                      <a:endParaRPr lang="ko-KR" altLang="en-US" sz="1400" dirty="0"/>
+                    </a:p>
+                  </a:txBody>
+                  <a:tcPr anchor="ctr"/>
+                </a:tc>
+                <a:extLst>
+                  <a:ext uri="{0D108BD9-81ED-4DB2-BD59-A6C34878D82A}">
+                    <a16:rowId xmlns:a16="http://schemas.microsoft.com/office/drawing/2014/main" val="3072322551"/>
+                  </a:ext>
+                </a:extLst>
+              </a:tr>
+              <a:tr h="370840">
+                <a:tc>
+                  <a:txBody>
+                    <a:bodyPr/>
+                    <a:lstStyle/>
+                    <a:p>
+                      <a:pPr algn="l" latinLnBrk="1"/>
+                      <a:r>
+                        <a:rPr lang="en-US" altLang="ko-KR" sz="1400" dirty="0" err="1"/>
+                        <a:t>orderItems</a:t>
+                      </a:r>
+                      <a:endParaRPr lang="ko-KR" altLang="en-US" sz="1400" dirty="0"/>
+                    </a:p>
+                  </a:txBody>
+                  <a:tcPr anchor="ctr"/>
+                </a:tc>
+                <a:tc>
+                  <a:txBody>
+                    <a:bodyPr/>
+                    <a:lstStyle/>
+                    <a:p>
+                      <a:pPr algn="ctr" latinLnBrk="1"/>
+                      <a:r>
+                        <a:rPr lang="en-US" altLang="ko-KR" sz="1400" dirty="0"/>
+                        <a:t>List&lt;</a:t>
+                      </a:r>
+                      <a:r>
+                        <a:rPr lang="en-US" altLang="ko-KR" sz="1400" dirty="0" err="1"/>
+                        <a:t>OrderItem</a:t>
+                      </a:r>
+                      <a:r>
+                        <a:rPr lang="en-US" altLang="ko-KR" sz="1400" dirty="0"/>
+                        <a:t>&gt;</a:t>
+                      </a:r>
+                      <a:endParaRPr lang="ko-KR" altLang="en-US" sz="1400" dirty="0"/>
+                    </a:p>
+                  </a:txBody>
+                  <a:tcPr anchor="ctr"/>
+                </a:tc>
+                <a:extLst>
+                  <a:ext uri="{0D108BD9-81ED-4DB2-BD59-A6C34878D82A}">
+                    <a16:rowId xmlns:a16="http://schemas.microsoft.com/office/drawing/2014/main" val="767628578"/>
+                  </a:ext>
+                </a:extLst>
+              </a:tr>
+              <a:tr h="370840">
+                <a:tc>
+                  <a:txBody>
+                    <a:bodyPr/>
+                    <a:lstStyle/>
+                    <a:p>
+                      <a:pPr algn="l" latinLnBrk="1"/>
+                      <a:r>
+                        <a:rPr lang="en-US" altLang="ko-KR" sz="1400" dirty="0" err="1"/>
+                        <a:t>orderDate</a:t>
+                      </a:r>
+                      <a:endParaRPr lang="ko-KR" altLang="en-US" sz="1400" dirty="0"/>
+                    </a:p>
+                  </a:txBody>
+                  <a:tcPr anchor="ctr"/>
+                </a:tc>
+                <a:tc>
+                  <a:txBody>
+                    <a:bodyPr/>
+                    <a:lstStyle/>
+                    <a:p>
+                      <a:pPr algn="ctr" latinLnBrk="1"/>
+                      <a:r>
+                        <a:rPr lang="en-US" altLang="ko-KR" sz="1400" dirty="0" err="1"/>
+                        <a:t>LocalDateTime</a:t>
+                      </a:r>
+                      <a:endParaRPr lang="ko-KR" altLang="en-US" sz="1400" dirty="0"/>
+                    </a:p>
+                  </a:txBody>
+                  <a:tcPr anchor="ctr"/>
+                </a:tc>
+                <a:extLst>
+                  <a:ext uri="{0D108BD9-81ED-4DB2-BD59-A6C34878D82A}">
+                    <a16:rowId xmlns:a16="http://schemas.microsoft.com/office/drawing/2014/main" val="4131600087"/>
+                  </a:ext>
+                </a:extLst>
+              </a:tr>
+            </a:tbl>
+          </a:graphicData>
+        </a:graphic>
+      </p:graphicFrame>
+      <p:graphicFrame>
+        <p:nvGraphicFramePr>
+          <p:cNvPr id="9" name="표 8">
+            <a:extLst>
+              <a:ext uri="{FF2B5EF4-FFF2-40B4-BE49-F238E27FC236}">
+                <a16:creationId xmlns:a16="http://schemas.microsoft.com/office/drawing/2014/main" id="{49B81A56-31C7-49B5-83DD-06235447AF6F}"/>
+              </a:ext>
+            </a:extLst>
+          </p:cNvPr>
+          <p:cNvGraphicFramePr>
+            <a:graphicFrameLocks noGrp="1"/>
+          </p:cNvGraphicFramePr>
+          <p:nvPr>
+            <p:extLst>
+              <p:ext uri="{D42A27DB-BD31-4B8C-83A1-F6EECF244321}">
+                <p14:modId xmlns:p14="http://schemas.microsoft.com/office/powerpoint/2010/main" val="1978886848"/>
+              </p:ext>
+            </p:extLst>
+          </p:nvPr>
+        </p:nvGraphicFramePr>
+        <p:xfrm>
+          <a:off x="8623594" y="2966604"/>
+          <a:ext cx="3223664" cy="1788160"/>
         </p:xfrm>
         <a:graphic>
           <a:graphicData uri="http://schemas.openxmlformats.org/drawingml/2006/table">
@@ -3375,13 +4644,13 @@
                     <a:p>
                       <a:pPr algn="ctr" latinLnBrk="1"/>
                       <a:r>
-                        <a:rPr lang="en-US" altLang="ko-KR" dirty="0"/>
-                        <a:t>Member</a:t>
-                      </a:r>
-                      <a:endParaRPr lang="ko-KR" altLang="en-US" dirty="0"/>
-                    </a:p>
-                  </a:txBody>
-                  <a:tcPr/>
+                        <a:rPr lang="en-US" altLang="ko-KR" sz="1400" dirty="0"/>
+                        <a:t>Comment</a:t>
+                      </a:r>
+                      <a:endParaRPr lang="ko-KR" altLang="en-US" sz="1400" dirty="0"/>
+                    </a:p>
+                  </a:txBody>
+                  <a:tcPr anchor="ctr"/>
                 </a:tc>
                 <a:tc hMerge="1">
                   <a:txBody>
@@ -3408,13 +4677,13 @@
                     <a:p>
                       <a:pPr algn="l" latinLnBrk="1"/>
                       <a:r>
-                        <a:rPr lang="en-US" altLang="ko-KR" dirty="0" err="1"/>
-                        <a:t>member_id</a:t>
-                      </a:r>
-                      <a:endParaRPr lang="ko-KR" altLang="en-US" dirty="0"/>
-                    </a:p>
-                  </a:txBody>
-                  <a:tcPr/>
+                        <a:rPr lang="en-US" altLang="ko-KR" sz="1400" dirty="0"/>
+                        <a:t>id</a:t>
+                      </a:r>
+                      <a:endParaRPr lang="ko-KR" altLang="en-US" sz="1400" dirty="0"/>
+                    </a:p>
+                  </a:txBody>
+                  <a:tcPr anchor="ctr"/>
                 </a:tc>
                 <a:tc>
                   <a:txBody>
@@ -3423,13 +4692,13 @@
                     <a:p>
                       <a:pPr algn="ctr" latinLnBrk="1"/>
                       <a:r>
-                        <a:rPr lang="en-US" altLang="ko-KR" dirty="0"/>
+                        <a:rPr lang="en-US" altLang="ko-KR" sz="1400" dirty="0"/>
                         <a:t>Long</a:t>
                       </a:r>
-                      <a:endParaRPr lang="ko-KR" altLang="en-US" dirty="0"/>
-                    </a:p>
-                  </a:txBody>
-                  <a:tcPr/>
+                      <a:endParaRPr lang="ko-KR" altLang="en-US" sz="1400" dirty="0"/>
+                    </a:p>
+                  </a:txBody>
+                  <a:tcPr anchor="ctr"/>
                 </a:tc>
                 <a:extLst>
                   <a:ext uri="{0D108BD9-81ED-4DB2-BD59-A6C34878D82A}">
@@ -3445,13 +4714,13 @@
                     <a:p>
                       <a:pPr algn="l" latinLnBrk="1"/>
                       <a:r>
-                        <a:rPr lang="en-US" altLang="ko-KR" dirty="0"/>
-                        <a:t>email</a:t>
-                      </a:r>
-                      <a:endParaRPr lang="ko-KR" altLang="en-US" dirty="0"/>
-                    </a:p>
-                  </a:txBody>
-                  <a:tcPr/>
+                        <a:rPr lang="en-US" altLang="ko-KR" sz="1400" dirty="0"/>
+                        <a:t>item</a:t>
+                      </a:r>
+                      <a:endParaRPr lang="ko-KR" altLang="en-US" sz="1400" dirty="0"/>
+                    </a:p>
+                  </a:txBody>
+                  <a:tcPr anchor="ctr"/>
                 </a:tc>
                 <a:tc>
                   <a:txBody>
@@ -3460,13 +4729,13 @@
                     <a:p>
                       <a:pPr algn="ctr" latinLnBrk="1"/>
                       <a:r>
-                        <a:rPr lang="en-US" altLang="ko-KR" dirty="0"/>
-                        <a:t>String</a:t>
-                      </a:r>
-                      <a:endParaRPr lang="ko-KR" altLang="en-US" dirty="0"/>
-                    </a:p>
-                  </a:txBody>
-                  <a:tcPr/>
+                        <a:rPr lang="en-US" altLang="ko-KR" sz="1400" dirty="0"/>
+                        <a:t>Item</a:t>
+                      </a:r>
+                      <a:endParaRPr lang="ko-KR" altLang="en-US" sz="1400" dirty="0"/>
+                    </a:p>
+                  </a:txBody>
+                  <a:tcPr anchor="ctr"/>
                 </a:tc>
                 <a:extLst>
                   <a:ext uri="{0D108BD9-81ED-4DB2-BD59-A6C34878D82A}">
@@ -3474,7 +4743,7 @@
                   </a:ext>
                 </a:extLst>
               </a:tr>
-              <a:tr h="0">
+              <a:tr h="370840">
                 <a:tc>
                   <a:txBody>
                     <a:bodyPr/>
@@ -3482,13 +4751,13 @@
                     <a:p>
                       <a:pPr algn="l" latinLnBrk="1"/>
                       <a:r>
-                        <a:rPr lang="en-US" altLang="ko-KR" dirty="0"/>
-                        <a:t>password</a:t>
-                      </a:r>
-                      <a:endParaRPr lang="ko-KR" altLang="en-US" dirty="0"/>
-                    </a:p>
-                  </a:txBody>
-                  <a:tcPr/>
+                        <a:rPr lang="en-US" altLang="ko-KR" sz="1400" dirty="0"/>
+                        <a:t>member</a:t>
+                      </a:r>
+                      <a:endParaRPr lang="ko-KR" altLang="en-US" sz="1400" dirty="0"/>
+                    </a:p>
+                  </a:txBody>
+                  <a:tcPr anchor="ctr"/>
                 </a:tc>
                 <a:tc>
                   <a:txBody>
@@ -3497,21 +4766,21 @@
                     <a:p>
                       <a:pPr algn="ctr" latinLnBrk="1"/>
                       <a:r>
-                        <a:rPr lang="en-US" altLang="ko-KR" dirty="0"/>
-                        <a:t>String</a:t>
-                      </a:r>
-                      <a:endParaRPr lang="ko-KR" altLang="en-US" dirty="0"/>
-                    </a:p>
-                  </a:txBody>
-                  <a:tcPr/>
+                        <a:rPr lang="en-US" altLang="ko-KR" sz="1400" dirty="0"/>
+                        <a:t>Member</a:t>
+                      </a:r>
+                      <a:endParaRPr lang="ko-KR" altLang="en-US" sz="1400" dirty="0"/>
+                    </a:p>
+                  </a:txBody>
+                  <a:tcPr anchor="ctr"/>
                 </a:tc>
                 <a:extLst>
                   <a:ext uri="{0D108BD9-81ED-4DB2-BD59-A6C34878D82A}">
-                    <a16:rowId xmlns:a16="http://schemas.microsoft.com/office/drawing/2014/main" val="481429477"/>
+                    <a16:rowId xmlns:a16="http://schemas.microsoft.com/office/drawing/2014/main" val="1880701103"/>
                   </a:ext>
                 </a:extLst>
               </a:tr>
-              <a:tr h="217424">
+              <a:tr h="370840">
                 <a:tc>
                   <a:txBody>
                     <a:bodyPr/>
@@ -3519,13 +4788,13 @@
                     <a:p>
                       <a:pPr algn="l" latinLnBrk="1"/>
                       <a:r>
-                        <a:rPr lang="en-US" altLang="ko-KR" dirty="0"/>
-                        <a:t>point</a:t>
-                      </a:r>
-                      <a:endParaRPr lang="ko-KR" altLang="en-US" dirty="0"/>
-                    </a:p>
-                  </a:txBody>
-                  <a:tcPr/>
+                        <a:rPr lang="en-US" altLang="ko-KR" sz="1400" dirty="0"/>
+                        <a:t>content</a:t>
+                      </a:r>
+                      <a:endParaRPr lang="ko-KR" altLang="en-US" sz="1400" dirty="0"/>
+                    </a:p>
+                  </a:txBody>
+                  <a:tcPr anchor="ctr"/>
                 </a:tc>
                 <a:tc>
                   <a:txBody>
@@ -3534,182 +4803,17 @@
                     <a:p>
                       <a:pPr algn="ctr" latinLnBrk="1"/>
                       <a:r>
-                        <a:rPr lang="en-US" altLang="ko-KR" dirty="0"/>
-                        <a:t>Integer</a:t>
-                      </a:r>
-                      <a:endParaRPr lang="ko-KR" altLang="en-US" dirty="0"/>
-                    </a:p>
-                  </a:txBody>
-                  <a:tcPr/>
+                        <a:rPr lang="en-US" altLang="ko-KR" sz="1400" dirty="0"/>
+                        <a:t>String</a:t>
+                      </a:r>
+                      <a:endParaRPr lang="ko-KR" altLang="en-US" sz="1400" dirty="0"/>
+                    </a:p>
+                  </a:txBody>
+                  <a:tcPr anchor="ctr"/>
                 </a:tc>
                 <a:extLst>
                   <a:ext uri="{0D108BD9-81ED-4DB2-BD59-A6C34878D82A}">
-                    <a16:rowId xmlns:a16="http://schemas.microsoft.com/office/drawing/2014/main" val="4166403407"/>
-                  </a:ext>
-                </a:extLst>
-              </a:tr>
-              <a:tr h="217424">
-                <a:tc>
-                  <a:txBody>
-                    <a:bodyPr/>
-                    <a:lstStyle/>
-                    <a:p>
-                      <a:pPr algn="l" latinLnBrk="1"/>
-                      <a:r>
-                        <a:rPr lang="en-US" altLang="ko-KR" dirty="0"/>
-                        <a:t>state</a:t>
-                      </a:r>
-                      <a:endParaRPr lang="ko-KR" altLang="en-US" dirty="0"/>
-                    </a:p>
-                  </a:txBody>
-                  <a:tcPr/>
-                </a:tc>
-                <a:tc>
-                  <a:txBody>
-                    <a:bodyPr/>
-                    <a:lstStyle/>
-                    <a:p>
-                      <a:pPr algn="ctr" latinLnBrk="1"/>
-                      <a:endParaRPr lang="ko-KR" altLang="en-US" dirty="0"/>
-                    </a:p>
-                  </a:txBody>
-                  <a:tcPr/>
-                </a:tc>
-                <a:extLst>
-                  <a:ext uri="{0D108BD9-81ED-4DB2-BD59-A6C34878D82A}">
-                    <a16:rowId xmlns:a16="http://schemas.microsoft.com/office/drawing/2014/main" val="188654072"/>
-                  </a:ext>
-                </a:extLst>
-              </a:tr>
-              <a:tr h="217424">
-                <a:tc>
-                  <a:txBody>
-                    <a:bodyPr/>
-                    <a:lstStyle/>
-                    <a:p>
-                      <a:pPr algn="l" latinLnBrk="1"/>
-                      <a:r>
-                        <a:rPr lang="en-US" altLang="ko-KR" dirty="0"/>
-                        <a:t>List&lt;Order&gt;</a:t>
-                      </a:r>
-                      <a:endParaRPr lang="ko-KR" altLang="en-US" dirty="0"/>
-                    </a:p>
-                  </a:txBody>
-                  <a:tcPr/>
-                </a:tc>
-                <a:tc>
-                  <a:txBody>
-                    <a:bodyPr/>
-                    <a:lstStyle/>
-                    <a:p>
-                      <a:pPr algn="ctr" latinLnBrk="1"/>
-                      <a:endParaRPr lang="ko-KR" altLang="en-US" dirty="0"/>
-                    </a:p>
-                  </a:txBody>
-                  <a:tcPr/>
-                </a:tc>
-                <a:extLst>
-                  <a:ext uri="{0D108BD9-81ED-4DB2-BD59-A6C34878D82A}">
-                    <a16:rowId xmlns:a16="http://schemas.microsoft.com/office/drawing/2014/main" val="2596554188"/>
-                  </a:ext>
-                </a:extLst>
-              </a:tr>
-              <a:tr h="217424">
-                <a:tc>
-                  <a:txBody>
-                    <a:bodyPr/>
-                    <a:lstStyle/>
-                    <a:p>
-                      <a:pPr algn="l" latinLnBrk="1"/>
-                      <a:r>
-                        <a:rPr lang="en-US" altLang="ko-KR" dirty="0"/>
-                        <a:t>List&lt;Point&gt;</a:t>
-                      </a:r>
-                      <a:endParaRPr lang="ko-KR" altLang="en-US" dirty="0"/>
-                    </a:p>
-                  </a:txBody>
-                  <a:tcPr/>
-                </a:tc>
-                <a:tc>
-                  <a:txBody>
-                    <a:bodyPr/>
-                    <a:lstStyle/>
-                    <a:p>
-                      <a:pPr algn="ctr" latinLnBrk="1"/>
-                      <a:endParaRPr lang="ko-KR" altLang="en-US" dirty="0"/>
-                    </a:p>
-                  </a:txBody>
-                  <a:tcPr/>
-                </a:tc>
-                <a:extLst>
-                  <a:ext uri="{0D108BD9-81ED-4DB2-BD59-A6C34878D82A}">
-                    <a16:rowId xmlns:a16="http://schemas.microsoft.com/office/drawing/2014/main" val="2956083767"/>
-                  </a:ext>
-                </a:extLst>
-              </a:tr>
-              <a:tr h="217424">
-                <a:tc>
-                  <a:txBody>
-                    <a:bodyPr/>
-                    <a:lstStyle/>
-                    <a:p>
-                      <a:pPr algn="l" latinLnBrk="1"/>
-                      <a:r>
-                        <a:rPr lang="en-US" altLang="ko-KR" dirty="0"/>
-                        <a:t>List&lt;Purchased&gt;</a:t>
-                      </a:r>
-                      <a:endParaRPr lang="ko-KR" altLang="en-US" dirty="0"/>
-                    </a:p>
-                  </a:txBody>
-                  <a:tcPr/>
-                </a:tc>
-                <a:tc>
-                  <a:txBody>
-                    <a:bodyPr/>
-                    <a:lstStyle/>
-                    <a:p>
-                      <a:pPr algn="ctr" latinLnBrk="1"/>
-                      <a:endParaRPr lang="ko-KR" altLang="en-US" dirty="0"/>
-                    </a:p>
-                  </a:txBody>
-                  <a:tcPr/>
-                </a:tc>
-                <a:extLst>
-                  <a:ext uri="{0D108BD9-81ED-4DB2-BD59-A6C34878D82A}">
-                    <a16:rowId xmlns:a16="http://schemas.microsoft.com/office/drawing/2014/main" val="4099654682"/>
-                  </a:ext>
-                </a:extLst>
-              </a:tr>
-              <a:tr h="217424">
-                <a:tc>
-                  <a:txBody>
-                    <a:bodyPr/>
-                    <a:lstStyle/>
-                    <a:p>
-                      <a:pPr algn="l" latinLnBrk="1"/>
-                      <a:r>
-                        <a:rPr lang="en-US" altLang="ko-KR" dirty="0"/>
-                        <a:t>Cart</a:t>
-                      </a:r>
-                      <a:endParaRPr lang="ko-KR" altLang="en-US" dirty="0"/>
-                    </a:p>
-                  </a:txBody>
-                  <a:tcPr/>
-                </a:tc>
-                <a:tc>
-                  <a:txBody>
-                    <a:bodyPr/>
-                    <a:lstStyle/>
-                    <a:p>
-                      <a:pPr algn="ctr" latinLnBrk="1"/>
-                      <a:endParaRPr lang="ko-KR" altLang="en-US" dirty="0"/>
-                    </a:p>
-                  </a:txBody>
-                  <a:tcPr/>
-                </a:tc>
-                <a:extLst>
-                  <a:ext uri="{0D108BD9-81ED-4DB2-BD59-A6C34878D82A}">
-                    <a16:rowId xmlns:a16="http://schemas.microsoft.com/office/drawing/2014/main" val="2843266301"/>
+                    <a16:rowId xmlns:a16="http://schemas.microsoft.com/office/drawing/2014/main" val="3203935583"/>
                   </a:ext>
                 </a:extLst>
               </a:tr>
@@ -3719,10 +4823,10 @@
       </p:graphicFrame>
       <p:graphicFrame>
         <p:nvGraphicFramePr>
-          <p:cNvPr id="5" name="표 4">
-            <a:extLst>
-              <a:ext uri="{FF2B5EF4-FFF2-40B4-BE49-F238E27FC236}">
-                <a16:creationId xmlns:a16="http://schemas.microsoft.com/office/drawing/2014/main" id="{B800F02D-C648-4A38-8E77-3A41A52B1CF3}"/>
+          <p:cNvPr id="10" name="표 9">
+            <a:extLst>
+              <a:ext uri="{FF2B5EF4-FFF2-40B4-BE49-F238E27FC236}">
+                <a16:creationId xmlns:a16="http://schemas.microsoft.com/office/drawing/2014/main" id="{B0253B9B-6E7E-4FA8-A4BA-89C616CC8012}"/>
               </a:ext>
             </a:extLst>
           </p:cNvPr>
@@ -3732,14 +4836,14 @@
           <p:nvPr>
             <p:extLst>
               <p:ext uri="{D42A27DB-BD31-4B8C-83A1-F6EECF244321}">
-                <p14:modId xmlns:p14="http://schemas.microsoft.com/office/powerpoint/2010/main" val="3694692738"/>
+                <p14:modId xmlns:p14="http://schemas.microsoft.com/office/powerpoint/2010/main" val="29805029"/>
               </p:ext>
             </p:extLst>
           </p:nvPr>
         </p:nvGraphicFramePr>
         <p:xfrm>
-          <a:off x="4099095" y="4279762"/>
-          <a:ext cx="3223664" cy="1107440"/>
+          <a:off x="8623594" y="4998159"/>
+          <a:ext cx="3223664" cy="1417320"/>
         </p:xfrm>
         <a:graphic>
           <a:graphicData uri="http://schemas.openxmlformats.org/drawingml/2006/table">
@@ -3771,13 +4875,13 @@
                     <a:p>
                       <a:pPr algn="ctr" latinLnBrk="1"/>
                       <a:r>
-                        <a:rPr lang="en-US" altLang="ko-KR" dirty="0"/>
-                        <a:t>Cart</a:t>
-                      </a:r>
-                      <a:endParaRPr lang="ko-KR" altLang="en-US" dirty="0"/>
-                    </a:p>
-                  </a:txBody>
-                  <a:tcPr/>
+                        <a:rPr lang="en-US" altLang="ko-KR" sz="1400" dirty="0" err="1"/>
+                        <a:t>FileData</a:t>
+                      </a:r>
+                      <a:endParaRPr lang="ko-KR" altLang="en-US" sz="1400" dirty="0"/>
+                    </a:p>
+                  </a:txBody>
+                  <a:tcPr anchor="ctr"/>
                 </a:tc>
                 <a:tc hMerge="1">
                   <a:txBody>
@@ -3804,13 +4908,13 @@
                     <a:p>
                       <a:pPr algn="l" latinLnBrk="1"/>
                       <a:r>
-                        <a:rPr lang="en-US" altLang="ko-KR" dirty="0" err="1"/>
-                        <a:t>cart_id</a:t>
-                      </a:r>
-                      <a:endParaRPr lang="ko-KR" altLang="en-US" dirty="0"/>
-                    </a:p>
-                  </a:txBody>
-                  <a:tcPr/>
+                        <a:rPr lang="en-US" altLang="ko-KR" sz="1400" dirty="0"/>
+                        <a:t>id</a:t>
+                      </a:r>
+                      <a:endParaRPr lang="ko-KR" altLang="en-US" sz="1400" dirty="0"/>
+                    </a:p>
+                  </a:txBody>
+                  <a:tcPr anchor="ctr"/>
                 </a:tc>
                 <a:tc>
                   <a:txBody>
@@ -3819,13 +4923,13 @@
                     <a:p>
                       <a:pPr algn="ctr" latinLnBrk="1"/>
                       <a:r>
-                        <a:rPr lang="en-US" altLang="ko-KR" dirty="0"/>
+                        <a:rPr lang="en-US" altLang="ko-KR" sz="1400" dirty="0"/>
                         <a:t>Long</a:t>
                       </a:r>
-                      <a:endParaRPr lang="ko-KR" altLang="en-US" dirty="0"/>
-                    </a:p>
-                  </a:txBody>
-                  <a:tcPr/>
+                      <a:endParaRPr lang="ko-KR" altLang="en-US" sz="1400" dirty="0"/>
+                    </a:p>
+                  </a:txBody>
+                  <a:tcPr anchor="ctr"/>
                 </a:tc>
                 <a:extLst>
                   <a:ext uri="{0D108BD9-81ED-4DB2-BD59-A6C34878D82A}">
@@ -3839,39 +4943,15 @@
                     <a:bodyPr/>
                     <a:lstStyle/>
                     <a:p>
-                      <a:pPr marL="0" marR="0" lvl="0" indent="0" algn="l" defTabSz="914400" rtl="0" eaLnBrk="1" fontAlgn="auto" latinLnBrk="1" hangingPunct="1">
-                        <a:lnSpc>
-                          <a:spcPct val="100000"/>
-                        </a:lnSpc>
-                        <a:spcBef>
-                          <a:spcPts val="0"/>
-                        </a:spcBef>
-                        <a:spcAft>
-                          <a:spcPts val="0"/>
-                        </a:spcAft>
-                        <a:buClrTx/>
-                        <a:buSzTx/>
-                        <a:buFontTx/>
-                        <a:buNone/>
-                        <a:tabLst/>
-                        <a:defRPr/>
-                      </a:pPr>
-                      <a:r>
-                        <a:rPr lang="en-US" altLang="ko-KR" dirty="0"/>
-                        <a:t>List&lt;</a:t>
-                      </a:r>
-                      <a:r>
-                        <a:rPr lang="en-US" altLang="ko-KR" dirty="0" err="1"/>
-                        <a:t>Cart_item</a:t>
-                      </a:r>
-                      <a:r>
-                        <a:rPr lang="en-US" altLang="ko-KR" dirty="0"/>
-                        <a:t>&gt;</a:t>
-                      </a:r>
-                      <a:endParaRPr lang="ko-KR" altLang="en-US" dirty="0"/>
-                    </a:p>
-                  </a:txBody>
-                  <a:tcPr/>
+                      <a:pPr algn="l" latinLnBrk="1"/>
+                      <a:r>
+                        <a:rPr lang="en-US" altLang="ko-KR" sz="1400" dirty="0" err="1"/>
+                        <a:t>uploadName</a:t>
+                      </a:r>
+                      <a:endParaRPr lang="ko-KR" altLang="en-US" sz="1400" dirty="0"/>
+                    </a:p>
+                  </a:txBody>
+                  <a:tcPr anchor="ctr"/>
                 </a:tc>
                 <a:tc>
                   <a:txBody>
@@ -3879,510 +4959,11 @@
                     <a:lstStyle/>
                     <a:p>
                       <a:pPr algn="ctr" latinLnBrk="1"/>
-                      <a:endParaRPr lang="ko-KR" altLang="en-US" dirty="0"/>
-                    </a:p>
-                  </a:txBody>
-                  <a:tcPr/>
-                </a:tc>
-                <a:extLst>
-                  <a:ext uri="{0D108BD9-81ED-4DB2-BD59-A6C34878D82A}">
-                    <a16:rowId xmlns:a16="http://schemas.microsoft.com/office/drawing/2014/main" val="3072322551"/>
-                  </a:ext>
-                </a:extLst>
-              </a:tr>
-            </a:tbl>
-          </a:graphicData>
-        </a:graphic>
-      </p:graphicFrame>
-      <p:graphicFrame>
-        <p:nvGraphicFramePr>
-          <p:cNvPr id="6" name="표 4">
-            <a:extLst>
-              <a:ext uri="{FF2B5EF4-FFF2-40B4-BE49-F238E27FC236}">
-                <a16:creationId xmlns:a16="http://schemas.microsoft.com/office/drawing/2014/main" id="{09537B2A-925F-4157-86E1-D716F018CA66}"/>
-              </a:ext>
-            </a:extLst>
-          </p:cNvPr>
-          <p:cNvGraphicFramePr>
-            <a:graphicFrameLocks noGrp="1"/>
-          </p:cNvGraphicFramePr>
-          <p:nvPr>
-            <p:extLst>
-              <p:ext uri="{D42A27DB-BD31-4B8C-83A1-F6EECF244321}">
-                <p14:modId xmlns:p14="http://schemas.microsoft.com/office/powerpoint/2010/main" val="2840590133"/>
-              </p:ext>
-            </p:extLst>
-          </p:nvPr>
-        </p:nvGraphicFramePr>
-        <p:xfrm>
-          <a:off x="8577590" y="30364"/>
-          <a:ext cx="3223664" cy="2936240"/>
-        </p:xfrm>
-        <a:graphic>
-          <a:graphicData uri="http://schemas.openxmlformats.org/drawingml/2006/table">
-            <a:tbl>
-              <a:tblPr firstRow="1" bandRow="1">
-                <a:tableStyleId>{5C22544A-7EE6-4342-B048-85BDC9FD1C3A}</a:tableStyleId>
-              </a:tblPr>
-              <a:tblGrid>
-                <a:gridCol w="2157704">
-                  <a:extLst>
-                    <a:ext uri="{9D8B030D-6E8A-4147-A177-3AD203B41FA5}">
-                      <a16:colId xmlns:a16="http://schemas.microsoft.com/office/drawing/2014/main" val="3704678566"/>
-                    </a:ext>
-                  </a:extLst>
-                </a:gridCol>
-                <a:gridCol w="1065960">
-                  <a:extLst>
-                    <a:ext uri="{9D8B030D-6E8A-4147-A177-3AD203B41FA5}">
-                      <a16:colId xmlns:a16="http://schemas.microsoft.com/office/drawing/2014/main" val="2644198070"/>
-                    </a:ext>
-                  </a:extLst>
-                </a:gridCol>
-              </a:tblGrid>
-              <a:tr h="295685">
-                <a:tc gridSpan="2">
-                  <a:txBody>
-                    <a:bodyPr/>
-                    <a:lstStyle/>
-                    <a:p>
-                      <a:pPr algn="ctr" latinLnBrk="1"/>
-                      <a:r>
-                        <a:rPr lang="en-US" altLang="ko-KR" dirty="0"/>
-                        <a:t>Item</a:t>
-                      </a:r>
-                      <a:endParaRPr lang="ko-KR" altLang="en-US" dirty="0"/>
-                    </a:p>
-                  </a:txBody>
-                  <a:tcPr/>
-                </a:tc>
-                <a:tc hMerge="1">
-                  <a:txBody>
-                    <a:bodyPr/>
-                    <a:lstStyle/>
-                    <a:p>
-                      <a:pPr algn="ctr" latinLnBrk="1"/>
-                      <a:endParaRPr lang="ko-KR" altLang="en-US" dirty="0"/>
-                    </a:p>
-                  </a:txBody>
-                  <a:tcPr/>
-                </a:tc>
-                <a:extLst>
-                  <a:ext uri="{0D108BD9-81ED-4DB2-BD59-A6C34878D82A}">
-                    <a16:rowId xmlns:a16="http://schemas.microsoft.com/office/drawing/2014/main" val="3908604909"/>
-                  </a:ext>
-                </a:extLst>
-              </a:tr>
-              <a:tr h="370840">
-                <a:tc>
-                  <a:txBody>
-                    <a:bodyPr/>
-                    <a:lstStyle/>
-                    <a:p>
-                      <a:pPr algn="l" latinLnBrk="1"/>
-                      <a:r>
-                        <a:rPr lang="en-US" altLang="ko-KR" dirty="0" err="1"/>
-                        <a:t>item_id</a:t>
-                      </a:r>
-                      <a:endParaRPr lang="ko-KR" altLang="en-US" dirty="0"/>
-                    </a:p>
-                  </a:txBody>
-                  <a:tcPr/>
-                </a:tc>
-                <a:tc>
-                  <a:txBody>
-                    <a:bodyPr/>
-                    <a:lstStyle/>
-                    <a:p>
-                      <a:pPr algn="ctr" latinLnBrk="1"/>
-                      <a:r>
-                        <a:rPr lang="en-US" altLang="ko-KR" dirty="0"/>
-                        <a:t>Long</a:t>
-                      </a:r>
-                      <a:endParaRPr lang="ko-KR" altLang="en-US" dirty="0"/>
-                    </a:p>
-                  </a:txBody>
-                  <a:tcPr/>
-                </a:tc>
-                <a:extLst>
-                  <a:ext uri="{0D108BD9-81ED-4DB2-BD59-A6C34878D82A}">
-                    <a16:rowId xmlns:a16="http://schemas.microsoft.com/office/drawing/2014/main" val="1439998827"/>
-                  </a:ext>
-                </a:extLst>
-              </a:tr>
-              <a:tr h="370840">
-                <a:tc>
-                  <a:txBody>
-                    <a:bodyPr/>
-                    <a:lstStyle/>
-                    <a:p>
-                      <a:pPr algn="l" latinLnBrk="1"/>
-                      <a:r>
-                        <a:rPr lang="en-US" altLang="ko-KR" dirty="0"/>
-                        <a:t>name</a:t>
-                      </a:r>
-                      <a:endParaRPr lang="ko-KR" altLang="en-US" dirty="0"/>
-                    </a:p>
-                  </a:txBody>
-                  <a:tcPr/>
-                </a:tc>
-                <a:tc>
-                  <a:txBody>
-                    <a:bodyPr/>
-                    <a:lstStyle/>
-                    <a:p>
-                      <a:pPr algn="ctr" latinLnBrk="1"/>
-                      <a:r>
-                        <a:rPr lang="en-US" altLang="ko-KR" dirty="0"/>
+                      <a:r>
+                        <a:rPr lang="en-US" altLang="ko-KR" sz="1400" dirty="0"/>
                         <a:t>String</a:t>
                       </a:r>
-                      <a:endParaRPr lang="ko-KR" altLang="en-US" dirty="0"/>
-                    </a:p>
-                  </a:txBody>
-                  <a:tcPr/>
-                </a:tc>
-                <a:extLst>
-                  <a:ext uri="{0D108BD9-81ED-4DB2-BD59-A6C34878D82A}">
-                    <a16:rowId xmlns:a16="http://schemas.microsoft.com/office/drawing/2014/main" val="3072322551"/>
-                  </a:ext>
-                </a:extLst>
-              </a:tr>
-              <a:tr h="0">
-                <a:tc>
-                  <a:txBody>
-                    <a:bodyPr/>
-                    <a:lstStyle/>
-                    <a:p>
-                      <a:pPr algn="l" latinLnBrk="1"/>
-                      <a:r>
-                        <a:rPr lang="en-US" altLang="ko-KR" dirty="0"/>
-                        <a:t>price</a:t>
-                      </a:r>
-                      <a:endParaRPr lang="ko-KR" altLang="en-US" dirty="0"/>
-                    </a:p>
-                  </a:txBody>
-                  <a:tcPr/>
-                </a:tc>
-                <a:tc>
-                  <a:txBody>
-                    <a:bodyPr/>
-                    <a:lstStyle/>
-                    <a:p>
-                      <a:pPr algn="ctr" latinLnBrk="1"/>
-                      <a:r>
-                        <a:rPr lang="en-US" altLang="ko-KR" dirty="0"/>
-                        <a:t>Integer</a:t>
-                      </a:r>
-                      <a:endParaRPr lang="ko-KR" altLang="en-US" dirty="0"/>
-                    </a:p>
-                  </a:txBody>
-                  <a:tcPr/>
-                </a:tc>
-                <a:extLst>
-                  <a:ext uri="{0D108BD9-81ED-4DB2-BD59-A6C34878D82A}">
-                    <a16:rowId xmlns:a16="http://schemas.microsoft.com/office/drawing/2014/main" val="481429477"/>
-                  </a:ext>
-                </a:extLst>
-              </a:tr>
-              <a:tr h="291592">
-                <a:tc>
-                  <a:txBody>
-                    <a:bodyPr/>
-                    <a:lstStyle/>
-                    <a:p>
-                      <a:pPr algn="l" latinLnBrk="1"/>
-                      <a:r>
-                        <a:rPr lang="en-US" altLang="ko-KR" dirty="0"/>
-                        <a:t>description</a:t>
-                      </a:r>
-                      <a:endParaRPr lang="ko-KR" altLang="en-US" dirty="0"/>
-                    </a:p>
-                  </a:txBody>
-                  <a:tcPr/>
-                </a:tc>
-                <a:tc>
-                  <a:txBody>
-                    <a:bodyPr/>
-                    <a:lstStyle/>
-                    <a:p>
-                      <a:pPr algn="ctr" latinLnBrk="1"/>
-                      <a:r>
-                        <a:rPr lang="en-US" altLang="ko-KR" dirty="0"/>
-                        <a:t>String</a:t>
-                      </a:r>
-                      <a:endParaRPr lang="ko-KR" altLang="en-US" dirty="0"/>
-                    </a:p>
-                  </a:txBody>
-                  <a:tcPr/>
-                </a:tc>
-                <a:extLst>
-                  <a:ext uri="{0D108BD9-81ED-4DB2-BD59-A6C34878D82A}">
-                    <a16:rowId xmlns:a16="http://schemas.microsoft.com/office/drawing/2014/main" val="1828050153"/>
-                  </a:ext>
-                </a:extLst>
-              </a:tr>
-              <a:tr h="217424">
-                <a:tc>
-                  <a:txBody>
-                    <a:bodyPr/>
-                    <a:lstStyle/>
-                    <a:p>
-                      <a:pPr algn="l" latinLnBrk="1"/>
-                      <a:r>
-                        <a:rPr lang="en-US" altLang="ko-KR" dirty="0"/>
-                        <a:t>File</a:t>
-                      </a:r>
-                      <a:endParaRPr lang="ko-KR" altLang="en-US" dirty="0"/>
-                    </a:p>
-                  </a:txBody>
-                  <a:tcPr/>
-                </a:tc>
-                <a:tc>
-                  <a:txBody>
-                    <a:bodyPr/>
-                    <a:lstStyle/>
-                    <a:p>
-                      <a:pPr algn="ctr" latinLnBrk="1"/>
-                      <a:endParaRPr lang="ko-KR" altLang="en-US" dirty="0"/>
-                    </a:p>
-                  </a:txBody>
-                  <a:tcPr/>
-                </a:tc>
-                <a:extLst>
-                  <a:ext uri="{0D108BD9-81ED-4DB2-BD59-A6C34878D82A}">
-                    <a16:rowId xmlns:a16="http://schemas.microsoft.com/office/drawing/2014/main" val="4166403407"/>
-                  </a:ext>
-                </a:extLst>
-              </a:tr>
-              <a:tr h="217424">
-                <a:tc>
-                  <a:txBody>
-                    <a:bodyPr/>
-                    <a:lstStyle/>
-                    <a:p>
-                      <a:pPr algn="l" latinLnBrk="1"/>
-                      <a:r>
-                        <a:rPr lang="en-US" altLang="ko-KR" dirty="0"/>
-                        <a:t>List&lt;Comment&gt;</a:t>
-                      </a:r>
-                      <a:endParaRPr lang="ko-KR" altLang="en-US" dirty="0"/>
-                    </a:p>
-                  </a:txBody>
-                  <a:tcPr/>
-                </a:tc>
-                <a:tc>
-                  <a:txBody>
-                    <a:bodyPr/>
-                    <a:lstStyle/>
-                    <a:p>
-                      <a:pPr algn="ctr" latinLnBrk="1"/>
-                      <a:endParaRPr lang="ko-KR" altLang="en-US" dirty="0"/>
-                    </a:p>
-                  </a:txBody>
-                  <a:tcPr/>
-                </a:tc>
-                <a:extLst>
-                  <a:ext uri="{0D108BD9-81ED-4DB2-BD59-A6C34878D82A}">
-                    <a16:rowId xmlns:a16="http://schemas.microsoft.com/office/drawing/2014/main" val="4220313337"/>
-                  </a:ext>
-                </a:extLst>
-              </a:tr>
-              <a:tr h="217424">
-                <a:tc>
-                  <a:txBody>
-                    <a:bodyPr/>
-                    <a:lstStyle/>
-                    <a:p>
-                      <a:pPr marL="0" marR="0" lvl="0" indent="0" algn="l" defTabSz="914400" rtl="0" eaLnBrk="1" fontAlgn="auto" latinLnBrk="1" hangingPunct="1">
-                        <a:lnSpc>
-                          <a:spcPct val="100000"/>
-                        </a:lnSpc>
-                        <a:spcBef>
-                          <a:spcPts val="0"/>
-                        </a:spcBef>
-                        <a:spcAft>
-                          <a:spcPts val="0"/>
-                        </a:spcAft>
-                        <a:buClrTx/>
-                        <a:buSzTx/>
-                        <a:buFontTx/>
-                        <a:buNone/>
-                        <a:tabLst/>
-                        <a:defRPr/>
-                      </a:pPr>
-                      <a:r>
-                        <a:rPr lang="en-US" altLang="ko-KR" dirty="0" err="1"/>
-                        <a:t>store_image_name</a:t>
-                      </a:r>
-                      <a:endParaRPr lang="ko-KR" altLang="en-US" dirty="0"/>
-                    </a:p>
-                  </a:txBody>
-                  <a:tcPr/>
-                </a:tc>
-                <a:tc>
-                  <a:txBody>
-                    <a:bodyPr/>
-                    <a:lstStyle/>
-                    <a:p>
-                      <a:pPr algn="ctr" latinLnBrk="1"/>
-                      <a:r>
-                        <a:rPr lang="en-US" altLang="ko-KR" dirty="0"/>
-                        <a:t>String</a:t>
-                      </a:r>
-                      <a:endParaRPr lang="ko-KR" altLang="en-US" dirty="0"/>
-                    </a:p>
-                  </a:txBody>
-                  <a:tcPr/>
-                </a:tc>
-                <a:extLst>
-                  <a:ext uri="{0D108BD9-81ED-4DB2-BD59-A6C34878D82A}">
-                    <a16:rowId xmlns:a16="http://schemas.microsoft.com/office/drawing/2014/main" val="2853880192"/>
-                  </a:ext>
-                </a:extLst>
-              </a:tr>
-            </a:tbl>
-          </a:graphicData>
-        </a:graphic>
-      </p:graphicFrame>
-      <p:graphicFrame>
-        <p:nvGraphicFramePr>
-          <p:cNvPr id="7" name="표 6">
-            <a:extLst>
-              <a:ext uri="{FF2B5EF4-FFF2-40B4-BE49-F238E27FC236}">
-                <a16:creationId xmlns:a16="http://schemas.microsoft.com/office/drawing/2014/main" id="{868DDB22-03F8-44B4-81C2-12E5E41711B9}"/>
-              </a:ext>
-            </a:extLst>
-          </p:cNvPr>
-          <p:cNvGraphicFramePr>
-            <a:graphicFrameLocks noGrp="1"/>
-          </p:cNvGraphicFramePr>
-          <p:nvPr>
-            <p:extLst>
-              <p:ext uri="{D42A27DB-BD31-4B8C-83A1-F6EECF244321}">
-                <p14:modId xmlns:p14="http://schemas.microsoft.com/office/powerpoint/2010/main" val="1426148649"/>
-              </p:ext>
-            </p:extLst>
-          </p:nvPr>
-        </p:nvGraphicFramePr>
-        <p:xfrm>
-          <a:off x="340782" y="4073599"/>
-          <a:ext cx="3223664" cy="1849120"/>
-        </p:xfrm>
-        <a:graphic>
-          <a:graphicData uri="http://schemas.openxmlformats.org/drawingml/2006/table">
-            <a:tbl>
-              <a:tblPr firstRow="1" bandRow="1">
-                <a:tableStyleId>{5C22544A-7EE6-4342-B048-85BDC9FD1C3A}</a:tableStyleId>
-              </a:tblPr>
-              <a:tblGrid>
-                <a:gridCol w="2032016">
-                  <a:extLst>
-                    <a:ext uri="{9D8B030D-6E8A-4147-A177-3AD203B41FA5}">
-                      <a16:colId xmlns:a16="http://schemas.microsoft.com/office/drawing/2014/main" val="3704678566"/>
-                    </a:ext>
-                  </a:extLst>
-                </a:gridCol>
-                <a:gridCol w="1191648">
-                  <a:extLst>
-                    <a:ext uri="{9D8B030D-6E8A-4147-A177-3AD203B41FA5}">
-                      <a16:colId xmlns:a16="http://schemas.microsoft.com/office/drawing/2014/main" val="2644198070"/>
-                    </a:ext>
-                  </a:extLst>
-                </a:gridCol>
-              </a:tblGrid>
-              <a:tr h="294498">
-                <a:tc gridSpan="2">
-                  <a:txBody>
-                    <a:bodyPr/>
-                    <a:lstStyle/>
-                    <a:p>
-                      <a:pPr algn="ctr" latinLnBrk="1"/>
-                      <a:r>
-                        <a:rPr lang="en-US" altLang="ko-KR" dirty="0"/>
-                        <a:t>Order</a:t>
-                      </a:r>
-                      <a:endParaRPr lang="ko-KR" altLang="en-US" dirty="0"/>
-                    </a:p>
-                  </a:txBody>
-                  <a:tcPr/>
-                </a:tc>
-                <a:tc hMerge="1">
-                  <a:txBody>
-                    <a:bodyPr/>
-                    <a:lstStyle/>
-                    <a:p>
-                      <a:pPr algn="ctr" latinLnBrk="1"/>
-                      <a:endParaRPr lang="ko-KR" altLang="en-US" dirty="0"/>
-                    </a:p>
-                  </a:txBody>
-                  <a:tcPr/>
-                </a:tc>
-                <a:extLst>
-                  <a:ext uri="{0D108BD9-81ED-4DB2-BD59-A6C34878D82A}">
-                    <a16:rowId xmlns:a16="http://schemas.microsoft.com/office/drawing/2014/main" val="3908604909"/>
-                  </a:ext>
-                </a:extLst>
-              </a:tr>
-              <a:tr h="370840">
-                <a:tc>
-                  <a:txBody>
-                    <a:bodyPr/>
-                    <a:lstStyle/>
-                    <a:p>
-                      <a:pPr algn="l" latinLnBrk="1"/>
-                      <a:r>
-                        <a:rPr lang="en-US" altLang="ko-KR" dirty="0" err="1"/>
-                        <a:t>Order_id</a:t>
-                      </a:r>
-                      <a:endParaRPr lang="ko-KR" altLang="en-US" dirty="0"/>
-                    </a:p>
-                  </a:txBody>
-                  <a:tcPr anchor="ctr"/>
-                </a:tc>
-                <a:tc>
-                  <a:txBody>
-                    <a:bodyPr/>
-                    <a:lstStyle/>
-                    <a:p>
-                      <a:pPr algn="ctr" latinLnBrk="1"/>
-                      <a:r>
-                        <a:rPr lang="en-US" altLang="ko-KR" dirty="0"/>
-                        <a:t>Long</a:t>
-                      </a:r>
-                      <a:endParaRPr lang="ko-KR" altLang="en-US" dirty="0"/>
-                    </a:p>
-                  </a:txBody>
-                  <a:tcPr anchor="ctr"/>
-                </a:tc>
-                <a:extLst>
-                  <a:ext uri="{0D108BD9-81ED-4DB2-BD59-A6C34878D82A}">
-                    <a16:rowId xmlns:a16="http://schemas.microsoft.com/office/drawing/2014/main" val="1439998827"/>
-                  </a:ext>
-                </a:extLst>
-              </a:tr>
-              <a:tr h="370840">
-                <a:tc>
-                  <a:txBody>
-                    <a:bodyPr/>
-                    <a:lstStyle/>
-                    <a:p>
-                      <a:pPr algn="l" latinLnBrk="1"/>
-                      <a:r>
-                        <a:rPr lang="en-US" altLang="ko-KR" dirty="0"/>
-                        <a:t>Member</a:t>
-                      </a:r>
-                      <a:endParaRPr lang="ko-KR" altLang="en-US" dirty="0"/>
-                    </a:p>
-                  </a:txBody>
-                  <a:tcPr anchor="ctr"/>
-                </a:tc>
-                <a:tc>
-                  <a:txBody>
-                    <a:bodyPr/>
-                    <a:lstStyle/>
-                    <a:p>
-                      <a:pPr algn="ctr" latinLnBrk="1"/>
-                      <a:endParaRPr lang="ko-KR" altLang="en-US" dirty="0"/>
+                      <a:endParaRPr lang="ko-KR" altLang="en-US" sz="1400" dirty="0"/>
                     </a:p>
                   </a:txBody>
                   <a:tcPr anchor="ctr"/>
@@ -4401,14 +4982,10 @@
                     <a:p>
                       <a:pPr algn="l" latinLnBrk="1"/>
                       <a:r>
-                        <a:rPr lang="en-US" altLang="ko-KR" sz="1200" dirty="0"/>
-                        <a:t>List&lt;String&gt; </a:t>
-                      </a:r>
-                      <a:r>
-                        <a:rPr lang="en-US" altLang="ko-KR" sz="1200" dirty="0" err="1"/>
-                        <a:t>item_name</a:t>
-                      </a:r>
-                      <a:endParaRPr lang="ko-KR" altLang="en-US" sz="1200" dirty="0"/>
+                        <a:rPr lang="en-US" altLang="ko-KR" sz="1400" dirty="0" err="1"/>
+                        <a:t>storeName</a:t>
+                      </a:r>
+                      <a:endParaRPr lang="ko-KR" altLang="en-US" sz="1400" dirty="0"/>
                     </a:p>
                   </a:txBody>
                   <a:tcPr anchor="ctr"/>
@@ -4419,464 +4996,14 @@
                     <a:lstStyle/>
                     <a:p>
                       <a:pPr algn="ctr" latinLnBrk="1"/>
-                      <a:endParaRPr lang="ko-KR" altLang="en-US" dirty="0"/>
-                    </a:p>
-                  </a:txBody>
-                  <a:tcPr anchor="ctr"/>
-                </a:tc>
-                <a:extLst>
-                  <a:ext uri="{0D108BD9-81ED-4DB2-BD59-A6C34878D82A}">
-                    <a16:rowId xmlns:a16="http://schemas.microsoft.com/office/drawing/2014/main" val="767628578"/>
-                  </a:ext>
-                </a:extLst>
-              </a:tr>
-              <a:tr h="370840">
-                <a:tc>
-                  <a:txBody>
-                    <a:bodyPr/>
-                    <a:lstStyle/>
-                    <a:p>
-                      <a:pPr algn="l" latinLnBrk="1"/>
-                      <a:r>
-                        <a:rPr lang="en-US" altLang="ko-KR" dirty="0" err="1"/>
-                        <a:t>order_date</a:t>
-                      </a:r>
-                      <a:endParaRPr lang="ko-KR" altLang="en-US" dirty="0"/>
-                    </a:p>
-                  </a:txBody>
-                  <a:tcPr anchor="ctr"/>
-                </a:tc>
-                <a:tc>
-                  <a:txBody>
-                    <a:bodyPr/>
-                    <a:lstStyle/>
-                    <a:p>
-                      <a:pPr algn="ctr" latinLnBrk="1"/>
-                      <a:r>
-                        <a:rPr lang="en-US" altLang="ko-KR" sz="1100" dirty="0" err="1"/>
-                        <a:t>LocalDateTime</a:t>
-                      </a:r>
-                      <a:endParaRPr lang="ko-KR" altLang="en-US" sz="1100" dirty="0"/>
-                    </a:p>
-                  </a:txBody>
-                  <a:tcPr anchor="ctr"/>
-                </a:tc>
-                <a:extLst>
-                  <a:ext uri="{0D108BD9-81ED-4DB2-BD59-A6C34878D82A}">
-                    <a16:rowId xmlns:a16="http://schemas.microsoft.com/office/drawing/2014/main" val="4131600087"/>
-                  </a:ext>
-                </a:extLst>
-              </a:tr>
-            </a:tbl>
-          </a:graphicData>
-        </a:graphic>
-      </p:graphicFrame>
-      <p:graphicFrame>
-        <p:nvGraphicFramePr>
-          <p:cNvPr id="9" name="표 8">
-            <a:extLst>
-              <a:ext uri="{FF2B5EF4-FFF2-40B4-BE49-F238E27FC236}">
-                <a16:creationId xmlns:a16="http://schemas.microsoft.com/office/drawing/2014/main" id="{49B81A56-31C7-49B5-83DD-06235447AF6F}"/>
-              </a:ext>
-            </a:extLst>
-          </p:cNvPr>
-          <p:cNvGraphicFramePr>
-            <a:graphicFrameLocks noGrp="1"/>
-          </p:cNvGraphicFramePr>
-          <p:nvPr>
-            <p:extLst>
-              <p:ext uri="{D42A27DB-BD31-4B8C-83A1-F6EECF244321}">
-                <p14:modId xmlns:p14="http://schemas.microsoft.com/office/powerpoint/2010/main" val="53794238"/>
-              </p:ext>
-            </p:extLst>
-          </p:nvPr>
-        </p:nvGraphicFramePr>
-        <p:xfrm>
-          <a:off x="8623594" y="2966604"/>
-          <a:ext cx="3223664" cy="1849120"/>
-        </p:xfrm>
-        <a:graphic>
-          <a:graphicData uri="http://schemas.openxmlformats.org/drawingml/2006/table">
-            <a:tbl>
-              <a:tblPr firstRow="1" bandRow="1">
-                <a:tableStyleId>{5C22544A-7EE6-4342-B048-85BDC9FD1C3A}</a:tableStyleId>
-              </a:tblPr>
-              <a:tblGrid>
-                <a:gridCol w="2032016">
-                  <a:extLst>
-                    <a:ext uri="{9D8B030D-6E8A-4147-A177-3AD203B41FA5}">
-                      <a16:colId xmlns:a16="http://schemas.microsoft.com/office/drawing/2014/main" val="3704678566"/>
-                    </a:ext>
-                  </a:extLst>
-                </a:gridCol>
-                <a:gridCol w="1191648">
-                  <a:extLst>
-                    <a:ext uri="{9D8B030D-6E8A-4147-A177-3AD203B41FA5}">
-                      <a16:colId xmlns:a16="http://schemas.microsoft.com/office/drawing/2014/main" val="2644198070"/>
-                    </a:ext>
-                  </a:extLst>
-                </a:gridCol>
-              </a:tblGrid>
-              <a:tr h="294498">
-                <a:tc gridSpan="2">
-                  <a:txBody>
-                    <a:bodyPr/>
-                    <a:lstStyle/>
-                    <a:p>
-                      <a:pPr algn="ctr" latinLnBrk="1"/>
-                      <a:r>
-                        <a:rPr lang="en-US" altLang="ko-KR" dirty="0"/>
-                        <a:t>Comment</a:t>
-                      </a:r>
-                      <a:endParaRPr lang="ko-KR" altLang="en-US" dirty="0"/>
-                    </a:p>
-                  </a:txBody>
-                  <a:tcPr/>
-                </a:tc>
-                <a:tc hMerge="1">
-                  <a:txBody>
-                    <a:bodyPr/>
-                    <a:lstStyle/>
-                    <a:p>
-                      <a:pPr algn="ctr" latinLnBrk="1"/>
-                      <a:endParaRPr lang="ko-KR" altLang="en-US" dirty="0"/>
-                    </a:p>
-                  </a:txBody>
-                  <a:tcPr/>
-                </a:tc>
-                <a:extLst>
-                  <a:ext uri="{0D108BD9-81ED-4DB2-BD59-A6C34878D82A}">
-                    <a16:rowId xmlns:a16="http://schemas.microsoft.com/office/drawing/2014/main" val="3908604909"/>
-                  </a:ext>
-                </a:extLst>
-              </a:tr>
-              <a:tr h="370840">
-                <a:tc>
-                  <a:txBody>
-                    <a:bodyPr/>
-                    <a:lstStyle/>
-                    <a:p>
-                      <a:pPr algn="l" latinLnBrk="1"/>
-                      <a:r>
-                        <a:rPr lang="en-US" altLang="ko-KR" dirty="0" err="1"/>
-                        <a:t>comment_id</a:t>
-                      </a:r>
-                      <a:endParaRPr lang="ko-KR" altLang="en-US" dirty="0"/>
-                    </a:p>
-                  </a:txBody>
-                  <a:tcPr/>
-                </a:tc>
-                <a:tc>
-                  <a:txBody>
-                    <a:bodyPr/>
-                    <a:lstStyle/>
-                    <a:p>
-                      <a:pPr algn="ctr" latinLnBrk="1"/>
-                      <a:r>
-                        <a:rPr lang="en-US" altLang="ko-KR" dirty="0"/>
-                        <a:t>Long</a:t>
-                      </a:r>
-                      <a:endParaRPr lang="ko-KR" altLang="en-US" dirty="0"/>
-                    </a:p>
-                  </a:txBody>
-                  <a:tcPr/>
-                </a:tc>
-                <a:extLst>
-                  <a:ext uri="{0D108BD9-81ED-4DB2-BD59-A6C34878D82A}">
-                    <a16:rowId xmlns:a16="http://schemas.microsoft.com/office/drawing/2014/main" val="1439998827"/>
-                  </a:ext>
-                </a:extLst>
-              </a:tr>
-              <a:tr h="370840">
-                <a:tc>
-                  <a:txBody>
-                    <a:bodyPr/>
-                    <a:lstStyle/>
-                    <a:p>
-                      <a:pPr algn="l" latinLnBrk="1"/>
-                      <a:r>
-                        <a:rPr lang="en-US" altLang="ko-KR" dirty="0"/>
-                        <a:t>Item</a:t>
-                      </a:r>
-                      <a:endParaRPr lang="ko-KR" altLang="en-US" dirty="0"/>
-                    </a:p>
-                  </a:txBody>
-                  <a:tcPr/>
-                </a:tc>
-                <a:tc>
-                  <a:txBody>
-                    <a:bodyPr/>
-                    <a:lstStyle/>
-                    <a:p>
-                      <a:pPr algn="ctr" latinLnBrk="1"/>
-                      <a:endParaRPr lang="ko-KR" altLang="en-US" dirty="0"/>
-                    </a:p>
-                  </a:txBody>
-                  <a:tcPr/>
-                </a:tc>
-                <a:extLst>
-                  <a:ext uri="{0D108BD9-81ED-4DB2-BD59-A6C34878D82A}">
-                    <a16:rowId xmlns:a16="http://schemas.microsoft.com/office/drawing/2014/main" val="3072322551"/>
-                  </a:ext>
-                </a:extLst>
-              </a:tr>
-              <a:tr h="370840">
-                <a:tc>
-                  <a:txBody>
-                    <a:bodyPr/>
-                    <a:lstStyle/>
-                    <a:p>
-                      <a:pPr algn="l" latinLnBrk="1"/>
-                      <a:r>
-                        <a:rPr lang="en-US" altLang="ko-KR" dirty="0"/>
-                        <a:t>Member</a:t>
-                      </a:r>
-                      <a:endParaRPr lang="ko-KR" altLang="en-US" dirty="0"/>
-                    </a:p>
-                  </a:txBody>
-                  <a:tcPr/>
-                </a:tc>
-                <a:tc>
-                  <a:txBody>
-                    <a:bodyPr/>
-                    <a:lstStyle/>
-                    <a:p>
-                      <a:pPr algn="ctr" latinLnBrk="1"/>
-                      <a:endParaRPr lang="ko-KR" altLang="en-US" dirty="0"/>
-                    </a:p>
-                  </a:txBody>
-                  <a:tcPr/>
-                </a:tc>
-                <a:extLst>
-                  <a:ext uri="{0D108BD9-81ED-4DB2-BD59-A6C34878D82A}">
-                    <a16:rowId xmlns:a16="http://schemas.microsoft.com/office/drawing/2014/main" val="1880701103"/>
-                  </a:ext>
-                </a:extLst>
-              </a:tr>
-              <a:tr h="370840">
-                <a:tc>
-                  <a:txBody>
-                    <a:bodyPr/>
-                    <a:lstStyle/>
-                    <a:p>
-                      <a:pPr algn="l" latinLnBrk="1"/>
-                      <a:r>
-                        <a:rPr lang="en-US" altLang="ko-KR" dirty="0"/>
-                        <a:t>content</a:t>
-                      </a:r>
-                      <a:endParaRPr lang="ko-KR" altLang="en-US" dirty="0"/>
-                    </a:p>
-                  </a:txBody>
-                  <a:tcPr/>
-                </a:tc>
-                <a:tc>
-                  <a:txBody>
-                    <a:bodyPr/>
-                    <a:lstStyle/>
-                    <a:p>
-                      <a:pPr algn="ctr" latinLnBrk="1"/>
-                      <a:r>
-                        <a:rPr lang="en-US" altLang="ko-KR" dirty="0"/>
+                      <a:r>
+                        <a:rPr lang="en-US" altLang="ko-KR" sz="1400" dirty="0"/>
                         <a:t>String</a:t>
                       </a:r>
-                      <a:endParaRPr lang="ko-KR" altLang="en-US" dirty="0"/>
-                    </a:p>
-                  </a:txBody>
-                  <a:tcPr/>
-                </a:tc>
-                <a:extLst>
-                  <a:ext uri="{0D108BD9-81ED-4DB2-BD59-A6C34878D82A}">
-                    <a16:rowId xmlns:a16="http://schemas.microsoft.com/office/drawing/2014/main" val="3203935583"/>
-                  </a:ext>
-                </a:extLst>
-              </a:tr>
-            </a:tbl>
-          </a:graphicData>
-        </a:graphic>
-      </p:graphicFrame>
-      <p:graphicFrame>
-        <p:nvGraphicFramePr>
-          <p:cNvPr id="10" name="표 9">
-            <a:extLst>
-              <a:ext uri="{FF2B5EF4-FFF2-40B4-BE49-F238E27FC236}">
-                <a16:creationId xmlns:a16="http://schemas.microsoft.com/office/drawing/2014/main" id="{B0253B9B-6E7E-4FA8-A4BA-89C616CC8012}"/>
-              </a:ext>
-            </a:extLst>
-          </p:cNvPr>
-          <p:cNvGraphicFramePr>
-            <a:graphicFrameLocks noGrp="1"/>
-          </p:cNvGraphicFramePr>
-          <p:nvPr>
-            <p:extLst>
-              <p:ext uri="{D42A27DB-BD31-4B8C-83A1-F6EECF244321}">
-                <p14:modId xmlns:p14="http://schemas.microsoft.com/office/powerpoint/2010/main" val="785159269"/>
-              </p:ext>
-            </p:extLst>
-          </p:nvPr>
-        </p:nvGraphicFramePr>
-        <p:xfrm>
-          <a:off x="8623594" y="4998159"/>
-          <a:ext cx="3223664" cy="1478280"/>
-        </p:xfrm>
-        <a:graphic>
-          <a:graphicData uri="http://schemas.openxmlformats.org/drawingml/2006/table">
-            <a:tbl>
-              <a:tblPr firstRow="1" bandRow="1">
-                <a:tableStyleId>{5C22544A-7EE6-4342-B048-85BDC9FD1C3A}</a:tableStyleId>
-              </a:tblPr>
-              <a:tblGrid>
-                <a:gridCol w="2032016">
-                  <a:extLst>
-                    <a:ext uri="{9D8B030D-6E8A-4147-A177-3AD203B41FA5}">
-                      <a16:colId xmlns:a16="http://schemas.microsoft.com/office/drawing/2014/main" val="3704678566"/>
-                    </a:ext>
-                  </a:extLst>
-                </a:gridCol>
-                <a:gridCol w="1191648">
-                  <a:extLst>
-                    <a:ext uri="{9D8B030D-6E8A-4147-A177-3AD203B41FA5}">
-                      <a16:colId xmlns:a16="http://schemas.microsoft.com/office/drawing/2014/main" val="2644198070"/>
-                    </a:ext>
-                  </a:extLst>
-                </a:gridCol>
-              </a:tblGrid>
-              <a:tr h="294498">
-                <a:tc gridSpan="2">
-                  <a:txBody>
-                    <a:bodyPr/>
-                    <a:lstStyle/>
-                    <a:p>
-                      <a:pPr algn="ctr" latinLnBrk="1"/>
-                      <a:r>
-                        <a:rPr lang="en-US" altLang="ko-KR" dirty="0"/>
-                        <a:t>File</a:t>
-                      </a:r>
-                      <a:endParaRPr lang="ko-KR" altLang="en-US" dirty="0"/>
-                    </a:p>
-                  </a:txBody>
-                  <a:tcPr/>
-                </a:tc>
-                <a:tc hMerge="1">
-                  <a:txBody>
-                    <a:bodyPr/>
-                    <a:lstStyle/>
-                    <a:p>
-                      <a:pPr algn="ctr" latinLnBrk="1"/>
-                      <a:endParaRPr lang="ko-KR" altLang="en-US" dirty="0"/>
-                    </a:p>
-                  </a:txBody>
-                  <a:tcPr/>
-                </a:tc>
-                <a:extLst>
-                  <a:ext uri="{0D108BD9-81ED-4DB2-BD59-A6C34878D82A}">
-                    <a16:rowId xmlns:a16="http://schemas.microsoft.com/office/drawing/2014/main" val="3908604909"/>
-                  </a:ext>
-                </a:extLst>
-              </a:tr>
-              <a:tr h="370840">
-                <a:tc>
-                  <a:txBody>
-                    <a:bodyPr/>
-                    <a:lstStyle/>
-                    <a:p>
-                      <a:pPr algn="l" latinLnBrk="1"/>
-                      <a:r>
-                        <a:rPr lang="en-US" altLang="ko-KR" dirty="0" err="1"/>
-                        <a:t>File_id</a:t>
-                      </a:r>
-                      <a:endParaRPr lang="ko-KR" altLang="en-US" dirty="0"/>
-                    </a:p>
-                  </a:txBody>
-                  <a:tcPr/>
-                </a:tc>
-                <a:tc>
-                  <a:txBody>
-                    <a:bodyPr/>
-                    <a:lstStyle/>
-                    <a:p>
-                      <a:pPr algn="ctr" latinLnBrk="1"/>
-                      <a:r>
-                        <a:rPr lang="en-US" altLang="ko-KR" dirty="0"/>
-                        <a:t>Long</a:t>
-                      </a:r>
-                      <a:endParaRPr lang="ko-KR" altLang="en-US" dirty="0"/>
-                    </a:p>
-                  </a:txBody>
-                  <a:tcPr/>
-                </a:tc>
-                <a:extLst>
-                  <a:ext uri="{0D108BD9-81ED-4DB2-BD59-A6C34878D82A}">
-                    <a16:rowId xmlns:a16="http://schemas.microsoft.com/office/drawing/2014/main" val="1439998827"/>
-                  </a:ext>
-                </a:extLst>
-              </a:tr>
-              <a:tr h="370840">
-                <a:tc>
-                  <a:txBody>
-                    <a:bodyPr/>
-                    <a:lstStyle/>
-                    <a:p>
-                      <a:pPr algn="l" latinLnBrk="1"/>
-                      <a:r>
-                        <a:rPr lang="en-US" altLang="ko-KR" dirty="0" err="1"/>
-                        <a:t>upload_name</a:t>
-                      </a:r>
-                      <a:endParaRPr lang="ko-KR" altLang="en-US" dirty="0"/>
-                    </a:p>
-                  </a:txBody>
-                  <a:tcPr/>
-                </a:tc>
-                <a:tc>
-                  <a:txBody>
-                    <a:bodyPr/>
-                    <a:lstStyle/>
-                    <a:p>
-                      <a:pPr algn="ctr" latinLnBrk="1"/>
-                      <a:r>
-                        <a:rPr lang="en-US" altLang="ko-KR" dirty="0"/>
-                        <a:t>String</a:t>
-                      </a:r>
-                      <a:endParaRPr lang="ko-KR" altLang="en-US" dirty="0"/>
-                    </a:p>
-                  </a:txBody>
-                  <a:tcPr/>
-                </a:tc>
-                <a:extLst>
-                  <a:ext uri="{0D108BD9-81ED-4DB2-BD59-A6C34878D82A}">
-                    <a16:rowId xmlns:a16="http://schemas.microsoft.com/office/drawing/2014/main" val="3072322551"/>
-                  </a:ext>
-                </a:extLst>
-              </a:tr>
-              <a:tr h="370840">
-                <a:tc>
-                  <a:txBody>
-                    <a:bodyPr/>
-                    <a:lstStyle/>
-                    <a:p>
-                      <a:pPr algn="l" latinLnBrk="1"/>
-                      <a:r>
-                        <a:rPr lang="en-US" altLang="ko-KR" dirty="0" err="1"/>
-                        <a:t>store_name</a:t>
-                      </a:r>
-                      <a:endParaRPr lang="ko-KR" altLang="en-US" dirty="0"/>
-                    </a:p>
-                  </a:txBody>
-                  <a:tcPr/>
-                </a:tc>
-                <a:tc>
-                  <a:txBody>
-                    <a:bodyPr/>
-                    <a:lstStyle/>
-                    <a:p>
-                      <a:pPr algn="ctr" latinLnBrk="1"/>
-                      <a:r>
-                        <a:rPr lang="en-US" altLang="ko-KR" dirty="0"/>
-                        <a:t>String</a:t>
-                      </a:r>
-                      <a:endParaRPr lang="ko-KR" altLang="en-US" dirty="0"/>
-                    </a:p>
-                  </a:txBody>
-                  <a:tcPr/>
+                      <a:endParaRPr lang="ko-KR" altLang="en-US" sz="1400" dirty="0"/>
+                    </a:p>
+                  </a:txBody>
+                  <a:tcPr anchor="ctr"/>
                 </a:tc>
                 <a:extLst>
                   <a:ext uri="{0D108BD9-81ED-4DB2-BD59-A6C34878D82A}">
@@ -4903,14 +5030,14 @@
           <p:nvPr>
             <p:extLst>
               <p:ext uri="{D42A27DB-BD31-4B8C-83A1-F6EECF244321}">
-                <p14:modId xmlns:p14="http://schemas.microsoft.com/office/powerpoint/2010/main" val="1597867647"/>
+                <p14:modId xmlns:p14="http://schemas.microsoft.com/office/powerpoint/2010/main" val="659529892"/>
               </p:ext>
             </p:extLst>
           </p:nvPr>
         </p:nvGraphicFramePr>
         <p:xfrm>
           <a:off x="4099095" y="-11939"/>
-          <a:ext cx="3223664" cy="1849120"/>
+          <a:ext cx="3223664" cy="1788160"/>
         </p:xfrm>
         <a:graphic>
           <a:graphicData uri="http://schemas.openxmlformats.org/drawingml/2006/table">
@@ -4919,14 +5046,14 @@
                 <a:tableStyleId>{5C22544A-7EE6-4342-B048-85BDC9FD1C3A}</a:tableStyleId>
               </a:tblPr>
               <a:tblGrid>
-                <a:gridCol w="2032016">
+                <a:gridCol w="1195919">
                   <a:extLst>
                     <a:ext uri="{9D8B030D-6E8A-4147-A177-3AD203B41FA5}">
                       <a16:colId xmlns:a16="http://schemas.microsoft.com/office/drawing/2014/main" val="3704678566"/>
                     </a:ext>
                   </a:extLst>
                 </a:gridCol>
-                <a:gridCol w="1191648">
+                <a:gridCol w="2027745">
                   <a:extLst>
                     <a:ext uri="{9D8B030D-6E8A-4147-A177-3AD203B41FA5}">
                       <a16:colId xmlns:a16="http://schemas.microsoft.com/office/drawing/2014/main" val="2644198070"/>
@@ -4942,13 +5069,13 @@
                     <a:p>
                       <a:pPr algn="ctr" latinLnBrk="1"/>
                       <a:r>
-                        <a:rPr lang="en-US" altLang="ko-KR" dirty="0"/>
+                        <a:rPr lang="en-US" altLang="ko-KR" sz="1400" dirty="0"/>
                         <a:t>Point</a:t>
                       </a:r>
-                      <a:endParaRPr lang="ko-KR" altLang="en-US" dirty="0"/>
-                    </a:p>
-                  </a:txBody>
-                  <a:tcPr/>
+                      <a:endParaRPr lang="ko-KR" altLang="en-US" sz="1400" dirty="0"/>
+                    </a:p>
+                  </a:txBody>
+                  <a:tcPr anchor="ctr"/>
                 </a:tc>
                 <a:tc hMerge="1">
                   <a:txBody>
@@ -4975,13 +5102,13 @@
                     <a:p>
                       <a:pPr algn="l" latinLnBrk="1"/>
                       <a:r>
-                        <a:rPr lang="en-US" altLang="ko-KR" dirty="0" err="1"/>
-                        <a:t>point_id</a:t>
-                      </a:r>
-                      <a:endParaRPr lang="ko-KR" altLang="en-US" dirty="0"/>
-                    </a:p>
-                  </a:txBody>
-                  <a:tcPr/>
+                        <a:rPr lang="en-US" altLang="ko-KR" sz="1400" dirty="0"/>
+                        <a:t>id</a:t>
+                      </a:r>
+                      <a:endParaRPr lang="ko-KR" altLang="en-US" sz="1400" dirty="0"/>
+                    </a:p>
+                  </a:txBody>
+                  <a:tcPr anchor="ctr"/>
                 </a:tc>
                 <a:tc>
                   <a:txBody>
@@ -4990,13 +5117,13 @@
                     <a:p>
                       <a:pPr algn="ctr" latinLnBrk="1"/>
                       <a:r>
-                        <a:rPr lang="en-US" altLang="ko-KR" dirty="0"/>
+                        <a:rPr lang="en-US" altLang="ko-KR" sz="1400" dirty="0"/>
                         <a:t>Long</a:t>
                       </a:r>
-                      <a:endParaRPr lang="ko-KR" altLang="en-US" dirty="0"/>
-                    </a:p>
-                  </a:txBody>
-                  <a:tcPr/>
+                      <a:endParaRPr lang="ko-KR" altLang="en-US" sz="1400" dirty="0"/>
+                    </a:p>
+                  </a:txBody>
+                  <a:tcPr anchor="ctr"/>
                 </a:tc>
                 <a:extLst>
                   <a:ext uri="{0D108BD9-81ED-4DB2-BD59-A6C34878D82A}">
@@ -5012,13 +5139,13 @@
                     <a:p>
                       <a:pPr algn="l" latinLnBrk="1"/>
                       <a:r>
-                        <a:rPr lang="en-US" altLang="ko-KR" dirty="0"/>
-                        <a:t>Member</a:t>
-                      </a:r>
-                      <a:endParaRPr lang="ko-KR" altLang="en-US" dirty="0"/>
-                    </a:p>
-                  </a:txBody>
-                  <a:tcPr/>
+                        <a:rPr lang="en-US" altLang="ko-KR" sz="1400" dirty="0"/>
+                        <a:t>value</a:t>
+                      </a:r>
+                      <a:endParaRPr lang="ko-KR" altLang="en-US" sz="1400" dirty="0"/>
+                    </a:p>
+                  </a:txBody>
+                  <a:tcPr anchor="ctr"/>
                 </a:tc>
                 <a:tc>
                   <a:txBody>
@@ -5026,10 +5153,14 @@
                     <a:lstStyle/>
                     <a:p>
                       <a:pPr algn="ctr" latinLnBrk="1"/>
-                      <a:endParaRPr lang="ko-KR" altLang="en-US" dirty="0"/>
-                    </a:p>
-                  </a:txBody>
-                  <a:tcPr/>
+                      <a:r>
+                        <a:rPr lang="en-US" altLang="ko-KR" sz="1400" dirty="0"/>
+                        <a:t>Integer</a:t>
+                      </a:r>
+                      <a:endParaRPr lang="ko-KR" altLang="en-US" sz="1400" dirty="0"/>
+                    </a:p>
+                  </a:txBody>
+                  <a:tcPr anchor="ctr"/>
                 </a:tc>
                 <a:extLst>
                   <a:ext uri="{0D108BD9-81ED-4DB2-BD59-A6C34878D82A}">
@@ -5045,13 +5176,13 @@
                     <a:p>
                       <a:pPr algn="l" latinLnBrk="1"/>
                       <a:r>
-                        <a:rPr lang="en-US" altLang="ko-KR" dirty="0"/>
+                        <a:rPr lang="en-US" altLang="ko-KR" sz="1400" dirty="0"/>
                         <a:t>description</a:t>
                       </a:r>
-                      <a:endParaRPr lang="ko-KR" altLang="en-US" dirty="0"/>
-                    </a:p>
-                  </a:txBody>
-                  <a:tcPr/>
+                      <a:endParaRPr lang="ko-KR" altLang="en-US" sz="1400" dirty="0"/>
+                    </a:p>
+                  </a:txBody>
+                  <a:tcPr anchor="ctr"/>
                 </a:tc>
                 <a:tc>
                   <a:txBody>
@@ -5060,13 +5191,13 @@
                     <a:p>
                       <a:pPr algn="ctr" latinLnBrk="1"/>
                       <a:r>
-                        <a:rPr lang="en-US" altLang="ko-KR" dirty="0"/>
+                        <a:rPr lang="en-US" altLang="ko-KR" sz="1400" dirty="0"/>
                         <a:t>String</a:t>
                       </a:r>
-                      <a:endParaRPr lang="ko-KR" altLang="en-US" dirty="0"/>
-                    </a:p>
-                  </a:txBody>
-                  <a:tcPr/>
+                      <a:endParaRPr lang="ko-KR" altLang="en-US" sz="1400" dirty="0"/>
+                    </a:p>
+                  </a:txBody>
+                  <a:tcPr anchor="ctr"/>
                 </a:tc>
                 <a:extLst>
                   <a:ext uri="{0D108BD9-81ED-4DB2-BD59-A6C34878D82A}">
@@ -5082,13 +5213,13 @@
                     <a:p>
                       <a:pPr algn="l" latinLnBrk="1"/>
                       <a:r>
-                        <a:rPr lang="en-US" altLang="ko-KR" dirty="0"/>
-                        <a:t>value</a:t>
-                      </a:r>
-                      <a:endParaRPr lang="ko-KR" altLang="en-US" dirty="0"/>
-                    </a:p>
-                  </a:txBody>
-                  <a:tcPr/>
+                        <a:rPr lang="en-US" altLang="ko-KR" sz="1400" dirty="0"/>
+                        <a:t>member</a:t>
+                      </a:r>
+                      <a:endParaRPr lang="ko-KR" altLang="en-US" sz="1400" dirty="0"/>
+                    </a:p>
+                  </a:txBody>
+                  <a:tcPr anchor="ctr"/>
                 </a:tc>
                 <a:tc>
                   <a:txBody>
@@ -5097,13 +5228,13 @@
                     <a:p>
                       <a:pPr algn="ctr" latinLnBrk="1"/>
                       <a:r>
-                        <a:rPr lang="en-US" altLang="ko-KR" dirty="0"/>
-                        <a:t>Integer</a:t>
-                      </a:r>
-                      <a:endParaRPr lang="ko-KR" altLang="en-US" dirty="0"/>
-                    </a:p>
-                  </a:txBody>
-                  <a:tcPr/>
+                        <a:rPr lang="en-US" altLang="ko-KR" sz="1400" dirty="0"/>
+                        <a:t>Member</a:t>
+                      </a:r>
+                      <a:endParaRPr lang="ko-KR" altLang="en-US" sz="1400" dirty="0"/>
+                    </a:p>
+                  </a:txBody>
+                  <a:tcPr anchor="ctr"/>
                 </a:tc>
                 <a:extLst>
                   <a:ext uri="{0D108BD9-81ED-4DB2-BD59-A6C34878D82A}">
@@ -5130,14 +5261,14 @@
           <p:nvPr>
             <p:extLst>
               <p:ext uri="{D42A27DB-BD31-4B8C-83A1-F6EECF244321}">
-                <p14:modId xmlns:p14="http://schemas.microsoft.com/office/powerpoint/2010/main" val="505156378"/>
+                <p14:modId xmlns:p14="http://schemas.microsoft.com/office/powerpoint/2010/main" val="366635707"/>
               </p:ext>
             </p:extLst>
           </p:nvPr>
         </p:nvGraphicFramePr>
         <p:xfrm>
           <a:off x="4103055" y="1937874"/>
-          <a:ext cx="3223664" cy="2219960"/>
+          <a:ext cx="3223664" cy="2159000"/>
         </p:xfrm>
         <a:graphic>
           <a:graphicData uri="http://schemas.openxmlformats.org/drawingml/2006/table">
@@ -5146,14 +5277,14 @@
                 <a:tableStyleId>{5C22544A-7EE6-4342-B048-85BDC9FD1C3A}</a:tableStyleId>
               </a:tblPr>
               <a:tblGrid>
-                <a:gridCol w="2032016">
+                <a:gridCol w="1542833">
                   <a:extLst>
                     <a:ext uri="{9D8B030D-6E8A-4147-A177-3AD203B41FA5}">
                       <a16:colId xmlns:a16="http://schemas.microsoft.com/office/drawing/2014/main" val="3704678566"/>
                     </a:ext>
                   </a:extLst>
                 </a:gridCol>
-                <a:gridCol w="1191648">
+                <a:gridCol w="1680831">
                   <a:extLst>
                     <a:ext uri="{9D8B030D-6E8A-4147-A177-3AD203B41FA5}">
                       <a16:colId xmlns:a16="http://schemas.microsoft.com/office/drawing/2014/main" val="2644198070"/>
@@ -5169,10 +5300,10 @@
                     <a:p>
                       <a:pPr algn="ctr" latinLnBrk="1"/>
                       <a:r>
-                        <a:rPr lang="en-US" altLang="ko-KR" dirty="0"/>
+                        <a:rPr lang="en-US" altLang="ko-KR" sz="1400" dirty="0"/>
                         <a:t>Purchased</a:t>
                       </a:r>
-                      <a:endParaRPr lang="ko-KR" altLang="en-US" dirty="0"/>
+                      <a:endParaRPr lang="ko-KR" altLang="en-US" sz="1400" dirty="0"/>
                     </a:p>
                   </a:txBody>
                   <a:tcPr/>
@@ -5202,10 +5333,10 @@
                     <a:p>
                       <a:pPr algn="l" latinLnBrk="1"/>
                       <a:r>
-                        <a:rPr lang="en-US" altLang="ko-KR" dirty="0" err="1"/>
-                        <a:t>purchased_id</a:t>
-                      </a:r>
-                      <a:endParaRPr lang="ko-KR" altLang="en-US" dirty="0"/>
+                        <a:rPr lang="en-US" altLang="ko-KR" sz="1400" dirty="0"/>
+                        <a:t>id</a:t>
+                      </a:r>
+                      <a:endParaRPr lang="ko-KR" altLang="en-US" sz="1400" dirty="0"/>
                     </a:p>
                   </a:txBody>
                   <a:tcPr anchor="ctr"/>
@@ -5217,10 +5348,10 @@
                     <a:p>
                       <a:pPr algn="ctr" latinLnBrk="1"/>
                       <a:r>
-                        <a:rPr lang="en-US" altLang="ko-KR" dirty="0"/>
+                        <a:rPr lang="en-US" altLang="ko-KR" sz="1400" dirty="0"/>
                         <a:t>Long</a:t>
                       </a:r>
-                      <a:endParaRPr lang="ko-KR" altLang="en-US" dirty="0"/>
+                      <a:endParaRPr lang="ko-KR" altLang="en-US" sz="1400" dirty="0"/>
                     </a:p>
                   </a:txBody>
                   <a:tcPr anchor="ctr"/>
@@ -5239,10 +5370,10 @@
                     <a:p>
                       <a:pPr algn="l" latinLnBrk="1"/>
                       <a:r>
-                        <a:rPr lang="en-US" altLang="ko-KR" dirty="0"/>
-                        <a:t>name</a:t>
-                      </a:r>
-                      <a:endParaRPr lang="ko-KR" altLang="en-US" dirty="0"/>
+                        <a:rPr lang="en-US" altLang="ko-KR" sz="1400" dirty="0" err="1"/>
+                        <a:t>itemName</a:t>
+                      </a:r>
+                      <a:endParaRPr lang="ko-KR" altLang="en-US" sz="1400" dirty="0"/>
                     </a:p>
                   </a:txBody>
                   <a:tcPr anchor="ctr"/>
@@ -5254,10 +5385,10 @@
                     <a:p>
                       <a:pPr algn="ctr" latinLnBrk="1"/>
                       <a:r>
-                        <a:rPr lang="en-US" altLang="ko-KR" dirty="0"/>
+                        <a:rPr lang="en-US" altLang="ko-KR" sz="1400" dirty="0"/>
                         <a:t>String</a:t>
                       </a:r>
-                      <a:endParaRPr lang="ko-KR" altLang="en-US" dirty="0"/>
+                      <a:endParaRPr lang="ko-KR" altLang="en-US" sz="1400" dirty="0"/>
                     </a:p>
                   </a:txBody>
                   <a:tcPr anchor="ctr"/>
@@ -5276,10 +5407,10 @@
                     <a:p>
                       <a:pPr algn="l" latinLnBrk="1"/>
                       <a:r>
-                        <a:rPr lang="en-US" altLang="ko-KR" dirty="0"/>
-                        <a:t>File</a:t>
-                      </a:r>
-                      <a:endParaRPr lang="ko-KR" altLang="en-US" dirty="0"/>
+                        <a:rPr lang="en-US" altLang="ko-KR" sz="1400" dirty="0" err="1"/>
+                        <a:t>expiryDate</a:t>
+                      </a:r>
+                      <a:endParaRPr lang="ko-KR" altLang="en-US" sz="1400" dirty="0"/>
                     </a:p>
                   </a:txBody>
                   <a:tcPr anchor="ctr"/>
@@ -5290,7 +5421,11 @@
                     <a:lstStyle/>
                     <a:p>
                       <a:pPr algn="ctr" latinLnBrk="1"/>
-                      <a:endParaRPr lang="ko-KR" altLang="en-US" dirty="0"/>
+                      <a:r>
+                        <a:rPr lang="en-US" altLang="ko-KR" sz="1400" dirty="0" err="1"/>
+                        <a:t>LocalDateTime</a:t>
+                      </a:r>
+                      <a:endParaRPr lang="ko-KR" altLang="en-US" sz="1400" dirty="0"/>
                     </a:p>
                   </a:txBody>
                   <a:tcPr anchor="ctr"/>
@@ -5309,10 +5444,10 @@
                     <a:p>
                       <a:pPr algn="l" latinLnBrk="1"/>
                       <a:r>
-                        <a:rPr lang="en-US" altLang="ko-KR" dirty="0" err="1"/>
-                        <a:t>expiry_date</a:t>
-                      </a:r>
-                      <a:endParaRPr lang="ko-KR" altLang="en-US" dirty="0"/>
+                        <a:rPr lang="en-US" altLang="ko-KR" sz="1400" dirty="0" err="1"/>
+                        <a:t>fileData</a:t>
+                      </a:r>
+                      <a:endParaRPr lang="ko-KR" altLang="en-US" sz="1400" dirty="0"/>
                     </a:p>
                   </a:txBody>
                   <a:tcPr anchor="ctr"/>
@@ -5324,10 +5459,10 @@
                     <a:p>
                       <a:pPr algn="ctr" latinLnBrk="1"/>
                       <a:r>
-                        <a:rPr lang="en-US" altLang="ko-KR" sz="1100" dirty="0" err="1"/>
-                        <a:t>LocalDateTime</a:t>
-                      </a:r>
-                      <a:endParaRPr lang="ko-KR" altLang="en-US" sz="1100" dirty="0"/>
+                        <a:rPr lang="en-US" altLang="ko-KR" sz="1400" dirty="0" err="1"/>
+                        <a:t>FileData</a:t>
+                      </a:r>
+                      <a:endParaRPr lang="ko-KR" altLang="en-US" sz="1400" dirty="0"/>
                     </a:p>
                   </a:txBody>
                   <a:tcPr anchor="ctr"/>
@@ -5346,21 +5481,25 @@
                     <a:p>
                       <a:pPr algn="l" latinLnBrk="1"/>
                       <a:r>
-                        <a:rPr lang="en-US" altLang="ko-KR" dirty="0"/>
+                        <a:rPr lang="en-US" altLang="ko-KR" sz="1400" dirty="0"/>
+                        <a:t>member</a:t>
+                      </a:r>
+                      <a:endParaRPr lang="ko-KR" altLang="en-US" sz="1400" dirty="0"/>
+                    </a:p>
+                  </a:txBody>
+                  <a:tcPr anchor="ctr"/>
+                </a:tc>
+                <a:tc>
+                  <a:txBody>
+                    <a:bodyPr/>
+                    <a:lstStyle/>
+                    <a:p>
+                      <a:pPr algn="ctr" latinLnBrk="1"/>
+                      <a:r>
+                        <a:rPr lang="en-US" altLang="ko-KR" sz="1400" dirty="0"/>
                         <a:t>Member</a:t>
                       </a:r>
-                      <a:endParaRPr lang="ko-KR" altLang="en-US" dirty="0"/>
-                    </a:p>
-                  </a:txBody>
-                  <a:tcPr anchor="ctr"/>
-                </a:tc>
-                <a:tc>
-                  <a:txBody>
-                    <a:bodyPr/>
-                    <a:lstStyle/>
-                    <a:p>
-                      <a:pPr algn="ctr" latinLnBrk="1"/>
-                      <a:endParaRPr lang="ko-KR" altLang="en-US" sz="1100" dirty="0"/>
+                      <a:endParaRPr lang="ko-KR" altLang="en-US" sz="1400" dirty="0"/>
                     </a:p>
                   </a:txBody>
                   <a:tcPr anchor="ctr"/>
@@ -5393,12 +5532,12 @@
         </p:nvCxnSpPr>
         <p:spPr>
           <a:xfrm rot="10800000" flipV="1">
-            <a:off x="340782" y="2047569"/>
-            <a:ext cx="3960" cy="2950589"/>
+            <a:off x="246036" y="1837772"/>
+            <a:ext cx="1980" cy="2441990"/>
           </a:xfrm>
           <a:prstGeom prst="bentConnector3">
             <a:avLst>
-              <a:gd name="adj1" fmla="val 5872727"/>
+              <a:gd name="adj1" fmla="val 11645455"/>
             </a:avLst>
           </a:prstGeom>
           <a:ln>
@@ -5438,8 +5577,8 @@
         </p:nvCxnSpPr>
         <p:spPr>
           <a:xfrm flipV="1">
-            <a:off x="3580277" y="912621"/>
-            <a:ext cx="518818" cy="360680"/>
+            <a:off x="3580277" y="882141"/>
+            <a:ext cx="518818" cy="391160"/>
           </a:xfrm>
           <a:prstGeom prst="bentConnector3">
             <a:avLst/>
@@ -5526,8 +5665,8 @@
         </p:nvCxnSpPr>
         <p:spPr>
           <a:xfrm>
-            <a:off x="3568406" y="2047570"/>
-            <a:ext cx="530689" cy="2785912"/>
+            <a:off x="3471680" y="1837772"/>
+            <a:ext cx="627415" cy="2965230"/>
           </a:xfrm>
           <a:prstGeom prst="bentConnector3">
             <a:avLst>
@@ -5571,8 +5710,8 @@
         </p:nvCxnSpPr>
         <p:spPr>
           <a:xfrm flipV="1">
-            <a:off x="7322759" y="1498484"/>
-            <a:ext cx="1254831" cy="3334998"/>
+            <a:off x="7322759" y="1315604"/>
+            <a:ext cx="1254831" cy="3487398"/>
           </a:xfrm>
           <a:prstGeom prst="bentConnector3">
             <a:avLst>
@@ -5616,8 +5755,8 @@
         </p:nvCxnSpPr>
         <p:spPr>
           <a:xfrm rot="10800000" flipH="1" flipV="1">
-            <a:off x="8577590" y="1498484"/>
-            <a:ext cx="46004" cy="2392680"/>
+            <a:off x="8577590" y="1315604"/>
+            <a:ext cx="46004" cy="2545080"/>
           </a:xfrm>
           <a:prstGeom prst="bentConnector3">
             <a:avLst>
@@ -5662,7 +5801,7 @@
         </p:nvCxnSpPr>
         <p:spPr>
           <a:xfrm>
-            <a:off x="7326719" y="3047854"/>
+            <a:off x="7326719" y="3017374"/>
             <a:ext cx="1296875" cy="2689445"/>
           </a:xfrm>
           <a:prstGeom prst="bentConnector3">
@@ -5707,8 +5846,8 @@
         </p:nvCxnSpPr>
         <p:spPr>
           <a:xfrm>
-            <a:off x="11801254" y="1498484"/>
-            <a:ext cx="46004" cy="4238815"/>
+            <a:off x="11801254" y="1315604"/>
+            <a:ext cx="46004" cy="4391215"/>
           </a:xfrm>
           <a:prstGeom prst="bentConnector3">
             <a:avLst>
@@ -5749,14 +5888,14 @@
           <p:nvPr>
             <p:extLst>
               <p:ext uri="{D42A27DB-BD31-4B8C-83A1-F6EECF244321}">
-                <p14:modId xmlns:p14="http://schemas.microsoft.com/office/powerpoint/2010/main" val="3803692848"/>
+                <p14:modId xmlns:p14="http://schemas.microsoft.com/office/powerpoint/2010/main" val="2980153649"/>
               </p:ext>
             </p:extLst>
           </p:nvPr>
         </p:nvGraphicFramePr>
         <p:xfrm>
-          <a:off x="4099095" y="5491499"/>
-          <a:ext cx="3223664" cy="1478280"/>
+          <a:off x="4099095" y="5427701"/>
+          <a:ext cx="3223664" cy="1417320"/>
         </p:xfrm>
         <a:graphic>
           <a:graphicData uri="http://schemas.openxmlformats.org/drawingml/2006/table">
@@ -5788,13 +5927,13 @@
                     <a:p>
                       <a:pPr algn="ctr" latinLnBrk="1"/>
                       <a:r>
-                        <a:rPr lang="en-US" altLang="ko-KR" dirty="0" err="1"/>
-                        <a:t>Cart_item</a:t>
-                      </a:r>
-                      <a:endParaRPr lang="ko-KR" altLang="en-US" dirty="0"/>
-                    </a:p>
-                  </a:txBody>
-                  <a:tcPr/>
+                        <a:rPr lang="en-US" altLang="ko-KR" sz="1400" dirty="0" err="1"/>
+                        <a:t>CartItem</a:t>
+                      </a:r>
+                      <a:endParaRPr lang="ko-KR" altLang="en-US" sz="1400" dirty="0"/>
+                    </a:p>
+                  </a:txBody>
+                  <a:tcPr anchor="ctr"/>
                 </a:tc>
                 <a:tc hMerge="1">
                   <a:txBody>
@@ -5821,13 +5960,13 @@
                     <a:p>
                       <a:pPr algn="l" latinLnBrk="1"/>
                       <a:r>
-                        <a:rPr lang="en-US" altLang="ko-KR" dirty="0" err="1"/>
-                        <a:t>cart_item_id</a:t>
-                      </a:r>
-                      <a:endParaRPr lang="ko-KR" altLang="en-US" dirty="0"/>
-                    </a:p>
-                  </a:txBody>
-                  <a:tcPr/>
+                        <a:rPr lang="en-US" altLang="ko-KR" sz="1400" dirty="0"/>
+                        <a:t>id</a:t>
+                      </a:r>
+                      <a:endParaRPr lang="ko-KR" altLang="en-US" sz="1400" dirty="0"/>
+                    </a:p>
+                  </a:txBody>
+                  <a:tcPr anchor="ctr"/>
                 </a:tc>
                 <a:tc>
                   <a:txBody>
@@ -5836,13 +5975,13 @@
                     <a:p>
                       <a:pPr algn="ctr" latinLnBrk="1"/>
                       <a:r>
-                        <a:rPr lang="en-US" altLang="ko-KR" dirty="0"/>
+                        <a:rPr lang="en-US" altLang="ko-KR" sz="1400" dirty="0"/>
                         <a:t>Long</a:t>
                       </a:r>
-                      <a:endParaRPr lang="ko-KR" altLang="en-US" dirty="0"/>
-                    </a:p>
-                  </a:txBody>
-                  <a:tcPr/>
+                      <a:endParaRPr lang="ko-KR" altLang="en-US" sz="1400" dirty="0"/>
+                    </a:p>
+                  </a:txBody>
+                  <a:tcPr anchor="ctr"/>
                 </a:tc>
                 <a:extLst>
                   <a:ext uri="{0D108BD9-81ED-4DB2-BD59-A6C34878D82A}">
@@ -5858,13 +5997,13 @@
                     <a:p>
                       <a:pPr algn="l" latinLnBrk="1"/>
                       <a:r>
-                        <a:rPr lang="en-US" altLang="ko-KR" dirty="0"/>
+                        <a:rPr lang="en-US" altLang="ko-KR" sz="1400" dirty="0"/>
                         <a:t>cart</a:t>
                       </a:r>
-                      <a:endParaRPr lang="ko-KR" altLang="en-US" dirty="0"/>
-                    </a:p>
-                  </a:txBody>
-                  <a:tcPr/>
+                      <a:endParaRPr lang="ko-KR" altLang="en-US" sz="1400" dirty="0"/>
+                    </a:p>
+                  </a:txBody>
+                  <a:tcPr anchor="ctr"/>
                 </a:tc>
                 <a:tc>
                   <a:txBody>
@@ -5872,10 +6011,14 @@
                     <a:lstStyle/>
                     <a:p>
                       <a:pPr algn="ctr" latinLnBrk="1"/>
-                      <a:endParaRPr lang="ko-KR" altLang="en-US" dirty="0"/>
-                    </a:p>
-                  </a:txBody>
-                  <a:tcPr/>
+                      <a:r>
+                        <a:rPr lang="en-US" altLang="ko-KR" sz="1400" dirty="0"/>
+                        <a:t>Cart</a:t>
+                      </a:r>
+                      <a:endParaRPr lang="ko-KR" altLang="en-US" sz="1400" dirty="0"/>
+                    </a:p>
+                  </a:txBody>
+                  <a:tcPr anchor="ctr"/>
                 </a:tc>
                 <a:extLst>
                   <a:ext uri="{0D108BD9-81ED-4DB2-BD59-A6C34878D82A}">
@@ -5891,13 +6034,13 @@
                     <a:p>
                       <a:pPr algn="l" latinLnBrk="1"/>
                       <a:r>
-                        <a:rPr lang="en-US" altLang="ko-KR" dirty="0"/>
+                        <a:rPr lang="en-US" altLang="ko-KR" sz="1400" dirty="0"/>
                         <a:t>item</a:t>
                       </a:r>
-                      <a:endParaRPr lang="ko-KR" altLang="en-US" dirty="0"/>
-                    </a:p>
-                  </a:txBody>
-                  <a:tcPr/>
+                      <a:endParaRPr lang="ko-KR" altLang="en-US" sz="1400" dirty="0"/>
+                    </a:p>
+                  </a:txBody>
+                  <a:tcPr anchor="ctr"/>
                 </a:tc>
                 <a:tc>
                   <a:txBody>
@@ -5905,10 +6048,14 @@
                     <a:lstStyle/>
                     <a:p>
                       <a:pPr algn="ctr" latinLnBrk="1"/>
-                      <a:endParaRPr lang="ko-KR" altLang="en-US" dirty="0"/>
-                    </a:p>
-                  </a:txBody>
-                  <a:tcPr/>
+                      <a:r>
+                        <a:rPr lang="en-US" altLang="ko-KR" sz="1400" dirty="0"/>
+                        <a:t>Item</a:t>
+                      </a:r>
+                      <a:endParaRPr lang="ko-KR" altLang="en-US" sz="1400" dirty="0"/>
+                    </a:p>
+                  </a:txBody>
+                  <a:tcPr anchor="ctr"/>
                 </a:tc>
                 <a:extLst>
                   <a:ext uri="{0D108BD9-81ED-4DB2-BD59-A6C34878D82A}">
@@ -5938,8 +6085,8 @@
         </p:nvCxnSpPr>
         <p:spPr>
           <a:xfrm rot="10800000" flipV="1">
-            <a:off x="4099095" y="4833481"/>
-            <a:ext cx="12700" cy="1397157"/>
+            <a:off x="4099095" y="4803001"/>
+            <a:ext cx="12700" cy="1333359"/>
           </a:xfrm>
           <a:prstGeom prst="bentConnector3">
             <a:avLst>
@@ -5984,8 +6131,8 @@
         </p:nvCxnSpPr>
         <p:spPr>
           <a:xfrm flipV="1">
-            <a:off x="7322759" y="1498484"/>
-            <a:ext cx="1254831" cy="4732155"/>
+            <a:off x="7322759" y="1315604"/>
+            <a:ext cx="1254831" cy="4820757"/>
           </a:xfrm>
           <a:prstGeom prst="bentConnector3">
             <a:avLst>
@@ -6011,10 +6158,350 @@
           </a:fontRef>
         </p:style>
       </p:cxnSp>
+      <p:graphicFrame>
+        <p:nvGraphicFramePr>
+          <p:cNvPr id="25" name="표 24">
+            <a:extLst>
+              <a:ext uri="{FF2B5EF4-FFF2-40B4-BE49-F238E27FC236}">
+                <a16:creationId xmlns:a16="http://schemas.microsoft.com/office/drawing/2014/main" id="{04B1181A-49C5-8642-A85B-668F3266FC87}"/>
+              </a:ext>
+            </a:extLst>
+          </p:cNvPr>
+          <p:cNvGraphicFramePr>
+            <a:graphicFrameLocks noGrp="1"/>
+          </p:cNvGraphicFramePr>
+          <p:nvPr>
+            <p:extLst>
+              <p:ext uri="{D42A27DB-BD31-4B8C-83A1-F6EECF244321}">
+                <p14:modId xmlns:p14="http://schemas.microsoft.com/office/powerpoint/2010/main" val="1849601573"/>
+              </p:ext>
+            </p:extLst>
+          </p:nvPr>
+        </p:nvGraphicFramePr>
+        <p:xfrm>
+          <a:off x="225013" y="5271688"/>
+          <a:ext cx="3223664" cy="1828800"/>
+        </p:xfrm>
+        <a:graphic>
+          <a:graphicData uri="http://schemas.openxmlformats.org/drawingml/2006/table">
+            <a:tbl>
+              <a:tblPr firstRow="1" bandRow="1">
+                <a:tableStyleId>{5C22544A-7EE6-4342-B048-85BDC9FD1C3A}</a:tableStyleId>
+              </a:tblPr>
+              <a:tblGrid>
+                <a:gridCol w="2032016">
+                  <a:extLst>
+                    <a:ext uri="{9D8B030D-6E8A-4147-A177-3AD203B41FA5}">
+                      <a16:colId xmlns:a16="http://schemas.microsoft.com/office/drawing/2014/main" val="3704678566"/>
+                    </a:ext>
+                  </a:extLst>
+                </a:gridCol>
+                <a:gridCol w="1191648">
+                  <a:extLst>
+                    <a:ext uri="{9D8B030D-6E8A-4147-A177-3AD203B41FA5}">
+                      <a16:colId xmlns:a16="http://schemas.microsoft.com/office/drawing/2014/main" val="2644198070"/>
+                    </a:ext>
+                  </a:extLst>
+                </a:gridCol>
+              </a:tblGrid>
+              <a:tr h="236059">
+                <a:tc gridSpan="2">
+                  <a:txBody>
+                    <a:bodyPr/>
+                    <a:lstStyle/>
+                    <a:p>
+                      <a:pPr algn="ctr" latinLnBrk="1"/>
+                      <a:r>
+                        <a:rPr lang="en-US" altLang="ko-KR" sz="1400" dirty="0" err="1"/>
+                        <a:t>OrderItem</a:t>
+                      </a:r>
+                      <a:endParaRPr lang="ko-KR" altLang="en-US" sz="1400" dirty="0"/>
+                    </a:p>
+                  </a:txBody>
+                  <a:tcPr/>
+                </a:tc>
+                <a:tc hMerge="1">
+                  <a:txBody>
+                    <a:bodyPr/>
+                    <a:lstStyle/>
+                    <a:p>
+                      <a:pPr algn="ctr" latinLnBrk="1"/>
+                      <a:endParaRPr lang="ko-KR" altLang="en-US" dirty="0"/>
+                    </a:p>
+                  </a:txBody>
+                  <a:tcPr/>
+                </a:tc>
+                <a:extLst>
+                  <a:ext uri="{0D108BD9-81ED-4DB2-BD59-A6C34878D82A}">
+                    <a16:rowId xmlns:a16="http://schemas.microsoft.com/office/drawing/2014/main" val="3908604909"/>
+                  </a:ext>
+                </a:extLst>
+              </a:tr>
+              <a:tr h="287205">
+                <a:tc>
+                  <a:txBody>
+                    <a:bodyPr/>
+                    <a:lstStyle/>
+                    <a:p>
+                      <a:pPr algn="l" latinLnBrk="1"/>
+                      <a:r>
+                        <a:rPr lang="en-US" altLang="ko-KR" sz="1400" dirty="0"/>
+                        <a:t>id</a:t>
+                      </a:r>
+                      <a:endParaRPr lang="ko-KR" altLang="en-US" sz="1400" dirty="0"/>
+                    </a:p>
+                  </a:txBody>
+                  <a:tcPr anchor="ctr"/>
+                </a:tc>
+                <a:tc>
+                  <a:txBody>
+                    <a:bodyPr/>
+                    <a:lstStyle/>
+                    <a:p>
+                      <a:pPr algn="ctr" latinLnBrk="1"/>
+                      <a:r>
+                        <a:rPr lang="en-US" altLang="ko-KR" sz="1400" dirty="0"/>
+                        <a:t>Long</a:t>
+                      </a:r>
+                      <a:endParaRPr lang="ko-KR" altLang="en-US" sz="1400" dirty="0"/>
+                    </a:p>
+                  </a:txBody>
+                  <a:tcPr anchor="ctr"/>
+                </a:tc>
+                <a:extLst>
+                  <a:ext uri="{0D108BD9-81ED-4DB2-BD59-A6C34878D82A}">
+                    <a16:rowId xmlns:a16="http://schemas.microsoft.com/office/drawing/2014/main" val="1439998827"/>
+                  </a:ext>
+                </a:extLst>
+              </a:tr>
+              <a:tr h="287205">
+                <a:tc>
+                  <a:txBody>
+                    <a:bodyPr/>
+                    <a:lstStyle/>
+                    <a:p>
+                      <a:pPr algn="l" latinLnBrk="1"/>
+                      <a:r>
+                        <a:rPr lang="en-US" altLang="ko-KR" sz="1400" dirty="0" err="1"/>
+                        <a:t>itemName</a:t>
+                      </a:r>
+                      <a:endParaRPr lang="ko-KR" altLang="en-US" sz="1400" dirty="0"/>
+                    </a:p>
+                  </a:txBody>
+                  <a:tcPr anchor="ctr"/>
+                </a:tc>
+                <a:tc>
+                  <a:txBody>
+                    <a:bodyPr/>
+                    <a:lstStyle/>
+                    <a:p>
+                      <a:pPr algn="ctr" latinLnBrk="1"/>
+                      <a:r>
+                        <a:rPr lang="en-US" altLang="ko-KR" sz="1400" dirty="0"/>
+                        <a:t>String</a:t>
+                      </a:r>
+                      <a:endParaRPr lang="ko-KR" altLang="en-US" sz="1400" dirty="0"/>
+                    </a:p>
+                  </a:txBody>
+                  <a:tcPr anchor="ctr"/>
+                </a:tc>
+                <a:extLst>
+                  <a:ext uri="{0D108BD9-81ED-4DB2-BD59-A6C34878D82A}">
+                    <a16:rowId xmlns:a16="http://schemas.microsoft.com/office/drawing/2014/main" val="2736875985"/>
+                  </a:ext>
+                </a:extLst>
+              </a:tr>
+              <a:tr h="287205">
+                <a:tc>
+                  <a:txBody>
+                    <a:bodyPr/>
+                    <a:lstStyle/>
+                    <a:p>
+                      <a:pPr algn="l" latinLnBrk="1"/>
+                      <a:r>
+                        <a:rPr lang="en-US" altLang="ko-KR" sz="1400" dirty="0"/>
+                        <a:t>price</a:t>
+                      </a:r>
+                      <a:endParaRPr lang="ko-KR" altLang="en-US" sz="1400" dirty="0"/>
+                    </a:p>
+                  </a:txBody>
+                  <a:tcPr anchor="ctr"/>
+                </a:tc>
+                <a:tc>
+                  <a:txBody>
+                    <a:bodyPr/>
+                    <a:lstStyle/>
+                    <a:p>
+                      <a:pPr algn="ctr" latinLnBrk="1"/>
+                      <a:r>
+                        <a:rPr lang="en-US" altLang="ko-KR" sz="1400" dirty="0"/>
+                        <a:t>Integer</a:t>
+                      </a:r>
+                      <a:endParaRPr lang="ko-KR" altLang="en-US" sz="1400" dirty="0"/>
+                    </a:p>
+                  </a:txBody>
+                  <a:tcPr anchor="ctr"/>
+                </a:tc>
+                <a:extLst>
+                  <a:ext uri="{0D108BD9-81ED-4DB2-BD59-A6C34878D82A}">
+                    <a16:rowId xmlns:a16="http://schemas.microsoft.com/office/drawing/2014/main" val="3072322551"/>
+                  </a:ext>
+                </a:extLst>
+              </a:tr>
+              <a:tr h="287205">
+                <a:tc>
+                  <a:txBody>
+                    <a:bodyPr/>
+                    <a:lstStyle/>
+                    <a:p>
+                      <a:pPr algn="l" latinLnBrk="1"/>
+                      <a:r>
+                        <a:rPr lang="en-US" altLang="ko-KR" sz="1400" dirty="0" err="1"/>
+                        <a:t>fileData</a:t>
+                      </a:r>
+                      <a:endParaRPr lang="ko-KR" altLang="en-US" sz="1400" dirty="0"/>
+                    </a:p>
+                  </a:txBody>
+                  <a:tcPr anchor="ctr"/>
+                </a:tc>
+                <a:tc>
+                  <a:txBody>
+                    <a:bodyPr/>
+                    <a:lstStyle/>
+                    <a:p>
+                      <a:pPr algn="ctr" latinLnBrk="1"/>
+                      <a:r>
+                        <a:rPr lang="en-US" altLang="ko-KR" sz="1400" dirty="0" err="1"/>
+                        <a:t>FileData</a:t>
+                      </a:r>
+                      <a:endParaRPr lang="ko-KR" altLang="en-US" sz="1400" dirty="0"/>
+                    </a:p>
+                  </a:txBody>
+                  <a:tcPr anchor="ctr"/>
+                </a:tc>
+                <a:extLst>
+                  <a:ext uri="{0D108BD9-81ED-4DB2-BD59-A6C34878D82A}">
+                    <a16:rowId xmlns:a16="http://schemas.microsoft.com/office/drawing/2014/main" val="767628578"/>
+                  </a:ext>
+                </a:extLst>
+              </a:tr>
+              <a:tr h="287205">
+                <a:tc>
+                  <a:txBody>
+                    <a:bodyPr/>
+                    <a:lstStyle/>
+                    <a:p>
+                      <a:pPr algn="l" latinLnBrk="1"/>
+                      <a:r>
+                        <a:rPr lang="en-US" altLang="ko-KR" sz="1400" dirty="0"/>
+                        <a:t>order</a:t>
+                      </a:r>
+                      <a:endParaRPr lang="ko-KR" altLang="en-US" sz="1400" dirty="0"/>
+                    </a:p>
+                  </a:txBody>
+                  <a:tcPr anchor="ctr"/>
+                </a:tc>
+                <a:tc>
+                  <a:txBody>
+                    <a:bodyPr/>
+                    <a:lstStyle/>
+                    <a:p>
+                      <a:pPr algn="ctr" latinLnBrk="1"/>
+                      <a:r>
+                        <a:rPr lang="en-US" altLang="ko-KR" sz="1400" dirty="0"/>
+                        <a:t>Order</a:t>
+                      </a:r>
+                      <a:endParaRPr lang="ko-KR" altLang="en-US" sz="1400" dirty="0"/>
+                    </a:p>
+                  </a:txBody>
+                  <a:tcPr anchor="ctr"/>
+                </a:tc>
+                <a:extLst>
+                  <a:ext uri="{0D108BD9-81ED-4DB2-BD59-A6C34878D82A}">
+                    <a16:rowId xmlns:a16="http://schemas.microsoft.com/office/drawing/2014/main" val="2881765618"/>
+                  </a:ext>
+                </a:extLst>
+              </a:tr>
+            </a:tbl>
+          </a:graphicData>
+        </a:graphic>
+      </p:graphicFrame>
     </p:spTree>
     <p:extLst>
       <p:ext uri="{BB962C8B-B14F-4D97-AF65-F5344CB8AC3E}">
         <p14:creationId xmlns:p14="http://schemas.microsoft.com/office/powerpoint/2010/main" val="2797990264"/>
+      </p:ext>
+    </p:extLst>
+  </p:cSld>
+  <p:clrMapOvr>
+    <a:masterClrMapping/>
+  </p:clrMapOvr>
+</p:sld>
+</file>
+
+<file path=ppt/slides/slide2.xml><?xml version="1.0" encoding="utf-8"?>
+<p:sld xmlns:a="http://schemas.openxmlformats.org/drawingml/2006/main" xmlns:r="http://schemas.openxmlformats.org/officeDocument/2006/relationships" xmlns:p="http://schemas.openxmlformats.org/presentationml/2006/main">
+  <p:cSld>
+    <p:spTree>
+      <p:nvGrpSpPr>
+        <p:cNvPr id="1" name=""/>
+        <p:cNvGrpSpPr/>
+        <p:nvPr/>
+      </p:nvGrpSpPr>
+      <p:grpSpPr>
+        <a:xfrm>
+          <a:off x="0" y="0"/>
+          <a:ext cx="0" cy="0"/>
+          <a:chOff x="0" y="0"/>
+          <a:chExt cx="0" cy="0"/>
+        </a:xfrm>
+      </p:grpSpPr>
+      <p:sp>
+        <p:nvSpPr>
+          <p:cNvPr id="4" name="TextBox 3">
+            <a:extLst>
+              <a:ext uri="{FF2B5EF4-FFF2-40B4-BE49-F238E27FC236}">
+                <a16:creationId xmlns:a16="http://schemas.microsoft.com/office/drawing/2014/main" id="{E7CFB5E8-99D5-F94C-8295-9DABDC45FFEF}"/>
+              </a:ext>
+            </a:extLst>
+          </p:cNvPr>
+          <p:cNvSpPr txBox="1"/>
+          <p:nvPr/>
+        </p:nvSpPr>
+        <p:spPr>
+          <a:xfrm>
+            <a:off x="531628" y="489098"/>
+            <a:ext cx="5337544" cy="646331"/>
+          </a:xfrm>
+          <a:prstGeom prst="rect">
+            <a:avLst/>
+          </a:prstGeom>
+          <a:noFill/>
+        </p:spPr>
+        <p:txBody>
+          <a:bodyPr wrap="square" rtlCol="0">
+            <a:spAutoFit/>
+          </a:bodyPr>
+          <a:lstStyle/>
+          <a:p>
+            <a:r>
+              <a:rPr kumimoji="1" lang="en-US" altLang="ko-Kore-KR" dirty="0"/>
+              <a:t>Member-service</a:t>
+            </a:r>
+          </a:p>
+          <a:p>
+            <a:r>
+              <a:rPr kumimoji="1" lang="en-US" altLang="ko-Kore-KR" dirty="0"/>
+              <a:t>- login(</a:t>
+            </a:r>
+            <a:endParaRPr kumimoji="1" lang="ko-Kore-KR" altLang="en-US" dirty="0"/>
+          </a:p>
+        </p:txBody>
+      </p:sp>
+    </p:spTree>
+    <p:extLst>
+      <p:ext uri="{BB962C8B-B14F-4D97-AF65-F5344CB8AC3E}">
+        <p14:creationId xmlns:p14="http://schemas.microsoft.com/office/powerpoint/2010/main" val="116076827"/>
       </p:ext>
     </p:extLst>
   </p:cSld>

--- a/설계.pptx
+++ b/설계.pptx
@@ -260,7 +260,7 @@
           <a:p>
             <a:fld id="{E871AFEF-E56D-43CB-B2BD-C2590331E35B}" type="datetimeFigureOut">
               <a:rPr lang="ko-KR" altLang="en-US" smtClean="0"/>
-              <a:t>2021. 11. 25.</a:t>
+              <a:t>2021. 11. 28.</a:t>
             </a:fld>
             <a:endParaRPr lang="ko-KR" altLang="en-US"/>
           </a:p>
@@ -458,7 +458,7 @@
           <a:p>
             <a:fld id="{E871AFEF-E56D-43CB-B2BD-C2590331E35B}" type="datetimeFigureOut">
               <a:rPr lang="ko-KR" altLang="en-US" smtClean="0"/>
-              <a:t>2021. 11. 25.</a:t>
+              <a:t>2021. 11. 28.</a:t>
             </a:fld>
             <a:endParaRPr lang="ko-KR" altLang="en-US"/>
           </a:p>
@@ -666,7 +666,7 @@
           <a:p>
             <a:fld id="{E871AFEF-E56D-43CB-B2BD-C2590331E35B}" type="datetimeFigureOut">
               <a:rPr lang="ko-KR" altLang="en-US" smtClean="0"/>
-              <a:t>2021. 11. 25.</a:t>
+              <a:t>2021. 11. 28.</a:t>
             </a:fld>
             <a:endParaRPr lang="ko-KR" altLang="en-US"/>
           </a:p>
@@ -864,7 +864,7 @@
           <a:p>
             <a:fld id="{E871AFEF-E56D-43CB-B2BD-C2590331E35B}" type="datetimeFigureOut">
               <a:rPr lang="ko-KR" altLang="en-US" smtClean="0"/>
-              <a:t>2021. 11. 25.</a:t>
+              <a:t>2021. 11. 28.</a:t>
             </a:fld>
             <a:endParaRPr lang="ko-KR" altLang="en-US"/>
           </a:p>
@@ -1139,7 +1139,7 @@
           <a:p>
             <a:fld id="{E871AFEF-E56D-43CB-B2BD-C2590331E35B}" type="datetimeFigureOut">
               <a:rPr lang="ko-KR" altLang="en-US" smtClean="0"/>
-              <a:t>2021. 11. 25.</a:t>
+              <a:t>2021. 11. 28.</a:t>
             </a:fld>
             <a:endParaRPr lang="ko-KR" altLang="en-US"/>
           </a:p>
@@ -1404,7 +1404,7 @@
           <a:p>
             <a:fld id="{E871AFEF-E56D-43CB-B2BD-C2590331E35B}" type="datetimeFigureOut">
               <a:rPr lang="ko-KR" altLang="en-US" smtClean="0"/>
-              <a:t>2021. 11. 25.</a:t>
+              <a:t>2021. 11. 28.</a:t>
             </a:fld>
             <a:endParaRPr lang="ko-KR" altLang="en-US"/>
           </a:p>
@@ -1816,7 +1816,7 @@
           <a:p>
             <a:fld id="{E871AFEF-E56D-43CB-B2BD-C2590331E35B}" type="datetimeFigureOut">
               <a:rPr lang="ko-KR" altLang="en-US" smtClean="0"/>
-              <a:t>2021. 11. 25.</a:t>
+              <a:t>2021. 11. 28.</a:t>
             </a:fld>
             <a:endParaRPr lang="ko-KR" altLang="en-US"/>
           </a:p>
@@ -1957,7 +1957,7 @@
           <a:p>
             <a:fld id="{E871AFEF-E56D-43CB-B2BD-C2590331E35B}" type="datetimeFigureOut">
               <a:rPr lang="ko-KR" altLang="en-US" smtClean="0"/>
-              <a:t>2021. 11. 25.</a:t>
+              <a:t>2021. 11. 28.</a:t>
             </a:fld>
             <a:endParaRPr lang="ko-KR" altLang="en-US"/>
           </a:p>
@@ -2070,7 +2070,7 @@
           <a:p>
             <a:fld id="{E871AFEF-E56D-43CB-B2BD-C2590331E35B}" type="datetimeFigureOut">
               <a:rPr lang="ko-KR" altLang="en-US" smtClean="0"/>
-              <a:t>2021. 11. 25.</a:t>
+              <a:t>2021. 11. 28.</a:t>
             </a:fld>
             <a:endParaRPr lang="ko-KR" altLang="en-US"/>
           </a:p>
@@ -2381,7 +2381,7 @@
           <a:p>
             <a:fld id="{E871AFEF-E56D-43CB-B2BD-C2590331E35B}" type="datetimeFigureOut">
               <a:rPr lang="ko-KR" altLang="en-US" smtClean="0"/>
-              <a:t>2021. 11. 25.</a:t>
+              <a:t>2021. 11. 28.</a:t>
             </a:fld>
             <a:endParaRPr lang="ko-KR" altLang="en-US"/>
           </a:p>
@@ -2669,7 +2669,7 @@
           <a:p>
             <a:fld id="{E871AFEF-E56D-43CB-B2BD-C2590331E35B}" type="datetimeFigureOut">
               <a:rPr lang="ko-KR" altLang="en-US" smtClean="0"/>
-              <a:t>2021. 11. 25.</a:t>
+              <a:t>2021. 11. 28.</a:t>
             </a:fld>
             <a:endParaRPr lang="ko-KR" altLang="en-US"/>
           </a:p>
@@ -2910,7 +2910,7 @@
           <a:p>
             <a:fld id="{E871AFEF-E56D-43CB-B2BD-C2590331E35B}" type="datetimeFigureOut">
               <a:rPr lang="ko-KR" altLang="en-US" smtClean="0"/>
-              <a:t>2021. 11. 25.</a:t>
+              <a:t>2021. 11. 28.</a:t>
             </a:fld>
             <a:endParaRPr lang="ko-KR" altLang="en-US"/>
           </a:p>
@@ -6456,48 +6456,958 @@
           <a:chExt cx="0" cy="0"/>
         </a:xfrm>
       </p:grpSpPr>
-      <p:sp>
-        <p:nvSpPr>
-          <p:cNvPr id="4" name="TextBox 3">
-            <a:extLst>
-              <a:ext uri="{FF2B5EF4-FFF2-40B4-BE49-F238E27FC236}">
-                <a16:creationId xmlns:a16="http://schemas.microsoft.com/office/drawing/2014/main" id="{E7CFB5E8-99D5-F94C-8295-9DABDC45FFEF}"/>
-              </a:ext>
-            </a:extLst>
-          </p:cNvPr>
-          <p:cNvSpPr txBox="1"/>
-          <p:nvPr/>
-        </p:nvSpPr>
-        <p:spPr>
-          <a:xfrm>
-            <a:off x="531628" y="489098"/>
-            <a:ext cx="5337544" cy="646331"/>
-          </a:xfrm>
-          <a:prstGeom prst="rect">
-            <a:avLst/>
-          </a:prstGeom>
-          <a:noFill/>
-        </p:spPr>
-        <p:txBody>
-          <a:bodyPr wrap="square" rtlCol="0">
-            <a:spAutoFit/>
-          </a:bodyPr>
-          <a:lstStyle/>
-          <a:p>
-            <a:r>
-              <a:rPr kumimoji="1" lang="en-US" altLang="ko-Kore-KR" dirty="0"/>
-              <a:t>Member-service</a:t>
-            </a:r>
-          </a:p>
-          <a:p>
-            <a:r>
-              <a:rPr kumimoji="1" lang="en-US" altLang="ko-Kore-KR" dirty="0"/>
-              <a:t>- login(</a:t>
-            </a:r>
-            <a:endParaRPr kumimoji="1" lang="ko-Kore-KR" altLang="en-US" dirty="0"/>
-          </a:p>
-        </p:txBody>
-      </p:sp>
+      <p:graphicFrame>
+        <p:nvGraphicFramePr>
+          <p:cNvPr id="2" name="표 2">
+            <a:extLst>
+              <a:ext uri="{FF2B5EF4-FFF2-40B4-BE49-F238E27FC236}">
+                <a16:creationId xmlns:a16="http://schemas.microsoft.com/office/drawing/2014/main" id="{CC300455-4F74-BF47-AFFF-B0674FF1458B}"/>
+              </a:ext>
+            </a:extLst>
+          </p:cNvPr>
+          <p:cNvGraphicFramePr>
+            <a:graphicFrameLocks noGrp="1"/>
+          </p:cNvGraphicFramePr>
+          <p:nvPr>
+            <p:extLst>
+              <p:ext uri="{D42A27DB-BD31-4B8C-83A1-F6EECF244321}">
+                <p14:modId xmlns:p14="http://schemas.microsoft.com/office/powerpoint/2010/main" val="2470663204"/>
+              </p:ext>
+            </p:extLst>
+          </p:nvPr>
+        </p:nvGraphicFramePr>
+        <p:xfrm>
+          <a:off x="0" y="17912"/>
+          <a:ext cx="12192001" cy="3753441"/>
+        </p:xfrm>
+        <a:graphic>
+          <a:graphicData uri="http://schemas.openxmlformats.org/drawingml/2006/table">
+            <a:tbl>
+              <a:tblPr firstRow="1" bandRow="1">
+                <a:tableStyleId>{5C22544A-7EE6-4342-B048-85BDC9FD1C3A}</a:tableStyleId>
+              </a:tblPr>
+              <a:tblGrid>
+                <a:gridCol w="1742528">
+                  <a:extLst>
+                    <a:ext uri="{9D8B030D-6E8A-4147-A177-3AD203B41FA5}">
+                      <a16:colId xmlns:a16="http://schemas.microsoft.com/office/drawing/2014/main" val="1489473714"/>
+                    </a:ext>
+                  </a:extLst>
+                </a:gridCol>
+                <a:gridCol w="2510495">
+                  <a:extLst>
+                    <a:ext uri="{9D8B030D-6E8A-4147-A177-3AD203B41FA5}">
+                      <a16:colId xmlns:a16="http://schemas.microsoft.com/office/drawing/2014/main" val="3533057056"/>
+                    </a:ext>
+                  </a:extLst>
+                </a:gridCol>
+                <a:gridCol w="3700130">
+                  <a:extLst>
+                    <a:ext uri="{9D8B030D-6E8A-4147-A177-3AD203B41FA5}">
+                      <a16:colId xmlns:a16="http://schemas.microsoft.com/office/drawing/2014/main" val="3633217806"/>
+                    </a:ext>
+                  </a:extLst>
+                </a:gridCol>
+                <a:gridCol w="1841448">
+                  <a:extLst>
+                    <a:ext uri="{9D8B030D-6E8A-4147-A177-3AD203B41FA5}">
+                      <a16:colId xmlns:a16="http://schemas.microsoft.com/office/drawing/2014/main" val="2914489929"/>
+                    </a:ext>
+                  </a:extLst>
+                </a:gridCol>
+                <a:gridCol w="2397400">
+                  <a:extLst>
+                    <a:ext uri="{9D8B030D-6E8A-4147-A177-3AD203B41FA5}">
+                      <a16:colId xmlns:a16="http://schemas.microsoft.com/office/drawing/2014/main" val="2539804702"/>
+                    </a:ext>
+                  </a:extLst>
+                </a:gridCol>
+              </a:tblGrid>
+              <a:tr h="407243">
+                <a:tc>
+                  <a:txBody>
+                    <a:bodyPr/>
+                    <a:lstStyle/>
+                    <a:p>
+                      <a:pPr algn="ctr"/>
+                      <a:r>
+                        <a:rPr lang="en-US" altLang="ko-Kore-KR" dirty="0"/>
+                        <a:t>Method/</a:t>
+                      </a:r>
+                      <a:r>
+                        <a:rPr lang="en-US" altLang="ko-Kore-KR" dirty="0" err="1"/>
+                        <a:t>url</a:t>
+                      </a:r>
+                      <a:endParaRPr lang="ko-Kore-KR" altLang="en-US" dirty="0"/>
+                    </a:p>
+                  </a:txBody>
+                  <a:tcPr anchor="ctr"/>
+                </a:tc>
+                <a:tc>
+                  <a:txBody>
+                    <a:bodyPr/>
+                    <a:lstStyle/>
+                    <a:p>
+                      <a:pPr algn="ctr"/>
+                      <a:r>
+                        <a:rPr lang="en-US" altLang="ko-Kore-KR" dirty="0"/>
+                        <a:t>Return html</a:t>
+                      </a:r>
+                      <a:endParaRPr lang="ko-Kore-KR" altLang="en-US" dirty="0"/>
+                    </a:p>
+                  </a:txBody>
+                  <a:tcPr anchor="ctr"/>
+                </a:tc>
+                <a:tc>
+                  <a:txBody>
+                    <a:bodyPr/>
+                    <a:lstStyle/>
+                    <a:p>
+                      <a:pPr algn="ctr"/>
+                      <a:r>
+                        <a:rPr lang="en-US" altLang="ko-Kore-KR" dirty="0"/>
+                        <a:t>Data(Valid)</a:t>
+                      </a:r>
+                      <a:endParaRPr lang="ko-Kore-KR" altLang="en-US" dirty="0"/>
+                    </a:p>
+                  </a:txBody>
+                  <a:tcPr anchor="ctr"/>
+                </a:tc>
+                <a:tc>
+                  <a:txBody>
+                    <a:bodyPr/>
+                    <a:lstStyle/>
+                    <a:p>
+                      <a:pPr algn="ctr"/>
+                      <a:r>
+                        <a:rPr lang="en-US" altLang="ko-Kore-KR" dirty="0" err="1"/>
+                        <a:t>arg</a:t>
+                      </a:r>
+                      <a:endParaRPr lang="ko-Kore-KR" altLang="en-US" dirty="0"/>
+                    </a:p>
+                  </a:txBody>
+                  <a:tcPr anchor="ctr"/>
+                </a:tc>
+                <a:tc>
+                  <a:txBody>
+                    <a:bodyPr/>
+                    <a:lstStyle/>
+                    <a:p>
+                      <a:pPr algn="ctr"/>
+                      <a:r>
+                        <a:rPr lang="en-US" altLang="ko-Kore-KR" dirty="0"/>
+                        <a:t>model</a:t>
+                      </a:r>
+                      <a:endParaRPr lang="ko-Kore-KR" altLang="en-US" dirty="0"/>
+                    </a:p>
+                  </a:txBody>
+                  <a:tcPr anchor="ctr"/>
+                </a:tc>
+                <a:extLst>
+                  <a:ext uri="{0D108BD9-81ED-4DB2-BD59-A6C34878D82A}">
+                    <a16:rowId xmlns:a16="http://schemas.microsoft.com/office/drawing/2014/main" val="1302320296"/>
+                  </a:ext>
+                </a:extLst>
+              </a:tr>
+              <a:tr h="407243">
+                <a:tc>
+                  <a:txBody>
+                    <a:bodyPr/>
+                    <a:lstStyle/>
+                    <a:p>
+                      <a:pPr algn="ctr"/>
+                      <a:r>
+                        <a:rPr lang="en-US" altLang="ko-Kore-KR" sz="1600" dirty="0"/>
+                        <a:t>Get / login</a:t>
+                      </a:r>
+                      <a:endParaRPr lang="ko-Kore-KR" altLang="en-US" sz="1600" dirty="0"/>
+                    </a:p>
+                  </a:txBody>
+                  <a:tcPr anchor="ctr"/>
+                </a:tc>
+                <a:tc>
+                  <a:txBody>
+                    <a:bodyPr/>
+                    <a:lstStyle/>
+                    <a:p>
+                      <a:pPr algn="ctr"/>
+                      <a:r>
+                        <a:rPr lang="en-US" altLang="ko-Kore-KR" sz="1600" dirty="0"/>
+                        <a:t>member/login/login</a:t>
+                      </a:r>
+                      <a:endParaRPr lang="ko-Kore-KR" altLang="en-US" sz="1600" dirty="0"/>
+                    </a:p>
+                  </a:txBody>
+                  <a:tcPr anchor="ctr"/>
+                </a:tc>
+                <a:tc>
+                  <a:txBody>
+                    <a:bodyPr/>
+                    <a:lstStyle/>
+                    <a:p>
+                      <a:pPr algn="ctr"/>
+                      <a:r>
+                        <a:rPr lang="en-US" altLang="ko-Kore-KR" sz="1600" dirty="0"/>
+                        <a:t>x</a:t>
+                      </a:r>
+                      <a:endParaRPr lang="ko-Kore-KR" altLang="en-US" sz="1600" dirty="0"/>
+                    </a:p>
+                  </a:txBody>
+                  <a:tcPr anchor="ctr"/>
+                </a:tc>
+                <a:tc>
+                  <a:txBody>
+                    <a:bodyPr/>
+                    <a:lstStyle/>
+                    <a:p>
+                      <a:pPr algn="ctr"/>
+                      <a:endParaRPr lang="ko-Kore-KR" altLang="en-US" sz="1600" dirty="0"/>
+                    </a:p>
+                  </a:txBody>
+                  <a:tcPr anchor="ctr"/>
+                </a:tc>
+                <a:tc>
+                  <a:txBody>
+                    <a:bodyPr/>
+                    <a:lstStyle/>
+                    <a:p>
+                      <a:pPr algn="ctr"/>
+                      <a:r>
+                        <a:rPr lang="en-US" altLang="ko-Kore-KR" sz="1600" dirty="0" err="1"/>
+                        <a:t>LoginForm</a:t>
+                      </a:r>
+                      <a:endParaRPr lang="ko-Kore-KR" altLang="en-US" sz="1600" dirty="0"/>
+                    </a:p>
+                  </a:txBody>
+                  <a:tcPr anchor="ctr"/>
+                </a:tc>
+                <a:extLst>
+                  <a:ext uri="{0D108BD9-81ED-4DB2-BD59-A6C34878D82A}">
+                    <a16:rowId xmlns:a16="http://schemas.microsoft.com/office/drawing/2014/main" val="3407941668"/>
+                  </a:ext>
+                </a:extLst>
+              </a:tr>
+              <a:tr h="702912">
+                <a:tc>
+                  <a:txBody>
+                    <a:bodyPr/>
+                    <a:lstStyle/>
+                    <a:p>
+                      <a:pPr algn="ctr"/>
+                      <a:r>
+                        <a:rPr lang="en-US" altLang="ko-Kore-KR" sz="1600" dirty="0"/>
+                        <a:t>Post / login</a:t>
+                      </a:r>
+                      <a:endParaRPr lang="ko-Kore-KR" altLang="en-US" sz="1600" dirty="0"/>
+                    </a:p>
+                  </a:txBody>
+                  <a:tcPr anchor="ctr"/>
+                </a:tc>
+                <a:tc>
+                  <a:txBody>
+                    <a:bodyPr/>
+                    <a:lstStyle/>
+                    <a:p>
+                      <a:pPr algn="ctr"/>
+                      <a:r>
+                        <a:rPr lang="en" altLang="ko-Kore-KR" sz="1600" kern="1200" dirty="0">
+                          <a:solidFill>
+                            <a:schemeClr val="dk1"/>
+                          </a:solidFill>
+                          <a:effectLst/>
+                          <a:latin typeface="+mn-lt"/>
+                          <a:ea typeface="+mn-ea"/>
+                          <a:cs typeface="+mn-cs"/>
+                        </a:rPr>
+                        <a:t>member/</a:t>
+                      </a:r>
+                      <a:r>
+                        <a:rPr lang="en" altLang="ko-Kore-KR" sz="1600" kern="1200" dirty="0" err="1">
+                          <a:solidFill>
+                            <a:schemeClr val="dk1"/>
+                          </a:solidFill>
+                          <a:effectLst/>
+                          <a:latin typeface="+mn-lt"/>
+                          <a:ea typeface="+mn-ea"/>
+                          <a:cs typeface="+mn-cs"/>
+                        </a:rPr>
+                        <a:t>memberDetail</a:t>
+                      </a:r>
+                      <a:endParaRPr lang="ko-Kore-KR" altLang="en-US" sz="1600" dirty="0"/>
+                    </a:p>
+                  </a:txBody>
+                  <a:tcPr anchor="ctr"/>
+                </a:tc>
+                <a:tc>
+                  <a:txBody>
+                    <a:bodyPr/>
+                    <a:lstStyle/>
+                    <a:p>
+                      <a:pPr algn="l"/>
+                      <a:r>
+                        <a:rPr lang="en-US" altLang="ko-Kore-KR" sz="1600" dirty="0"/>
+                        <a:t>email(@Email, @</a:t>
+                      </a:r>
+                      <a:r>
+                        <a:rPr lang="en-US" altLang="ko-Kore-KR" sz="1600" dirty="0" err="1"/>
+                        <a:t>NotBlank</a:t>
+                      </a:r>
+                      <a:r>
+                        <a:rPr lang="en-US" altLang="ko-Kore-KR" sz="1600" dirty="0"/>
+                        <a:t>)</a:t>
+                      </a:r>
+                    </a:p>
+                    <a:p>
+                      <a:pPr algn="l"/>
+                      <a:r>
+                        <a:rPr lang="en-US" altLang="ko-Kore-KR" sz="1600" dirty="0"/>
+                        <a:t>password(</a:t>
+                      </a:r>
+                      <a:r>
+                        <a:rPr lang="en" altLang="ko-Kore-KR" sz="1600" kern="1200" dirty="0">
+                          <a:solidFill>
+                            <a:schemeClr val="dk1"/>
+                          </a:solidFill>
+                          <a:effectLst/>
+                          <a:latin typeface="+mn-lt"/>
+                          <a:ea typeface="+mn-ea"/>
+                          <a:cs typeface="+mn-cs"/>
+                        </a:rPr>
+                        <a:t>@Size</a:t>
+                      </a:r>
+                      <a:r>
+                        <a:rPr lang="en" altLang="ko-Kore-KR" sz="1600" i="1" kern="1200" dirty="0">
+                          <a:solidFill>
+                            <a:schemeClr val="dk1"/>
+                          </a:solidFill>
+                          <a:effectLst/>
+                          <a:latin typeface="+mn-lt"/>
+                          <a:ea typeface="+mn-ea"/>
+                          <a:cs typeface="+mn-cs"/>
+                        </a:rPr>
+                        <a:t>(</a:t>
+                      </a:r>
+                      <a:r>
+                        <a:rPr lang="en" altLang="ko-Kore-KR" sz="1600" dirty="0"/>
+                        <a:t>min=</a:t>
+                      </a:r>
+                      <a:r>
+                        <a:rPr lang="en" altLang="ko-Kore-KR" sz="1600" kern="1200" dirty="0">
+                          <a:solidFill>
+                            <a:schemeClr val="dk1"/>
+                          </a:solidFill>
+                          <a:effectLst/>
+                          <a:latin typeface="+mn-lt"/>
+                          <a:ea typeface="+mn-ea"/>
+                          <a:cs typeface="+mn-cs"/>
+                        </a:rPr>
+                        <a:t>6, </a:t>
+                      </a:r>
+                      <a:r>
+                        <a:rPr lang="en" altLang="ko-Kore-KR" sz="1600" dirty="0"/>
+                        <a:t>max=</a:t>
+                      </a:r>
+                      <a:r>
+                        <a:rPr lang="en" altLang="ko-Kore-KR" sz="1600" kern="1200" dirty="0">
+                          <a:solidFill>
+                            <a:schemeClr val="dk1"/>
+                          </a:solidFill>
+                          <a:effectLst/>
+                          <a:latin typeface="+mn-lt"/>
+                          <a:ea typeface="+mn-ea"/>
+                          <a:cs typeface="+mn-cs"/>
+                        </a:rPr>
+                        <a:t>20</a:t>
+                      </a:r>
+                      <a:r>
+                        <a:rPr lang="en" altLang="ko-Kore-KR" sz="1600" i="1" kern="1200" dirty="0">
+                          <a:solidFill>
+                            <a:schemeClr val="dk1"/>
+                          </a:solidFill>
+                          <a:effectLst/>
+                          <a:latin typeface="+mn-lt"/>
+                          <a:ea typeface="+mn-ea"/>
+                          <a:cs typeface="+mn-cs"/>
+                        </a:rPr>
+                        <a:t>))</a:t>
+                      </a:r>
+                      <a:endParaRPr lang="ko-Kore-KR" altLang="en-US" sz="1600" dirty="0"/>
+                    </a:p>
+                  </a:txBody>
+                  <a:tcPr anchor="ctr"/>
+                </a:tc>
+                <a:tc>
+                  <a:txBody>
+                    <a:bodyPr/>
+                    <a:lstStyle/>
+                    <a:p>
+                      <a:pPr algn="ctr"/>
+                      <a:r>
+                        <a:rPr lang="en-US" altLang="ko-Kore-KR" sz="1600" dirty="0" err="1"/>
+                        <a:t>LoginForm</a:t>
+                      </a:r>
+                      <a:endParaRPr lang="ko-Kore-KR" altLang="en-US" sz="1600" dirty="0"/>
+                    </a:p>
+                  </a:txBody>
+                  <a:tcPr anchor="ctr"/>
+                </a:tc>
+                <a:tc>
+                  <a:txBody>
+                    <a:bodyPr/>
+                    <a:lstStyle/>
+                    <a:p>
+                      <a:pPr algn="ctr"/>
+                      <a:r>
+                        <a:rPr lang="en" altLang="ko-Kore-KR" sz="1600" dirty="0"/>
+                        <a:t>M</a:t>
+                      </a:r>
+                      <a:r>
+                        <a:rPr lang="en" altLang="ko-Kore-KR" sz="1600"/>
+                        <a:t>emberDetail</a:t>
+                      </a:r>
+                      <a:endParaRPr lang="ko-Kore-KR" altLang="en-US" sz="1600" dirty="0"/>
+                    </a:p>
+                  </a:txBody>
+                  <a:tcPr anchor="ctr"/>
+                </a:tc>
+                <a:extLst>
+                  <a:ext uri="{0D108BD9-81ED-4DB2-BD59-A6C34878D82A}">
+                    <a16:rowId xmlns:a16="http://schemas.microsoft.com/office/drawing/2014/main" val="1412555143"/>
+                  </a:ext>
+                </a:extLst>
+              </a:tr>
+              <a:tr h="407243">
+                <a:tc>
+                  <a:txBody>
+                    <a:bodyPr/>
+                    <a:lstStyle/>
+                    <a:p>
+                      <a:pPr algn="ctr"/>
+                      <a:r>
+                        <a:rPr lang="en-US" altLang="ko-Kore-KR" sz="1600" dirty="0"/>
+                        <a:t>Get / signup</a:t>
+                      </a:r>
+                      <a:endParaRPr lang="ko-Kore-KR" altLang="en-US" sz="1600" dirty="0"/>
+                    </a:p>
+                  </a:txBody>
+                  <a:tcPr anchor="ctr"/>
+                </a:tc>
+                <a:tc>
+                  <a:txBody>
+                    <a:bodyPr/>
+                    <a:lstStyle/>
+                    <a:p>
+                      <a:pPr algn="ctr"/>
+                      <a:r>
+                        <a:rPr lang="en-US" altLang="ko-Kore-KR" sz="1600" dirty="0"/>
+                        <a:t>member/signup/signup</a:t>
+                      </a:r>
+                      <a:endParaRPr lang="ko-Kore-KR" altLang="en-US" sz="1600" dirty="0"/>
+                    </a:p>
+                  </a:txBody>
+                  <a:tcPr anchor="ctr"/>
+                </a:tc>
+                <a:tc>
+                  <a:txBody>
+                    <a:bodyPr/>
+                    <a:lstStyle/>
+                    <a:p>
+                      <a:pPr algn="ctr"/>
+                      <a:r>
+                        <a:rPr lang="en-US" altLang="ko-Kore-KR" sz="1600" dirty="0"/>
+                        <a:t>x</a:t>
+                      </a:r>
+                      <a:endParaRPr lang="ko-Kore-KR" altLang="en-US" sz="1600" dirty="0"/>
+                    </a:p>
+                  </a:txBody>
+                  <a:tcPr anchor="ctr"/>
+                </a:tc>
+                <a:tc>
+                  <a:txBody>
+                    <a:bodyPr/>
+                    <a:lstStyle/>
+                    <a:p>
+                      <a:pPr algn="ctr"/>
+                      <a:endParaRPr lang="ko-Kore-KR" altLang="en-US" sz="1600" dirty="0"/>
+                    </a:p>
+                  </a:txBody>
+                  <a:tcPr anchor="ctr"/>
+                </a:tc>
+                <a:tc>
+                  <a:txBody>
+                    <a:bodyPr/>
+                    <a:lstStyle/>
+                    <a:p>
+                      <a:pPr algn="ctr"/>
+                      <a:r>
+                        <a:rPr lang="en-US" altLang="ko-Kore-KR" sz="1600" dirty="0" err="1"/>
+                        <a:t>SignupForm</a:t>
+                      </a:r>
+                      <a:endParaRPr lang="ko-Kore-KR" altLang="en-US" sz="1600" dirty="0"/>
+                    </a:p>
+                  </a:txBody>
+                  <a:tcPr anchor="ctr"/>
+                </a:tc>
+                <a:extLst>
+                  <a:ext uri="{0D108BD9-81ED-4DB2-BD59-A6C34878D82A}">
+                    <a16:rowId xmlns:a16="http://schemas.microsoft.com/office/drawing/2014/main" val="407931481"/>
+                  </a:ext>
+                </a:extLst>
+              </a:tr>
+              <a:tr h="0">
+                <a:tc>
+                  <a:txBody>
+                    <a:bodyPr/>
+                    <a:lstStyle/>
+                    <a:p>
+                      <a:pPr algn="ctr"/>
+                      <a:r>
+                        <a:rPr lang="en-US" altLang="ko-Kore-KR" sz="1600" dirty="0"/>
+                        <a:t>Post / signup</a:t>
+                      </a:r>
+                      <a:endParaRPr lang="ko-Kore-KR" altLang="en-US" sz="1600" dirty="0"/>
+                    </a:p>
+                  </a:txBody>
+                  <a:tcPr anchor="ctr"/>
+                </a:tc>
+                <a:tc>
+                  <a:txBody>
+                    <a:bodyPr/>
+                    <a:lstStyle/>
+                    <a:p>
+                      <a:pPr algn="ctr"/>
+                      <a:r>
+                        <a:rPr lang="en" altLang="ko-Kore-KR" sz="1600" kern="1200" dirty="0">
+                          <a:solidFill>
+                            <a:schemeClr val="dk1"/>
+                          </a:solidFill>
+                          <a:effectLst/>
+                          <a:latin typeface="+mn-lt"/>
+                          <a:ea typeface="+mn-ea"/>
+                          <a:cs typeface="+mn-cs"/>
+                        </a:rPr>
+                        <a:t>member/signup/standby</a:t>
+                      </a:r>
+                      <a:endParaRPr lang="ko-Kore-KR" altLang="en-US" sz="1600" dirty="0"/>
+                    </a:p>
+                  </a:txBody>
+                  <a:tcPr anchor="ctr"/>
+                </a:tc>
+                <a:tc>
+                  <a:txBody>
+                    <a:bodyPr/>
+                    <a:lstStyle/>
+                    <a:p>
+                      <a:pPr algn="l"/>
+                      <a:r>
+                        <a:rPr lang="en" altLang="ko-Kore-KR" sz="1600" kern="1200" dirty="0">
+                          <a:solidFill>
+                            <a:schemeClr val="dk1"/>
+                          </a:solidFill>
+                          <a:effectLst/>
+                          <a:latin typeface="+mn-lt"/>
+                          <a:ea typeface="+mn-ea"/>
+                          <a:cs typeface="+mn-cs"/>
+                        </a:rPr>
+                        <a:t>name(@</a:t>
+                      </a:r>
+                      <a:r>
+                        <a:rPr lang="en" altLang="ko-Kore-KR" sz="1600" kern="1200" dirty="0" err="1">
+                          <a:solidFill>
+                            <a:schemeClr val="dk1"/>
+                          </a:solidFill>
+                          <a:effectLst/>
+                          <a:latin typeface="+mn-lt"/>
+                          <a:ea typeface="+mn-ea"/>
+                          <a:cs typeface="+mn-cs"/>
+                        </a:rPr>
+                        <a:t>NotBlank</a:t>
+                      </a:r>
+                      <a:r>
+                        <a:rPr lang="en" altLang="ko-Kore-KR" sz="1600" kern="1200" dirty="0">
+                          <a:solidFill>
+                            <a:schemeClr val="dk1"/>
+                          </a:solidFill>
+                          <a:effectLst/>
+                          <a:latin typeface="+mn-lt"/>
+                          <a:ea typeface="+mn-ea"/>
+                          <a:cs typeface="+mn-cs"/>
+                        </a:rPr>
+                        <a:t>)</a:t>
+                      </a:r>
+                      <a:br>
+                        <a:rPr lang="en" altLang="ko-Kore-KR" sz="1600" kern="1200" dirty="0">
+                          <a:solidFill>
+                            <a:schemeClr val="dk1"/>
+                          </a:solidFill>
+                          <a:effectLst/>
+                          <a:latin typeface="+mn-lt"/>
+                          <a:ea typeface="+mn-ea"/>
+                          <a:cs typeface="+mn-cs"/>
+                        </a:rPr>
+                      </a:br>
+                      <a:r>
+                        <a:rPr lang="en" altLang="ko-Kore-KR" sz="1600" kern="1200" dirty="0">
+                          <a:solidFill>
+                            <a:schemeClr val="dk1"/>
+                          </a:solidFill>
+                          <a:effectLst/>
+                          <a:latin typeface="+mn-lt"/>
+                          <a:ea typeface="+mn-ea"/>
+                          <a:cs typeface="+mn-cs"/>
+                        </a:rPr>
+                        <a:t>email(@</a:t>
+                      </a:r>
+                      <a:r>
+                        <a:rPr lang="en" altLang="ko-Kore-KR" sz="1600" kern="1200" dirty="0" err="1">
+                          <a:solidFill>
+                            <a:schemeClr val="dk1"/>
+                          </a:solidFill>
+                          <a:effectLst/>
+                          <a:latin typeface="+mn-lt"/>
+                          <a:ea typeface="+mn-ea"/>
+                          <a:cs typeface="+mn-cs"/>
+                        </a:rPr>
+                        <a:t>NotBlank</a:t>
+                      </a:r>
+                      <a:r>
+                        <a:rPr lang="en" altLang="ko-Kore-KR" sz="1600" kern="1200" dirty="0">
+                          <a:solidFill>
+                            <a:schemeClr val="dk1"/>
+                          </a:solidFill>
+                          <a:effectLst/>
+                          <a:latin typeface="+mn-lt"/>
+                          <a:ea typeface="+mn-ea"/>
+                          <a:cs typeface="+mn-cs"/>
+                        </a:rPr>
+                        <a:t> @Email)</a:t>
+                      </a:r>
+                      <a:br>
+                        <a:rPr lang="en" altLang="ko-Kore-KR" sz="1600" i="1" kern="1200" dirty="0">
+                          <a:solidFill>
+                            <a:schemeClr val="dk1"/>
+                          </a:solidFill>
+                          <a:effectLst/>
+                          <a:latin typeface="+mn-lt"/>
+                          <a:ea typeface="+mn-ea"/>
+                          <a:cs typeface="+mn-cs"/>
+                        </a:rPr>
+                      </a:br>
+                      <a:r>
+                        <a:rPr lang="en" altLang="ko-Kore-KR" sz="1600" kern="1200" dirty="0">
+                          <a:solidFill>
+                            <a:schemeClr val="dk1"/>
+                          </a:solidFill>
+                          <a:effectLst/>
+                          <a:latin typeface="+mn-lt"/>
+                          <a:ea typeface="+mn-ea"/>
+                          <a:cs typeface="+mn-cs"/>
+                        </a:rPr>
+                        <a:t>password(@Size</a:t>
+                      </a:r>
+                      <a:r>
+                        <a:rPr lang="en" altLang="ko-Kore-KR" sz="1600" i="1" kern="1200" dirty="0">
+                          <a:solidFill>
+                            <a:schemeClr val="dk1"/>
+                          </a:solidFill>
+                          <a:effectLst/>
+                          <a:latin typeface="+mn-lt"/>
+                          <a:ea typeface="+mn-ea"/>
+                          <a:cs typeface="+mn-cs"/>
+                        </a:rPr>
+                        <a:t>(</a:t>
+                      </a:r>
+                      <a:r>
+                        <a:rPr lang="en" altLang="ko-Kore-KR" sz="1600" dirty="0"/>
+                        <a:t>min=</a:t>
+                      </a:r>
+                      <a:r>
+                        <a:rPr lang="en" altLang="ko-Kore-KR" sz="1600" kern="1200" dirty="0">
+                          <a:solidFill>
+                            <a:schemeClr val="dk1"/>
+                          </a:solidFill>
+                          <a:effectLst/>
+                          <a:latin typeface="+mn-lt"/>
+                          <a:ea typeface="+mn-ea"/>
+                          <a:cs typeface="+mn-cs"/>
+                        </a:rPr>
+                        <a:t>6, </a:t>
+                      </a:r>
+                      <a:r>
+                        <a:rPr lang="en" altLang="ko-Kore-KR" sz="1600" dirty="0"/>
+                        <a:t>max=</a:t>
+                      </a:r>
+                      <a:r>
+                        <a:rPr lang="en" altLang="ko-Kore-KR" sz="1600" kern="1200" dirty="0">
+                          <a:solidFill>
+                            <a:schemeClr val="dk1"/>
+                          </a:solidFill>
+                          <a:effectLst/>
+                          <a:latin typeface="+mn-lt"/>
+                          <a:ea typeface="+mn-ea"/>
+                          <a:cs typeface="+mn-cs"/>
+                        </a:rPr>
+                        <a:t>20</a:t>
+                      </a:r>
+                      <a:r>
+                        <a:rPr lang="en" altLang="ko-Kore-KR" sz="1600" i="1" kern="1200" dirty="0">
+                          <a:solidFill>
+                            <a:schemeClr val="dk1"/>
+                          </a:solidFill>
+                          <a:effectLst/>
+                          <a:latin typeface="+mn-lt"/>
+                          <a:ea typeface="+mn-ea"/>
+                          <a:cs typeface="+mn-cs"/>
+                        </a:rPr>
+                        <a:t>))</a:t>
+                      </a:r>
+                      <a:endParaRPr lang="ko-Kore-KR" altLang="en-US" sz="1600" dirty="0"/>
+                    </a:p>
+                  </a:txBody>
+                  <a:tcPr anchor="ctr"/>
+                </a:tc>
+                <a:tc>
+                  <a:txBody>
+                    <a:bodyPr/>
+                    <a:lstStyle/>
+                    <a:p>
+                      <a:pPr algn="ctr"/>
+                      <a:r>
+                        <a:rPr lang="en-US" altLang="ko-Kore-KR" sz="1600" dirty="0" err="1"/>
+                        <a:t>SignupForm</a:t>
+                      </a:r>
+                      <a:endParaRPr lang="ko-Kore-KR" altLang="en-US" sz="1600" dirty="0"/>
+                    </a:p>
+                  </a:txBody>
+                  <a:tcPr anchor="ctr"/>
+                </a:tc>
+                <a:tc>
+                  <a:txBody>
+                    <a:bodyPr/>
+                    <a:lstStyle/>
+                    <a:p>
+                      <a:pPr algn="ctr"/>
+                      <a:endParaRPr lang="ko-Kore-KR" altLang="en-US" sz="1600" dirty="0"/>
+                    </a:p>
+                  </a:txBody>
+                  <a:tcPr anchor="ctr"/>
+                </a:tc>
+                <a:extLst>
+                  <a:ext uri="{0D108BD9-81ED-4DB2-BD59-A6C34878D82A}">
+                    <a16:rowId xmlns:a16="http://schemas.microsoft.com/office/drawing/2014/main" val="870056479"/>
+                  </a:ext>
+                </a:extLst>
+              </a:tr>
+              <a:tr h="263949">
+                <a:tc>
+                  <a:txBody>
+                    <a:bodyPr/>
+                    <a:lstStyle/>
+                    <a:p>
+                      <a:pPr algn="ctr"/>
+                      <a:r>
+                        <a:rPr lang="en-US" altLang="ko-Kore-KR" sz="1600" dirty="0"/>
+                        <a:t>Get / logout</a:t>
+                      </a:r>
+                      <a:endParaRPr lang="ko-Kore-KR" altLang="en-US" sz="1600" dirty="0"/>
+                    </a:p>
+                  </a:txBody>
+                  <a:tcPr anchor="ctr"/>
+                </a:tc>
+                <a:tc>
+                  <a:txBody>
+                    <a:bodyPr/>
+                    <a:lstStyle/>
+                    <a:p>
+                      <a:pPr algn="ctr"/>
+                      <a:r>
+                        <a:rPr lang="en" altLang="ko-Kore-KR" sz="1600" kern="1200" dirty="0">
+                          <a:solidFill>
+                            <a:schemeClr val="dk1"/>
+                          </a:solidFill>
+                          <a:effectLst/>
+                          <a:latin typeface="+mn-lt"/>
+                          <a:ea typeface="+mn-ea"/>
+                          <a:cs typeface="+mn-cs"/>
+                        </a:rPr>
+                        <a:t>member/login/login</a:t>
+                      </a:r>
+                      <a:endParaRPr lang="ko-Kore-KR" altLang="en-US" sz="1600" dirty="0"/>
+                    </a:p>
+                  </a:txBody>
+                  <a:tcPr anchor="ctr"/>
+                </a:tc>
+                <a:tc>
+                  <a:txBody>
+                    <a:bodyPr/>
+                    <a:lstStyle/>
+                    <a:p>
+                      <a:pPr algn="ctr"/>
+                      <a:r>
+                        <a:rPr lang="en-US" altLang="ko-Kore-KR" sz="1600" dirty="0"/>
+                        <a:t>x</a:t>
+                      </a:r>
+                      <a:endParaRPr lang="ko-Kore-KR" altLang="en-US" sz="1600" dirty="0"/>
+                    </a:p>
+                  </a:txBody>
+                  <a:tcPr anchor="ctr"/>
+                </a:tc>
+                <a:tc>
+                  <a:txBody>
+                    <a:bodyPr/>
+                    <a:lstStyle/>
+                    <a:p>
+                      <a:pPr algn="ctr"/>
+                      <a:endParaRPr lang="ko-Kore-KR" altLang="en-US" sz="1600" dirty="0"/>
+                    </a:p>
+                  </a:txBody>
+                  <a:tcPr anchor="ctr"/>
+                </a:tc>
+                <a:tc>
+                  <a:txBody>
+                    <a:bodyPr/>
+                    <a:lstStyle/>
+                    <a:p>
+                      <a:pPr algn="ctr"/>
+                      <a:endParaRPr lang="ko-Kore-KR" altLang="en-US" sz="1600" dirty="0"/>
+                    </a:p>
+                  </a:txBody>
+                  <a:tcPr anchor="ctr"/>
+                </a:tc>
+                <a:extLst>
+                  <a:ext uri="{0D108BD9-81ED-4DB2-BD59-A6C34878D82A}">
+                    <a16:rowId xmlns:a16="http://schemas.microsoft.com/office/drawing/2014/main" val="3955993190"/>
+                  </a:ext>
+                </a:extLst>
+              </a:tr>
+              <a:tr h="162139">
+                <a:tc>
+                  <a:txBody>
+                    <a:bodyPr/>
+                    <a:lstStyle/>
+                    <a:p>
+                      <a:pPr algn="ctr"/>
+                      <a:endParaRPr lang="ko-Kore-KR" altLang="en-US" sz="1600" dirty="0"/>
+                    </a:p>
+                  </a:txBody>
+                  <a:tcPr anchor="ctr"/>
+                </a:tc>
+                <a:tc>
+                  <a:txBody>
+                    <a:bodyPr/>
+                    <a:lstStyle/>
+                    <a:p>
+                      <a:pPr algn="ctr"/>
+                      <a:endParaRPr lang="ko-Kore-KR" altLang="en-US" sz="1600"/>
+                    </a:p>
+                  </a:txBody>
+                  <a:tcPr anchor="ctr"/>
+                </a:tc>
+                <a:tc>
+                  <a:txBody>
+                    <a:bodyPr/>
+                    <a:lstStyle/>
+                    <a:p>
+                      <a:pPr algn="ctr"/>
+                      <a:endParaRPr lang="ko-Kore-KR" altLang="en-US" sz="1600" dirty="0"/>
+                    </a:p>
+                  </a:txBody>
+                  <a:tcPr anchor="ctr"/>
+                </a:tc>
+                <a:tc>
+                  <a:txBody>
+                    <a:bodyPr/>
+                    <a:lstStyle/>
+                    <a:p>
+                      <a:pPr algn="ctr"/>
+                      <a:endParaRPr lang="ko-Kore-KR" altLang="en-US" sz="1600" dirty="0"/>
+                    </a:p>
+                  </a:txBody>
+                  <a:tcPr anchor="ctr"/>
+                </a:tc>
+                <a:tc>
+                  <a:txBody>
+                    <a:bodyPr/>
+                    <a:lstStyle/>
+                    <a:p>
+                      <a:pPr algn="ctr"/>
+                      <a:endParaRPr lang="ko-Kore-KR" altLang="en-US" sz="1600" dirty="0"/>
+                    </a:p>
+                  </a:txBody>
+                  <a:tcPr anchor="ctr"/>
+                </a:tc>
+                <a:extLst>
+                  <a:ext uri="{0D108BD9-81ED-4DB2-BD59-A6C34878D82A}">
+                    <a16:rowId xmlns:a16="http://schemas.microsoft.com/office/drawing/2014/main" val="2712519252"/>
+                  </a:ext>
+                </a:extLst>
+              </a:tr>
+              <a:tr h="0">
+                <a:tc>
+                  <a:txBody>
+                    <a:bodyPr/>
+                    <a:lstStyle/>
+                    <a:p>
+                      <a:pPr algn="ctr"/>
+                      <a:endParaRPr lang="ko-Kore-KR" altLang="en-US" sz="1600" dirty="0"/>
+                    </a:p>
+                  </a:txBody>
+                  <a:tcPr anchor="ctr"/>
+                </a:tc>
+                <a:tc>
+                  <a:txBody>
+                    <a:bodyPr/>
+                    <a:lstStyle/>
+                    <a:p>
+                      <a:pPr algn="ctr"/>
+                      <a:endParaRPr lang="ko-Kore-KR" altLang="en-US" sz="1600"/>
+                    </a:p>
+                  </a:txBody>
+                  <a:tcPr anchor="ctr"/>
+                </a:tc>
+                <a:tc>
+                  <a:txBody>
+                    <a:bodyPr/>
+                    <a:lstStyle/>
+                    <a:p>
+                      <a:pPr algn="ctr"/>
+                      <a:endParaRPr lang="ko-Kore-KR" altLang="en-US" sz="1600" dirty="0"/>
+                    </a:p>
+                  </a:txBody>
+                  <a:tcPr anchor="ctr"/>
+                </a:tc>
+                <a:tc>
+                  <a:txBody>
+                    <a:bodyPr/>
+                    <a:lstStyle/>
+                    <a:p>
+                      <a:pPr algn="ctr"/>
+                      <a:endParaRPr lang="ko-Kore-KR" altLang="en-US" sz="1600" dirty="0"/>
+                    </a:p>
+                  </a:txBody>
+                  <a:tcPr anchor="ctr"/>
+                </a:tc>
+                <a:tc>
+                  <a:txBody>
+                    <a:bodyPr/>
+                    <a:lstStyle/>
+                    <a:p>
+                      <a:pPr algn="ctr"/>
+                      <a:endParaRPr lang="ko-Kore-KR" altLang="en-US" sz="1600" dirty="0"/>
+                    </a:p>
+                  </a:txBody>
+                  <a:tcPr anchor="ctr"/>
+                </a:tc>
+                <a:extLst>
+                  <a:ext uri="{0D108BD9-81ED-4DB2-BD59-A6C34878D82A}">
+                    <a16:rowId xmlns:a16="http://schemas.microsoft.com/office/drawing/2014/main" val="1028140944"/>
+                  </a:ext>
+                </a:extLst>
+              </a:tr>
+            </a:tbl>
+          </a:graphicData>
+        </a:graphic>
+      </p:graphicFrame>
     </p:spTree>
     <p:extLst>
       <p:ext uri="{BB962C8B-B14F-4D97-AF65-F5344CB8AC3E}">

--- a/설계.pptx
+++ b/설계.pptx
@@ -7,6 +7,7 @@
   <p:sldIdLst>
     <p:sldId id="256" r:id="rId2"/>
     <p:sldId id="257" r:id="rId3"/>
+    <p:sldId id="258" r:id="rId4"/>
   </p:sldIdLst>
   <p:sldSz cx="12192000" cy="6858000"/>
   <p:notesSz cx="6858000" cy="9144000"/>
@@ -260,7 +261,7 @@
           <a:p>
             <a:fld id="{E871AFEF-E56D-43CB-B2BD-C2590331E35B}" type="datetimeFigureOut">
               <a:rPr lang="ko-KR" altLang="en-US" smtClean="0"/>
-              <a:t>2021. 11. 28.</a:t>
+              <a:t>2021-12-01</a:t>
             </a:fld>
             <a:endParaRPr lang="ko-KR" altLang="en-US"/>
           </a:p>
@@ -458,7 +459,7 @@
           <a:p>
             <a:fld id="{E871AFEF-E56D-43CB-B2BD-C2590331E35B}" type="datetimeFigureOut">
               <a:rPr lang="ko-KR" altLang="en-US" smtClean="0"/>
-              <a:t>2021. 11. 28.</a:t>
+              <a:t>2021-12-01</a:t>
             </a:fld>
             <a:endParaRPr lang="ko-KR" altLang="en-US"/>
           </a:p>
@@ -666,7 +667,7 @@
           <a:p>
             <a:fld id="{E871AFEF-E56D-43CB-B2BD-C2590331E35B}" type="datetimeFigureOut">
               <a:rPr lang="ko-KR" altLang="en-US" smtClean="0"/>
-              <a:t>2021. 11. 28.</a:t>
+              <a:t>2021-12-01</a:t>
             </a:fld>
             <a:endParaRPr lang="ko-KR" altLang="en-US"/>
           </a:p>
@@ -864,7 +865,7 @@
           <a:p>
             <a:fld id="{E871AFEF-E56D-43CB-B2BD-C2590331E35B}" type="datetimeFigureOut">
               <a:rPr lang="ko-KR" altLang="en-US" smtClean="0"/>
-              <a:t>2021. 11. 28.</a:t>
+              <a:t>2021-12-01</a:t>
             </a:fld>
             <a:endParaRPr lang="ko-KR" altLang="en-US"/>
           </a:p>
@@ -1139,7 +1140,7 @@
           <a:p>
             <a:fld id="{E871AFEF-E56D-43CB-B2BD-C2590331E35B}" type="datetimeFigureOut">
               <a:rPr lang="ko-KR" altLang="en-US" smtClean="0"/>
-              <a:t>2021. 11. 28.</a:t>
+              <a:t>2021-12-01</a:t>
             </a:fld>
             <a:endParaRPr lang="ko-KR" altLang="en-US"/>
           </a:p>
@@ -1404,7 +1405,7 @@
           <a:p>
             <a:fld id="{E871AFEF-E56D-43CB-B2BD-C2590331E35B}" type="datetimeFigureOut">
               <a:rPr lang="ko-KR" altLang="en-US" smtClean="0"/>
-              <a:t>2021. 11. 28.</a:t>
+              <a:t>2021-12-01</a:t>
             </a:fld>
             <a:endParaRPr lang="ko-KR" altLang="en-US"/>
           </a:p>
@@ -1816,7 +1817,7 @@
           <a:p>
             <a:fld id="{E871AFEF-E56D-43CB-B2BD-C2590331E35B}" type="datetimeFigureOut">
               <a:rPr lang="ko-KR" altLang="en-US" smtClean="0"/>
-              <a:t>2021. 11. 28.</a:t>
+              <a:t>2021-12-01</a:t>
             </a:fld>
             <a:endParaRPr lang="ko-KR" altLang="en-US"/>
           </a:p>
@@ -1957,7 +1958,7 @@
           <a:p>
             <a:fld id="{E871AFEF-E56D-43CB-B2BD-C2590331E35B}" type="datetimeFigureOut">
               <a:rPr lang="ko-KR" altLang="en-US" smtClean="0"/>
-              <a:t>2021. 11. 28.</a:t>
+              <a:t>2021-12-01</a:t>
             </a:fld>
             <a:endParaRPr lang="ko-KR" altLang="en-US"/>
           </a:p>
@@ -2070,7 +2071,7 @@
           <a:p>
             <a:fld id="{E871AFEF-E56D-43CB-B2BD-C2590331E35B}" type="datetimeFigureOut">
               <a:rPr lang="ko-KR" altLang="en-US" smtClean="0"/>
-              <a:t>2021. 11. 28.</a:t>
+              <a:t>2021-12-01</a:t>
             </a:fld>
             <a:endParaRPr lang="ko-KR" altLang="en-US"/>
           </a:p>
@@ -2381,7 +2382,7 @@
           <a:p>
             <a:fld id="{E871AFEF-E56D-43CB-B2BD-C2590331E35B}" type="datetimeFigureOut">
               <a:rPr lang="ko-KR" altLang="en-US" smtClean="0"/>
-              <a:t>2021. 11. 28.</a:t>
+              <a:t>2021-12-01</a:t>
             </a:fld>
             <a:endParaRPr lang="ko-KR" altLang="en-US"/>
           </a:p>
@@ -2669,7 +2670,7 @@
           <a:p>
             <a:fld id="{E871AFEF-E56D-43CB-B2BD-C2590331E35B}" type="datetimeFigureOut">
               <a:rPr lang="ko-KR" altLang="en-US" smtClean="0"/>
-              <a:t>2021. 11. 28.</a:t>
+              <a:t>2021-12-01</a:t>
             </a:fld>
             <a:endParaRPr lang="ko-KR" altLang="en-US"/>
           </a:p>
@@ -2910,7 +2911,7 @@
           <a:p>
             <a:fld id="{E871AFEF-E56D-43CB-B2BD-C2590331E35B}" type="datetimeFigureOut">
               <a:rPr lang="ko-KR" altLang="en-US" smtClean="0"/>
-              <a:t>2021. 11. 28.</a:t>
+              <a:t>2021-12-01</a:t>
             </a:fld>
             <a:endParaRPr lang="ko-KR" altLang="en-US"/>
           </a:p>
@@ -4012,14 +4013,14 @@
           <p:nvPr>
             <p:extLst>
               <p:ext uri="{D42A27DB-BD31-4B8C-83A1-F6EECF244321}">
-                <p14:modId xmlns:p14="http://schemas.microsoft.com/office/powerpoint/2010/main" val="2858300241"/>
+                <p14:modId xmlns:p14="http://schemas.microsoft.com/office/powerpoint/2010/main" val="212689999"/>
               </p:ext>
             </p:extLst>
           </p:nvPr>
         </p:nvGraphicFramePr>
         <p:xfrm>
           <a:off x="8577590" y="30364"/>
-          <a:ext cx="3223664" cy="2570480"/>
+          <a:ext cx="3223664" cy="3180080"/>
         </p:xfrm>
         <a:graphic>
           <a:graphicData uri="http://schemas.openxmlformats.org/drawingml/2006/table">
@@ -4187,6 +4188,43 @@
                   </a:ext>
                 </a:extLst>
               </a:tr>
+              <a:tr h="0">
+                <a:tc>
+                  <a:txBody>
+                    <a:bodyPr/>
+                    <a:lstStyle/>
+                    <a:p>
+                      <a:pPr algn="l" latinLnBrk="1"/>
+                      <a:r>
+                        <a:rPr lang="en-US" altLang="ko-KR" sz="1400" dirty="0" err="1"/>
+                        <a:t>originPrice</a:t>
+                      </a:r>
+                      <a:endParaRPr lang="ko-KR" altLang="en-US" sz="1400" dirty="0"/>
+                    </a:p>
+                  </a:txBody>
+                  <a:tcPr anchor="ctr"/>
+                </a:tc>
+                <a:tc>
+                  <a:txBody>
+                    <a:bodyPr/>
+                    <a:lstStyle/>
+                    <a:p>
+                      <a:pPr algn="ctr" latinLnBrk="1"/>
+                      <a:r>
+                        <a:rPr lang="en-US" altLang="ko-KR" sz="1400" dirty="0"/>
+                        <a:t>Integer</a:t>
+                      </a:r>
+                      <a:endParaRPr lang="ko-KR" altLang="en-US" sz="1400" dirty="0"/>
+                    </a:p>
+                  </a:txBody>
+                  <a:tcPr anchor="ctr"/>
+                </a:tc>
+                <a:extLst>
+                  <a:ext uri="{0D108BD9-81ED-4DB2-BD59-A6C34878D82A}">
+                    <a16:rowId xmlns:a16="http://schemas.microsoft.com/office/drawing/2014/main" val="4228052212"/>
+                  </a:ext>
+                </a:extLst>
+              </a:tr>
               <a:tr h="291592">
                 <a:tc>
                   <a:txBody>
@@ -4348,6 +4386,51 @@
                 <a:extLst>
                   <a:ext uri="{0D108BD9-81ED-4DB2-BD59-A6C34878D82A}">
                     <a16:rowId xmlns:a16="http://schemas.microsoft.com/office/drawing/2014/main" val="2853880192"/>
+                  </a:ext>
+                </a:extLst>
+              </a:tr>
+              <a:tr h="217424">
+                <a:tc>
+                  <a:txBody>
+                    <a:bodyPr/>
+                    <a:lstStyle/>
+                    <a:p>
+                      <a:pPr marL="0" marR="0" lvl="0" indent="0" algn="l" defTabSz="914400" rtl="0" eaLnBrk="1" fontAlgn="auto" latinLnBrk="1" hangingPunct="1">
+                        <a:lnSpc>
+                          <a:spcPct val="100000"/>
+                        </a:lnSpc>
+                        <a:spcBef>
+                          <a:spcPts val="0"/>
+                        </a:spcBef>
+                        <a:spcAft>
+                          <a:spcPts val="0"/>
+                        </a:spcAft>
+                        <a:buClrTx/>
+                        <a:buSzTx/>
+                        <a:buFontTx/>
+                        <a:buNone/>
+                        <a:tabLst/>
+                        <a:defRPr/>
+                      </a:pPr>
+                      <a:endParaRPr lang="ko-KR" altLang="en-US" sz="1400" dirty="0"/>
+                    </a:p>
+                  </a:txBody>
+                  <a:tcPr anchor="ctr"/>
+                </a:tc>
+                <a:tc>
+                  <a:txBody>
+                    <a:bodyPr/>
+                    <a:lstStyle/>
+                    <a:p>
+                      <a:pPr algn="ctr" latinLnBrk="1"/>
+                      <a:endParaRPr lang="ko-KR" altLang="en-US" sz="1400" dirty="0"/>
+                    </a:p>
+                  </a:txBody>
+                  <a:tcPr anchor="ctr"/>
+                </a:tc>
+                <a:extLst>
+                  <a:ext uri="{0D108BD9-81ED-4DB2-BD59-A6C34878D82A}">
+                    <a16:rowId xmlns:a16="http://schemas.microsoft.com/office/drawing/2014/main" val="2253514787"/>
                   </a:ext>
                 </a:extLst>
               </a:tr>
@@ -4370,13 +4453,13 @@
           <p:nvPr>
             <p:extLst>
               <p:ext uri="{D42A27DB-BD31-4B8C-83A1-F6EECF244321}">
-                <p14:modId xmlns:p14="http://schemas.microsoft.com/office/powerpoint/2010/main" val="1222114532"/>
+                <p14:modId xmlns:p14="http://schemas.microsoft.com/office/powerpoint/2010/main" val="2391403984"/>
               </p:ext>
             </p:extLst>
           </p:nvPr>
         </p:nvGraphicFramePr>
         <p:xfrm>
-          <a:off x="246036" y="3385682"/>
+          <a:off x="274279" y="3749620"/>
           <a:ext cx="3223664" cy="1788160"/>
         </p:xfrm>
         <a:graphic>
@@ -4605,13 +4688,13 @@
           <p:nvPr>
             <p:extLst>
               <p:ext uri="{D42A27DB-BD31-4B8C-83A1-F6EECF244321}">
-                <p14:modId xmlns:p14="http://schemas.microsoft.com/office/powerpoint/2010/main" val="1978886848"/>
+                <p14:modId xmlns:p14="http://schemas.microsoft.com/office/powerpoint/2010/main" val="155046357"/>
               </p:ext>
             </p:extLst>
           </p:nvPr>
         </p:nvGraphicFramePr>
         <p:xfrm>
-          <a:off x="8623594" y="2966604"/>
+          <a:off x="8562910" y="3374263"/>
           <a:ext cx="3223664" cy="1788160"/>
         </p:xfrm>
         <a:graphic>
@@ -4836,13 +4919,13 @@
           <p:nvPr>
             <p:extLst>
               <p:ext uri="{D42A27DB-BD31-4B8C-83A1-F6EECF244321}">
-                <p14:modId xmlns:p14="http://schemas.microsoft.com/office/powerpoint/2010/main" val="29805029"/>
+                <p14:modId xmlns:p14="http://schemas.microsoft.com/office/powerpoint/2010/main" val="1764780367"/>
               </p:ext>
             </p:extLst>
           </p:nvPr>
         </p:nvGraphicFramePr>
         <p:xfrm>
-          <a:off x="8623594" y="4998159"/>
+          <a:off x="8577590" y="5326242"/>
           <a:ext cx="3223664" cy="1417320"/>
         </p:xfrm>
         <a:graphic>
@@ -5030,14 +5113,14 @@
           <p:nvPr>
             <p:extLst>
               <p:ext uri="{D42A27DB-BD31-4B8C-83A1-F6EECF244321}">
-                <p14:modId xmlns:p14="http://schemas.microsoft.com/office/powerpoint/2010/main" val="659529892"/>
+                <p14:modId xmlns:p14="http://schemas.microsoft.com/office/powerpoint/2010/main" val="836490374"/>
               </p:ext>
             </p:extLst>
           </p:nvPr>
         </p:nvGraphicFramePr>
         <p:xfrm>
           <a:off x="4099095" y="-11939"/>
-          <a:ext cx="3223664" cy="1788160"/>
+          <a:ext cx="3223664" cy="2159000"/>
         </p:xfrm>
         <a:graphic>
           <a:graphicData uri="http://schemas.openxmlformats.org/drawingml/2006/table">
@@ -5242,6 +5325,59 @@
                   </a:ext>
                 </a:extLst>
               </a:tr>
+              <a:tr h="370840">
+                <a:tc>
+                  <a:txBody>
+                    <a:bodyPr/>
+                    <a:lstStyle/>
+                    <a:p>
+                      <a:pPr algn="l" latinLnBrk="1"/>
+                      <a:r>
+                        <a:rPr lang="en-US" altLang="ko-KR" sz="1400" dirty="0" err="1"/>
+                        <a:t>dateTime</a:t>
+                      </a:r>
+                      <a:endParaRPr lang="ko-KR" altLang="en-US" sz="1400" dirty="0"/>
+                    </a:p>
+                  </a:txBody>
+                  <a:tcPr anchor="ctr"/>
+                </a:tc>
+                <a:tc>
+                  <a:txBody>
+                    <a:bodyPr/>
+                    <a:lstStyle/>
+                    <a:p>
+                      <a:pPr marL="0" marR="0" lvl="0" indent="0" algn="ctr" defTabSz="914400" rtl="0" eaLnBrk="1" fontAlgn="auto" latinLnBrk="1" hangingPunct="1">
+                        <a:lnSpc>
+                          <a:spcPct val="100000"/>
+                        </a:lnSpc>
+                        <a:spcBef>
+                          <a:spcPts val="0"/>
+                        </a:spcBef>
+                        <a:spcAft>
+                          <a:spcPts val="0"/>
+                        </a:spcAft>
+                        <a:buClrTx/>
+                        <a:buSzTx/>
+                        <a:buFontTx/>
+                        <a:buNone/>
+                        <a:tabLst/>
+                        <a:defRPr/>
+                      </a:pPr>
+                      <a:r>
+                        <a:rPr lang="en-US" altLang="ko-KR" sz="1400" dirty="0" err="1"/>
+                        <a:t>LocalDateTime</a:t>
+                      </a:r>
+                      <a:endParaRPr lang="ko-KR" altLang="en-US" sz="1400" dirty="0"/>
+                    </a:p>
+                  </a:txBody>
+                  <a:tcPr anchor="ctr"/>
+                </a:tc>
+                <a:extLst>
+                  <a:ext uri="{0D108BD9-81ED-4DB2-BD59-A6C34878D82A}">
+                    <a16:rowId xmlns:a16="http://schemas.microsoft.com/office/drawing/2014/main" val="1098449823"/>
+                  </a:ext>
+                </a:extLst>
+              </a:tr>
             </a:tbl>
           </a:graphicData>
         </a:graphic>
@@ -5261,13 +5397,13 @@
           <p:nvPr>
             <p:extLst>
               <p:ext uri="{D42A27DB-BD31-4B8C-83A1-F6EECF244321}">
-                <p14:modId xmlns:p14="http://schemas.microsoft.com/office/powerpoint/2010/main" val="366635707"/>
+                <p14:modId xmlns:p14="http://schemas.microsoft.com/office/powerpoint/2010/main" val="836477025"/>
               </p:ext>
             </p:extLst>
           </p:nvPr>
         </p:nvGraphicFramePr>
         <p:xfrm>
-          <a:off x="4103055" y="1937874"/>
+          <a:off x="4097115" y="2070033"/>
           <a:ext cx="3223664" cy="2159000"/>
         </p:xfrm>
         <a:graphic>
@@ -5531,13 +5667,13 @@
           <p:nvPr/>
         </p:nvCxnSpPr>
         <p:spPr>
-          <a:xfrm rot="10800000" flipV="1">
-            <a:off x="246036" y="1837772"/>
-            <a:ext cx="1980" cy="2441990"/>
+          <a:xfrm rot="10800000" flipH="1" flipV="1">
+            <a:off x="248015" y="1837772"/>
+            <a:ext cx="26263" cy="2805928"/>
           </a:xfrm>
           <a:prstGeom prst="bentConnector3">
             <a:avLst>
-              <a:gd name="adj1" fmla="val 11645455"/>
+              <a:gd name="adj1" fmla="val -870426"/>
             </a:avLst>
           </a:prstGeom>
           <a:ln>
@@ -5577,8 +5713,8 @@
         </p:nvCxnSpPr>
         <p:spPr>
           <a:xfrm flipV="1">
-            <a:off x="3580277" y="882141"/>
-            <a:ext cx="518818" cy="391160"/>
+            <a:off x="3580277" y="1067561"/>
+            <a:ext cx="518818" cy="205740"/>
           </a:xfrm>
           <a:prstGeom prst="bentConnector3">
             <a:avLst/>
@@ -5710,8 +5846,8 @@
         </p:nvCxnSpPr>
         <p:spPr>
           <a:xfrm flipV="1">
-            <a:off x="7322759" y="1315604"/>
-            <a:ext cx="1254831" cy="3487398"/>
+            <a:off x="7322759" y="1620404"/>
+            <a:ext cx="1254831" cy="3182598"/>
           </a:xfrm>
           <a:prstGeom prst="bentConnector3">
             <a:avLst>
@@ -5754,13 +5890,13 @@
           <p:nvPr/>
         </p:nvCxnSpPr>
         <p:spPr>
-          <a:xfrm rot="10800000" flipH="1" flipV="1">
-            <a:off x="8577590" y="1315604"/>
-            <a:ext cx="46004" cy="2545080"/>
+          <a:xfrm rot="10800000" flipV="1">
+            <a:off x="8562910" y="1620403"/>
+            <a:ext cx="14680" cy="2647939"/>
           </a:xfrm>
           <a:prstGeom prst="bentConnector3">
             <a:avLst>
-              <a:gd name="adj1" fmla="val -496913"/>
+              <a:gd name="adj1" fmla="val 1657221"/>
             </a:avLst>
           </a:prstGeom>
           <a:ln>
@@ -5801,8 +5937,8 @@
         </p:nvCxnSpPr>
         <p:spPr>
           <a:xfrm>
-            <a:off x="7326719" y="3017374"/>
-            <a:ext cx="1296875" cy="2689445"/>
+            <a:off x="7320779" y="3149533"/>
+            <a:ext cx="1256811" cy="2885369"/>
           </a:xfrm>
           <a:prstGeom prst="bentConnector3">
             <a:avLst>
@@ -5846,12 +5982,12 @@
         </p:nvCxnSpPr>
         <p:spPr>
           <a:xfrm>
-            <a:off x="11801254" y="1315604"/>
-            <a:ext cx="46004" cy="4391215"/>
+            <a:off x="11801254" y="1620404"/>
+            <a:ext cx="12700" cy="4414498"/>
           </a:xfrm>
           <a:prstGeom prst="bentConnector3">
             <a:avLst>
-              <a:gd name="adj1" fmla="val 596913"/>
+              <a:gd name="adj1" fmla="val 1800000"/>
             </a:avLst>
           </a:prstGeom>
           <a:ln>
@@ -6131,8 +6267,8 @@
         </p:nvCxnSpPr>
         <p:spPr>
           <a:xfrm flipV="1">
-            <a:off x="7322759" y="1315604"/>
-            <a:ext cx="1254831" cy="4820757"/>
+            <a:off x="7322759" y="1620404"/>
+            <a:ext cx="1254831" cy="4515957"/>
           </a:xfrm>
           <a:prstGeom prst="bentConnector3">
             <a:avLst>
@@ -6471,14 +6607,14 @@
           <p:nvPr>
             <p:extLst>
               <p:ext uri="{D42A27DB-BD31-4B8C-83A1-F6EECF244321}">
-                <p14:modId xmlns:p14="http://schemas.microsoft.com/office/powerpoint/2010/main" val="2470663204"/>
+                <p14:modId xmlns:p14="http://schemas.microsoft.com/office/powerpoint/2010/main" val="2719081351"/>
               </p:ext>
             </p:extLst>
           </p:nvPr>
         </p:nvGraphicFramePr>
         <p:xfrm>
           <a:off x="0" y="17912"/>
-          <a:ext cx="12192001" cy="3753441"/>
+          <a:ext cx="12192001" cy="3265761"/>
         </p:xfrm>
         <a:graphic>
           <a:graphicData uri="http://schemas.openxmlformats.org/drawingml/2006/table">
@@ -6487,28 +6623,28 @@
                 <a:tableStyleId>{5C22544A-7EE6-4342-B048-85BDC9FD1C3A}</a:tableStyleId>
               </a:tblPr>
               <a:tblGrid>
-                <a:gridCol w="1742528">
+                <a:gridCol w="1739900">
                   <a:extLst>
                     <a:ext uri="{9D8B030D-6E8A-4147-A177-3AD203B41FA5}">
                       <a16:colId xmlns:a16="http://schemas.microsoft.com/office/drawing/2014/main" val="1489473714"/>
                     </a:ext>
                   </a:extLst>
                 </a:gridCol>
-                <a:gridCol w="2510495">
+                <a:gridCol w="2513123">
                   <a:extLst>
                     <a:ext uri="{9D8B030D-6E8A-4147-A177-3AD203B41FA5}">
                       <a16:colId xmlns:a16="http://schemas.microsoft.com/office/drawing/2014/main" val="3533057056"/>
                     </a:ext>
                   </a:extLst>
                 </a:gridCol>
-                <a:gridCol w="3700130">
+                <a:gridCol w="3849577">
                   <a:extLst>
                     <a:ext uri="{9D8B030D-6E8A-4147-A177-3AD203B41FA5}">
                       <a16:colId xmlns:a16="http://schemas.microsoft.com/office/drawing/2014/main" val="3633217806"/>
                     </a:ext>
                   </a:extLst>
                 </a:gridCol>
-                <a:gridCol w="1841448">
+                <a:gridCol w="1692001">
                   <a:extLst>
                     <a:ext uri="{9D8B030D-6E8A-4147-A177-3AD203B41FA5}">
                       <a16:colId xmlns:a16="http://schemas.microsoft.com/office/drawing/2014/main" val="2914489929"/>
@@ -6617,10 +6753,10 @@
                     <a:p>
                       <a:pPr algn="ctr"/>
                       <a:r>
-                        <a:rPr lang="en-US" altLang="ko-Kore-KR" sz="1600" dirty="0"/>
+                        <a:rPr lang="en-US" altLang="ko-Kore-KR" sz="1400" dirty="0"/>
                         <a:t>Get / login</a:t>
                       </a:r>
-                      <a:endParaRPr lang="ko-Kore-KR" altLang="en-US" sz="1600" dirty="0"/>
+                      <a:endParaRPr lang="ko-Kore-KR" altLang="en-US" sz="1400" dirty="0"/>
                     </a:p>
                   </a:txBody>
                   <a:tcPr anchor="ctr"/>
@@ -6632,10 +6768,10 @@
                     <a:p>
                       <a:pPr algn="ctr"/>
                       <a:r>
-                        <a:rPr lang="en-US" altLang="ko-Kore-KR" sz="1600" dirty="0"/>
+                        <a:rPr lang="en-US" altLang="ko-Kore-KR" sz="1400" dirty="0"/>
                         <a:t>member/login/login</a:t>
                       </a:r>
-                      <a:endParaRPr lang="ko-Kore-KR" altLang="en-US" sz="1600" dirty="0"/>
+                      <a:endParaRPr lang="ko-Kore-KR" altLang="en-US" sz="1400" dirty="0"/>
                     </a:p>
                   </a:txBody>
                   <a:tcPr anchor="ctr"/>
@@ -6647,10 +6783,10 @@
                     <a:p>
                       <a:pPr algn="ctr"/>
                       <a:r>
-                        <a:rPr lang="en-US" altLang="ko-Kore-KR" sz="1600" dirty="0"/>
+                        <a:rPr lang="en-US" altLang="ko-Kore-KR" sz="1400" dirty="0"/>
                         <a:t>x</a:t>
                       </a:r>
-                      <a:endParaRPr lang="ko-Kore-KR" altLang="en-US" sz="1600" dirty="0"/>
+                      <a:endParaRPr lang="ko-Kore-KR" altLang="en-US" sz="1400" dirty="0"/>
                     </a:p>
                   </a:txBody>
                   <a:tcPr anchor="ctr"/>
@@ -6661,7 +6797,7 @@
                     <a:lstStyle/>
                     <a:p>
                       <a:pPr algn="ctr"/>
-                      <a:endParaRPr lang="ko-Kore-KR" altLang="en-US" sz="1600" dirty="0"/>
+                      <a:endParaRPr lang="ko-Kore-KR" altLang="en-US" sz="1400" dirty="0"/>
                     </a:p>
                   </a:txBody>
                   <a:tcPr anchor="ctr"/>
@@ -6673,10 +6809,10 @@
                     <a:p>
                       <a:pPr algn="ctr"/>
                       <a:r>
-                        <a:rPr lang="en-US" altLang="ko-Kore-KR" sz="1600" dirty="0" err="1"/>
+                        <a:rPr lang="en-US" altLang="ko-Kore-KR" sz="1400" dirty="0" err="1"/>
                         <a:t>LoginForm</a:t>
                       </a:r>
-                      <a:endParaRPr lang="ko-Kore-KR" altLang="en-US" sz="1600" dirty="0"/>
+                      <a:endParaRPr lang="ko-Kore-KR" altLang="en-US" sz="1400" dirty="0"/>
                     </a:p>
                   </a:txBody>
                   <a:tcPr anchor="ctr"/>
@@ -6695,10 +6831,10 @@
                     <a:p>
                       <a:pPr algn="ctr"/>
                       <a:r>
-                        <a:rPr lang="en-US" altLang="ko-Kore-KR" sz="1600" dirty="0"/>
+                        <a:rPr lang="en-US" altLang="ko-Kore-KR" sz="1400" dirty="0"/>
                         <a:t>Post / login</a:t>
                       </a:r>
-                      <a:endParaRPr lang="ko-Kore-KR" altLang="en-US" sz="1600" dirty="0"/>
+                      <a:endParaRPr lang="ko-Kore-KR" altLang="en-US" sz="1400" dirty="0"/>
                     </a:p>
                   </a:txBody>
                   <a:tcPr anchor="ctr"/>
@@ -6710,7 +6846,7 @@
                     <a:p>
                       <a:pPr algn="ctr"/>
                       <a:r>
-                        <a:rPr lang="en" altLang="ko-Kore-KR" sz="1600" kern="1200" dirty="0">
+                        <a:rPr lang="en" altLang="ko-Kore-KR" sz="1400" kern="1200" dirty="0">
                           <a:solidFill>
                             <a:schemeClr val="dk1"/>
                           </a:solidFill>
@@ -6722,7 +6858,7 @@
                         <a:t>member/</a:t>
                       </a:r>
                       <a:r>
-                        <a:rPr lang="en" altLang="ko-Kore-KR" sz="1600" kern="1200" dirty="0" err="1">
+                        <a:rPr lang="en" altLang="ko-Kore-KR" sz="1400" kern="1200" dirty="0" err="1">
                           <a:solidFill>
                             <a:schemeClr val="dk1"/>
                           </a:solidFill>
@@ -6733,7 +6869,7 @@
                         </a:rPr>
                         <a:t>memberDetail</a:t>
                       </a:r>
-                      <a:endParaRPr lang="ko-Kore-KR" altLang="en-US" sz="1600" dirty="0"/>
+                      <a:endParaRPr lang="ko-Kore-KR" altLang="en-US" sz="1400" dirty="0"/>
                     </a:p>
                   </a:txBody>
                   <a:tcPr anchor="ctr"/>
@@ -6745,26 +6881,26 @@
                     <a:p>
                       <a:pPr algn="l"/>
                       <a:r>
-                        <a:rPr lang="en-US" altLang="ko-Kore-KR" sz="1600" dirty="0"/>
+                        <a:rPr lang="en-US" altLang="ko-Kore-KR" sz="1400" dirty="0"/>
                         <a:t>email(@Email, @</a:t>
                       </a:r>
                       <a:r>
-                        <a:rPr lang="en-US" altLang="ko-Kore-KR" sz="1600" dirty="0" err="1"/>
+                        <a:rPr lang="en-US" altLang="ko-Kore-KR" sz="1400" dirty="0" err="1"/>
                         <a:t>NotBlank</a:t>
                       </a:r>
                       <a:r>
-                        <a:rPr lang="en-US" altLang="ko-Kore-KR" sz="1600" dirty="0"/>
+                        <a:rPr lang="en-US" altLang="ko-Kore-KR" sz="1400" dirty="0"/>
                         <a:t>)</a:t>
                       </a:r>
                     </a:p>
                     <a:p>
                       <a:pPr algn="l"/>
                       <a:r>
-                        <a:rPr lang="en-US" altLang="ko-Kore-KR" sz="1600" dirty="0"/>
+                        <a:rPr lang="en-US" altLang="ko-Kore-KR" sz="1400" dirty="0"/>
                         <a:t>password(</a:t>
                       </a:r>
                       <a:r>
-                        <a:rPr lang="en" altLang="ko-Kore-KR" sz="1600" kern="1200" dirty="0">
+                        <a:rPr lang="en" altLang="ko-Kore-KR" sz="1400" kern="1200" dirty="0">
                           <a:solidFill>
                             <a:schemeClr val="dk1"/>
                           </a:solidFill>
@@ -6776,7 +6912,7 @@
                         <a:t>@Size</a:t>
                       </a:r>
                       <a:r>
-                        <a:rPr lang="en" altLang="ko-Kore-KR" sz="1600" i="1" kern="1200" dirty="0">
+                        <a:rPr lang="en" altLang="ko-Kore-KR" sz="1400" i="1" kern="1200" dirty="0">
                           <a:solidFill>
                             <a:schemeClr val="dk1"/>
                           </a:solidFill>
@@ -6788,11 +6924,11 @@
                         <a:t>(</a:t>
                       </a:r>
                       <a:r>
-                        <a:rPr lang="en" altLang="ko-Kore-KR" sz="1600" dirty="0"/>
+                        <a:rPr lang="en" altLang="ko-Kore-KR" sz="1400" dirty="0"/>
                         <a:t>min=</a:t>
                       </a:r>
                       <a:r>
-                        <a:rPr lang="en" altLang="ko-Kore-KR" sz="1600" kern="1200" dirty="0">
+                        <a:rPr lang="en" altLang="ko-Kore-KR" sz="1400" kern="1200" dirty="0">
                           <a:solidFill>
                             <a:schemeClr val="dk1"/>
                           </a:solidFill>
@@ -6804,11 +6940,11 @@
                         <a:t>6, </a:t>
                       </a:r>
                       <a:r>
-                        <a:rPr lang="en" altLang="ko-Kore-KR" sz="1600" dirty="0"/>
+                        <a:rPr lang="en" altLang="ko-Kore-KR" sz="1400" dirty="0"/>
                         <a:t>max=</a:t>
                       </a:r>
                       <a:r>
-                        <a:rPr lang="en" altLang="ko-Kore-KR" sz="1600" kern="1200" dirty="0">
+                        <a:rPr lang="en" altLang="ko-Kore-KR" sz="1400" kern="1200" dirty="0">
                           <a:solidFill>
                             <a:schemeClr val="dk1"/>
                           </a:solidFill>
@@ -6820,7 +6956,7 @@
                         <a:t>20</a:t>
                       </a:r>
                       <a:r>
-                        <a:rPr lang="en" altLang="ko-Kore-KR" sz="1600" i="1" kern="1200" dirty="0">
+                        <a:rPr lang="en" altLang="ko-Kore-KR" sz="1400" i="1" kern="1200" dirty="0">
                           <a:solidFill>
                             <a:schemeClr val="dk1"/>
                           </a:solidFill>
@@ -6831,7 +6967,7 @@
                         </a:rPr>
                         <a:t>))</a:t>
                       </a:r>
-                      <a:endParaRPr lang="ko-Kore-KR" altLang="en-US" sz="1600" dirty="0"/>
+                      <a:endParaRPr lang="ko-Kore-KR" altLang="en-US" sz="1400" dirty="0"/>
                     </a:p>
                   </a:txBody>
                   <a:tcPr anchor="ctr"/>
@@ -6843,10 +6979,10 @@
                     <a:p>
                       <a:pPr algn="ctr"/>
                       <a:r>
-                        <a:rPr lang="en-US" altLang="ko-Kore-KR" sz="1600" dirty="0" err="1"/>
+                        <a:rPr lang="en-US" altLang="ko-Kore-KR" sz="1400" dirty="0" err="1"/>
                         <a:t>LoginForm</a:t>
                       </a:r>
-                      <a:endParaRPr lang="ko-Kore-KR" altLang="en-US" sz="1600" dirty="0"/>
+                      <a:endParaRPr lang="ko-Kore-KR" altLang="en-US" sz="1400" dirty="0"/>
                     </a:p>
                   </a:txBody>
                   <a:tcPr anchor="ctr"/>
@@ -6858,14 +6994,14 @@
                     <a:p>
                       <a:pPr algn="ctr"/>
                       <a:r>
-                        <a:rPr lang="en" altLang="ko-Kore-KR" sz="1600" dirty="0"/>
+                        <a:rPr lang="en" altLang="ko-Kore-KR" sz="1400" dirty="0"/>
                         <a:t>M</a:t>
                       </a:r>
                       <a:r>
-                        <a:rPr lang="en" altLang="ko-Kore-KR" sz="1600"/>
+                        <a:rPr lang="en" altLang="ko-Kore-KR" sz="1400"/>
                         <a:t>emberDetail</a:t>
                       </a:r>
-                      <a:endParaRPr lang="ko-Kore-KR" altLang="en-US" sz="1600" dirty="0"/>
+                      <a:endParaRPr lang="ko-Kore-KR" altLang="en-US" sz="1400" dirty="0"/>
                     </a:p>
                   </a:txBody>
                   <a:tcPr anchor="ctr"/>
@@ -6884,10 +7020,10 @@
                     <a:p>
                       <a:pPr algn="ctr"/>
                       <a:r>
-                        <a:rPr lang="en-US" altLang="ko-Kore-KR" sz="1600" dirty="0"/>
+                        <a:rPr lang="en-US" altLang="ko-Kore-KR" sz="1400" dirty="0"/>
                         <a:t>Get / signup</a:t>
                       </a:r>
-                      <a:endParaRPr lang="ko-Kore-KR" altLang="en-US" sz="1600" dirty="0"/>
+                      <a:endParaRPr lang="ko-Kore-KR" altLang="en-US" sz="1400" dirty="0"/>
                     </a:p>
                   </a:txBody>
                   <a:tcPr anchor="ctr"/>
@@ -6899,10 +7035,10 @@
                     <a:p>
                       <a:pPr algn="ctr"/>
                       <a:r>
-                        <a:rPr lang="en-US" altLang="ko-Kore-KR" sz="1600" dirty="0"/>
+                        <a:rPr lang="en-US" altLang="ko-Kore-KR" sz="1400" dirty="0"/>
                         <a:t>member/signup/signup</a:t>
                       </a:r>
-                      <a:endParaRPr lang="ko-Kore-KR" altLang="en-US" sz="1600" dirty="0"/>
+                      <a:endParaRPr lang="ko-Kore-KR" altLang="en-US" sz="1400" dirty="0"/>
                     </a:p>
                   </a:txBody>
                   <a:tcPr anchor="ctr"/>
@@ -6914,10 +7050,10 @@
                     <a:p>
                       <a:pPr algn="ctr"/>
                       <a:r>
-                        <a:rPr lang="en-US" altLang="ko-Kore-KR" sz="1600" dirty="0"/>
+                        <a:rPr lang="en-US" altLang="ko-Kore-KR" sz="1400" dirty="0"/>
                         <a:t>x</a:t>
                       </a:r>
-                      <a:endParaRPr lang="ko-Kore-KR" altLang="en-US" sz="1600" dirty="0"/>
+                      <a:endParaRPr lang="ko-Kore-KR" altLang="en-US" sz="1400" dirty="0"/>
                     </a:p>
                   </a:txBody>
                   <a:tcPr anchor="ctr"/>
@@ -6928,7 +7064,7 @@
                     <a:lstStyle/>
                     <a:p>
                       <a:pPr algn="ctr"/>
-                      <a:endParaRPr lang="ko-Kore-KR" altLang="en-US" sz="1600" dirty="0"/>
+                      <a:endParaRPr lang="ko-Kore-KR" altLang="en-US" sz="1400" dirty="0"/>
                     </a:p>
                   </a:txBody>
                   <a:tcPr anchor="ctr"/>
@@ -6940,10 +7076,10 @@
                     <a:p>
                       <a:pPr algn="ctr"/>
                       <a:r>
-                        <a:rPr lang="en-US" altLang="ko-Kore-KR" sz="1600" dirty="0" err="1"/>
+                        <a:rPr lang="en-US" altLang="ko-Kore-KR" sz="1400" dirty="0" err="1"/>
                         <a:t>SignupForm</a:t>
                       </a:r>
-                      <a:endParaRPr lang="ko-Kore-KR" altLang="en-US" sz="1600" dirty="0"/>
+                      <a:endParaRPr lang="ko-Kore-KR" altLang="en-US" sz="1400" dirty="0"/>
                     </a:p>
                   </a:txBody>
                   <a:tcPr anchor="ctr"/>
@@ -6962,10 +7098,10 @@
                     <a:p>
                       <a:pPr algn="ctr"/>
                       <a:r>
-                        <a:rPr lang="en-US" altLang="ko-Kore-KR" sz="1600" dirty="0"/>
+                        <a:rPr lang="en-US" altLang="ko-Kore-KR" sz="1400" dirty="0"/>
                         <a:t>Post / signup</a:t>
                       </a:r>
-                      <a:endParaRPr lang="ko-Kore-KR" altLang="en-US" sz="1600" dirty="0"/>
+                      <a:endParaRPr lang="ko-Kore-KR" altLang="en-US" sz="1400" dirty="0"/>
                     </a:p>
                   </a:txBody>
                   <a:tcPr anchor="ctr"/>
@@ -6977,7 +7113,7 @@
                     <a:p>
                       <a:pPr algn="ctr"/>
                       <a:r>
-                        <a:rPr lang="en" altLang="ko-Kore-KR" sz="1600" kern="1200" dirty="0">
+                        <a:rPr lang="en" altLang="ko-Kore-KR" sz="1400" kern="1200" dirty="0">
                           <a:solidFill>
                             <a:schemeClr val="dk1"/>
                           </a:solidFill>
@@ -6988,7 +7124,7 @@
                         </a:rPr>
                         <a:t>member/signup/standby</a:t>
                       </a:r>
-                      <a:endParaRPr lang="ko-Kore-KR" altLang="en-US" sz="1600" dirty="0"/>
+                      <a:endParaRPr lang="ko-Kore-KR" altLang="en-US" sz="1400" dirty="0"/>
                     </a:p>
                   </a:txBody>
                   <a:tcPr anchor="ctr"/>
@@ -7000,7 +7136,7 @@
                     <a:p>
                       <a:pPr algn="l"/>
                       <a:r>
-                        <a:rPr lang="en" altLang="ko-Kore-KR" sz="1600" kern="1200" dirty="0">
+                        <a:rPr lang="en" altLang="ko-Kore-KR" sz="1400" kern="1200" dirty="0">
                           <a:solidFill>
                             <a:schemeClr val="dk1"/>
                           </a:solidFill>
@@ -7012,7 +7148,7 @@
                         <a:t>name(@</a:t>
                       </a:r>
                       <a:r>
-                        <a:rPr lang="en" altLang="ko-Kore-KR" sz="1600" kern="1200" dirty="0" err="1">
+                        <a:rPr lang="en" altLang="ko-Kore-KR" sz="1400" kern="1200" dirty="0" err="1">
                           <a:solidFill>
                             <a:schemeClr val="dk1"/>
                           </a:solidFill>
@@ -7024,7 +7160,7 @@
                         <a:t>NotBlank</a:t>
                       </a:r>
                       <a:r>
-                        <a:rPr lang="en" altLang="ko-Kore-KR" sz="1600" kern="1200" dirty="0">
+                        <a:rPr lang="en" altLang="ko-Kore-KR" sz="1400" kern="1200" dirty="0">
                           <a:solidFill>
                             <a:schemeClr val="dk1"/>
                           </a:solidFill>
@@ -7036,7 +7172,7 @@
                         <a:t>)</a:t>
                       </a:r>
                       <a:br>
-                        <a:rPr lang="en" altLang="ko-Kore-KR" sz="1600" kern="1200" dirty="0">
+                        <a:rPr lang="en" altLang="ko-Kore-KR" sz="1400" kern="1200" dirty="0">
                           <a:solidFill>
                             <a:schemeClr val="dk1"/>
                           </a:solidFill>
@@ -7047,7 +7183,7 @@
                         </a:rPr>
                       </a:br>
                       <a:r>
-                        <a:rPr lang="en" altLang="ko-Kore-KR" sz="1600" kern="1200" dirty="0">
+                        <a:rPr lang="en" altLang="ko-Kore-KR" sz="1400" kern="1200" dirty="0">
                           <a:solidFill>
                             <a:schemeClr val="dk1"/>
                           </a:solidFill>
@@ -7059,7 +7195,7 @@
                         <a:t>email(@</a:t>
                       </a:r>
                       <a:r>
-                        <a:rPr lang="en" altLang="ko-Kore-KR" sz="1600" kern="1200" dirty="0" err="1">
+                        <a:rPr lang="en" altLang="ko-Kore-KR" sz="1400" kern="1200" dirty="0" err="1">
                           <a:solidFill>
                             <a:schemeClr val="dk1"/>
                           </a:solidFill>
@@ -7071,7 +7207,7 @@
                         <a:t>NotBlank</a:t>
                       </a:r>
                       <a:r>
-                        <a:rPr lang="en" altLang="ko-Kore-KR" sz="1600" kern="1200" dirty="0">
+                        <a:rPr lang="en" altLang="ko-Kore-KR" sz="1400" kern="1200" dirty="0">
                           <a:solidFill>
                             <a:schemeClr val="dk1"/>
                           </a:solidFill>
@@ -7083,7 +7219,7 @@
                         <a:t> @Email)</a:t>
                       </a:r>
                       <a:br>
-                        <a:rPr lang="en" altLang="ko-Kore-KR" sz="1600" i="1" kern="1200" dirty="0">
+                        <a:rPr lang="en" altLang="ko-Kore-KR" sz="1400" i="1" kern="1200" dirty="0">
                           <a:solidFill>
                             <a:schemeClr val="dk1"/>
                           </a:solidFill>
@@ -7094,7 +7230,7 @@
                         </a:rPr>
                       </a:br>
                       <a:r>
-                        <a:rPr lang="en" altLang="ko-Kore-KR" sz="1600" kern="1200" dirty="0">
+                        <a:rPr lang="en" altLang="ko-Kore-KR" sz="1400" kern="1200" dirty="0">
                           <a:solidFill>
                             <a:schemeClr val="dk1"/>
                           </a:solidFill>
@@ -7106,7 +7242,7 @@
                         <a:t>password(@Size</a:t>
                       </a:r>
                       <a:r>
-                        <a:rPr lang="en" altLang="ko-Kore-KR" sz="1600" i="1" kern="1200" dirty="0">
+                        <a:rPr lang="en" altLang="ko-Kore-KR" sz="1400" i="1" kern="1200" dirty="0">
                           <a:solidFill>
                             <a:schemeClr val="dk1"/>
                           </a:solidFill>
@@ -7118,11 +7254,11 @@
                         <a:t>(</a:t>
                       </a:r>
                       <a:r>
-                        <a:rPr lang="en" altLang="ko-Kore-KR" sz="1600" dirty="0"/>
+                        <a:rPr lang="en" altLang="ko-Kore-KR" sz="1400" dirty="0"/>
                         <a:t>min=</a:t>
                       </a:r>
                       <a:r>
-                        <a:rPr lang="en" altLang="ko-Kore-KR" sz="1600" kern="1200" dirty="0">
+                        <a:rPr lang="en" altLang="ko-Kore-KR" sz="1400" kern="1200" dirty="0">
                           <a:solidFill>
                             <a:schemeClr val="dk1"/>
                           </a:solidFill>
@@ -7134,11 +7270,11 @@
                         <a:t>6, </a:t>
                       </a:r>
                       <a:r>
-                        <a:rPr lang="en" altLang="ko-Kore-KR" sz="1600" dirty="0"/>
+                        <a:rPr lang="en" altLang="ko-Kore-KR" sz="1400" dirty="0"/>
                         <a:t>max=</a:t>
                       </a:r>
                       <a:r>
-                        <a:rPr lang="en" altLang="ko-Kore-KR" sz="1600" kern="1200" dirty="0">
+                        <a:rPr lang="en" altLang="ko-Kore-KR" sz="1400" kern="1200" dirty="0">
                           <a:solidFill>
                             <a:schemeClr val="dk1"/>
                           </a:solidFill>
@@ -7150,7 +7286,7 @@
                         <a:t>20</a:t>
                       </a:r>
                       <a:r>
-                        <a:rPr lang="en" altLang="ko-Kore-KR" sz="1600" i="1" kern="1200" dirty="0">
+                        <a:rPr lang="en" altLang="ko-Kore-KR" sz="1400" i="1" kern="1200" dirty="0">
                           <a:solidFill>
                             <a:schemeClr val="dk1"/>
                           </a:solidFill>
@@ -7161,7 +7297,7 @@
                         </a:rPr>
                         <a:t>))</a:t>
                       </a:r>
-                      <a:endParaRPr lang="ko-Kore-KR" altLang="en-US" sz="1600" dirty="0"/>
+                      <a:endParaRPr lang="ko-Kore-KR" altLang="en-US" sz="1400" dirty="0"/>
                     </a:p>
                   </a:txBody>
                   <a:tcPr anchor="ctr"/>
@@ -7173,10 +7309,10 @@
                     <a:p>
                       <a:pPr algn="ctr"/>
                       <a:r>
-                        <a:rPr lang="en-US" altLang="ko-Kore-KR" sz="1600" dirty="0" err="1"/>
+                        <a:rPr lang="en-US" altLang="ko-Kore-KR" sz="1400" dirty="0" err="1"/>
                         <a:t>SignupForm</a:t>
                       </a:r>
-                      <a:endParaRPr lang="ko-Kore-KR" altLang="en-US" sz="1600" dirty="0"/>
+                      <a:endParaRPr lang="ko-Kore-KR" altLang="en-US" sz="1400" dirty="0"/>
                     </a:p>
                   </a:txBody>
                   <a:tcPr anchor="ctr"/>
@@ -7187,7 +7323,7 @@
                     <a:lstStyle/>
                     <a:p>
                       <a:pPr algn="ctr"/>
-                      <a:endParaRPr lang="ko-Kore-KR" altLang="en-US" sz="1600" dirty="0"/>
+                      <a:endParaRPr lang="ko-Kore-KR" altLang="en-US" sz="1400" dirty="0"/>
                     </a:p>
                   </a:txBody>
                   <a:tcPr anchor="ctr"/>
@@ -7206,10 +7342,10 @@
                     <a:p>
                       <a:pPr algn="ctr"/>
                       <a:r>
-                        <a:rPr lang="en-US" altLang="ko-Kore-KR" sz="1600" dirty="0"/>
+                        <a:rPr lang="en-US" altLang="ko-Kore-KR" sz="1400" dirty="0"/>
                         <a:t>Get / logout</a:t>
                       </a:r>
-                      <a:endParaRPr lang="ko-Kore-KR" altLang="en-US" sz="1600" dirty="0"/>
+                      <a:endParaRPr lang="ko-Kore-KR" altLang="en-US" sz="1400" dirty="0"/>
                     </a:p>
                   </a:txBody>
                   <a:tcPr anchor="ctr"/>
@@ -7221,7 +7357,7 @@
                     <a:p>
                       <a:pPr algn="ctr"/>
                       <a:r>
-                        <a:rPr lang="en" altLang="ko-Kore-KR" sz="1600" kern="1200" dirty="0">
+                        <a:rPr lang="en" altLang="ko-Kore-KR" sz="1400" kern="1200" dirty="0">
                           <a:solidFill>
                             <a:schemeClr val="dk1"/>
                           </a:solidFill>
@@ -7232,7 +7368,7 @@
                         </a:rPr>
                         <a:t>member/login/login</a:t>
                       </a:r>
-                      <a:endParaRPr lang="ko-Kore-KR" altLang="en-US" sz="1600" dirty="0"/>
+                      <a:endParaRPr lang="ko-Kore-KR" altLang="en-US" sz="1400" dirty="0"/>
                     </a:p>
                   </a:txBody>
                   <a:tcPr anchor="ctr"/>
@@ -7244,10 +7380,10 @@
                     <a:p>
                       <a:pPr algn="ctr"/>
                       <a:r>
-                        <a:rPr lang="en-US" altLang="ko-Kore-KR" sz="1600" dirty="0"/>
+                        <a:rPr lang="en-US" altLang="ko-Kore-KR" sz="1400" dirty="0"/>
                         <a:t>x</a:t>
                       </a:r>
-                      <a:endParaRPr lang="ko-Kore-KR" altLang="en-US" sz="1600" dirty="0"/>
+                      <a:endParaRPr lang="ko-Kore-KR" altLang="en-US" sz="1400" dirty="0"/>
                     </a:p>
                   </a:txBody>
                   <a:tcPr anchor="ctr"/>
@@ -7258,7 +7394,7 @@
                     <a:lstStyle/>
                     <a:p>
                       <a:pPr algn="ctr"/>
-                      <a:endParaRPr lang="ko-Kore-KR" altLang="en-US" sz="1600" dirty="0"/>
+                      <a:endParaRPr lang="ko-Kore-KR" altLang="en-US" sz="1400" dirty="0"/>
                     </a:p>
                   </a:txBody>
                   <a:tcPr anchor="ctr"/>
@@ -7269,7 +7405,7 @@
                     <a:lstStyle/>
                     <a:p>
                       <a:pPr algn="ctr"/>
-                      <a:endParaRPr lang="ko-Kore-KR" altLang="en-US" sz="1600" dirty="0"/>
+                      <a:endParaRPr lang="ko-Kore-KR" altLang="en-US" sz="1400" dirty="0"/>
                     </a:p>
                   </a:txBody>
                   <a:tcPr anchor="ctr"/>
@@ -7287,7 +7423,50 @@
                     <a:lstStyle/>
                     <a:p>
                       <a:pPr algn="ctr"/>
-                      <a:endParaRPr lang="ko-Kore-KR" altLang="en-US" sz="1600" dirty="0"/>
+                      <a:r>
+                        <a:rPr lang="en-US" altLang="ko-KR" sz="1400" dirty="0"/>
+                        <a:t>Get / test/member</a:t>
+                      </a:r>
+                      <a:endParaRPr lang="ko-Kore-KR" altLang="en-US" sz="1400" dirty="0"/>
+                    </a:p>
+                  </a:txBody>
+                  <a:tcPr anchor="ctr"/>
+                </a:tc>
+                <a:tc>
+                  <a:txBody>
+                    <a:bodyPr/>
+                    <a:lstStyle/>
+                    <a:p>
+                      <a:pPr marL="0" marR="0" lvl="0" indent="0" algn="ctr" defTabSz="914400" rtl="0" eaLnBrk="1" fontAlgn="auto" latinLnBrk="1" hangingPunct="1">
+                        <a:lnSpc>
+                          <a:spcPct val="100000"/>
+                        </a:lnSpc>
+                        <a:spcBef>
+                          <a:spcPts val="0"/>
+                        </a:spcBef>
+                        <a:spcAft>
+                          <a:spcPts val="0"/>
+                        </a:spcAft>
+                        <a:buClrTx/>
+                        <a:buSzTx/>
+                        <a:buFontTx/>
+                        <a:buNone/>
+                        <a:tabLst/>
+                        <a:defRPr/>
+                      </a:pPr>
+                      <a:r>
+                        <a:rPr lang="en" altLang="ko-Kore-KR" sz="1400" kern="1200" dirty="0">
+                          <a:solidFill>
+                            <a:schemeClr val="dk1"/>
+                          </a:solidFill>
+                          <a:effectLst/>
+                          <a:latin typeface="+mn-lt"/>
+                          <a:ea typeface="+mn-ea"/>
+                          <a:cs typeface="+mn-cs"/>
+                        </a:rPr>
+                        <a:t>member/login/login</a:t>
+                      </a:r>
+                      <a:endParaRPr lang="ko-Kore-KR" altLang="en-US" sz="1400" dirty="0"/>
                     </a:p>
                   </a:txBody>
                   <a:tcPr anchor="ctr"/>
@@ -7298,7 +7477,11 @@
                     <a:lstStyle/>
                     <a:p>
                       <a:pPr algn="ctr"/>
-                      <a:endParaRPr lang="ko-Kore-KR" altLang="en-US" sz="1600"/>
+                      <a:r>
+                        <a:rPr lang="ko-KR" altLang="en-US" sz="1400" dirty="0"/>
+                        <a:t>테스트 멤버 생성</a:t>
+                      </a:r>
+                      <a:endParaRPr lang="ko-Kore-KR" altLang="en-US" sz="1400" dirty="0"/>
                     </a:p>
                   </a:txBody>
                   <a:tcPr anchor="ctr"/>
@@ -7309,7 +7492,7 @@
                     <a:lstStyle/>
                     <a:p>
                       <a:pPr algn="ctr"/>
-                      <a:endParaRPr lang="ko-Kore-KR" altLang="en-US" sz="1600" dirty="0"/>
+                      <a:endParaRPr lang="ko-Kore-KR" altLang="en-US" sz="1400" dirty="0"/>
                     </a:p>
                   </a:txBody>
                   <a:tcPr anchor="ctr"/>
@@ -7320,18 +7503,7 @@
                     <a:lstStyle/>
                     <a:p>
                       <a:pPr algn="ctr"/>
-                      <a:endParaRPr lang="ko-Kore-KR" altLang="en-US" sz="1600" dirty="0"/>
-                    </a:p>
-                  </a:txBody>
-                  <a:tcPr anchor="ctr"/>
-                </a:tc>
-                <a:tc>
-                  <a:txBody>
-                    <a:bodyPr/>
-                    <a:lstStyle/>
-                    <a:p>
-                      <a:pPr algn="ctr"/>
-                      <a:endParaRPr lang="ko-Kore-KR" altLang="en-US" sz="1600" dirty="0"/>
+                      <a:endParaRPr lang="ko-Kore-KR" altLang="en-US" sz="1400" dirty="0"/>
                     </a:p>
                   </a:txBody>
                   <a:tcPr anchor="ctr"/>
@@ -7339,68 +7511,6 @@
                 <a:extLst>
                   <a:ext uri="{0D108BD9-81ED-4DB2-BD59-A6C34878D82A}">
                     <a16:rowId xmlns:a16="http://schemas.microsoft.com/office/drawing/2014/main" val="2712519252"/>
-                  </a:ext>
-                </a:extLst>
-              </a:tr>
-              <a:tr h="0">
-                <a:tc>
-                  <a:txBody>
-                    <a:bodyPr/>
-                    <a:lstStyle/>
-                    <a:p>
-                      <a:pPr algn="ctr"/>
-                      <a:endParaRPr lang="ko-Kore-KR" altLang="en-US" sz="1600" dirty="0"/>
-                    </a:p>
-                  </a:txBody>
-                  <a:tcPr anchor="ctr"/>
-                </a:tc>
-                <a:tc>
-                  <a:txBody>
-                    <a:bodyPr/>
-                    <a:lstStyle/>
-                    <a:p>
-                      <a:pPr algn="ctr"/>
-                      <a:endParaRPr lang="ko-Kore-KR" altLang="en-US" sz="1600"/>
-                    </a:p>
-                  </a:txBody>
-                  <a:tcPr anchor="ctr"/>
-                </a:tc>
-                <a:tc>
-                  <a:txBody>
-                    <a:bodyPr/>
-                    <a:lstStyle/>
-                    <a:p>
-                      <a:pPr algn="ctr"/>
-                      <a:endParaRPr lang="ko-Kore-KR" altLang="en-US" sz="1600" dirty="0"/>
-                    </a:p>
-                  </a:txBody>
-                  <a:tcPr anchor="ctr"/>
-                </a:tc>
-                <a:tc>
-                  <a:txBody>
-                    <a:bodyPr/>
-                    <a:lstStyle/>
-                    <a:p>
-                      <a:pPr algn="ctr"/>
-                      <a:endParaRPr lang="ko-Kore-KR" altLang="en-US" sz="1600" dirty="0"/>
-                    </a:p>
-                  </a:txBody>
-                  <a:tcPr anchor="ctr"/>
-                </a:tc>
-                <a:tc>
-                  <a:txBody>
-                    <a:bodyPr/>
-                    <a:lstStyle/>
-                    <a:p>
-                      <a:pPr algn="ctr"/>
-                      <a:endParaRPr lang="ko-Kore-KR" altLang="en-US" sz="1600" dirty="0"/>
-                    </a:p>
-                  </a:txBody>
-                  <a:tcPr anchor="ctr"/>
-                </a:tc>
-                <a:extLst>
-                  <a:ext uri="{0D108BD9-81ED-4DB2-BD59-A6C34878D82A}">
-                    <a16:rowId xmlns:a16="http://schemas.microsoft.com/office/drawing/2014/main" val="1028140944"/>
                   </a:ext>
                 </a:extLst>
               </a:tr>
@@ -7412,6 +7522,696 @@
     <p:extLst>
       <p:ext uri="{BB962C8B-B14F-4D97-AF65-F5344CB8AC3E}">
         <p14:creationId xmlns:p14="http://schemas.microsoft.com/office/powerpoint/2010/main" val="116076827"/>
+      </p:ext>
+    </p:extLst>
+  </p:cSld>
+  <p:clrMapOvr>
+    <a:masterClrMapping/>
+  </p:clrMapOvr>
+</p:sld>
+</file>
+
+<file path=ppt/slides/slide3.xml><?xml version="1.0" encoding="utf-8"?>
+<p:sld xmlns:a="http://schemas.openxmlformats.org/drawingml/2006/main" xmlns:r="http://schemas.openxmlformats.org/officeDocument/2006/relationships" xmlns:p="http://schemas.openxmlformats.org/presentationml/2006/main">
+  <p:cSld>
+    <p:spTree>
+      <p:nvGrpSpPr>
+        <p:cNvPr id="1" name=""/>
+        <p:cNvGrpSpPr/>
+        <p:nvPr/>
+      </p:nvGrpSpPr>
+      <p:grpSpPr>
+        <a:xfrm>
+          <a:off x="0" y="0"/>
+          <a:ext cx="0" cy="0"/>
+          <a:chOff x="0" y="0"/>
+          <a:chExt cx="0" cy="0"/>
+        </a:xfrm>
+      </p:grpSpPr>
+      <p:graphicFrame>
+        <p:nvGraphicFramePr>
+          <p:cNvPr id="2" name="표 2">
+            <a:extLst>
+              <a:ext uri="{FF2B5EF4-FFF2-40B4-BE49-F238E27FC236}">
+                <a16:creationId xmlns:a16="http://schemas.microsoft.com/office/drawing/2014/main" id="{CC300455-4F74-BF47-AFFF-B0674FF1458B}"/>
+              </a:ext>
+            </a:extLst>
+          </p:cNvPr>
+          <p:cNvGraphicFramePr>
+            <a:graphicFrameLocks noGrp="1"/>
+          </p:cNvGraphicFramePr>
+          <p:nvPr>
+            <p:extLst>
+              <p:ext uri="{D42A27DB-BD31-4B8C-83A1-F6EECF244321}">
+                <p14:modId xmlns:p14="http://schemas.microsoft.com/office/powerpoint/2010/main" val="1603622008"/>
+              </p:ext>
+            </p:extLst>
+          </p:nvPr>
+        </p:nvGraphicFramePr>
+        <p:xfrm>
+          <a:off x="0" y="17912"/>
+          <a:ext cx="12192001" cy="2840431"/>
+        </p:xfrm>
+        <a:graphic>
+          <a:graphicData uri="http://schemas.openxmlformats.org/drawingml/2006/table">
+            <a:tbl>
+              <a:tblPr firstRow="1" bandRow="1">
+                <a:tableStyleId>{5C22544A-7EE6-4342-B048-85BDC9FD1C3A}</a:tableStyleId>
+              </a:tblPr>
+              <a:tblGrid>
+                <a:gridCol w="1835150">
+                  <a:extLst>
+                    <a:ext uri="{9D8B030D-6E8A-4147-A177-3AD203B41FA5}">
+                      <a16:colId xmlns:a16="http://schemas.microsoft.com/office/drawing/2014/main" val="1489473714"/>
+                    </a:ext>
+                  </a:extLst>
+                </a:gridCol>
+                <a:gridCol w="3092450">
+                  <a:extLst>
+                    <a:ext uri="{9D8B030D-6E8A-4147-A177-3AD203B41FA5}">
+                      <a16:colId xmlns:a16="http://schemas.microsoft.com/office/drawing/2014/main" val="3533057056"/>
+                    </a:ext>
+                  </a:extLst>
+                </a:gridCol>
+                <a:gridCol w="3175000">
+                  <a:extLst>
+                    <a:ext uri="{9D8B030D-6E8A-4147-A177-3AD203B41FA5}">
+                      <a16:colId xmlns:a16="http://schemas.microsoft.com/office/drawing/2014/main" val="3633217806"/>
+                    </a:ext>
+                  </a:extLst>
+                </a:gridCol>
+                <a:gridCol w="1692001">
+                  <a:extLst>
+                    <a:ext uri="{9D8B030D-6E8A-4147-A177-3AD203B41FA5}">
+                      <a16:colId xmlns:a16="http://schemas.microsoft.com/office/drawing/2014/main" val="2914489929"/>
+                    </a:ext>
+                  </a:extLst>
+                </a:gridCol>
+                <a:gridCol w="2397400">
+                  <a:extLst>
+                    <a:ext uri="{9D8B030D-6E8A-4147-A177-3AD203B41FA5}">
+                      <a16:colId xmlns:a16="http://schemas.microsoft.com/office/drawing/2014/main" val="2539804702"/>
+                    </a:ext>
+                  </a:extLst>
+                </a:gridCol>
+              </a:tblGrid>
+              <a:tr h="407243">
+                <a:tc>
+                  <a:txBody>
+                    <a:bodyPr/>
+                    <a:lstStyle/>
+                    <a:p>
+                      <a:pPr algn="ctr"/>
+                      <a:r>
+                        <a:rPr lang="en-US" altLang="ko-Kore-KR" dirty="0"/>
+                        <a:t>Method/</a:t>
+                      </a:r>
+                      <a:r>
+                        <a:rPr lang="en-US" altLang="ko-Kore-KR" dirty="0" err="1"/>
+                        <a:t>url</a:t>
+                      </a:r>
+                      <a:endParaRPr lang="ko-Kore-KR" altLang="en-US" dirty="0"/>
+                    </a:p>
+                  </a:txBody>
+                  <a:tcPr anchor="ctr"/>
+                </a:tc>
+                <a:tc>
+                  <a:txBody>
+                    <a:bodyPr/>
+                    <a:lstStyle/>
+                    <a:p>
+                      <a:pPr algn="ctr"/>
+                      <a:r>
+                        <a:rPr lang="en-US" altLang="ko-Kore-KR" dirty="0"/>
+                        <a:t>Return html</a:t>
+                      </a:r>
+                      <a:endParaRPr lang="ko-Kore-KR" altLang="en-US" dirty="0"/>
+                    </a:p>
+                  </a:txBody>
+                  <a:tcPr anchor="ctr"/>
+                </a:tc>
+                <a:tc>
+                  <a:txBody>
+                    <a:bodyPr/>
+                    <a:lstStyle/>
+                    <a:p>
+                      <a:pPr algn="ctr"/>
+                      <a:r>
+                        <a:rPr lang="en-US" altLang="ko-Kore-KR" dirty="0"/>
+                        <a:t>Data(Valid)</a:t>
+                      </a:r>
+                      <a:endParaRPr lang="ko-Kore-KR" altLang="en-US" dirty="0"/>
+                    </a:p>
+                  </a:txBody>
+                  <a:tcPr anchor="ctr"/>
+                </a:tc>
+                <a:tc>
+                  <a:txBody>
+                    <a:bodyPr/>
+                    <a:lstStyle/>
+                    <a:p>
+                      <a:pPr algn="ctr"/>
+                      <a:r>
+                        <a:rPr lang="en-US" altLang="ko-Kore-KR" dirty="0" err="1"/>
+                        <a:t>arg</a:t>
+                      </a:r>
+                      <a:endParaRPr lang="ko-Kore-KR" altLang="en-US" dirty="0"/>
+                    </a:p>
+                  </a:txBody>
+                  <a:tcPr anchor="ctr"/>
+                </a:tc>
+                <a:tc>
+                  <a:txBody>
+                    <a:bodyPr/>
+                    <a:lstStyle/>
+                    <a:p>
+                      <a:pPr algn="ctr"/>
+                      <a:r>
+                        <a:rPr lang="en-US" altLang="ko-Kore-KR" dirty="0"/>
+                        <a:t>model</a:t>
+                      </a:r>
+                      <a:endParaRPr lang="ko-Kore-KR" altLang="en-US" dirty="0"/>
+                    </a:p>
+                  </a:txBody>
+                  <a:tcPr anchor="ctr"/>
+                </a:tc>
+                <a:extLst>
+                  <a:ext uri="{0D108BD9-81ED-4DB2-BD59-A6C34878D82A}">
+                    <a16:rowId xmlns:a16="http://schemas.microsoft.com/office/drawing/2014/main" val="1302320296"/>
+                  </a:ext>
+                </a:extLst>
+              </a:tr>
+              <a:tr h="407243">
+                <a:tc>
+                  <a:txBody>
+                    <a:bodyPr/>
+                    <a:lstStyle/>
+                    <a:p>
+                      <a:pPr algn="ctr"/>
+                      <a:r>
+                        <a:rPr lang="en-US" altLang="ko-KR" sz="1400" dirty="0"/>
+                        <a:t>Get / </a:t>
+                      </a:r>
+                      <a:r>
+                        <a:rPr lang="en-US" altLang="ko-KR" sz="1400" kern="1200" dirty="0" err="1">
+                          <a:solidFill>
+                            <a:schemeClr val="dk1"/>
+                          </a:solidFill>
+                          <a:effectLst/>
+                          <a:latin typeface="+mn-lt"/>
+                          <a:ea typeface="+mn-ea"/>
+                          <a:cs typeface="+mn-cs"/>
+                        </a:rPr>
+                        <a:t>findPassword</a:t>
+                      </a:r>
+                      <a:endParaRPr lang="ko-Kore-KR" altLang="en-US" sz="1400" dirty="0"/>
+                    </a:p>
+                  </a:txBody>
+                  <a:tcPr anchor="ctr"/>
+                </a:tc>
+                <a:tc>
+                  <a:txBody>
+                    <a:bodyPr/>
+                    <a:lstStyle/>
+                    <a:p>
+                      <a:pPr marL="0" marR="0" lvl="0" indent="0" algn="ctr" defTabSz="914400" rtl="0" eaLnBrk="1" fontAlgn="auto" latinLnBrk="1" hangingPunct="1">
+                        <a:lnSpc>
+                          <a:spcPct val="100000"/>
+                        </a:lnSpc>
+                        <a:spcBef>
+                          <a:spcPts val="0"/>
+                        </a:spcBef>
+                        <a:spcAft>
+                          <a:spcPts val="0"/>
+                        </a:spcAft>
+                        <a:buClrTx/>
+                        <a:buSzTx/>
+                        <a:buFontTx/>
+                        <a:buNone/>
+                        <a:tabLst/>
+                        <a:defRPr/>
+                      </a:pPr>
+                      <a:r>
+                        <a:rPr lang="en-US" altLang="ko-KR" sz="1400" kern="1200" dirty="0">
+                          <a:solidFill>
+                            <a:schemeClr val="dk1"/>
+                          </a:solidFill>
+                          <a:effectLst/>
+                          <a:latin typeface="+mn-lt"/>
+                          <a:ea typeface="+mn-ea"/>
+                          <a:cs typeface="+mn-cs"/>
+                        </a:rPr>
+                        <a:t>member/password/</a:t>
+                      </a:r>
+                      <a:r>
+                        <a:rPr lang="en-US" altLang="ko-KR" sz="1400" kern="1200" dirty="0" err="1">
+                          <a:solidFill>
+                            <a:schemeClr val="dk1"/>
+                          </a:solidFill>
+                          <a:effectLst/>
+                          <a:latin typeface="+mn-lt"/>
+                          <a:ea typeface="+mn-ea"/>
+                          <a:cs typeface="+mn-cs"/>
+                        </a:rPr>
+                        <a:t>findPassword</a:t>
+                      </a:r>
+                      <a:endParaRPr lang="ko-Kore-KR" altLang="en-US" sz="1400" dirty="0"/>
+                    </a:p>
+                  </a:txBody>
+                  <a:tcPr anchor="ctr"/>
+                </a:tc>
+                <a:tc>
+                  <a:txBody>
+                    <a:bodyPr/>
+                    <a:lstStyle/>
+                    <a:p>
+                      <a:pPr algn="ctr"/>
+                      <a:endParaRPr lang="ko-Kore-KR" altLang="en-US" sz="1400" dirty="0"/>
+                    </a:p>
+                  </a:txBody>
+                  <a:tcPr anchor="ctr"/>
+                </a:tc>
+                <a:tc>
+                  <a:txBody>
+                    <a:bodyPr/>
+                    <a:lstStyle/>
+                    <a:p>
+                      <a:pPr algn="ctr"/>
+                      <a:endParaRPr lang="ko-Kore-KR" altLang="en-US" sz="1400" dirty="0"/>
+                    </a:p>
+                  </a:txBody>
+                  <a:tcPr anchor="ctr"/>
+                </a:tc>
+                <a:tc>
+                  <a:txBody>
+                    <a:bodyPr/>
+                    <a:lstStyle/>
+                    <a:p>
+                      <a:pPr algn="ctr"/>
+                      <a:r>
+                        <a:rPr lang="en-US" altLang="ko-KR" sz="1400" dirty="0" err="1"/>
+                        <a:t>FindPasswordForm</a:t>
+                      </a:r>
+                      <a:endParaRPr lang="ko-Kore-KR" altLang="en-US" sz="1400" dirty="0"/>
+                    </a:p>
+                  </a:txBody>
+                  <a:tcPr anchor="ctr"/>
+                </a:tc>
+                <a:extLst>
+                  <a:ext uri="{0D108BD9-81ED-4DB2-BD59-A6C34878D82A}">
+                    <a16:rowId xmlns:a16="http://schemas.microsoft.com/office/drawing/2014/main" val="3407941668"/>
+                  </a:ext>
+                </a:extLst>
+              </a:tr>
+              <a:tr h="704302">
+                <a:tc>
+                  <a:txBody>
+                    <a:bodyPr/>
+                    <a:lstStyle/>
+                    <a:p>
+                      <a:pPr algn="ctr"/>
+                      <a:r>
+                        <a:rPr lang="en-US" altLang="ko-KR" sz="1400" dirty="0"/>
+                        <a:t>Post / </a:t>
+                      </a:r>
+                      <a:r>
+                        <a:rPr lang="en-US" altLang="ko-KR" sz="1400" dirty="0" err="1"/>
+                        <a:t>findPassword</a:t>
+                      </a:r>
+                      <a:endParaRPr lang="ko-Kore-KR" altLang="en-US" sz="1400" dirty="0"/>
+                    </a:p>
+                  </a:txBody>
+                  <a:tcPr anchor="ctr"/>
+                </a:tc>
+                <a:tc>
+                  <a:txBody>
+                    <a:bodyPr/>
+                    <a:lstStyle/>
+                    <a:p>
+                      <a:pPr algn="ctr"/>
+                      <a:r>
+                        <a:rPr lang="en-US" altLang="ko-KR" sz="1400" kern="1200" dirty="0">
+                          <a:solidFill>
+                            <a:schemeClr val="dk1"/>
+                          </a:solidFill>
+                          <a:effectLst/>
+                          <a:latin typeface="+mn-lt"/>
+                          <a:ea typeface="+mn-ea"/>
+                          <a:cs typeface="+mn-cs"/>
+                        </a:rPr>
+                        <a:t>member/password/</a:t>
+                      </a:r>
+                      <a:r>
+                        <a:rPr lang="en-US" altLang="ko-KR" sz="1400" kern="1200" dirty="0" err="1">
+                          <a:solidFill>
+                            <a:schemeClr val="dk1"/>
+                          </a:solidFill>
+                          <a:effectLst/>
+                          <a:latin typeface="+mn-lt"/>
+                          <a:ea typeface="+mn-ea"/>
+                          <a:cs typeface="+mn-cs"/>
+                        </a:rPr>
+                        <a:t>changePassword</a:t>
+                      </a:r>
+                      <a:endParaRPr lang="ko-Kore-KR" altLang="en-US" sz="1400" dirty="0"/>
+                    </a:p>
+                  </a:txBody>
+                  <a:tcPr anchor="ctr"/>
+                </a:tc>
+                <a:tc>
+                  <a:txBody>
+                    <a:bodyPr/>
+                    <a:lstStyle/>
+                    <a:p>
+                      <a:pPr algn="l"/>
+                      <a:endParaRPr lang="ko-Kore-KR" altLang="en-US" sz="1400" dirty="0"/>
+                    </a:p>
+                  </a:txBody>
+                  <a:tcPr anchor="ctr"/>
+                </a:tc>
+                <a:tc>
+                  <a:txBody>
+                    <a:bodyPr/>
+                    <a:lstStyle/>
+                    <a:p>
+                      <a:pPr algn="ctr"/>
+                      <a:r>
+                        <a:rPr lang="en-US" altLang="ko-KR" sz="1400" dirty="0"/>
+                        <a:t>Name</a:t>
+                      </a:r>
+                    </a:p>
+                    <a:p>
+                      <a:pPr algn="ctr"/>
+                      <a:r>
+                        <a:rPr lang="en-US" altLang="ko-KR" sz="1400" dirty="0"/>
+                        <a:t>email</a:t>
+                      </a:r>
+                      <a:endParaRPr lang="ko-Kore-KR" altLang="en-US" sz="1400" dirty="0"/>
+                    </a:p>
+                  </a:txBody>
+                  <a:tcPr anchor="ctr"/>
+                </a:tc>
+                <a:tc>
+                  <a:txBody>
+                    <a:bodyPr/>
+                    <a:lstStyle/>
+                    <a:p>
+                      <a:pPr algn="ctr"/>
+                      <a:r>
+                        <a:rPr lang="en-US" altLang="ko-KR" sz="1400" kern="1200" dirty="0" err="1">
+                          <a:solidFill>
+                            <a:schemeClr val="dk1"/>
+                          </a:solidFill>
+                          <a:effectLst/>
+                          <a:latin typeface="+mn-lt"/>
+                          <a:ea typeface="+mn-ea"/>
+                          <a:cs typeface="+mn-cs"/>
+                        </a:rPr>
+                        <a:t>changePasswordForm</a:t>
+                      </a:r>
+                      <a:endParaRPr lang="ko-Kore-KR" altLang="en-US" sz="1400" dirty="0"/>
+                    </a:p>
+                  </a:txBody>
+                  <a:tcPr anchor="ctr"/>
+                </a:tc>
+                <a:extLst>
+                  <a:ext uri="{0D108BD9-81ED-4DB2-BD59-A6C34878D82A}">
+                    <a16:rowId xmlns:a16="http://schemas.microsoft.com/office/drawing/2014/main" val="1412555143"/>
+                  </a:ext>
+                </a:extLst>
+              </a:tr>
+              <a:tr h="407243">
+                <a:tc>
+                  <a:txBody>
+                    <a:bodyPr/>
+                    <a:lstStyle/>
+                    <a:p>
+                      <a:pPr algn="ctr"/>
+                      <a:endParaRPr lang="ko-Kore-KR" altLang="en-US" sz="1400" dirty="0"/>
+                    </a:p>
+                  </a:txBody>
+                  <a:tcPr anchor="ctr"/>
+                </a:tc>
+                <a:tc>
+                  <a:txBody>
+                    <a:bodyPr/>
+                    <a:lstStyle/>
+                    <a:p>
+                      <a:pPr algn="ctr"/>
+                      <a:endParaRPr lang="ko-Kore-KR" altLang="en-US" sz="1400" dirty="0"/>
+                    </a:p>
+                  </a:txBody>
+                  <a:tcPr anchor="ctr"/>
+                </a:tc>
+                <a:tc>
+                  <a:txBody>
+                    <a:bodyPr/>
+                    <a:lstStyle/>
+                    <a:p>
+                      <a:pPr algn="ctr"/>
+                      <a:endParaRPr lang="ko-Kore-KR" altLang="en-US" sz="1400" dirty="0"/>
+                    </a:p>
+                  </a:txBody>
+                  <a:tcPr anchor="ctr"/>
+                </a:tc>
+                <a:tc>
+                  <a:txBody>
+                    <a:bodyPr/>
+                    <a:lstStyle/>
+                    <a:p>
+                      <a:pPr algn="ctr"/>
+                      <a:endParaRPr lang="ko-Kore-KR" altLang="en-US" sz="1400" dirty="0"/>
+                    </a:p>
+                  </a:txBody>
+                  <a:tcPr anchor="ctr"/>
+                </a:tc>
+                <a:tc>
+                  <a:txBody>
+                    <a:bodyPr/>
+                    <a:lstStyle/>
+                    <a:p>
+                      <a:pPr algn="ctr"/>
+                      <a:endParaRPr lang="ko-Kore-KR" altLang="en-US" sz="1400" dirty="0"/>
+                    </a:p>
+                  </a:txBody>
+                  <a:tcPr anchor="ctr"/>
+                </a:tc>
+                <a:extLst>
+                  <a:ext uri="{0D108BD9-81ED-4DB2-BD59-A6C34878D82A}">
+                    <a16:rowId xmlns:a16="http://schemas.microsoft.com/office/drawing/2014/main" val="407931481"/>
+                  </a:ext>
+                </a:extLst>
+              </a:tr>
+              <a:tr h="0">
+                <a:tc>
+                  <a:txBody>
+                    <a:bodyPr/>
+                    <a:lstStyle/>
+                    <a:p>
+                      <a:pPr algn="ctr"/>
+                      <a:endParaRPr lang="ko-Kore-KR" altLang="en-US" sz="1400" dirty="0"/>
+                    </a:p>
+                  </a:txBody>
+                  <a:tcPr anchor="ctr"/>
+                </a:tc>
+                <a:tc>
+                  <a:txBody>
+                    <a:bodyPr/>
+                    <a:lstStyle/>
+                    <a:p>
+                      <a:pPr algn="ctr"/>
+                      <a:endParaRPr lang="ko-Kore-KR" altLang="en-US" sz="1400" dirty="0"/>
+                    </a:p>
+                  </a:txBody>
+                  <a:tcPr anchor="ctr"/>
+                </a:tc>
+                <a:tc>
+                  <a:txBody>
+                    <a:bodyPr/>
+                    <a:lstStyle/>
+                    <a:p>
+                      <a:pPr algn="l"/>
+                      <a:endParaRPr lang="ko-Kore-KR" altLang="en-US" sz="1400" dirty="0"/>
+                    </a:p>
+                  </a:txBody>
+                  <a:tcPr anchor="ctr"/>
+                </a:tc>
+                <a:tc>
+                  <a:txBody>
+                    <a:bodyPr/>
+                    <a:lstStyle/>
+                    <a:p>
+                      <a:pPr algn="ctr"/>
+                      <a:endParaRPr lang="ko-Kore-KR" altLang="en-US" sz="1400" dirty="0"/>
+                    </a:p>
+                  </a:txBody>
+                  <a:tcPr anchor="ctr"/>
+                </a:tc>
+                <a:tc>
+                  <a:txBody>
+                    <a:bodyPr/>
+                    <a:lstStyle/>
+                    <a:p>
+                      <a:pPr algn="ctr"/>
+                      <a:endParaRPr lang="ko-Kore-KR" altLang="en-US" sz="1400" dirty="0"/>
+                    </a:p>
+                  </a:txBody>
+                  <a:tcPr anchor="ctr"/>
+                </a:tc>
+                <a:extLst>
+                  <a:ext uri="{0D108BD9-81ED-4DB2-BD59-A6C34878D82A}">
+                    <a16:rowId xmlns:a16="http://schemas.microsoft.com/office/drawing/2014/main" val="870056479"/>
+                  </a:ext>
+                </a:extLst>
+              </a:tr>
+              <a:tr h="263949">
+                <a:tc>
+                  <a:txBody>
+                    <a:bodyPr/>
+                    <a:lstStyle/>
+                    <a:p>
+                      <a:pPr algn="ctr"/>
+                      <a:endParaRPr lang="ko-Kore-KR" altLang="en-US" sz="1400" dirty="0"/>
+                    </a:p>
+                  </a:txBody>
+                  <a:tcPr anchor="ctr"/>
+                </a:tc>
+                <a:tc>
+                  <a:txBody>
+                    <a:bodyPr/>
+                    <a:lstStyle/>
+                    <a:p>
+                      <a:pPr algn="ctr"/>
+                      <a:endParaRPr lang="ko-Kore-KR" altLang="en-US" sz="1400" dirty="0"/>
+                    </a:p>
+                  </a:txBody>
+                  <a:tcPr anchor="ctr"/>
+                </a:tc>
+                <a:tc>
+                  <a:txBody>
+                    <a:bodyPr/>
+                    <a:lstStyle/>
+                    <a:p>
+                      <a:pPr algn="ctr"/>
+                      <a:endParaRPr lang="ko-Kore-KR" altLang="en-US" sz="1400" dirty="0"/>
+                    </a:p>
+                  </a:txBody>
+                  <a:tcPr anchor="ctr"/>
+                </a:tc>
+                <a:tc>
+                  <a:txBody>
+                    <a:bodyPr/>
+                    <a:lstStyle/>
+                    <a:p>
+                      <a:pPr algn="ctr"/>
+                      <a:endParaRPr lang="ko-Kore-KR" altLang="en-US" sz="1400" dirty="0"/>
+                    </a:p>
+                  </a:txBody>
+                  <a:tcPr anchor="ctr"/>
+                </a:tc>
+                <a:tc>
+                  <a:txBody>
+                    <a:bodyPr/>
+                    <a:lstStyle/>
+                    <a:p>
+                      <a:pPr algn="ctr"/>
+                      <a:endParaRPr lang="ko-Kore-KR" altLang="en-US" sz="1400" dirty="0"/>
+                    </a:p>
+                  </a:txBody>
+                  <a:tcPr anchor="ctr"/>
+                </a:tc>
+                <a:extLst>
+                  <a:ext uri="{0D108BD9-81ED-4DB2-BD59-A6C34878D82A}">
+                    <a16:rowId xmlns:a16="http://schemas.microsoft.com/office/drawing/2014/main" val="3955993190"/>
+                  </a:ext>
+                </a:extLst>
+              </a:tr>
+              <a:tr h="162139">
+                <a:tc>
+                  <a:txBody>
+                    <a:bodyPr/>
+                    <a:lstStyle/>
+                    <a:p>
+                      <a:pPr algn="ctr"/>
+                      <a:endParaRPr lang="ko-Kore-KR" altLang="en-US" sz="1400" dirty="0"/>
+                    </a:p>
+                  </a:txBody>
+                  <a:tcPr anchor="ctr"/>
+                </a:tc>
+                <a:tc>
+                  <a:txBody>
+                    <a:bodyPr/>
+                    <a:lstStyle/>
+                    <a:p>
+                      <a:pPr marL="0" marR="0" lvl="0" indent="0" algn="ctr" defTabSz="914400" rtl="0" eaLnBrk="1" fontAlgn="auto" latinLnBrk="1" hangingPunct="1">
+                        <a:lnSpc>
+                          <a:spcPct val="100000"/>
+                        </a:lnSpc>
+                        <a:spcBef>
+                          <a:spcPts val="0"/>
+                        </a:spcBef>
+                        <a:spcAft>
+                          <a:spcPts val="0"/>
+                        </a:spcAft>
+                        <a:buClrTx/>
+                        <a:buSzTx/>
+                        <a:buFontTx/>
+                        <a:buNone/>
+                        <a:tabLst/>
+                        <a:defRPr/>
+                      </a:pPr>
+                      <a:endParaRPr lang="ko-Kore-KR" altLang="en-US" sz="1400" dirty="0"/>
+                    </a:p>
+                  </a:txBody>
+                  <a:tcPr anchor="ctr"/>
+                </a:tc>
+                <a:tc>
+                  <a:txBody>
+                    <a:bodyPr/>
+                    <a:lstStyle/>
+                    <a:p>
+                      <a:pPr algn="ctr"/>
+                      <a:endParaRPr lang="ko-Kore-KR" altLang="en-US" sz="1400" dirty="0"/>
+                    </a:p>
+                  </a:txBody>
+                  <a:tcPr anchor="ctr"/>
+                </a:tc>
+                <a:tc>
+                  <a:txBody>
+                    <a:bodyPr/>
+                    <a:lstStyle/>
+                    <a:p>
+                      <a:pPr algn="ctr"/>
+                      <a:endParaRPr lang="ko-Kore-KR" altLang="en-US" sz="1400" dirty="0"/>
+                    </a:p>
+                  </a:txBody>
+                  <a:tcPr anchor="ctr"/>
+                </a:tc>
+                <a:tc>
+                  <a:txBody>
+                    <a:bodyPr/>
+                    <a:lstStyle/>
+                    <a:p>
+                      <a:pPr algn="ctr"/>
+                      <a:endParaRPr lang="ko-Kore-KR" altLang="en-US" sz="1400" dirty="0"/>
+                    </a:p>
+                  </a:txBody>
+                  <a:tcPr anchor="ctr"/>
+                </a:tc>
+                <a:extLst>
+                  <a:ext uri="{0D108BD9-81ED-4DB2-BD59-A6C34878D82A}">
+                    <a16:rowId xmlns:a16="http://schemas.microsoft.com/office/drawing/2014/main" val="2712519252"/>
+                  </a:ext>
+                </a:extLst>
+              </a:tr>
+            </a:tbl>
+          </a:graphicData>
+        </a:graphic>
+      </p:graphicFrame>
+    </p:spTree>
+    <p:extLst>
+      <p:ext uri="{BB962C8B-B14F-4D97-AF65-F5344CB8AC3E}">
+        <p14:creationId xmlns:p14="http://schemas.microsoft.com/office/powerpoint/2010/main" val="3547951087"/>
       </p:ext>
     </p:extLst>
   </p:cSld>

--- a/설계.pptx
+++ b/설계.pptx
@@ -4013,7 +4013,7 @@
           <p:nvPr>
             <p:extLst>
               <p:ext uri="{D42A27DB-BD31-4B8C-83A1-F6EECF244321}">
-                <p14:modId xmlns:p14="http://schemas.microsoft.com/office/powerpoint/2010/main" val="212689999"/>
+                <p14:modId xmlns:p14="http://schemas.microsoft.com/office/powerpoint/2010/main" val="577550686"/>
               </p:ext>
             </p:extLst>
           </p:nvPr>
@@ -4412,6 +4412,10 @@
                         <a:tabLst/>
                         <a:defRPr/>
                       </a:pPr>
+                      <a:r>
+                        <a:rPr lang="en-US" altLang="ko-KR" sz="1400" dirty="0"/>
+                        <a:t>category</a:t>
+                      </a:r>
                       <a:endParaRPr lang="ko-KR" altLang="en-US" sz="1400" dirty="0"/>
                     </a:p>
                   </a:txBody>
@@ -4423,6 +4427,10 @@
                     <a:lstStyle/>
                     <a:p>
                       <a:pPr algn="ctr" latinLnBrk="1"/>
+                      <a:r>
+                        <a:rPr lang="en-US" altLang="ko-KR" sz="1400" dirty="0"/>
+                        <a:t>Category</a:t>
+                      </a:r>
                       <a:endParaRPr lang="ko-KR" altLang="en-US" sz="1400" dirty="0"/>
                     </a:p>
                   </a:txBody>
@@ -4453,14 +4461,14 @@
           <p:nvPr>
             <p:extLst>
               <p:ext uri="{D42A27DB-BD31-4B8C-83A1-F6EECF244321}">
-                <p14:modId xmlns:p14="http://schemas.microsoft.com/office/powerpoint/2010/main" val="2391403984"/>
+                <p14:modId xmlns:p14="http://schemas.microsoft.com/office/powerpoint/2010/main" val="3513783136"/>
               </p:ext>
             </p:extLst>
           </p:nvPr>
         </p:nvGraphicFramePr>
         <p:xfrm>
           <a:off x="274279" y="3749620"/>
-          <a:ext cx="3223664" cy="1788160"/>
+          <a:ext cx="3223664" cy="2900680"/>
         </p:xfrm>
         <a:graphic>
           <a:graphicData uri="http://schemas.openxmlformats.org/drawingml/2006/table">
@@ -4469,14 +4477,14 @@
                 <a:tableStyleId>{5C22544A-7EE6-4342-B048-85BDC9FD1C3A}</a:tableStyleId>
               </a:tblPr>
               <a:tblGrid>
-                <a:gridCol w="1188414">
+                <a:gridCol w="1497371">
                   <a:extLst>
                     <a:ext uri="{9D8B030D-6E8A-4147-A177-3AD203B41FA5}">
                       <a16:colId xmlns:a16="http://schemas.microsoft.com/office/drawing/2014/main" val="3704678566"/>
                     </a:ext>
                   </a:extLst>
                 </a:gridCol>
-                <a:gridCol w="2035250">
+                <a:gridCol w="1726293">
                   <a:extLst>
                     <a:ext uri="{9D8B030D-6E8A-4147-A177-3AD203B41FA5}">
                       <a16:colId xmlns:a16="http://schemas.microsoft.com/office/drawing/2014/main" val="2644198070"/>
@@ -4666,6 +4674,117 @@
                 <a:extLst>
                   <a:ext uri="{0D108BD9-81ED-4DB2-BD59-A6C34878D82A}">
                     <a16:rowId xmlns:a16="http://schemas.microsoft.com/office/drawing/2014/main" val="4131600087"/>
+                  </a:ext>
+                </a:extLst>
+              </a:tr>
+              <a:tr h="370840">
+                <a:tc>
+                  <a:txBody>
+                    <a:bodyPr/>
+                    <a:lstStyle/>
+                    <a:p>
+                      <a:pPr algn="l" latinLnBrk="1"/>
+                      <a:r>
+                        <a:rPr lang="en-US" altLang="ko-KR" sz="1400" dirty="0" err="1"/>
+                        <a:t>repreItemName</a:t>
+                      </a:r>
+                      <a:endParaRPr lang="ko-KR" altLang="en-US" sz="1400" dirty="0"/>
+                    </a:p>
+                  </a:txBody>
+                  <a:tcPr anchor="ctr"/>
+                </a:tc>
+                <a:tc>
+                  <a:txBody>
+                    <a:bodyPr/>
+                    <a:lstStyle/>
+                    <a:p>
+                      <a:pPr algn="ctr" latinLnBrk="1"/>
+                      <a:r>
+                        <a:rPr lang="en-US" altLang="ko-KR" sz="1400" dirty="0"/>
+                        <a:t>String</a:t>
+                      </a:r>
+                      <a:endParaRPr lang="ko-KR" altLang="en-US" sz="1400" dirty="0"/>
+                    </a:p>
+                  </a:txBody>
+                  <a:tcPr anchor="ctr"/>
+                </a:tc>
+                <a:extLst>
+                  <a:ext uri="{0D108BD9-81ED-4DB2-BD59-A6C34878D82A}">
+                    <a16:rowId xmlns:a16="http://schemas.microsoft.com/office/drawing/2014/main" val="827678356"/>
+                  </a:ext>
+                </a:extLst>
+              </a:tr>
+              <a:tr h="370840">
+                <a:tc>
+                  <a:txBody>
+                    <a:bodyPr/>
+                    <a:lstStyle/>
+                    <a:p>
+                      <a:pPr algn="l" latinLnBrk="1"/>
+                      <a:r>
+                        <a:rPr lang="en-US" altLang="ko-KR" sz="1400" dirty="0" err="1"/>
+                        <a:t>orderItemCount</a:t>
+                      </a:r>
+                      <a:endParaRPr lang="ko-KR" altLang="en-US" sz="1400" dirty="0"/>
+                    </a:p>
+                  </a:txBody>
+                  <a:tcPr anchor="ctr"/>
+                </a:tc>
+                <a:tc>
+                  <a:txBody>
+                    <a:bodyPr/>
+                    <a:lstStyle/>
+                    <a:p>
+                      <a:pPr algn="ctr" latinLnBrk="1"/>
+                      <a:r>
+                        <a:rPr lang="en-US" altLang="ko-KR" sz="1400" dirty="0"/>
+                        <a:t>Integer</a:t>
+                      </a:r>
+                      <a:endParaRPr lang="ko-KR" altLang="en-US" sz="1400" dirty="0"/>
+                    </a:p>
+                  </a:txBody>
+                  <a:tcPr anchor="ctr"/>
+                </a:tc>
+                <a:extLst>
+                  <a:ext uri="{0D108BD9-81ED-4DB2-BD59-A6C34878D82A}">
+                    <a16:rowId xmlns:a16="http://schemas.microsoft.com/office/drawing/2014/main" val="221066544"/>
+                  </a:ext>
+                </a:extLst>
+              </a:tr>
+              <a:tr h="370840">
+                <a:tc>
+                  <a:txBody>
+                    <a:bodyPr/>
+                    <a:lstStyle/>
+                    <a:p>
+                      <a:pPr algn="l" latinLnBrk="1"/>
+                      <a:r>
+                        <a:rPr lang="en-US" altLang="ko-KR" sz="1400" dirty="0" err="1"/>
+                        <a:t>totalPrice</a:t>
+                      </a:r>
+                      <a:endParaRPr lang="ko-KR" altLang="en-US" sz="1400" dirty="0"/>
+                    </a:p>
+                  </a:txBody>
+                  <a:tcPr anchor="ctr"/>
+                </a:tc>
+                <a:tc>
+                  <a:txBody>
+                    <a:bodyPr/>
+                    <a:lstStyle/>
+                    <a:p>
+                      <a:pPr algn="ctr" latinLnBrk="1"/>
+                      <a:r>
+                        <a:rPr lang="en-US" altLang="ko-KR" sz="1400" dirty="0"/>
+                        <a:t>Integer</a:t>
+                      </a:r>
+                      <a:endParaRPr lang="ko-KR" altLang="en-US" sz="1400" dirty="0"/>
+                    </a:p>
+                  </a:txBody>
+                  <a:tcPr anchor="ctr"/>
+                </a:tc>
+                <a:extLst>
+                  <a:ext uri="{0D108BD9-81ED-4DB2-BD59-A6C34878D82A}">
+                    <a16:rowId xmlns:a16="http://schemas.microsoft.com/office/drawing/2014/main" val="2580778985"/>
                   </a:ext>
                 </a:extLst>
               </a:tr>
@@ -4688,7 +4807,7 @@
           <p:nvPr>
             <p:extLst>
               <p:ext uri="{D42A27DB-BD31-4B8C-83A1-F6EECF244321}">
-                <p14:modId xmlns:p14="http://schemas.microsoft.com/office/powerpoint/2010/main" val="155046357"/>
+                <p14:modId xmlns:p14="http://schemas.microsoft.com/office/powerpoint/2010/main" val="3528881520"/>
               </p:ext>
             </p:extLst>
           </p:nvPr>
@@ -5669,7 +5788,7 @@
         <p:spPr>
           <a:xfrm rot="10800000" flipH="1" flipV="1">
             <a:off x="248015" y="1837772"/>
-            <a:ext cx="26263" cy="2805928"/>
+            <a:ext cx="26263" cy="3362188"/>
           </a:xfrm>
           <a:prstGeom prst="bentConnector3">
             <a:avLst>
@@ -6309,14 +6428,245 @@
           <p:nvPr>
             <p:extLst>
               <p:ext uri="{D42A27DB-BD31-4B8C-83A1-F6EECF244321}">
-                <p14:modId xmlns:p14="http://schemas.microsoft.com/office/powerpoint/2010/main" val="1849601573"/>
+                <p14:modId xmlns:p14="http://schemas.microsoft.com/office/powerpoint/2010/main" val="881672707"/>
               </p:ext>
             </p:extLst>
           </p:nvPr>
         </p:nvGraphicFramePr>
         <p:xfrm>
-          <a:off x="225013" y="5271688"/>
-          <a:ext cx="3223664" cy="1828800"/>
+          <a:off x="274279" y="6714850"/>
+          <a:ext cx="3223664" cy="1524000"/>
+        </p:xfrm>
+        <a:graphic>
+          <a:graphicData uri="http://schemas.openxmlformats.org/drawingml/2006/table">
+            <a:tbl>
+              <a:tblPr firstRow="1" bandRow="1">
+                <a:tableStyleId>{5C22544A-7EE6-4342-B048-85BDC9FD1C3A}</a:tableStyleId>
+              </a:tblPr>
+              <a:tblGrid>
+                <a:gridCol w="1342661">
+                  <a:extLst>
+                    <a:ext uri="{9D8B030D-6E8A-4147-A177-3AD203B41FA5}">
+                      <a16:colId xmlns:a16="http://schemas.microsoft.com/office/drawing/2014/main" val="3704678566"/>
+                    </a:ext>
+                  </a:extLst>
+                </a:gridCol>
+                <a:gridCol w="1881003">
+                  <a:extLst>
+                    <a:ext uri="{9D8B030D-6E8A-4147-A177-3AD203B41FA5}">
+                      <a16:colId xmlns:a16="http://schemas.microsoft.com/office/drawing/2014/main" val="2644198070"/>
+                    </a:ext>
+                  </a:extLst>
+                </a:gridCol>
+              </a:tblGrid>
+              <a:tr h="236059">
+                <a:tc gridSpan="2">
+                  <a:txBody>
+                    <a:bodyPr/>
+                    <a:lstStyle/>
+                    <a:p>
+                      <a:pPr algn="ctr" latinLnBrk="1"/>
+                      <a:r>
+                        <a:rPr lang="en-US" altLang="ko-KR" sz="1400" dirty="0" err="1"/>
+                        <a:t>OrderItem</a:t>
+                      </a:r>
+                      <a:endParaRPr lang="ko-KR" altLang="en-US" sz="1400" dirty="0"/>
+                    </a:p>
+                  </a:txBody>
+                  <a:tcPr/>
+                </a:tc>
+                <a:tc hMerge="1">
+                  <a:txBody>
+                    <a:bodyPr/>
+                    <a:lstStyle/>
+                    <a:p>
+                      <a:pPr algn="ctr" latinLnBrk="1"/>
+                      <a:endParaRPr lang="ko-KR" altLang="en-US" dirty="0"/>
+                    </a:p>
+                  </a:txBody>
+                  <a:tcPr/>
+                </a:tc>
+                <a:extLst>
+                  <a:ext uri="{0D108BD9-81ED-4DB2-BD59-A6C34878D82A}">
+                    <a16:rowId xmlns:a16="http://schemas.microsoft.com/office/drawing/2014/main" val="3908604909"/>
+                  </a:ext>
+                </a:extLst>
+              </a:tr>
+              <a:tr h="287205">
+                <a:tc>
+                  <a:txBody>
+                    <a:bodyPr/>
+                    <a:lstStyle/>
+                    <a:p>
+                      <a:pPr algn="l" latinLnBrk="1"/>
+                      <a:r>
+                        <a:rPr lang="en-US" altLang="ko-KR" sz="1400" dirty="0"/>
+                        <a:t>id</a:t>
+                      </a:r>
+                      <a:endParaRPr lang="ko-KR" altLang="en-US" sz="1400" dirty="0"/>
+                    </a:p>
+                  </a:txBody>
+                  <a:tcPr anchor="ctr"/>
+                </a:tc>
+                <a:tc>
+                  <a:txBody>
+                    <a:bodyPr/>
+                    <a:lstStyle/>
+                    <a:p>
+                      <a:pPr algn="ctr" latinLnBrk="1"/>
+                      <a:r>
+                        <a:rPr lang="en-US" altLang="ko-KR" sz="1400" dirty="0"/>
+                        <a:t>Long</a:t>
+                      </a:r>
+                      <a:endParaRPr lang="ko-KR" altLang="en-US" sz="1400" dirty="0"/>
+                    </a:p>
+                  </a:txBody>
+                  <a:tcPr anchor="ctr"/>
+                </a:tc>
+                <a:extLst>
+                  <a:ext uri="{0D108BD9-81ED-4DB2-BD59-A6C34878D82A}">
+                    <a16:rowId xmlns:a16="http://schemas.microsoft.com/office/drawing/2014/main" val="1439998827"/>
+                  </a:ext>
+                </a:extLst>
+              </a:tr>
+              <a:tr h="287205">
+                <a:tc>
+                  <a:txBody>
+                    <a:bodyPr/>
+                    <a:lstStyle/>
+                    <a:p>
+                      <a:pPr algn="l" latinLnBrk="1"/>
+                      <a:r>
+                        <a:rPr lang="en-US" altLang="ko-KR" sz="1400" dirty="0" err="1"/>
+                        <a:t>itemName</a:t>
+                      </a:r>
+                      <a:endParaRPr lang="ko-KR" altLang="en-US" sz="1400" dirty="0"/>
+                    </a:p>
+                  </a:txBody>
+                  <a:tcPr anchor="ctr"/>
+                </a:tc>
+                <a:tc>
+                  <a:txBody>
+                    <a:bodyPr/>
+                    <a:lstStyle/>
+                    <a:p>
+                      <a:pPr algn="ctr" latinLnBrk="1"/>
+                      <a:r>
+                        <a:rPr lang="en-US" altLang="ko-KR" sz="1400" dirty="0"/>
+                        <a:t>String</a:t>
+                      </a:r>
+                      <a:endParaRPr lang="ko-KR" altLang="en-US" sz="1400" dirty="0"/>
+                    </a:p>
+                  </a:txBody>
+                  <a:tcPr anchor="ctr"/>
+                </a:tc>
+                <a:extLst>
+                  <a:ext uri="{0D108BD9-81ED-4DB2-BD59-A6C34878D82A}">
+                    <a16:rowId xmlns:a16="http://schemas.microsoft.com/office/drawing/2014/main" val="2736875985"/>
+                  </a:ext>
+                </a:extLst>
+              </a:tr>
+              <a:tr h="287205">
+                <a:tc>
+                  <a:txBody>
+                    <a:bodyPr/>
+                    <a:lstStyle/>
+                    <a:p>
+                      <a:pPr algn="l" latinLnBrk="1"/>
+                      <a:r>
+                        <a:rPr lang="en-US" altLang="ko-KR" sz="1400" dirty="0"/>
+                        <a:t>price</a:t>
+                      </a:r>
+                      <a:endParaRPr lang="ko-KR" altLang="en-US" sz="1400" dirty="0"/>
+                    </a:p>
+                  </a:txBody>
+                  <a:tcPr anchor="ctr"/>
+                </a:tc>
+                <a:tc>
+                  <a:txBody>
+                    <a:bodyPr/>
+                    <a:lstStyle/>
+                    <a:p>
+                      <a:pPr algn="ctr" latinLnBrk="1"/>
+                      <a:r>
+                        <a:rPr lang="en-US" altLang="ko-KR" sz="1400" dirty="0"/>
+                        <a:t>Integer</a:t>
+                      </a:r>
+                      <a:endParaRPr lang="ko-KR" altLang="en-US" sz="1400" dirty="0"/>
+                    </a:p>
+                  </a:txBody>
+                  <a:tcPr anchor="ctr"/>
+                </a:tc>
+                <a:extLst>
+                  <a:ext uri="{0D108BD9-81ED-4DB2-BD59-A6C34878D82A}">
+                    <a16:rowId xmlns:a16="http://schemas.microsoft.com/office/drawing/2014/main" val="3072322551"/>
+                  </a:ext>
+                </a:extLst>
+              </a:tr>
+              <a:tr h="287205">
+                <a:tc>
+                  <a:txBody>
+                    <a:bodyPr/>
+                    <a:lstStyle/>
+                    <a:p>
+                      <a:pPr algn="l" latinLnBrk="1"/>
+                      <a:r>
+                        <a:rPr lang="en-US" altLang="ko-KR" sz="1400" dirty="0"/>
+                        <a:t>order</a:t>
+                      </a:r>
+                      <a:endParaRPr lang="ko-KR" altLang="en-US" sz="1400" dirty="0"/>
+                    </a:p>
+                  </a:txBody>
+                  <a:tcPr anchor="ctr"/>
+                </a:tc>
+                <a:tc>
+                  <a:txBody>
+                    <a:bodyPr/>
+                    <a:lstStyle/>
+                    <a:p>
+                      <a:pPr algn="ctr" latinLnBrk="1"/>
+                      <a:r>
+                        <a:rPr lang="en-US" altLang="ko-KR" sz="1400" dirty="0"/>
+                        <a:t>Order</a:t>
+                      </a:r>
+                      <a:endParaRPr lang="ko-KR" altLang="en-US" sz="1400" dirty="0"/>
+                    </a:p>
+                  </a:txBody>
+                  <a:tcPr anchor="ctr"/>
+                </a:tc>
+                <a:extLst>
+                  <a:ext uri="{0D108BD9-81ED-4DB2-BD59-A6C34878D82A}">
+                    <a16:rowId xmlns:a16="http://schemas.microsoft.com/office/drawing/2014/main" val="2881765618"/>
+                  </a:ext>
+                </a:extLst>
+              </a:tr>
+            </a:tbl>
+          </a:graphicData>
+        </a:graphic>
+      </p:graphicFrame>
+      <p:graphicFrame>
+        <p:nvGraphicFramePr>
+          <p:cNvPr id="23" name="표 22">
+            <a:extLst>
+              <a:ext uri="{FF2B5EF4-FFF2-40B4-BE49-F238E27FC236}">
+                <a16:creationId xmlns:a16="http://schemas.microsoft.com/office/drawing/2014/main" id="{9F656AA9-F6EC-462C-B994-3AF235AACEC2}"/>
+              </a:ext>
+            </a:extLst>
+          </p:cNvPr>
+          <p:cNvGraphicFramePr>
+            <a:graphicFrameLocks noGrp="1"/>
+          </p:cNvGraphicFramePr>
+          <p:nvPr>
+            <p:extLst>
+              <p:ext uri="{D42A27DB-BD31-4B8C-83A1-F6EECF244321}">
+                <p14:modId xmlns:p14="http://schemas.microsoft.com/office/powerpoint/2010/main" val="871095454"/>
+              </p:ext>
+            </p:extLst>
+          </p:nvPr>
+        </p:nvGraphicFramePr>
+        <p:xfrm>
+          <a:off x="8562910" y="-1581255"/>
+          <a:ext cx="3223664" cy="1478280"/>
         </p:xfrm>
         <a:graphic>
           <a:graphicData uri="http://schemas.openxmlformats.org/drawingml/2006/table">
@@ -6340,7 +6690,7 @@
                   </a:extLst>
                 </a:gridCol>
               </a:tblGrid>
-              <a:tr h="236059">
+              <a:tr h="294498">
                 <a:tc gridSpan="2">
                   <a:txBody>
                     <a:bodyPr/>
@@ -6348,13 +6698,21 @@
                     <a:p>
                       <a:pPr algn="ctr" latinLnBrk="1"/>
                       <a:r>
-                        <a:rPr lang="en-US" altLang="ko-KR" sz="1400" dirty="0" err="1"/>
-                        <a:t>OrderItem</a:t>
-                      </a:r>
-                      <a:endParaRPr lang="ko-KR" altLang="en-US" sz="1400" dirty="0"/>
-                    </a:p>
-                  </a:txBody>
-                  <a:tcPr/>
+                        <a:rPr lang="en-US" altLang="ko-KR" sz="1800" b="0" i="0" kern="1200" dirty="0">
+                          <a:solidFill>
+                            <a:schemeClr val="lt1"/>
+                          </a:solidFill>
+                          <a:effectLst/>
+                          <a:latin typeface="+mn-lt"/>
+                          <a:ea typeface="+mn-ea"/>
+                          <a:cs typeface="+mn-cs"/>
+                        </a:rPr>
+                        <a:t>category</a:t>
+                      </a:r>
+                      <a:endParaRPr lang="ko-KR" altLang="en-US" sz="1400" dirty="0"/>
+                    </a:p>
+                  </a:txBody>
+                  <a:tcPr anchor="ctr"/>
                 </a:tc>
                 <a:tc hMerge="1">
                   <a:txBody>
@@ -6373,7 +6731,7 @@
                   </a:ext>
                 </a:extLst>
               </a:tr>
-              <a:tr h="287205">
+              <a:tr h="370840">
                 <a:tc>
                   <a:txBody>
                     <a:bodyPr/>
@@ -6410,7 +6768,7 @@
                   </a:ext>
                 </a:extLst>
               </a:tr>
-              <a:tr h="287205">
+              <a:tr h="370840">
                 <a:tc>
                   <a:txBody>
                     <a:bodyPr/>
@@ -6418,8 +6776,8 @@
                     <a:p>
                       <a:pPr algn="l" latinLnBrk="1"/>
                       <a:r>
-                        <a:rPr lang="en-US" altLang="ko-KR" sz="1400" dirty="0" err="1"/>
-                        <a:t>itemName</a:t>
+                        <a:rPr lang="en-US" altLang="ko-KR" sz="1400" dirty="0"/>
+                        <a:t>name</a:t>
                       </a:r>
                       <a:endParaRPr lang="ko-KR" altLang="en-US" sz="1400" dirty="0"/>
                     </a:p>
@@ -6435,43 +6793,6 @@
                       <a:r>
                         <a:rPr lang="en-US" altLang="ko-KR" sz="1400" dirty="0"/>
                         <a:t>String</a:t>
-                      </a:r>
-                      <a:endParaRPr lang="ko-KR" altLang="en-US" sz="1400" dirty="0"/>
-                    </a:p>
-                  </a:txBody>
-                  <a:tcPr anchor="ctr"/>
-                </a:tc>
-                <a:extLst>
-                  <a:ext uri="{0D108BD9-81ED-4DB2-BD59-A6C34878D82A}">
-                    <a16:rowId xmlns:a16="http://schemas.microsoft.com/office/drawing/2014/main" val="2736875985"/>
-                  </a:ext>
-                </a:extLst>
-              </a:tr>
-              <a:tr h="287205">
-                <a:tc>
-                  <a:txBody>
-                    <a:bodyPr/>
-                    <a:lstStyle/>
-                    <a:p>
-                      <a:pPr algn="l" latinLnBrk="1"/>
-                      <a:r>
-                        <a:rPr lang="en-US" altLang="ko-KR" sz="1400" dirty="0"/>
-                        <a:t>price</a:t>
-                      </a:r>
-                      <a:endParaRPr lang="ko-KR" altLang="en-US" sz="1400" dirty="0"/>
-                    </a:p>
-                  </a:txBody>
-                  <a:tcPr anchor="ctr"/>
-                </a:tc>
-                <a:tc>
-                  <a:txBody>
-                    <a:bodyPr/>
-                    <a:lstStyle/>
-                    <a:p>
-                      <a:pPr algn="ctr" latinLnBrk="1"/>
-                      <a:r>
-                        <a:rPr lang="en-US" altLang="ko-KR" sz="1400" dirty="0"/>
-                        <a:t>Integer</a:t>
                       </a:r>
                       <a:endParaRPr lang="ko-KR" altLang="en-US" sz="1400" dirty="0"/>
                     </a:p>
@@ -6484,7 +6805,7 @@
                   </a:ext>
                 </a:extLst>
               </a:tr>
-              <a:tr h="287205">
+              <a:tr h="370840">
                 <a:tc>
                   <a:txBody>
                     <a:bodyPr/>
@@ -6492,8 +6813,8 @@
                     <a:p>
                       <a:pPr algn="l" latinLnBrk="1"/>
                       <a:r>
-                        <a:rPr lang="en-US" altLang="ko-KR" sz="1400" dirty="0" err="1"/>
-                        <a:t>fileData</a:t>
+                        <a:rPr lang="en-US" altLang="ko-KR" sz="1400" dirty="0"/>
+                        <a:t>items</a:t>
                       </a:r>
                       <a:endParaRPr lang="ko-KR" altLang="en-US" sz="1400" dirty="0"/>
                     </a:p>
@@ -6507,8 +6828,8 @@
                     <a:p>
                       <a:pPr algn="ctr" latinLnBrk="1"/>
                       <a:r>
-                        <a:rPr lang="en-US" altLang="ko-KR" sz="1400" dirty="0" err="1"/>
-                        <a:t>FileData</a:t>
+                        <a:rPr lang="en-US" altLang="ko-KR" sz="1400" dirty="0"/>
+                        <a:t>List&lt;Item&gt;</a:t>
                       </a:r>
                       <a:endParaRPr lang="ko-KR" altLang="en-US" sz="1400" dirty="0"/>
                     </a:p>
@@ -6517,44 +6838,7 @@
                 </a:tc>
                 <a:extLst>
                   <a:ext uri="{0D108BD9-81ED-4DB2-BD59-A6C34878D82A}">
-                    <a16:rowId xmlns:a16="http://schemas.microsoft.com/office/drawing/2014/main" val="767628578"/>
-                  </a:ext>
-                </a:extLst>
-              </a:tr>
-              <a:tr h="287205">
-                <a:tc>
-                  <a:txBody>
-                    <a:bodyPr/>
-                    <a:lstStyle/>
-                    <a:p>
-                      <a:pPr algn="l" latinLnBrk="1"/>
-                      <a:r>
-                        <a:rPr lang="en-US" altLang="ko-KR" sz="1400" dirty="0"/>
-                        <a:t>order</a:t>
-                      </a:r>
-                      <a:endParaRPr lang="ko-KR" altLang="en-US" sz="1400" dirty="0"/>
-                    </a:p>
-                  </a:txBody>
-                  <a:tcPr anchor="ctr"/>
-                </a:tc>
-                <a:tc>
-                  <a:txBody>
-                    <a:bodyPr/>
-                    <a:lstStyle/>
-                    <a:p>
-                      <a:pPr algn="ctr" latinLnBrk="1"/>
-                      <a:r>
-                        <a:rPr lang="en-US" altLang="ko-KR" sz="1400" dirty="0"/>
-                        <a:t>Order</a:t>
-                      </a:r>
-                      <a:endParaRPr lang="ko-KR" altLang="en-US" sz="1400" dirty="0"/>
-                    </a:p>
-                  </a:txBody>
-                  <a:tcPr anchor="ctr"/>
-                </a:tc>
-                <a:extLst>
-                  <a:ext uri="{0D108BD9-81ED-4DB2-BD59-A6C34878D82A}">
-                    <a16:rowId xmlns:a16="http://schemas.microsoft.com/office/drawing/2014/main" val="2881765618"/>
+                    <a16:rowId xmlns:a16="http://schemas.microsoft.com/office/drawing/2014/main" val="1880701103"/>
                   </a:ext>
                 </a:extLst>
               </a:tr>
@@ -7563,14 +7847,14 @@
           <p:nvPr>
             <p:extLst>
               <p:ext uri="{D42A27DB-BD31-4B8C-83A1-F6EECF244321}">
-                <p14:modId xmlns:p14="http://schemas.microsoft.com/office/powerpoint/2010/main" val="1603622008"/>
+                <p14:modId xmlns:p14="http://schemas.microsoft.com/office/powerpoint/2010/main" val="1011320192"/>
               </p:ext>
             </p:extLst>
           </p:nvPr>
         </p:nvGraphicFramePr>
         <p:xfrm>
           <a:off x="0" y="17912"/>
-          <a:ext cx="12192001" cy="2840431"/>
+          <a:ext cx="12192001" cy="3480511"/>
         </p:xfrm>
         <a:graphic>
           <a:graphicData uri="http://schemas.openxmlformats.org/drawingml/2006/table">
@@ -8009,6 +8293,18 @@
                     <a:lstStyle/>
                     <a:p>
                       <a:pPr algn="ctr"/>
+                      <a:r>
+                        <a:rPr lang="en-US" altLang="en-US" sz="1400" dirty="0"/>
+                        <a:t>Get / </a:t>
+                      </a:r>
+                      <a:r>
+                        <a:rPr lang="en-US" altLang="en-US" sz="1400" dirty="0" err="1"/>
+                        <a:t>memberDetail</a:t>
+                      </a:r>
+                      <a:r>
+                        <a:rPr lang="en-US" altLang="en-US" sz="1400" dirty="0"/>
+                        <a:t>/download</a:t>
+                      </a:r>
                       <a:endParaRPr lang="ko-Kore-KR" altLang="en-US" sz="1400" dirty="0"/>
                     </a:p>
                   </a:txBody>
@@ -8020,6 +8316,30 @@
                     <a:lstStyle/>
                     <a:p>
                       <a:pPr algn="ctr"/>
+                      <a:r>
+                        <a:rPr lang="en-US" altLang="ko-KR" sz="1400" kern="1200" dirty="0">
+                          <a:solidFill>
+                            <a:schemeClr val="dk1"/>
+                          </a:solidFill>
+                          <a:effectLst/>
+                          <a:latin typeface="+mn-lt"/>
+                          <a:ea typeface="+mn-ea"/>
+                          <a:cs typeface="+mn-cs"/>
+                        </a:rPr>
+                        <a:t>member/detail/</a:t>
+                      </a:r>
+                      <a:r>
+                        <a:rPr lang="en-US" altLang="ko-KR" sz="1400" kern="1200" dirty="0" err="1">
+                          <a:solidFill>
+                            <a:schemeClr val="dk1"/>
+                          </a:solidFill>
+                          <a:effectLst/>
+                          <a:latin typeface="+mn-lt"/>
+                          <a:ea typeface="+mn-ea"/>
+                          <a:cs typeface="+mn-cs"/>
+                        </a:rPr>
+                        <a:t>downloadList</a:t>
+                      </a:r>
                       <a:endParaRPr lang="ko-Kore-KR" altLang="en-US" sz="1400" dirty="0"/>
                     </a:p>
                   </a:txBody>
@@ -8065,79 +8385,6 @@
                 </a:extLst>
               </a:tr>
               <a:tr h="263949">
-                <a:tc>
-                  <a:txBody>
-                    <a:bodyPr/>
-                    <a:lstStyle/>
-                    <a:p>
-                      <a:pPr algn="ctr"/>
-                      <a:endParaRPr lang="ko-Kore-KR" altLang="en-US" sz="1400" dirty="0"/>
-                    </a:p>
-                  </a:txBody>
-                  <a:tcPr anchor="ctr"/>
-                </a:tc>
-                <a:tc>
-                  <a:txBody>
-                    <a:bodyPr/>
-                    <a:lstStyle/>
-                    <a:p>
-                      <a:pPr algn="ctr"/>
-                      <a:endParaRPr lang="ko-Kore-KR" altLang="en-US" sz="1400" dirty="0"/>
-                    </a:p>
-                  </a:txBody>
-                  <a:tcPr anchor="ctr"/>
-                </a:tc>
-                <a:tc>
-                  <a:txBody>
-                    <a:bodyPr/>
-                    <a:lstStyle/>
-                    <a:p>
-                      <a:pPr algn="ctr"/>
-                      <a:endParaRPr lang="ko-Kore-KR" altLang="en-US" sz="1400" dirty="0"/>
-                    </a:p>
-                  </a:txBody>
-                  <a:tcPr anchor="ctr"/>
-                </a:tc>
-                <a:tc>
-                  <a:txBody>
-                    <a:bodyPr/>
-                    <a:lstStyle/>
-                    <a:p>
-                      <a:pPr algn="ctr"/>
-                      <a:endParaRPr lang="ko-Kore-KR" altLang="en-US" sz="1400" dirty="0"/>
-                    </a:p>
-                  </a:txBody>
-                  <a:tcPr anchor="ctr"/>
-                </a:tc>
-                <a:tc>
-                  <a:txBody>
-                    <a:bodyPr/>
-                    <a:lstStyle/>
-                    <a:p>
-                      <a:pPr algn="ctr"/>
-                      <a:endParaRPr lang="ko-Kore-KR" altLang="en-US" sz="1400" dirty="0"/>
-                    </a:p>
-                  </a:txBody>
-                  <a:tcPr anchor="ctr"/>
-                </a:tc>
-                <a:extLst>
-                  <a:ext uri="{0D108BD9-81ED-4DB2-BD59-A6C34878D82A}">
-                    <a16:rowId xmlns:a16="http://schemas.microsoft.com/office/drawing/2014/main" val="3955993190"/>
-                  </a:ext>
-                </a:extLst>
-              </a:tr>
-              <a:tr h="162139">
-                <a:tc>
-                  <a:txBody>
-                    <a:bodyPr/>
-                    <a:lstStyle/>
-                    <a:p>
-                      <a:pPr algn="ctr"/>
-                      <a:endParaRPr lang="ko-Kore-KR" altLang="en-US" sz="1400" dirty="0"/>
-                    </a:p>
-                  </a:txBody>
-                  <a:tcPr anchor="ctr"/>
-                </a:tc>
                 <a:tc>
                   <a:txBody>
                     <a:bodyPr/>
@@ -8160,6 +8407,207 @@
                         <a:tabLst/>
                         <a:defRPr/>
                       </a:pPr>
+                      <a:r>
+                        <a:rPr lang="en-US" altLang="en-US" sz="1400" dirty="0"/>
+                        <a:t>Get / </a:t>
+                      </a:r>
+                      <a:r>
+                        <a:rPr lang="en-US" altLang="en-US" sz="1400" dirty="0" err="1"/>
+                        <a:t>memberDetail</a:t>
+                      </a:r>
+                      <a:r>
+                        <a:rPr lang="en-US" altLang="en-US" sz="1400" dirty="0"/>
+                        <a:t>/</a:t>
+                      </a:r>
+                      <a:r>
+                        <a:rPr lang="en-US" altLang="ko-KR" sz="1400" kern="1200" dirty="0">
+                          <a:solidFill>
+                            <a:schemeClr val="dk1"/>
+                          </a:solidFill>
+                          <a:effectLst/>
+                          <a:latin typeface="+mn-lt"/>
+                          <a:ea typeface="+mn-ea"/>
+                          <a:cs typeface="+mn-cs"/>
+                        </a:rPr>
+                        <a:t>point</a:t>
+                      </a:r>
+                      <a:endParaRPr lang="ko-Kore-KR" altLang="en-US" sz="1400" dirty="0"/>
+                    </a:p>
+                  </a:txBody>
+                  <a:tcPr anchor="ctr"/>
+                </a:tc>
+                <a:tc>
+                  <a:txBody>
+                    <a:bodyPr/>
+                    <a:lstStyle/>
+                    <a:p>
+                      <a:pPr algn="ctr"/>
+                      <a:r>
+                        <a:rPr lang="en-US" altLang="ko-KR" sz="1400" kern="1200" dirty="0">
+                          <a:solidFill>
+                            <a:schemeClr val="dk1"/>
+                          </a:solidFill>
+                          <a:effectLst/>
+                          <a:latin typeface="+mn-lt"/>
+                          <a:ea typeface="+mn-ea"/>
+                          <a:cs typeface="+mn-cs"/>
+                        </a:rPr>
+                        <a:t>member/detail/</a:t>
+                      </a:r>
+                      <a:r>
+                        <a:rPr lang="en-US" altLang="ko-KR" sz="1400" kern="1200" dirty="0" err="1">
+                          <a:solidFill>
+                            <a:schemeClr val="dk1"/>
+                          </a:solidFill>
+                          <a:effectLst/>
+                          <a:latin typeface="+mn-lt"/>
+                          <a:ea typeface="+mn-ea"/>
+                          <a:cs typeface="+mn-cs"/>
+                        </a:rPr>
+                        <a:t>pointDetail</a:t>
+                      </a:r>
+                      <a:endParaRPr lang="ko-Kore-KR" altLang="en-US" sz="1400" dirty="0"/>
+                    </a:p>
+                  </a:txBody>
+                  <a:tcPr anchor="ctr"/>
+                </a:tc>
+                <a:tc>
+                  <a:txBody>
+                    <a:bodyPr/>
+                    <a:lstStyle/>
+                    <a:p>
+                      <a:pPr algn="ctr"/>
+                      <a:endParaRPr lang="ko-Kore-KR" altLang="en-US" sz="1400" dirty="0"/>
+                    </a:p>
+                  </a:txBody>
+                  <a:tcPr anchor="ctr"/>
+                </a:tc>
+                <a:tc>
+                  <a:txBody>
+                    <a:bodyPr/>
+                    <a:lstStyle/>
+                    <a:p>
+                      <a:pPr algn="ctr"/>
+                      <a:endParaRPr lang="ko-Kore-KR" altLang="en-US" sz="1400" dirty="0"/>
+                    </a:p>
+                  </a:txBody>
+                  <a:tcPr anchor="ctr"/>
+                </a:tc>
+                <a:tc>
+                  <a:txBody>
+                    <a:bodyPr/>
+                    <a:lstStyle/>
+                    <a:p>
+                      <a:pPr algn="ctr"/>
+                      <a:endParaRPr lang="ko-Kore-KR" altLang="en-US" sz="1400" dirty="0"/>
+                    </a:p>
+                  </a:txBody>
+                  <a:tcPr anchor="ctr"/>
+                </a:tc>
+                <a:extLst>
+                  <a:ext uri="{0D108BD9-81ED-4DB2-BD59-A6C34878D82A}">
+                    <a16:rowId xmlns:a16="http://schemas.microsoft.com/office/drawing/2014/main" val="3955993190"/>
+                  </a:ext>
+                </a:extLst>
+              </a:tr>
+              <a:tr h="162139">
+                <a:tc>
+                  <a:txBody>
+                    <a:bodyPr/>
+                    <a:lstStyle/>
+                    <a:p>
+                      <a:pPr marL="0" marR="0" lvl="0" indent="0" algn="ctr" defTabSz="914400" rtl="0" eaLnBrk="1" fontAlgn="auto" latinLnBrk="1" hangingPunct="1">
+                        <a:lnSpc>
+                          <a:spcPct val="100000"/>
+                        </a:lnSpc>
+                        <a:spcBef>
+                          <a:spcPts val="0"/>
+                        </a:spcBef>
+                        <a:spcAft>
+                          <a:spcPts val="0"/>
+                        </a:spcAft>
+                        <a:buClrTx/>
+                        <a:buSzTx/>
+                        <a:buFontTx/>
+                        <a:buNone/>
+                        <a:tabLst/>
+                        <a:defRPr/>
+                      </a:pPr>
+                      <a:r>
+                        <a:rPr lang="en-US" altLang="en-US" sz="1400" dirty="0"/>
+                        <a:t>Get / </a:t>
+                      </a:r>
+                      <a:r>
+                        <a:rPr lang="en-US" altLang="en-US" sz="1400" dirty="0" err="1"/>
+                        <a:t>memberDetail</a:t>
+                      </a:r>
+                      <a:r>
+                        <a:rPr lang="en-US" altLang="en-US" sz="1400" dirty="0"/>
+                        <a:t>/</a:t>
+                      </a:r>
+                      <a:r>
+                        <a:rPr lang="en-US" altLang="ko-KR" sz="1400" kern="1200" dirty="0">
+                          <a:solidFill>
+                            <a:schemeClr val="dk1"/>
+                          </a:solidFill>
+                          <a:effectLst/>
+                          <a:latin typeface="+mn-lt"/>
+                          <a:ea typeface="+mn-ea"/>
+                          <a:cs typeface="+mn-cs"/>
+                        </a:rPr>
+                        <a:t>order</a:t>
+                      </a:r>
+                      <a:endParaRPr lang="ko-Kore-KR" altLang="en-US" sz="1400" dirty="0"/>
+                    </a:p>
+                  </a:txBody>
+                  <a:tcPr anchor="ctr"/>
+                </a:tc>
+                <a:tc>
+                  <a:txBody>
+                    <a:bodyPr/>
+                    <a:lstStyle/>
+                    <a:p>
+                      <a:pPr marL="0" marR="0" lvl="0" indent="0" algn="ctr" defTabSz="914400" rtl="0" eaLnBrk="1" fontAlgn="auto" latinLnBrk="1" hangingPunct="1">
+                        <a:lnSpc>
+                          <a:spcPct val="100000"/>
+                        </a:lnSpc>
+                        <a:spcBef>
+                          <a:spcPts val="0"/>
+                        </a:spcBef>
+                        <a:spcAft>
+                          <a:spcPts val="0"/>
+                        </a:spcAft>
+                        <a:buClrTx/>
+                        <a:buSzTx/>
+                        <a:buFontTx/>
+                        <a:buNone/>
+                        <a:tabLst/>
+                        <a:defRPr/>
+                      </a:pPr>
+                      <a:r>
+                        <a:rPr lang="en-US" altLang="ko-KR" sz="1400" kern="1200" dirty="0">
+                          <a:solidFill>
+                            <a:schemeClr val="dk1"/>
+                          </a:solidFill>
+                          <a:effectLst/>
+                          <a:latin typeface="+mn-lt"/>
+                          <a:ea typeface="+mn-ea"/>
+                          <a:cs typeface="+mn-cs"/>
+                        </a:rPr>
+                        <a:t>member/detail/</a:t>
+                      </a:r>
+                      <a:r>
+                        <a:rPr lang="en-US" altLang="ko-KR" sz="1400" kern="1200" dirty="0" err="1">
+                          <a:solidFill>
+                            <a:schemeClr val="dk1"/>
+                          </a:solidFill>
+                          <a:effectLst/>
+                          <a:latin typeface="+mn-lt"/>
+                          <a:ea typeface="+mn-ea"/>
+                          <a:cs typeface="+mn-cs"/>
+                        </a:rPr>
+                        <a:t>orderList</a:t>
+                      </a:r>
                       <a:endParaRPr lang="ko-Kore-KR" altLang="en-US" sz="1400" dirty="0"/>
                     </a:p>
                   </a:txBody>

--- a/설계.pptx
+++ b/설계.pptx
@@ -261,7 +261,7 @@
           <a:p>
             <a:fld id="{E871AFEF-E56D-43CB-B2BD-C2590331E35B}" type="datetimeFigureOut">
               <a:rPr lang="ko-KR" altLang="en-US" smtClean="0"/>
-              <a:t>2021-12-01</a:t>
+              <a:t>2021. 12. 2.</a:t>
             </a:fld>
             <a:endParaRPr lang="ko-KR" altLang="en-US"/>
           </a:p>
@@ -459,7 +459,7 @@
           <a:p>
             <a:fld id="{E871AFEF-E56D-43CB-B2BD-C2590331E35B}" type="datetimeFigureOut">
               <a:rPr lang="ko-KR" altLang="en-US" smtClean="0"/>
-              <a:t>2021-12-01</a:t>
+              <a:t>2021. 12. 2.</a:t>
             </a:fld>
             <a:endParaRPr lang="ko-KR" altLang="en-US"/>
           </a:p>
@@ -667,7 +667,7 @@
           <a:p>
             <a:fld id="{E871AFEF-E56D-43CB-B2BD-C2590331E35B}" type="datetimeFigureOut">
               <a:rPr lang="ko-KR" altLang="en-US" smtClean="0"/>
-              <a:t>2021-12-01</a:t>
+              <a:t>2021. 12. 2.</a:t>
             </a:fld>
             <a:endParaRPr lang="ko-KR" altLang="en-US"/>
           </a:p>
@@ -865,7 +865,7 @@
           <a:p>
             <a:fld id="{E871AFEF-E56D-43CB-B2BD-C2590331E35B}" type="datetimeFigureOut">
               <a:rPr lang="ko-KR" altLang="en-US" smtClean="0"/>
-              <a:t>2021-12-01</a:t>
+              <a:t>2021. 12. 2.</a:t>
             </a:fld>
             <a:endParaRPr lang="ko-KR" altLang="en-US"/>
           </a:p>
@@ -1140,7 +1140,7 @@
           <a:p>
             <a:fld id="{E871AFEF-E56D-43CB-B2BD-C2590331E35B}" type="datetimeFigureOut">
               <a:rPr lang="ko-KR" altLang="en-US" smtClean="0"/>
-              <a:t>2021-12-01</a:t>
+              <a:t>2021. 12. 2.</a:t>
             </a:fld>
             <a:endParaRPr lang="ko-KR" altLang="en-US"/>
           </a:p>
@@ -1405,7 +1405,7 @@
           <a:p>
             <a:fld id="{E871AFEF-E56D-43CB-B2BD-C2590331E35B}" type="datetimeFigureOut">
               <a:rPr lang="ko-KR" altLang="en-US" smtClean="0"/>
-              <a:t>2021-12-01</a:t>
+              <a:t>2021. 12. 2.</a:t>
             </a:fld>
             <a:endParaRPr lang="ko-KR" altLang="en-US"/>
           </a:p>
@@ -1817,7 +1817,7 @@
           <a:p>
             <a:fld id="{E871AFEF-E56D-43CB-B2BD-C2590331E35B}" type="datetimeFigureOut">
               <a:rPr lang="ko-KR" altLang="en-US" smtClean="0"/>
-              <a:t>2021-12-01</a:t>
+              <a:t>2021. 12. 2.</a:t>
             </a:fld>
             <a:endParaRPr lang="ko-KR" altLang="en-US"/>
           </a:p>
@@ -1958,7 +1958,7 @@
           <a:p>
             <a:fld id="{E871AFEF-E56D-43CB-B2BD-C2590331E35B}" type="datetimeFigureOut">
               <a:rPr lang="ko-KR" altLang="en-US" smtClean="0"/>
-              <a:t>2021-12-01</a:t>
+              <a:t>2021. 12. 2.</a:t>
             </a:fld>
             <a:endParaRPr lang="ko-KR" altLang="en-US"/>
           </a:p>
@@ -2071,7 +2071,7 @@
           <a:p>
             <a:fld id="{E871AFEF-E56D-43CB-B2BD-C2590331E35B}" type="datetimeFigureOut">
               <a:rPr lang="ko-KR" altLang="en-US" smtClean="0"/>
-              <a:t>2021-12-01</a:t>
+              <a:t>2021. 12. 2.</a:t>
             </a:fld>
             <a:endParaRPr lang="ko-KR" altLang="en-US"/>
           </a:p>
@@ -2382,7 +2382,7 @@
           <a:p>
             <a:fld id="{E871AFEF-E56D-43CB-B2BD-C2590331E35B}" type="datetimeFigureOut">
               <a:rPr lang="ko-KR" altLang="en-US" smtClean="0"/>
-              <a:t>2021-12-01</a:t>
+              <a:t>2021. 12. 2.</a:t>
             </a:fld>
             <a:endParaRPr lang="ko-KR" altLang="en-US"/>
           </a:p>
@@ -2670,7 +2670,7 @@
           <a:p>
             <a:fld id="{E871AFEF-E56D-43CB-B2BD-C2590331E35B}" type="datetimeFigureOut">
               <a:rPr lang="ko-KR" altLang="en-US" smtClean="0"/>
-              <a:t>2021-12-01</a:t>
+              <a:t>2021. 12. 2.</a:t>
             </a:fld>
             <a:endParaRPr lang="ko-KR" altLang="en-US"/>
           </a:p>
@@ -2911,7 +2911,7 @@
           <a:p>
             <a:fld id="{E871AFEF-E56D-43CB-B2BD-C2590331E35B}" type="datetimeFigureOut">
               <a:rPr lang="ko-KR" altLang="en-US" smtClean="0"/>
-              <a:t>2021-12-01</a:t>
+              <a:t>2021. 12. 2.</a:t>
             </a:fld>
             <a:endParaRPr lang="ko-KR" altLang="en-US"/>
           </a:p>

--- a/설계.pptx
+++ b/설계.pptx
@@ -4461,7 +4461,7 @@
           <p:nvPr>
             <p:extLst>
               <p:ext uri="{D42A27DB-BD31-4B8C-83A1-F6EECF244321}">
-                <p14:modId xmlns:p14="http://schemas.microsoft.com/office/powerpoint/2010/main" val="3513783136"/>
+                <p14:modId xmlns:p14="http://schemas.microsoft.com/office/powerpoint/2010/main" val="3570172039"/>
               </p:ext>
             </p:extLst>
           </p:nvPr>
@@ -4571,19 +4571,27 @@
                       <a:pPr algn="l" latinLnBrk="1"/>
                       <a:r>
                         <a:rPr lang="en-US" altLang="ko-KR" sz="1400" dirty="0"/>
+                        <a:t>m</a:t>
+                      </a:r>
+                      <a:r>
+                        <a:rPr lang="en-US" altLang="ko-KR" sz="1400"/>
+                        <a:t>ember</a:t>
+                      </a:r>
+                      <a:endParaRPr lang="ko-KR" altLang="en-US" sz="1400" dirty="0"/>
+                    </a:p>
+                  </a:txBody>
+                  <a:tcPr anchor="ctr"/>
+                </a:tc>
+                <a:tc>
+                  <a:txBody>
+                    <a:bodyPr/>
+                    <a:lstStyle/>
+                    <a:p>
+                      <a:pPr algn="ctr" latinLnBrk="1"/>
+                      <a:r>
+                        <a:rPr lang="en-US" altLang="ko-KR" sz="1400" dirty="0"/>
                         <a:t>Member</a:t>
                       </a:r>
-                      <a:endParaRPr lang="ko-KR" altLang="en-US" sz="1400" dirty="0"/>
-                    </a:p>
-                  </a:txBody>
-                  <a:tcPr anchor="ctr"/>
-                </a:tc>
-                <a:tc>
-                  <a:txBody>
-                    <a:bodyPr/>
-                    <a:lstStyle/>
-                    <a:p>
-                      <a:pPr algn="ctr" latinLnBrk="1"/>
                       <a:endParaRPr lang="ko-KR" altLang="en-US" sz="1400" dirty="0"/>
                     </a:p>
                   </a:txBody>
@@ -4807,14 +4815,14 @@
           <p:nvPr>
             <p:extLst>
               <p:ext uri="{D42A27DB-BD31-4B8C-83A1-F6EECF244321}">
-                <p14:modId xmlns:p14="http://schemas.microsoft.com/office/powerpoint/2010/main" val="3528881520"/>
+                <p14:modId xmlns:p14="http://schemas.microsoft.com/office/powerpoint/2010/main" val="813539076"/>
               </p:ext>
             </p:extLst>
           </p:nvPr>
         </p:nvGraphicFramePr>
         <p:xfrm>
           <a:off x="8562910" y="3374263"/>
-          <a:ext cx="3223664" cy="1788160"/>
+          <a:ext cx="3223664" cy="2159000"/>
         </p:xfrm>
         <a:graphic>
           <a:graphicData uri="http://schemas.openxmlformats.org/drawingml/2006/table">
@@ -5019,6 +5027,43 @@
                   </a:ext>
                 </a:extLst>
               </a:tr>
+              <a:tr h="370840">
+                <a:tc>
+                  <a:txBody>
+                    <a:bodyPr/>
+                    <a:lstStyle/>
+                    <a:p>
+                      <a:pPr algn="l" latinLnBrk="1"/>
+                      <a:r>
+                        <a:rPr lang="en-US" altLang="ko-KR" sz="1400" dirty="0"/>
+                        <a:t>rating</a:t>
+                      </a:r>
+                      <a:endParaRPr lang="ko-KR" altLang="en-US" sz="1400" dirty="0"/>
+                    </a:p>
+                  </a:txBody>
+                  <a:tcPr anchor="ctr"/>
+                </a:tc>
+                <a:tc>
+                  <a:txBody>
+                    <a:bodyPr/>
+                    <a:lstStyle/>
+                    <a:p>
+                      <a:pPr algn="ctr" latinLnBrk="1"/>
+                      <a:r>
+                        <a:rPr lang="en-US" altLang="ko-KR" sz="1400" dirty="0"/>
+                        <a:t>Integer</a:t>
+                      </a:r>
+                      <a:endParaRPr lang="ko-KR" altLang="en-US" sz="1400" dirty="0"/>
+                    </a:p>
+                  </a:txBody>
+                  <a:tcPr anchor="ctr"/>
+                </a:tc>
+                <a:extLst>
+                  <a:ext uri="{0D108BD9-81ED-4DB2-BD59-A6C34878D82A}">
+                    <a16:rowId xmlns:a16="http://schemas.microsoft.com/office/drawing/2014/main" val="1414828466"/>
+                  </a:ext>
+                </a:extLst>
+              </a:tr>
             </a:tbl>
           </a:graphicData>
         </a:graphic>
@@ -5038,13 +5083,13 @@
           <p:nvPr>
             <p:extLst>
               <p:ext uri="{D42A27DB-BD31-4B8C-83A1-F6EECF244321}">
-                <p14:modId xmlns:p14="http://schemas.microsoft.com/office/powerpoint/2010/main" val="1764780367"/>
+                <p14:modId xmlns:p14="http://schemas.microsoft.com/office/powerpoint/2010/main" val="3250423798"/>
               </p:ext>
             </p:extLst>
           </p:nvPr>
         </p:nvGraphicFramePr>
         <p:xfrm>
-          <a:off x="8577590" y="5326242"/>
+          <a:off x="8397709" y="5869802"/>
           <a:ext cx="3223664" cy="1417320"/>
         </p:xfrm>
         <a:graphic>
@@ -5780,14 +5825,12 @@
           </p:cNvPr>
           <p:cNvCxnSpPr>
             <a:cxnSpLocks/>
-            <a:stCxn id="4" idx="1"/>
-            <a:endCxn id="7" idx="1"/>
           </p:cNvCxnSpPr>
           <p:nvPr/>
         </p:nvCxnSpPr>
         <p:spPr>
           <a:xfrm rot="10800000" flipH="1" flipV="1">
-            <a:off x="248015" y="1837772"/>
+            <a:off x="272299" y="1170431"/>
             <a:ext cx="26263" cy="3362188"/>
           </a:xfrm>
           <a:prstGeom prst="bentConnector3">
@@ -6011,7 +6054,7 @@
         <p:spPr>
           <a:xfrm rot="10800000" flipV="1">
             <a:off x="8562910" y="1620403"/>
-            <a:ext cx="14680" cy="2647939"/>
+            <a:ext cx="14680" cy="2833359"/>
           </a:xfrm>
           <a:prstGeom prst="bentConnector3">
             <a:avLst>
@@ -6057,7 +6100,7 @@
         <p:spPr>
           <a:xfrm>
             <a:off x="7320779" y="3149533"/>
-            <a:ext cx="1256811" cy="2885369"/>
+            <a:ext cx="1076930" cy="3428929"/>
           </a:xfrm>
           <a:prstGeom prst="bentConnector3">
             <a:avLst>
@@ -6100,13 +6143,13 @@
           <p:nvPr/>
         </p:nvCxnSpPr>
         <p:spPr>
-          <a:xfrm>
-            <a:off x="11801254" y="1620404"/>
-            <a:ext cx="12700" cy="4414498"/>
+          <a:xfrm flipH="1">
+            <a:off x="11621373" y="1620404"/>
+            <a:ext cx="179881" cy="4958058"/>
           </a:xfrm>
           <a:prstGeom prst="bentConnector3">
             <a:avLst>
-              <a:gd name="adj1" fmla="val 1800000"/>
+              <a:gd name="adj1" fmla="val -127084"/>
             </a:avLst>
           </a:prstGeom>
           <a:ln>
@@ -6428,14 +6471,14 @@
           <p:nvPr>
             <p:extLst>
               <p:ext uri="{D42A27DB-BD31-4B8C-83A1-F6EECF244321}">
-                <p14:modId xmlns:p14="http://schemas.microsoft.com/office/powerpoint/2010/main" val="881672707"/>
+                <p14:modId xmlns:p14="http://schemas.microsoft.com/office/powerpoint/2010/main" val="873942680"/>
               </p:ext>
             </p:extLst>
           </p:nvPr>
         </p:nvGraphicFramePr>
         <p:xfrm>
-          <a:off x="274279" y="6714850"/>
-          <a:ext cx="3223664" cy="1524000"/>
+          <a:off x="248016" y="6714850"/>
+          <a:ext cx="3223664" cy="2133600"/>
         </p:xfrm>
         <a:graphic>
           <a:graphicData uri="http://schemas.openxmlformats.org/drawingml/2006/table">
@@ -6459,7 +6502,7 @@
                   </a:extLst>
                 </a:gridCol>
               </a:tblGrid>
-              <a:tr h="236059">
+              <a:tr h="0">
                 <a:tc gridSpan="2">
                   <a:txBody>
                     <a:bodyPr/>
@@ -6637,6 +6680,80 @@
                 <a:extLst>
                   <a:ext uri="{0D108BD9-81ED-4DB2-BD59-A6C34878D82A}">
                     <a16:rowId xmlns:a16="http://schemas.microsoft.com/office/drawing/2014/main" val="2881765618"/>
+                  </a:ext>
+                </a:extLst>
+              </a:tr>
+              <a:tr h="287205">
+                <a:tc>
+                  <a:txBody>
+                    <a:bodyPr/>
+                    <a:lstStyle/>
+                    <a:p>
+                      <a:pPr algn="l" latinLnBrk="1"/>
+                      <a:r>
+                        <a:rPr lang="en-US" altLang="ko-KR" sz="1400" dirty="0" err="1"/>
+                        <a:t>itemId</a:t>
+                      </a:r>
+                      <a:endParaRPr lang="ko-KR" altLang="en-US" sz="1400" dirty="0"/>
+                    </a:p>
+                  </a:txBody>
+                  <a:tcPr anchor="ctr"/>
+                </a:tc>
+                <a:tc>
+                  <a:txBody>
+                    <a:bodyPr/>
+                    <a:lstStyle/>
+                    <a:p>
+                      <a:pPr algn="ctr" latinLnBrk="1"/>
+                      <a:r>
+                        <a:rPr lang="en-US" altLang="ko-KR" sz="1400" dirty="0"/>
+                        <a:t>Long</a:t>
+                      </a:r>
+                      <a:endParaRPr lang="ko-KR" altLang="en-US" sz="1400" dirty="0"/>
+                    </a:p>
+                  </a:txBody>
+                  <a:tcPr anchor="ctr"/>
+                </a:tc>
+                <a:extLst>
+                  <a:ext uri="{0D108BD9-81ED-4DB2-BD59-A6C34878D82A}">
+                    <a16:rowId xmlns:a16="http://schemas.microsoft.com/office/drawing/2014/main" val="808107442"/>
+                  </a:ext>
+                </a:extLst>
+              </a:tr>
+              <a:tr h="287205">
+                <a:tc>
+                  <a:txBody>
+                    <a:bodyPr/>
+                    <a:lstStyle/>
+                    <a:p>
+                      <a:pPr algn="l" latinLnBrk="1"/>
+                      <a:r>
+                        <a:rPr lang="en-US" altLang="ko-KR" sz="1400" dirty="0" err="1"/>
+                        <a:t>isComment</a:t>
+                      </a:r>
+                      <a:endParaRPr lang="ko-KR" altLang="en-US" sz="1400" dirty="0"/>
+                    </a:p>
+                  </a:txBody>
+                  <a:tcPr anchor="ctr"/>
+                </a:tc>
+                <a:tc>
+                  <a:txBody>
+                    <a:bodyPr/>
+                    <a:lstStyle/>
+                    <a:p>
+                      <a:pPr algn="ctr" latinLnBrk="1"/>
+                      <a:r>
+                        <a:rPr lang="en-US" altLang="ko-KR" sz="1400" dirty="0" err="1"/>
+                        <a:t>boolean</a:t>
+                      </a:r>
+                      <a:endParaRPr lang="ko-KR" altLang="en-US" sz="1400" dirty="0"/>
+                    </a:p>
+                  </a:txBody>
+                  <a:tcPr anchor="ctr"/>
+                </a:tc>
+                <a:extLst>
+                  <a:ext uri="{0D108BD9-81ED-4DB2-BD59-A6C34878D82A}">
+                    <a16:rowId xmlns:a16="http://schemas.microsoft.com/office/drawing/2014/main" val="3129717044"/>
                   </a:ext>
                 </a:extLst>
               </a:tr>

--- a/설계.pptx
+++ b/설계.pptx
@@ -261,7 +261,7 @@
           <a:p>
             <a:fld id="{E871AFEF-E56D-43CB-B2BD-C2590331E35B}" type="datetimeFigureOut">
               <a:rPr lang="ko-KR" altLang="en-US" smtClean="0"/>
-              <a:t>2021. 12. 2.</a:t>
+              <a:t>2021. 12. 3.</a:t>
             </a:fld>
             <a:endParaRPr lang="ko-KR" altLang="en-US"/>
           </a:p>
@@ -459,7 +459,7 @@
           <a:p>
             <a:fld id="{E871AFEF-E56D-43CB-B2BD-C2590331E35B}" type="datetimeFigureOut">
               <a:rPr lang="ko-KR" altLang="en-US" smtClean="0"/>
-              <a:t>2021. 12. 2.</a:t>
+              <a:t>2021. 12. 3.</a:t>
             </a:fld>
             <a:endParaRPr lang="ko-KR" altLang="en-US"/>
           </a:p>
@@ -667,7 +667,7 @@
           <a:p>
             <a:fld id="{E871AFEF-E56D-43CB-B2BD-C2590331E35B}" type="datetimeFigureOut">
               <a:rPr lang="ko-KR" altLang="en-US" smtClean="0"/>
-              <a:t>2021. 12. 2.</a:t>
+              <a:t>2021. 12. 3.</a:t>
             </a:fld>
             <a:endParaRPr lang="ko-KR" altLang="en-US"/>
           </a:p>
@@ -865,7 +865,7 @@
           <a:p>
             <a:fld id="{E871AFEF-E56D-43CB-B2BD-C2590331E35B}" type="datetimeFigureOut">
               <a:rPr lang="ko-KR" altLang="en-US" smtClean="0"/>
-              <a:t>2021. 12. 2.</a:t>
+              <a:t>2021. 12. 3.</a:t>
             </a:fld>
             <a:endParaRPr lang="ko-KR" altLang="en-US"/>
           </a:p>
@@ -1140,7 +1140,7 @@
           <a:p>
             <a:fld id="{E871AFEF-E56D-43CB-B2BD-C2590331E35B}" type="datetimeFigureOut">
               <a:rPr lang="ko-KR" altLang="en-US" smtClean="0"/>
-              <a:t>2021. 12. 2.</a:t>
+              <a:t>2021. 12. 3.</a:t>
             </a:fld>
             <a:endParaRPr lang="ko-KR" altLang="en-US"/>
           </a:p>
@@ -1405,7 +1405,7 @@
           <a:p>
             <a:fld id="{E871AFEF-E56D-43CB-B2BD-C2590331E35B}" type="datetimeFigureOut">
               <a:rPr lang="ko-KR" altLang="en-US" smtClean="0"/>
-              <a:t>2021. 12. 2.</a:t>
+              <a:t>2021. 12. 3.</a:t>
             </a:fld>
             <a:endParaRPr lang="ko-KR" altLang="en-US"/>
           </a:p>
@@ -1817,7 +1817,7 @@
           <a:p>
             <a:fld id="{E871AFEF-E56D-43CB-B2BD-C2590331E35B}" type="datetimeFigureOut">
               <a:rPr lang="ko-KR" altLang="en-US" smtClean="0"/>
-              <a:t>2021. 12. 2.</a:t>
+              <a:t>2021. 12. 3.</a:t>
             </a:fld>
             <a:endParaRPr lang="ko-KR" altLang="en-US"/>
           </a:p>
@@ -1958,7 +1958,7 @@
           <a:p>
             <a:fld id="{E871AFEF-E56D-43CB-B2BD-C2590331E35B}" type="datetimeFigureOut">
               <a:rPr lang="ko-KR" altLang="en-US" smtClean="0"/>
-              <a:t>2021. 12. 2.</a:t>
+              <a:t>2021. 12. 3.</a:t>
             </a:fld>
             <a:endParaRPr lang="ko-KR" altLang="en-US"/>
           </a:p>
@@ -2071,7 +2071,7 @@
           <a:p>
             <a:fld id="{E871AFEF-E56D-43CB-B2BD-C2590331E35B}" type="datetimeFigureOut">
               <a:rPr lang="ko-KR" altLang="en-US" smtClean="0"/>
-              <a:t>2021. 12. 2.</a:t>
+              <a:t>2021. 12. 3.</a:t>
             </a:fld>
             <a:endParaRPr lang="ko-KR" altLang="en-US"/>
           </a:p>
@@ -2382,7 +2382,7 @@
           <a:p>
             <a:fld id="{E871AFEF-E56D-43CB-B2BD-C2590331E35B}" type="datetimeFigureOut">
               <a:rPr lang="ko-KR" altLang="en-US" smtClean="0"/>
-              <a:t>2021. 12. 2.</a:t>
+              <a:t>2021. 12. 3.</a:t>
             </a:fld>
             <a:endParaRPr lang="ko-KR" altLang="en-US"/>
           </a:p>
@@ -2670,7 +2670,7 @@
           <a:p>
             <a:fld id="{E871AFEF-E56D-43CB-B2BD-C2590331E35B}" type="datetimeFigureOut">
               <a:rPr lang="ko-KR" altLang="en-US" smtClean="0"/>
-              <a:t>2021. 12. 2.</a:t>
+              <a:t>2021. 12. 3.</a:t>
             </a:fld>
             <a:endParaRPr lang="ko-KR" altLang="en-US"/>
           </a:p>
@@ -2911,7 +2911,7 @@
           <a:p>
             <a:fld id="{E871AFEF-E56D-43CB-B2BD-C2590331E35B}" type="datetimeFigureOut">
               <a:rPr lang="ko-KR" altLang="en-US" smtClean="0"/>
-              <a:t>2021. 12. 2.</a:t>
+              <a:t>2021. 12. 3.</a:t>
             </a:fld>
             <a:endParaRPr lang="ko-KR" altLang="en-US"/>
           </a:p>
@@ -4461,14 +4461,14 @@
           <p:nvPr>
             <p:extLst>
               <p:ext uri="{D42A27DB-BD31-4B8C-83A1-F6EECF244321}">
-                <p14:modId xmlns:p14="http://schemas.microsoft.com/office/powerpoint/2010/main" val="3570172039"/>
+                <p14:modId xmlns:p14="http://schemas.microsoft.com/office/powerpoint/2010/main" val="2097272124"/>
               </p:ext>
             </p:extLst>
           </p:nvPr>
         </p:nvGraphicFramePr>
         <p:xfrm>
           <a:off x="274279" y="3749620"/>
-          <a:ext cx="3223664" cy="2900680"/>
+          <a:ext cx="3223664" cy="3642360"/>
         </p:xfrm>
         <a:graphic>
           <a:graphicData uri="http://schemas.openxmlformats.org/drawingml/2006/table">
@@ -4793,6 +4793,92 @@
                 <a:extLst>
                   <a:ext uri="{0D108BD9-81ED-4DB2-BD59-A6C34878D82A}">
                     <a16:rowId xmlns:a16="http://schemas.microsoft.com/office/drawing/2014/main" val="2580778985"/>
+                  </a:ext>
+                </a:extLst>
+              </a:tr>
+              <a:tr h="370840">
+                <a:tc>
+                  <a:txBody>
+                    <a:bodyPr/>
+                    <a:lstStyle/>
+                    <a:p>
+                      <a:pPr algn="l" latinLnBrk="1"/>
+                      <a:r>
+                        <a:rPr lang="en-US" altLang="ko-KR" sz="1400" dirty="0" err="1"/>
+                        <a:t>usePoint</a:t>
+                      </a:r>
+                      <a:endParaRPr lang="ko-KR" altLang="en-US" sz="1400" dirty="0"/>
+                    </a:p>
+                  </a:txBody>
+                  <a:tcPr anchor="ctr"/>
+                </a:tc>
+                <a:tc>
+                  <a:txBody>
+                    <a:bodyPr/>
+                    <a:lstStyle/>
+                    <a:p>
+                      <a:pPr algn="ctr" latinLnBrk="1"/>
+                      <a:r>
+                        <a:rPr lang="en-US" altLang="ko-KR" sz="1400" dirty="0"/>
+                        <a:t>Integer</a:t>
+                      </a:r>
+                      <a:endParaRPr lang="ko-KR" altLang="en-US" sz="1400" dirty="0"/>
+                    </a:p>
+                  </a:txBody>
+                  <a:tcPr anchor="ctr"/>
+                </a:tc>
+                <a:extLst>
+                  <a:ext uri="{0D108BD9-81ED-4DB2-BD59-A6C34878D82A}">
+                    <a16:rowId xmlns:a16="http://schemas.microsoft.com/office/drawing/2014/main" val="1341502344"/>
+                  </a:ext>
+                </a:extLst>
+              </a:tr>
+              <a:tr h="370840">
+                <a:tc>
+                  <a:txBody>
+                    <a:bodyPr/>
+                    <a:lstStyle/>
+                    <a:p>
+                      <a:pPr algn="l" latinLnBrk="1"/>
+                      <a:r>
+                        <a:rPr lang="en-US" altLang="ko-KR" sz="1400" dirty="0" err="1"/>
+                        <a:t>payMethod</a:t>
+                      </a:r>
+                      <a:endParaRPr lang="ko-KR" altLang="en-US" sz="1400" dirty="0"/>
+                    </a:p>
+                  </a:txBody>
+                  <a:tcPr anchor="ctr"/>
+                </a:tc>
+                <a:tc>
+                  <a:txBody>
+                    <a:bodyPr/>
+                    <a:lstStyle/>
+                    <a:p>
+                      <a:pPr algn="ctr" latinLnBrk="1"/>
+                      <a:r>
+                        <a:rPr lang="en-US" altLang="ko-KR" sz="1400" dirty="0" err="1"/>
+                        <a:t>PayMethod</a:t>
+                      </a:r>
+                      <a:r>
+                        <a:rPr lang="en-US" altLang="ko-KR" sz="1400" dirty="0"/>
+                        <a:t>(</a:t>
+                      </a:r>
+                      <a:r>
+                        <a:rPr lang="en-US" altLang="ko-KR" sz="1400" dirty="0" err="1"/>
+                        <a:t>enum</a:t>
+                      </a:r>
+                      <a:r>
+                        <a:rPr lang="en-US" altLang="ko-KR" sz="1400" dirty="0"/>
+                        <a:t>)</a:t>
+                      </a:r>
+                      <a:endParaRPr lang="ko-KR" altLang="en-US" sz="1400" dirty="0"/>
+                    </a:p>
+                  </a:txBody>
+                  <a:tcPr anchor="ctr"/>
+                </a:tc>
+                <a:extLst>
+                  <a:ext uri="{0D108BD9-81ED-4DB2-BD59-A6C34878D82A}">
+                    <a16:rowId xmlns:a16="http://schemas.microsoft.com/office/drawing/2014/main" val="1910690771"/>
                   </a:ext>
                 </a:extLst>
               </a:tr>
@@ -6471,13 +6557,13 @@
           <p:nvPr>
             <p:extLst>
               <p:ext uri="{D42A27DB-BD31-4B8C-83A1-F6EECF244321}">
-                <p14:modId xmlns:p14="http://schemas.microsoft.com/office/powerpoint/2010/main" val="873942680"/>
+                <p14:modId xmlns:p14="http://schemas.microsoft.com/office/powerpoint/2010/main" val="1528950819"/>
               </p:ext>
             </p:extLst>
           </p:nvPr>
         </p:nvGraphicFramePr>
         <p:xfrm>
-          <a:off x="248016" y="6714850"/>
+          <a:off x="3785387" y="7030944"/>
           <a:ext cx="3223664" cy="2133600"/>
         </p:xfrm>
         <a:graphic>

--- a/설계.pptx
+++ b/설계.pptx
@@ -6557,13 +6557,13 @@
           <p:nvPr>
             <p:extLst>
               <p:ext uri="{D42A27DB-BD31-4B8C-83A1-F6EECF244321}">
-                <p14:modId xmlns:p14="http://schemas.microsoft.com/office/powerpoint/2010/main" val="1528950819"/>
+                <p14:modId xmlns:p14="http://schemas.microsoft.com/office/powerpoint/2010/main" val="3899838670"/>
               </p:ext>
             </p:extLst>
           </p:nvPr>
         </p:nvGraphicFramePr>
         <p:xfrm>
-          <a:off x="3785387" y="7030944"/>
+          <a:off x="4097115" y="6946480"/>
           <a:ext cx="3223664" cy="2133600"/>
         </p:xfrm>
         <a:graphic>

--- a/설계.pptx
+++ b/설계.pptx
@@ -261,7 +261,7 @@
           <a:p>
             <a:fld id="{E871AFEF-E56D-43CB-B2BD-C2590331E35B}" type="datetimeFigureOut">
               <a:rPr lang="ko-KR" altLang="en-US" smtClean="0"/>
-              <a:t>2021. 12. 3.</a:t>
+              <a:t>2021. 12. 14.</a:t>
             </a:fld>
             <a:endParaRPr lang="ko-KR" altLang="en-US"/>
           </a:p>
@@ -459,7 +459,7 @@
           <a:p>
             <a:fld id="{E871AFEF-E56D-43CB-B2BD-C2590331E35B}" type="datetimeFigureOut">
               <a:rPr lang="ko-KR" altLang="en-US" smtClean="0"/>
-              <a:t>2021. 12. 3.</a:t>
+              <a:t>2021. 12. 14.</a:t>
             </a:fld>
             <a:endParaRPr lang="ko-KR" altLang="en-US"/>
           </a:p>
@@ -667,7 +667,7 @@
           <a:p>
             <a:fld id="{E871AFEF-E56D-43CB-B2BD-C2590331E35B}" type="datetimeFigureOut">
               <a:rPr lang="ko-KR" altLang="en-US" smtClean="0"/>
-              <a:t>2021. 12. 3.</a:t>
+              <a:t>2021. 12. 14.</a:t>
             </a:fld>
             <a:endParaRPr lang="ko-KR" altLang="en-US"/>
           </a:p>
@@ -865,7 +865,7 @@
           <a:p>
             <a:fld id="{E871AFEF-E56D-43CB-B2BD-C2590331E35B}" type="datetimeFigureOut">
               <a:rPr lang="ko-KR" altLang="en-US" smtClean="0"/>
-              <a:t>2021. 12. 3.</a:t>
+              <a:t>2021. 12. 14.</a:t>
             </a:fld>
             <a:endParaRPr lang="ko-KR" altLang="en-US"/>
           </a:p>
@@ -1140,7 +1140,7 @@
           <a:p>
             <a:fld id="{E871AFEF-E56D-43CB-B2BD-C2590331E35B}" type="datetimeFigureOut">
               <a:rPr lang="ko-KR" altLang="en-US" smtClean="0"/>
-              <a:t>2021. 12. 3.</a:t>
+              <a:t>2021. 12. 14.</a:t>
             </a:fld>
             <a:endParaRPr lang="ko-KR" altLang="en-US"/>
           </a:p>
@@ -1405,7 +1405,7 @@
           <a:p>
             <a:fld id="{E871AFEF-E56D-43CB-B2BD-C2590331E35B}" type="datetimeFigureOut">
               <a:rPr lang="ko-KR" altLang="en-US" smtClean="0"/>
-              <a:t>2021. 12. 3.</a:t>
+              <a:t>2021. 12. 14.</a:t>
             </a:fld>
             <a:endParaRPr lang="ko-KR" altLang="en-US"/>
           </a:p>
@@ -1817,7 +1817,7 @@
           <a:p>
             <a:fld id="{E871AFEF-E56D-43CB-B2BD-C2590331E35B}" type="datetimeFigureOut">
               <a:rPr lang="ko-KR" altLang="en-US" smtClean="0"/>
-              <a:t>2021. 12. 3.</a:t>
+              <a:t>2021. 12. 14.</a:t>
             </a:fld>
             <a:endParaRPr lang="ko-KR" altLang="en-US"/>
           </a:p>
@@ -1958,7 +1958,7 @@
           <a:p>
             <a:fld id="{E871AFEF-E56D-43CB-B2BD-C2590331E35B}" type="datetimeFigureOut">
               <a:rPr lang="ko-KR" altLang="en-US" smtClean="0"/>
-              <a:t>2021. 12. 3.</a:t>
+              <a:t>2021. 12. 14.</a:t>
             </a:fld>
             <a:endParaRPr lang="ko-KR" altLang="en-US"/>
           </a:p>
@@ -2071,7 +2071,7 @@
           <a:p>
             <a:fld id="{E871AFEF-E56D-43CB-B2BD-C2590331E35B}" type="datetimeFigureOut">
               <a:rPr lang="ko-KR" altLang="en-US" smtClean="0"/>
-              <a:t>2021. 12. 3.</a:t>
+              <a:t>2021. 12. 14.</a:t>
             </a:fld>
             <a:endParaRPr lang="ko-KR" altLang="en-US"/>
           </a:p>
@@ -2382,7 +2382,7 @@
           <a:p>
             <a:fld id="{E871AFEF-E56D-43CB-B2BD-C2590331E35B}" type="datetimeFigureOut">
               <a:rPr lang="ko-KR" altLang="en-US" smtClean="0"/>
-              <a:t>2021. 12. 3.</a:t>
+              <a:t>2021. 12. 14.</a:t>
             </a:fld>
             <a:endParaRPr lang="ko-KR" altLang="en-US"/>
           </a:p>
@@ -2670,7 +2670,7 @@
           <a:p>
             <a:fld id="{E871AFEF-E56D-43CB-B2BD-C2590331E35B}" type="datetimeFigureOut">
               <a:rPr lang="ko-KR" altLang="en-US" smtClean="0"/>
-              <a:t>2021. 12. 3.</a:t>
+              <a:t>2021. 12. 14.</a:t>
             </a:fld>
             <a:endParaRPr lang="ko-KR" altLang="en-US"/>
           </a:p>
@@ -2911,7 +2911,7 @@
           <a:p>
             <a:fld id="{E871AFEF-E56D-43CB-B2BD-C2590331E35B}" type="datetimeFigureOut">
               <a:rPr lang="ko-KR" altLang="en-US" smtClean="0"/>
-              <a:t>2021. 12. 3.</a:t>
+              <a:t>2021. 12. 14.</a:t>
             </a:fld>
             <a:endParaRPr lang="ko-KR" altLang="en-US"/>
           </a:p>
@@ -5363,13 +5363,13 @@
           <p:nvPr>
             <p:extLst>
               <p:ext uri="{D42A27DB-BD31-4B8C-83A1-F6EECF244321}">
-                <p14:modId xmlns:p14="http://schemas.microsoft.com/office/powerpoint/2010/main" val="836490374"/>
+                <p14:modId xmlns:p14="http://schemas.microsoft.com/office/powerpoint/2010/main" val="2234496494"/>
               </p:ext>
             </p:extLst>
           </p:nvPr>
         </p:nvGraphicFramePr>
         <p:xfrm>
-          <a:off x="4099095" y="-11939"/>
+          <a:off x="4097115" y="-305706"/>
           <a:ext cx="3223664" cy="2159000"/>
         </p:xfrm>
         <a:graphic>
@@ -5961,7 +5961,7 @@
         </p:nvCxnSpPr>
         <p:spPr>
           <a:xfrm flipV="1">
-            <a:off x="3580277" y="1067561"/>
+            <a:off x="3578297" y="773794"/>
             <a:ext cx="518818" cy="205740"/>
           </a:xfrm>
           <a:prstGeom prst="bentConnector3">

--- a/설계.pptx
+++ b/설계.pptx
@@ -261,7 +261,7 @@
           <a:p>
             <a:fld id="{E871AFEF-E56D-43CB-B2BD-C2590331E35B}" type="datetimeFigureOut">
               <a:rPr lang="ko-KR" altLang="en-US" smtClean="0"/>
-              <a:t>2021. 12. 14.</a:t>
+              <a:t>2021. 12. 16.</a:t>
             </a:fld>
             <a:endParaRPr lang="ko-KR" altLang="en-US"/>
           </a:p>
@@ -459,7 +459,7 @@
           <a:p>
             <a:fld id="{E871AFEF-E56D-43CB-B2BD-C2590331E35B}" type="datetimeFigureOut">
               <a:rPr lang="ko-KR" altLang="en-US" smtClean="0"/>
-              <a:t>2021. 12. 14.</a:t>
+              <a:t>2021. 12. 16.</a:t>
             </a:fld>
             <a:endParaRPr lang="ko-KR" altLang="en-US"/>
           </a:p>
@@ -667,7 +667,7 @@
           <a:p>
             <a:fld id="{E871AFEF-E56D-43CB-B2BD-C2590331E35B}" type="datetimeFigureOut">
               <a:rPr lang="ko-KR" altLang="en-US" smtClean="0"/>
-              <a:t>2021. 12. 14.</a:t>
+              <a:t>2021. 12. 16.</a:t>
             </a:fld>
             <a:endParaRPr lang="ko-KR" altLang="en-US"/>
           </a:p>
@@ -865,7 +865,7 @@
           <a:p>
             <a:fld id="{E871AFEF-E56D-43CB-B2BD-C2590331E35B}" type="datetimeFigureOut">
               <a:rPr lang="ko-KR" altLang="en-US" smtClean="0"/>
-              <a:t>2021. 12. 14.</a:t>
+              <a:t>2021. 12. 16.</a:t>
             </a:fld>
             <a:endParaRPr lang="ko-KR" altLang="en-US"/>
           </a:p>
@@ -1140,7 +1140,7 @@
           <a:p>
             <a:fld id="{E871AFEF-E56D-43CB-B2BD-C2590331E35B}" type="datetimeFigureOut">
               <a:rPr lang="ko-KR" altLang="en-US" smtClean="0"/>
-              <a:t>2021. 12. 14.</a:t>
+              <a:t>2021. 12. 16.</a:t>
             </a:fld>
             <a:endParaRPr lang="ko-KR" altLang="en-US"/>
           </a:p>
@@ -1405,7 +1405,7 @@
           <a:p>
             <a:fld id="{E871AFEF-E56D-43CB-B2BD-C2590331E35B}" type="datetimeFigureOut">
               <a:rPr lang="ko-KR" altLang="en-US" smtClean="0"/>
-              <a:t>2021. 12. 14.</a:t>
+              <a:t>2021. 12. 16.</a:t>
             </a:fld>
             <a:endParaRPr lang="ko-KR" altLang="en-US"/>
           </a:p>
@@ -1817,7 +1817,7 @@
           <a:p>
             <a:fld id="{E871AFEF-E56D-43CB-B2BD-C2590331E35B}" type="datetimeFigureOut">
               <a:rPr lang="ko-KR" altLang="en-US" smtClean="0"/>
-              <a:t>2021. 12. 14.</a:t>
+              <a:t>2021. 12. 16.</a:t>
             </a:fld>
             <a:endParaRPr lang="ko-KR" altLang="en-US"/>
           </a:p>
@@ -1958,7 +1958,7 @@
           <a:p>
             <a:fld id="{E871AFEF-E56D-43CB-B2BD-C2590331E35B}" type="datetimeFigureOut">
               <a:rPr lang="ko-KR" altLang="en-US" smtClean="0"/>
-              <a:t>2021. 12. 14.</a:t>
+              <a:t>2021. 12. 16.</a:t>
             </a:fld>
             <a:endParaRPr lang="ko-KR" altLang="en-US"/>
           </a:p>
@@ -2071,7 +2071,7 @@
           <a:p>
             <a:fld id="{E871AFEF-E56D-43CB-B2BD-C2590331E35B}" type="datetimeFigureOut">
               <a:rPr lang="ko-KR" altLang="en-US" smtClean="0"/>
-              <a:t>2021. 12. 14.</a:t>
+              <a:t>2021. 12. 16.</a:t>
             </a:fld>
             <a:endParaRPr lang="ko-KR" altLang="en-US"/>
           </a:p>
@@ -2382,7 +2382,7 @@
           <a:p>
             <a:fld id="{E871AFEF-E56D-43CB-B2BD-C2590331E35B}" type="datetimeFigureOut">
               <a:rPr lang="ko-KR" altLang="en-US" smtClean="0"/>
-              <a:t>2021. 12. 14.</a:t>
+              <a:t>2021. 12. 16.</a:t>
             </a:fld>
             <a:endParaRPr lang="ko-KR" altLang="en-US"/>
           </a:p>
@@ -2670,7 +2670,7 @@
           <a:p>
             <a:fld id="{E871AFEF-E56D-43CB-B2BD-C2590331E35B}" type="datetimeFigureOut">
               <a:rPr lang="ko-KR" altLang="en-US" smtClean="0"/>
-              <a:t>2021. 12. 14.</a:t>
+              <a:t>2021. 12. 16.</a:t>
             </a:fld>
             <a:endParaRPr lang="ko-KR" altLang="en-US"/>
           </a:p>
@@ -2911,7 +2911,7 @@
           <a:p>
             <a:fld id="{E871AFEF-E56D-43CB-B2BD-C2590331E35B}" type="datetimeFigureOut">
               <a:rPr lang="ko-KR" altLang="en-US" smtClean="0"/>
-              <a:t>2021. 12. 14.</a:t>
+              <a:t>2021. 12. 16.</a:t>
             </a:fld>
             <a:endParaRPr lang="ko-KR" altLang="en-US"/>
           </a:p>
@@ -3343,7 +3343,7 @@
           <p:nvPr>
             <p:extLst>
               <p:ext uri="{D42A27DB-BD31-4B8C-83A1-F6EECF244321}">
-                <p14:modId xmlns:p14="http://schemas.microsoft.com/office/powerpoint/2010/main" val="1385150891"/>
+                <p14:modId xmlns:p14="http://schemas.microsoft.com/office/powerpoint/2010/main" val="2433711400"/>
               </p:ext>
             </p:extLst>
           </p:nvPr>
@@ -3641,7 +3641,7 @@
                   </a:ext>
                 </a:extLst>
               </a:tr>
-              <a:tr h="217424">
+              <a:tr h="302889">
                 <a:tc>
                   <a:txBody>
                     <a:bodyPr/>

--- a/설계.pptx
+++ b/설계.pptx
@@ -6,8 +6,6 @@
   </p:sldMasterIdLst>
   <p:sldIdLst>
     <p:sldId id="256" r:id="rId2"/>
-    <p:sldId id="257" r:id="rId3"/>
-    <p:sldId id="258" r:id="rId4"/>
   </p:sldIdLst>
   <p:sldSz cx="12192000" cy="6858000"/>
   <p:notesSz cx="6858000" cy="9144000"/>
@@ -261,7 +259,7 @@
           <a:p>
             <a:fld id="{E871AFEF-E56D-43CB-B2BD-C2590331E35B}" type="datetimeFigureOut">
               <a:rPr lang="ko-KR" altLang="en-US" smtClean="0"/>
-              <a:t>2021. 12. 16.</a:t>
+              <a:t>2021-12-31</a:t>
             </a:fld>
             <a:endParaRPr lang="ko-KR" altLang="en-US"/>
           </a:p>
@@ -459,7 +457,7 @@
           <a:p>
             <a:fld id="{E871AFEF-E56D-43CB-B2BD-C2590331E35B}" type="datetimeFigureOut">
               <a:rPr lang="ko-KR" altLang="en-US" smtClean="0"/>
-              <a:t>2021. 12. 16.</a:t>
+              <a:t>2021-12-31</a:t>
             </a:fld>
             <a:endParaRPr lang="ko-KR" altLang="en-US"/>
           </a:p>
@@ -667,7 +665,7 @@
           <a:p>
             <a:fld id="{E871AFEF-E56D-43CB-B2BD-C2590331E35B}" type="datetimeFigureOut">
               <a:rPr lang="ko-KR" altLang="en-US" smtClean="0"/>
-              <a:t>2021. 12. 16.</a:t>
+              <a:t>2021-12-31</a:t>
             </a:fld>
             <a:endParaRPr lang="ko-KR" altLang="en-US"/>
           </a:p>
@@ -865,7 +863,7 @@
           <a:p>
             <a:fld id="{E871AFEF-E56D-43CB-B2BD-C2590331E35B}" type="datetimeFigureOut">
               <a:rPr lang="ko-KR" altLang="en-US" smtClean="0"/>
-              <a:t>2021. 12. 16.</a:t>
+              <a:t>2021-12-31</a:t>
             </a:fld>
             <a:endParaRPr lang="ko-KR" altLang="en-US"/>
           </a:p>
@@ -1140,7 +1138,7 @@
           <a:p>
             <a:fld id="{E871AFEF-E56D-43CB-B2BD-C2590331E35B}" type="datetimeFigureOut">
               <a:rPr lang="ko-KR" altLang="en-US" smtClean="0"/>
-              <a:t>2021. 12. 16.</a:t>
+              <a:t>2021-12-31</a:t>
             </a:fld>
             <a:endParaRPr lang="ko-KR" altLang="en-US"/>
           </a:p>
@@ -1405,7 +1403,7 @@
           <a:p>
             <a:fld id="{E871AFEF-E56D-43CB-B2BD-C2590331E35B}" type="datetimeFigureOut">
               <a:rPr lang="ko-KR" altLang="en-US" smtClean="0"/>
-              <a:t>2021. 12. 16.</a:t>
+              <a:t>2021-12-31</a:t>
             </a:fld>
             <a:endParaRPr lang="ko-KR" altLang="en-US"/>
           </a:p>
@@ -1817,7 +1815,7 @@
           <a:p>
             <a:fld id="{E871AFEF-E56D-43CB-B2BD-C2590331E35B}" type="datetimeFigureOut">
               <a:rPr lang="ko-KR" altLang="en-US" smtClean="0"/>
-              <a:t>2021. 12. 16.</a:t>
+              <a:t>2021-12-31</a:t>
             </a:fld>
             <a:endParaRPr lang="ko-KR" altLang="en-US"/>
           </a:p>
@@ -1958,7 +1956,7 @@
           <a:p>
             <a:fld id="{E871AFEF-E56D-43CB-B2BD-C2590331E35B}" type="datetimeFigureOut">
               <a:rPr lang="ko-KR" altLang="en-US" smtClean="0"/>
-              <a:t>2021. 12. 16.</a:t>
+              <a:t>2021-12-31</a:t>
             </a:fld>
             <a:endParaRPr lang="ko-KR" altLang="en-US"/>
           </a:p>
@@ -2071,7 +2069,7 @@
           <a:p>
             <a:fld id="{E871AFEF-E56D-43CB-B2BD-C2590331E35B}" type="datetimeFigureOut">
               <a:rPr lang="ko-KR" altLang="en-US" smtClean="0"/>
-              <a:t>2021. 12. 16.</a:t>
+              <a:t>2021-12-31</a:t>
             </a:fld>
             <a:endParaRPr lang="ko-KR" altLang="en-US"/>
           </a:p>
@@ -2382,7 +2380,7 @@
           <a:p>
             <a:fld id="{E871AFEF-E56D-43CB-B2BD-C2590331E35B}" type="datetimeFigureOut">
               <a:rPr lang="ko-KR" altLang="en-US" smtClean="0"/>
-              <a:t>2021. 12. 16.</a:t>
+              <a:t>2021-12-31</a:t>
             </a:fld>
             <a:endParaRPr lang="ko-KR" altLang="en-US"/>
           </a:p>
@@ -2670,7 +2668,7 @@
           <a:p>
             <a:fld id="{E871AFEF-E56D-43CB-B2BD-C2590331E35B}" type="datetimeFigureOut">
               <a:rPr lang="ko-KR" altLang="en-US" smtClean="0"/>
-              <a:t>2021. 12. 16.</a:t>
+              <a:t>2021-12-31</a:t>
             </a:fld>
             <a:endParaRPr lang="ko-KR" altLang="en-US"/>
           </a:p>
@@ -2911,7 +2909,7 @@
           <a:p>
             <a:fld id="{E871AFEF-E56D-43CB-B2BD-C2590331E35B}" type="datetimeFigureOut">
               <a:rPr lang="ko-KR" altLang="en-US" smtClean="0"/>
-              <a:t>2021. 12. 16.</a:t>
+              <a:t>2021-12-31</a:t>
             </a:fld>
             <a:endParaRPr lang="ko-KR" altLang="en-US"/>
           </a:p>
@@ -7062,1816 +7060,6 @@
 </p:sld>
 </file>
 
-<file path=ppt/slides/slide2.xml><?xml version="1.0" encoding="utf-8"?>
-<p:sld xmlns:a="http://schemas.openxmlformats.org/drawingml/2006/main" xmlns:r="http://schemas.openxmlformats.org/officeDocument/2006/relationships" xmlns:p="http://schemas.openxmlformats.org/presentationml/2006/main">
-  <p:cSld>
-    <p:spTree>
-      <p:nvGrpSpPr>
-        <p:cNvPr id="1" name=""/>
-        <p:cNvGrpSpPr/>
-        <p:nvPr/>
-      </p:nvGrpSpPr>
-      <p:grpSpPr>
-        <a:xfrm>
-          <a:off x="0" y="0"/>
-          <a:ext cx="0" cy="0"/>
-          <a:chOff x="0" y="0"/>
-          <a:chExt cx="0" cy="0"/>
-        </a:xfrm>
-      </p:grpSpPr>
-      <p:graphicFrame>
-        <p:nvGraphicFramePr>
-          <p:cNvPr id="2" name="표 2">
-            <a:extLst>
-              <a:ext uri="{FF2B5EF4-FFF2-40B4-BE49-F238E27FC236}">
-                <a16:creationId xmlns:a16="http://schemas.microsoft.com/office/drawing/2014/main" id="{CC300455-4F74-BF47-AFFF-B0674FF1458B}"/>
-              </a:ext>
-            </a:extLst>
-          </p:cNvPr>
-          <p:cNvGraphicFramePr>
-            <a:graphicFrameLocks noGrp="1"/>
-          </p:cNvGraphicFramePr>
-          <p:nvPr>
-            <p:extLst>
-              <p:ext uri="{D42A27DB-BD31-4B8C-83A1-F6EECF244321}">
-                <p14:modId xmlns:p14="http://schemas.microsoft.com/office/powerpoint/2010/main" val="2719081351"/>
-              </p:ext>
-            </p:extLst>
-          </p:nvPr>
-        </p:nvGraphicFramePr>
-        <p:xfrm>
-          <a:off x="0" y="17912"/>
-          <a:ext cx="12192001" cy="3265761"/>
-        </p:xfrm>
-        <a:graphic>
-          <a:graphicData uri="http://schemas.openxmlformats.org/drawingml/2006/table">
-            <a:tbl>
-              <a:tblPr firstRow="1" bandRow="1">
-                <a:tableStyleId>{5C22544A-7EE6-4342-B048-85BDC9FD1C3A}</a:tableStyleId>
-              </a:tblPr>
-              <a:tblGrid>
-                <a:gridCol w="1739900">
-                  <a:extLst>
-                    <a:ext uri="{9D8B030D-6E8A-4147-A177-3AD203B41FA5}">
-                      <a16:colId xmlns:a16="http://schemas.microsoft.com/office/drawing/2014/main" val="1489473714"/>
-                    </a:ext>
-                  </a:extLst>
-                </a:gridCol>
-                <a:gridCol w="2513123">
-                  <a:extLst>
-                    <a:ext uri="{9D8B030D-6E8A-4147-A177-3AD203B41FA5}">
-                      <a16:colId xmlns:a16="http://schemas.microsoft.com/office/drawing/2014/main" val="3533057056"/>
-                    </a:ext>
-                  </a:extLst>
-                </a:gridCol>
-                <a:gridCol w="3849577">
-                  <a:extLst>
-                    <a:ext uri="{9D8B030D-6E8A-4147-A177-3AD203B41FA5}">
-                      <a16:colId xmlns:a16="http://schemas.microsoft.com/office/drawing/2014/main" val="3633217806"/>
-                    </a:ext>
-                  </a:extLst>
-                </a:gridCol>
-                <a:gridCol w="1692001">
-                  <a:extLst>
-                    <a:ext uri="{9D8B030D-6E8A-4147-A177-3AD203B41FA5}">
-                      <a16:colId xmlns:a16="http://schemas.microsoft.com/office/drawing/2014/main" val="2914489929"/>
-                    </a:ext>
-                  </a:extLst>
-                </a:gridCol>
-                <a:gridCol w="2397400">
-                  <a:extLst>
-                    <a:ext uri="{9D8B030D-6E8A-4147-A177-3AD203B41FA5}">
-                      <a16:colId xmlns:a16="http://schemas.microsoft.com/office/drawing/2014/main" val="2539804702"/>
-                    </a:ext>
-                  </a:extLst>
-                </a:gridCol>
-              </a:tblGrid>
-              <a:tr h="407243">
-                <a:tc>
-                  <a:txBody>
-                    <a:bodyPr/>
-                    <a:lstStyle/>
-                    <a:p>
-                      <a:pPr algn="ctr"/>
-                      <a:r>
-                        <a:rPr lang="en-US" altLang="ko-Kore-KR" dirty="0"/>
-                        <a:t>Method/</a:t>
-                      </a:r>
-                      <a:r>
-                        <a:rPr lang="en-US" altLang="ko-Kore-KR" dirty="0" err="1"/>
-                        <a:t>url</a:t>
-                      </a:r>
-                      <a:endParaRPr lang="ko-Kore-KR" altLang="en-US" dirty="0"/>
-                    </a:p>
-                  </a:txBody>
-                  <a:tcPr anchor="ctr"/>
-                </a:tc>
-                <a:tc>
-                  <a:txBody>
-                    <a:bodyPr/>
-                    <a:lstStyle/>
-                    <a:p>
-                      <a:pPr algn="ctr"/>
-                      <a:r>
-                        <a:rPr lang="en-US" altLang="ko-Kore-KR" dirty="0"/>
-                        <a:t>Return html</a:t>
-                      </a:r>
-                      <a:endParaRPr lang="ko-Kore-KR" altLang="en-US" dirty="0"/>
-                    </a:p>
-                  </a:txBody>
-                  <a:tcPr anchor="ctr"/>
-                </a:tc>
-                <a:tc>
-                  <a:txBody>
-                    <a:bodyPr/>
-                    <a:lstStyle/>
-                    <a:p>
-                      <a:pPr algn="ctr"/>
-                      <a:r>
-                        <a:rPr lang="en-US" altLang="ko-Kore-KR" dirty="0"/>
-                        <a:t>Data(Valid)</a:t>
-                      </a:r>
-                      <a:endParaRPr lang="ko-Kore-KR" altLang="en-US" dirty="0"/>
-                    </a:p>
-                  </a:txBody>
-                  <a:tcPr anchor="ctr"/>
-                </a:tc>
-                <a:tc>
-                  <a:txBody>
-                    <a:bodyPr/>
-                    <a:lstStyle/>
-                    <a:p>
-                      <a:pPr algn="ctr"/>
-                      <a:r>
-                        <a:rPr lang="en-US" altLang="ko-Kore-KR" dirty="0" err="1"/>
-                        <a:t>arg</a:t>
-                      </a:r>
-                      <a:endParaRPr lang="ko-Kore-KR" altLang="en-US" dirty="0"/>
-                    </a:p>
-                  </a:txBody>
-                  <a:tcPr anchor="ctr"/>
-                </a:tc>
-                <a:tc>
-                  <a:txBody>
-                    <a:bodyPr/>
-                    <a:lstStyle/>
-                    <a:p>
-                      <a:pPr algn="ctr"/>
-                      <a:r>
-                        <a:rPr lang="en-US" altLang="ko-Kore-KR" dirty="0"/>
-                        <a:t>model</a:t>
-                      </a:r>
-                      <a:endParaRPr lang="ko-Kore-KR" altLang="en-US" dirty="0"/>
-                    </a:p>
-                  </a:txBody>
-                  <a:tcPr anchor="ctr"/>
-                </a:tc>
-                <a:extLst>
-                  <a:ext uri="{0D108BD9-81ED-4DB2-BD59-A6C34878D82A}">
-                    <a16:rowId xmlns:a16="http://schemas.microsoft.com/office/drawing/2014/main" val="1302320296"/>
-                  </a:ext>
-                </a:extLst>
-              </a:tr>
-              <a:tr h="407243">
-                <a:tc>
-                  <a:txBody>
-                    <a:bodyPr/>
-                    <a:lstStyle/>
-                    <a:p>
-                      <a:pPr algn="ctr"/>
-                      <a:r>
-                        <a:rPr lang="en-US" altLang="ko-Kore-KR" sz="1400" dirty="0"/>
-                        <a:t>Get / login</a:t>
-                      </a:r>
-                      <a:endParaRPr lang="ko-Kore-KR" altLang="en-US" sz="1400" dirty="0"/>
-                    </a:p>
-                  </a:txBody>
-                  <a:tcPr anchor="ctr"/>
-                </a:tc>
-                <a:tc>
-                  <a:txBody>
-                    <a:bodyPr/>
-                    <a:lstStyle/>
-                    <a:p>
-                      <a:pPr algn="ctr"/>
-                      <a:r>
-                        <a:rPr lang="en-US" altLang="ko-Kore-KR" sz="1400" dirty="0"/>
-                        <a:t>member/login/login</a:t>
-                      </a:r>
-                      <a:endParaRPr lang="ko-Kore-KR" altLang="en-US" sz="1400" dirty="0"/>
-                    </a:p>
-                  </a:txBody>
-                  <a:tcPr anchor="ctr"/>
-                </a:tc>
-                <a:tc>
-                  <a:txBody>
-                    <a:bodyPr/>
-                    <a:lstStyle/>
-                    <a:p>
-                      <a:pPr algn="ctr"/>
-                      <a:r>
-                        <a:rPr lang="en-US" altLang="ko-Kore-KR" sz="1400" dirty="0"/>
-                        <a:t>x</a:t>
-                      </a:r>
-                      <a:endParaRPr lang="ko-Kore-KR" altLang="en-US" sz="1400" dirty="0"/>
-                    </a:p>
-                  </a:txBody>
-                  <a:tcPr anchor="ctr"/>
-                </a:tc>
-                <a:tc>
-                  <a:txBody>
-                    <a:bodyPr/>
-                    <a:lstStyle/>
-                    <a:p>
-                      <a:pPr algn="ctr"/>
-                      <a:endParaRPr lang="ko-Kore-KR" altLang="en-US" sz="1400" dirty="0"/>
-                    </a:p>
-                  </a:txBody>
-                  <a:tcPr anchor="ctr"/>
-                </a:tc>
-                <a:tc>
-                  <a:txBody>
-                    <a:bodyPr/>
-                    <a:lstStyle/>
-                    <a:p>
-                      <a:pPr algn="ctr"/>
-                      <a:r>
-                        <a:rPr lang="en-US" altLang="ko-Kore-KR" sz="1400" dirty="0" err="1"/>
-                        <a:t>LoginForm</a:t>
-                      </a:r>
-                      <a:endParaRPr lang="ko-Kore-KR" altLang="en-US" sz="1400" dirty="0"/>
-                    </a:p>
-                  </a:txBody>
-                  <a:tcPr anchor="ctr"/>
-                </a:tc>
-                <a:extLst>
-                  <a:ext uri="{0D108BD9-81ED-4DB2-BD59-A6C34878D82A}">
-                    <a16:rowId xmlns:a16="http://schemas.microsoft.com/office/drawing/2014/main" val="3407941668"/>
-                  </a:ext>
-                </a:extLst>
-              </a:tr>
-              <a:tr h="702912">
-                <a:tc>
-                  <a:txBody>
-                    <a:bodyPr/>
-                    <a:lstStyle/>
-                    <a:p>
-                      <a:pPr algn="ctr"/>
-                      <a:r>
-                        <a:rPr lang="en-US" altLang="ko-Kore-KR" sz="1400" dirty="0"/>
-                        <a:t>Post / login</a:t>
-                      </a:r>
-                      <a:endParaRPr lang="ko-Kore-KR" altLang="en-US" sz="1400" dirty="0"/>
-                    </a:p>
-                  </a:txBody>
-                  <a:tcPr anchor="ctr"/>
-                </a:tc>
-                <a:tc>
-                  <a:txBody>
-                    <a:bodyPr/>
-                    <a:lstStyle/>
-                    <a:p>
-                      <a:pPr algn="ctr"/>
-                      <a:r>
-                        <a:rPr lang="en" altLang="ko-Kore-KR" sz="1400" kern="1200" dirty="0">
-                          <a:solidFill>
-                            <a:schemeClr val="dk1"/>
-                          </a:solidFill>
-                          <a:effectLst/>
-                          <a:latin typeface="+mn-lt"/>
-                          <a:ea typeface="+mn-ea"/>
-                          <a:cs typeface="+mn-cs"/>
-                        </a:rPr>
-                        <a:t>member/</a:t>
-                      </a:r>
-                      <a:r>
-                        <a:rPr lang="en" altLang="ko-Kore-KR" sz="1400" kern="1200" dirty="0" err="1">
-                          <a:solidFill>
-                            <a:schemeClr val="dk1"/>
-                          </a:solidFill>
-                          <a:effectLst/>
-                          <a:latin typeface="+mn-lt"/>
-                          <a:ea typeface="+mn-ea"/>
-                          <a:cs typeface="+mn-cs"/>
-                        </a:rPr>
-                        <a:t>memberDetail</a:t>
-                      </a:r>
-                      <a:endParaRPr lang="ko-Kore-KR" altLang="en-US" sz="1400" dirty="0"/>
-                    </a:p>
-                  </a:txBody>
-                  <a:tcPr anchor="ctr"/>
-                </a:tc>
-                <a:tc>
-                  <a:txBody>
-                    <a:bodyPr/>
-                    <a:lstStyle/>
-                    <a:p>
-                      <a:pPr algn="l"/>
-                      <a:r>
-                        <a:rPr lang="en-US" altLang="ko-Kore-KR" sz="1400" dirty="0"/>
-                        <a:t>email(@Email, @</a:t>
-                      </a:r>
-                      <a:r>
-                        <a:rPr lang="en-US" altLang="ko-Kore-KR" sz="1400" dirty="0" err="1"/>
-                        <a:t>NotBlank</a:t>
-                      </a:r>
-                      <a:r>
-                        <a:rPr lang="en-US" altLang="ko-Kore-KR" sz="1400" dirty="0"/>
-                        <a:t>)</a:t>
-                      </a:r>
-                    </a:p>
-                    <a:p>
-                      <a:pPr algn="l"/>
-                      <a:r>
-                        <a:rPr lang="en-US" altLang="ko-Kore-KR" sz="1400" dirty="0"/>
-                        <a:t>password(</a:t>
-                      </a:r>
-                      <a:r>
-                        <a:rPr lang="en" altLang="ko-Kore-KR" sz="1400" kern="1200" dirty="0">
-                          <a:solidFill>
-                            <a:schemeClr val="dk1"/>
-                          </a:solidFill>
-                          <a:effectLst/>
-                          <a:latin typeface="+mn-lt"/>
-                          <a:ea typeface="+mn-ea"/>
-                          <a:cs typeface="+mn-cs"/>
-                        </a:rPr>
-                        <a:t>@Size</a:t>
-                      </a:r>
-                      <a:r>
-                        <a:rPr lang="en" altLang="ko-Kore-KR" sz="1400" i="1" kern="1200" dirty="0">
-                          <a:solidFill>
-                            <a:schemeClr val="dk1"/>
-                          </a:solidFill>
-                          <a:effectLst/>
-                          <a:latin typeface="+mn-lt"/>
-                          <a:ea typeface="+mn-ea"/>
-                          <a:cs typeface="+mn-cs"/>
-                        </a:rPr>
-                        <a:t>(</a:t>
-                      </a:r>
-                      <a:r>
-                        <a:rPr lang="en" altLang="ko-Kore-KR" sz="1400" dirty="0"/>
-                        <a:t>min=</a:t>
-                      </a:r>
-                      <a:r>
-                        <a:rPr lang="en" altLang="ko-Kore-KR" sz="1400" kern="1200" dirty="0">
-                          <a:solidFill>
-                            <a:schemeClr val="dk1"/>
-                          </a:solidFill>
-                          <a:effectLst/>
-                          <a:latin typeface="+mn-lt"/>
-                          <a:ea typeface="+mn-ea"/>
-                          <a:cs typeface="+mn-cs"/>
-                        </a:rPr>
-                        <a:t>6, </a:t>
-                      </a:r>
-                      <a:r>
-                        <a:rPr lang="en" altLang="ko-Kore-KR" sz="1400" dirty="0"/>
-                        <a:t>max=</a:t>
-                      </a:r>
-                      <a:r>
-                        <a:rPr lang="en" altLang="ko-Kore-KR" sz="1400" kern="1200" dirty="0">
-                          <a:solidFill>
-                            <a:schemeClr val="dk1"/>
-                          </a:solidFill>
-                          <a:effectLst/>
-                          <a:latin typeface="+mn-lt"/>
-                          <a:ea typeface="+mn-ea"/>
-                          <a:cs typeface="+mn-cs"/>
-                        </a:rPr>
-                        <a:t>20</a:t>
-                      </a:r>
-                      <a:r>
-                        <a:rPr lang="en" altLang="ko-Kore-KR" sz="1400" i="1" kern="1200" dirty="0">
-                          <a:solidFill>
-                            <a:schemeClr val="dk1"/>
-                          </a:solidFill>
-                          <a:effectLst/>
-                          <a:latin typeface="+mn-lt"/>
-                          <a:ea typeface="+mn-ea"/>
-                          <a:cs typeface="+mn-cs"/>
-                        </a:rPr>
-                        <a:t>))</a:t>
-                      </a:r>
-                      <a:endParaRPr lang="ko-Kore-KR" altLang="en-US" sz="1400" dirty="0"/>
-                    </a:p>
-                  </a:txBody>
-                  <a:tcPr anchor="ctr"/>
-                </a:tc>
-                <a:tc>
-                  <a:txBody>
-                    <a:bodyPr/>
-                    <a:lstStyle/>
-                    <a:p>
-                      <a:pPr algn="ctr"/>
-                      <a:r>
-                        <a:rPr lang="en-US" altLang="ko-Kore-KR" sz="1400" dirty="0" err="1"/>
-                        <a:t>LoginForm</a:t>
-                      </a:r>
-                      <a:endParaRPr lang="ko-Kore-KR" altLang="en-US" sz="1400" dirty="0"/>
-                    </a:p>
-                  </a:txBody>
-                  <a:tcPr anchor="ctr"/>
-                </a:tc>
-                <a:tc>
-                  <a:txBody>
-                    <a:bodyPr/>
-                    <a:lstStyle/>
-                    <a:p>
-                      <a:pPr algn="ctr"/>
-                      <a:r>
-                        <a:rPr lang="en" altLang="ko-Kore-KR" sz="1400" dirty="0"/>
-                        <a:t>M</a:t>
-                      </a:r>
-                      <a:r>
-                        <a:rPr lang="en" altLang="ko-Kore-KR" sz="1400"/>
-                        <a:t>emberDetail</a:t>
-                      </a:r>
-                      <a:endParaRPr lang="ko-Kore-KR" altLang="en-US" sz="1400" dirty="0"/>
-                    </a:p>
-                  </a:txBody>
-                  <a:tcPr anchor="ctr"/>
-                </a:tc>
-                <a:extLst>
-                  <a:ext uri="{0D108BD9-81ED-4DB2-BD59-A6C34878D82A}">
-                    <a16:rowId xmlns:a16="http://schemas.microsoft.com/office/drawing/2014/main" val="1412555143"/>
-                  </a:ext>
-                </a:extLst>
-              </a:tr>
-              <a:tr h="407243">
-                <a:tc>
-                  <a:txBody>
-                    <a:bodyPr/>
-                    <a:lstStyle/>
-                    <a:p>
-                      <a:pPr algn="ctr"/>
-                      <a:r>
-                        <a:rPr lang="en-US" altLang="ko-Kore-KR" sz="1400" dirty="0"/>
-                        <a:t>Get / signup</a:t>
-                      </a:r>
-                      <a:endParaRPr lang="ko-Kore-KR" altLang="en-US" sz="1400" dirty="0"/>
-                    </a:p>
-                  </a:txBody>
-                  <a:tcPr anchor="ctr"/>
-                </a:tc>
-                <a:tc>
-                  <a:txBody>
-                    <a:bodyPr/>
-                    <a:lstStyle/>
-                    <a:p>
-                      <a:pPr algn="ctr"/>
-                      <a:r>
-                        <a:rPr lang="en-US" altLang="ko-Kore-KR" sz="1400" dirty="0"/>
-                        <a:t>member/signup/signup</a:t>
-                      </a:r>
-                      <a:endParaRPr lang="ko-Kore-KR" altLang="en-US" sz="1400" dirty="0"/>
-                    </a:p>
-                  </a:txBody>
-                  <a:tcPr anchor="ctr"/>
-                </a:tc>
-                <a:tc>
-                  <a:txBody>
-                    <a:bodyPr/>
-                    <a:lstStyle/>
-                    <a:p>
-                      <a:pPr algn="ctr"/>
-                      <a:r>
-                        <a:rPr lang="en-US" altLang="ko-Kore-KR" sz="1400" dirty="0"/>
-                        <a:t>x</a:t>
-                      </a:r>
-                      <a:endParaRPr lang="ko-Kore-KR" altLang="en-US" sz="1400" dirty="0"/>
-                    </a:p>
-                  </a:txBody>
-                  <a:tcPr anchor="ctr"/>
-                </a:tc>
-                <a:tc>
-                  <a:txBody>
-                    <a:bodyPr/>
-                    <a:lstStyle/>
-                    <a:p>
-                      <a:pPr algn="ctr"/>
-                      <a:endParaRPr lang="ko-Kore-KR" altLang="en-US" sz="1400" dirty="0"/>
-                    </a:p>
-                  </a:txBody>
-                  <a:tcPr anchor="ctr"/>
-                </a:tc>
-                <a:tc>
-                  <a:txBody>
-                    <a:bodyPr/>
-                    <a:lstStyle/>
-                    <a:p>
-                      <a:pPr algn="ctr"/>
-                      <a:r>
-                        <a:rPr lang="en-US" altLang="ko-Kore-KR" sz="1400" dirty="0" err="1"/>
-                        <a:t>SignupForm</a:t>
-                      </a:r>
-                      <a:endParaRPr lang="ko-Kore-KR" altLang="en-US" sz="1400" dirty="0"/>
-                    </a:p>
-                  </a:txBody>
-                  <a:tcPr anchor="ctr"/>
-                </a:tc>
-                <a:extLst>
-                  <a:ext uri="{0D108BD9-81ED-4DB2-BD59-A6C34878D82A}">
-                    <a16:rowId xmlns:a16="http://schemas.microsoft.com/office/drawing/2014/main" val="407931481"/>
-                  </a:ext>
-                </a:extLst>
-              </a:tr>
-              <a:tr h="0">
-                <a:tc>
-                  <a:txBody>
-                    <a:bodyPr/>
-                    <a:lstStyle/>
-                    <a:p>
-                      <a:pPr algn="ctr"/>
-                      <a:r>
-                        <a:rPr lang="en-US" altLang="ko-Kore-KR" sz="1400" dirty="0"/>
-                        <a:t>Post / signup</a:t>
-                      </a:r>
-                      <a:endParaRPr lang="ko-Kore-KR" altLang="en-US" sz="1400" dirty="0"/>
-                    </a:p>
-                  </a:txBody>
-                  <a:tcPr anchor="ctr"/>
-                </a:tc>
-                <a:tc>
-                  <a:txBody>
-                    <a:bodyPr/>
-                    <a:lstStyle/>
-                    <a:p>
-                      <a:pPr algn="ctr"/>
-                      <a:r>
-                        <a:rPr lang="en" altLang="ko-Kore-KR" sz="1400" kern="1200" dirty="0">
-                          <a:solidFill>
-                            <a:schemeClr val="dk1"/>
-                          </a:solidFill>
-                          <a:effectLst/>
-                          <a:latin typeface="+mn-lt"/>
-                          <a:ea typeface="+mn-ea"/>
-                          <a:cs typeface="+mn-cs"/>
-                        </a:rPr>
-                        <a:t>member/signup/standby</a:t>
-                      </a:r>
-                      <a:endParaRPr lang="ko-Kore-KR" altLang="en-US" sz="1400" dirty="0"/>
-                    </a:p>
-                  </a:txBody>
-                  <a:tcPr anchor="ctr"/>
-                </a:tc>
-                <a:tc>
-                  <a:txBody>
-                    <a:bodyPr/>
-                    <a:lstStyle/>
-                    <a:p>
-                      <a:pPr algn="l"/>
-                      <a:r>
-                        <a:rPr lang="en" altLang="ko-Kore-KR" sz="1400" kern="1200" dirty="0">
-                          <a:solidFill>
-                            <a:schemeClr val="dk1"/>
-                          </a:solidFill>
-                          <a:effectLst/>
-                          <a:latin typeface="+mn-lt"/>
-                          <a:ea typeface="+mn-ea"/>
-                          <a:cs typeface="+mn-cs"/>
-                        </a:rPr>
-                        <a:t>name(@</a:t>
-                      </a:r>
-                      <a:r>
-                        <a:rPr lang="en" altLang="ko-Kore-KR" sz="1400" kern="1200" dirty="0" err="1">
-                          <a:solidFill>
-                            <a:schemeClr val="dk1"/>
-                          </a:solidFill>
-                          <a:effectLst/>
-                          <a:latin typeface="+mn-lt"/>
-                          <a:ea typeface="+mn-ea"/>
-                          <a:cs typeface="+mn-cs"/>
-                        </a:rPr>
-                        <a:t>NotBlank</a:t>
-                      </a:r>
-                      <a:r>
-                        <a:rPr lang="en" altLang="ko-Kore-KR" sz="1400" kern="1200" dirty="0">
-                          <a:solidFill>
-                            <a:schemeClr val="dk1"/>
-                          </a:solidFill>
-                          <a:effectLst/>
-                          <a:latin typeface="+mn-lt"/>
-                          <a:ea typeface="+mn-ea"/>
-                          <a:cs typeface="+mn-cs"/>
-                        </a:rPr>
-                        <a:t>)</a:t>
-                      </a:r>
-                      <a:br>
-                        <a:rPr lang="en" altLang="ko-Kore-KR" sz="1400" kern="1200" dirty="0">
-                          <a:solidFill>
-                            <a:schemeClr val="dk1"/>
-                          </a:solidFill>
-                          <a:effectLst/>
-                          <a:latin typeface="+mn-lt"/>
-                          <a:ea typeface="+mn-ea"/>
-                          <a:cs typeface="+mn-cs"/>
-                        </a:rPr>
-                      </a:br>
-                      <a:r>
-                        <a:rPr lang="en" altLang="ko-Kore-KR" sz="1400" kern="1200" dirty="0">
-                          <a:solidFill>
-                            <a:schemeClr val="dk1"/>
-                          </a:solidFill>
-                          <a:effectLst/>
-                          <a:latin typeface="+mn-lt"/>
-                          <a:ea typeface="+mn-ea"/>
-                          <a:cs typeface="+mn-cs"/>
-                        </a:rPr>
-                        <a:t>email(@</a:t>
-                      </a:r>
-                      <a:r>
-                        <a:rPr lang="en" altLang="ko-Kore-KR" sz="1400" kern="1200" dirty="0" err="1">
-                          <a:solidFill>
-                            <a:schemeClr val="dk1"/>
-                          </a:solidFill>
-                          <a:effectLst/>
-                          <a:latin typeface="+mn-lt"/>
-                          <a:ea typeface="+mn-ea"/>
-                          <a:cs typeface="+mn-cs"/>
-                        </a:rPr>
-                        <a:t>NotBlank</a:t>
-                      </a:r>
-                      <a:r>
-                        <a:rPr lang="en" altLang="ko-Kore-KR" sz="1400" kern="1200" dirty="0">
-                          <a:solidFill>
-                            <a:schemeClr val="dk1"/>
-                          </a:solidFill>
-                          <a:effectLst/>
-                          <a:latin typeface="+mn-lt"/>
-                          <a:ea typeface="+mn-ea"/>
-                          <a:cs typeface="+mn-cs"/>
-                        </a:rPr>
-                        <a:t> @Email)</a:t>
-                      </a:r>
-                      <a:br>
-                        <a:rPr lang="en" altLang="ko-Kore-KR" sz="1400" i="1" kern="1200" dirty="0">
-                          <a:solidFill>
-                            <a:schemeClr val="dk1"/>
-                          </a:solidFill>
-                          <a:effectLst/>
-                          <a:latin typeface="+mn-lt"/>
-                          <a:ea typeface="+mn-ea"/>
-                          <a:cs typeface="+mn-cs"/>
-                        </a:rPr>
-                      </a:br>
-                      <a:r>
-                        <a:rPr lang="en" altLang="ko-Kore-KR" sz="1400" kern="1200" dirty="0">
-                          <a:solidFill>
-                            <a:schemeClr val="dk1"/>
-                          </a:solidFill>
-                          <a:effectLst/>
-                          <a:latin typeface="+mn-lt"/>
-                          <a:ea typeface="+mn-ea"/>
-                          <a:cs typeface="+mn-cs"/>
-                        </a:rPr>
-                        <a:t>password(@Size</a:t>
-                      </a:r>
-                      <a:r>
-                        <a:rPr lang="en" altLang="ko-Kore-KR" sz="1400" i="1" kern="1200" dirty="0">
-                          <a:solidFill>
-                            <a:schemeClr val="dk1"/>
-                          </a:solidFill>
-                          <a:effectLst/>
-                          <a:latin typeface="+mn-lt"/>
-                          <a:ea typeface="+mn-ea"/>
-                          <a:cs typeface="+mn-cs"/>
-                        </a:rPr>
-                        <a:t>(</a:t>
-                      </a:r>
-                      <a:r>
-                        <a:rPr lang="en" altLang="ko-Kore-KR" sz="1400" dirty="0"/>
-                        <a:t>min=</a:t>
-                      </a:r>
-                      <a:r>
-                        <a:rPr lang="en" altLang="ko-Kore-KR" sz="1400" kern="1200" dirty="0">
-                          <a:solidFill>
-                            <a:schemeClr val="dk1"/>
-                          </a:solidFill>
-                          <a:effectLst/>
-                          <a:latin typeface="+mn-lt"/>
-                          <a:ea typeface="+mn-ea"/>
-                          <a:cs typeface="+mn-cs"/>
-                        </a:rPr>
-                        <a:t>6, </a:t>
-                      </a:r>
-                      <a:r>
-                        <a:rPr lang="en" altLang="ko-Kore-KR" sz="1400" dirty="0"/>
-                        <a:t>max=</a:t>
-                      </a:r>
-                      <a:r>
-                        <a:rPr lang="en" altLang="ko-Kore-KR" sz="1400" kern="1200" dirty="0">
-                          <a:solidFill>
-                            <a:schemeClr val="dk1"/>
-                          </a:solidFill>
-                          <a:effectLst/>
-                          <a:latin typeface="+mn-lt"/>
-                          <a:ea typeface="+mn-ea"/>
-                          <a:cs typeface="+mn-cs"/>
-                        </a:rPr>
-                        <a:t>20</a:t>
-                      </a:r>
-                      <a:r>
-                        <a:rPr lang="en" altLang="ko-Kore-KR" sz="1400" i="1" kern="1200" dirty="0">
-                          <a:solidFill>
-                            <a:schemeClr val="dk1"/>
-                          </a:solidFill>
-                          <a:effectLst/>
-                          <a:latin typeface="+mn-lt"/>
-                          <a:ea typeface="+mn-ea"/>
-                          <a:cs typeface="+mn-cs"/>
-                        </a:rPr>
-                        <a:t>))</a:t>
-                      </a:r>
-                      <a:endParaRPr lang="ko-Kore-KR" altLang="en-US" sz="1400" dirty="0"/>
-                    </a:p>
-                  </a:txBody>
-                  <a:tcPr anchor="ctr"/>
-                </a:tc>
-                <a:tc>
-                  <a:txBody>
-                    <a:bodyPr/>
-                    <a:lstStyle/>
-                    <a:p>
-                      <a:pPr algn="ctr"/>
-                      <a:r>
-                        <a:rPr lang="en-US" altLang="ko-Kore-KR" sz="1400" dirty="0" err="1"/>
-                        <a:t>SignupForm</a:t>
-                      </a:r>
-                      <a:endParaRPr lang="ko-Kore-KR" altLang="en-US" sz="1400" dirty="0"/>
-                    </a:p>
-                  </a:txBody>
-                  <a:tcPr anchor="ctr"/>
-                </a:tc>
-                <a:tc>
-                  <a:txBody>
-                    <a:bodyPr/>
-                    <a:lstStyle/>
-                    <a:p>
-                      <a:pPr algn="ctr"/>
-                      <a:endParaRPr lang="ko-Kore-KR" altLang="en-US" sz="1400" dirty="0"/>
-                    </a:p>
-                  </a:txBody>
-                  <a:tcPr anchor="ctr"/>
-                </a:tc>
-                <a:extLst>
-                  <a:ext uri="{0D108BD9-81ED-4DB2-BD59-A6C34878D82A}">
-                    <a16:rowId xmlns:a16="http://schemas.microsoft.com/office/drawing/2014/main" val="870056479"/>
-                  </a:ext>
-                </a:extLst>
-              </a:tr>
-              <a:tr h="263949">
-                <a:tc>
-                  <a:txBody>
-                    <a:bodyPr/>
-                    <a:lstStyle/>
-                    <a:p>
-                      <a:pPr algn="ctr"/>
-                      <a:r>
-                        <a:rPr lang="en-US" altLang="ko-Kore-KR" sz="1400" dirty="0"/>
-                        <a:t>Get / logout</a:t>
-                      </a:r>
-                      <a:endParaRPr lang="ko-Kore-KR" altLang="en-US" sz="1400" dirty="0"/>
-                    </a:p>
-                  </a:txBody>
-                  <a:tcPr anchor="ctr"/>
-                </a:tc>
-                <a:tc>
-                  <a:txBody>
-                    <a:bodyPr/>
-                    <a:lstStyle/>
-                    <a:p>
-                      <a:pPr algn="ctr"/>
-                      <a:r>
-                        <a:rPr lang="en" altLang="ko-Kore-KR" sz="1400" kern="1200" dirty="0">
-                          <a:solidFill>
-                            <a:schemeClr val="dk1"/>
-                          </a:solidFill>
-                          <a:effectLst/>
-                          <a:latin typeface="+mn-lt"/>
-                          <a:ea typeface="+mn-ea"/>
-                          <a:cs typeface="+mn-cs"/>
-                        </a:rPr>
-                        <a:t>member/login/login</a:t>
-                      </a:r>
-                      <a:endParaRPr lang="ko-Kore-KR" altLang="en-US" sz="1400" dirty="0"/>
-                    </a:p>
-                  </a:txBody>
-                  <a:tcPr anchor="ctr"/>
-                </a:tc>
-                <a:tc>
-                  <a:txBody>
-                    <a:bodyPr/>
-                    <a:lstStyle/>
-                    <a:p>
-                      <a:pPr algn="ctr"/>
-                      <a:r>
-                        <a:rPr lang="en-US" altLang="ko-Kore-KR" sz="1400" dirty="0"/>
-                        <a:t>x</a:t>
-                      </a:r>
-                      <a:endParaRPr lang="ko-Kore-KR" altLang="en-US" sz="1400" dirty="0"/>
-                    </a:p>
-                  </a:txBody>
-                  <a:tcPr anchor="ctr"/>
-                </a:tc>
-                <a:tc>
-                  <a:txBody>
-                    <a:bodyPr/>
-                    <a:lstStyle/>
-                    <a:p>
-                      <a:pPr algn="ctr"/>
-                      <a:endParaRPr lang="ko-Kore-KR" altLang="en-US" sz="1400" dirty="0"/>
-                    </a:p>
-                  </a:txBody>
-                  <a:tcPr anchor="ctr"/>
-                </a:tc>
-                <a:tc>
-                  <a:txBody>
-                    <a:bodyPr/>
-                    <a:lstStyle/>
-                    <a:p>
-                      <a:pPr algn="ctr"/>
-                      <a:endParaRPr lang="ko-Kore-KR" altLang="en-US" sz="1400" dirty="0"/>
-                    </a:p>
-                  </a:txBody>
-                  <a:tcPr anchor="ctr"/>
-                </a:tc>
-                <a:extLst>
-                  <a:ext uri="{0D108BD9-81ED-4DB2-BD59-A6C34878D82A}">
-                    <a16:rowId xmlns:a16="http://schemas.microsoft.com/office/drawing/2014/main" val="3955993190"/>
-                  </a:ext>
-                </a:extLst>
-              </a:tr>
-              <a:tr h="162139">
-                <a:tc>
-                  <a:txBody>
-                    <a:bodyPr/>
-                    <a:lstStyle/>
-                    <a:p>
-                      <a:pPr algn="ctr"/>
-                      <a:r>
-                        <a:rPr lang="en-US" altLang="ko-KR" sz="1400" dirty="0"/>
-                        <a:t>Get / test/member</a:t>
-                      </a:r>
-                      <a:endParaRPr lang="ko-Kore-KR" altLang="en-US" sz="1400" dirty="0"/>
-                    </a:p>
-                  </a:txBody>
-                  <a:tcPr anchor="ctr"/>
-                </a:tc>
-                <a:tc>
-                  <a:txBody>
-                    <a:bodyPr/>
-                    <a:lstStyle/>
-                    <a:p>
-                      <a:pPr marL="0" marR="0" lvl="0" indent="0" algn="ctr" defTabSz="914400" rtl="0" eaLnBrk="1" fontAlgn="auto" latinLnBrk="1" hangingPunct="1">
-                        <a:lnSpc>
-                          <a:spcPct val="100000"/>
-                        </a:lnSpc>
-                        <a:spcBef>
-                          <a:spcPts val="0"/>
-                        </a:spcBef>
-                        <a:spcAft>
-                          <a:spcPts val="0"/>
-                        </a:spcAft>
-                        <a:buClrTx/>
-                        <a:buSzTx/>
-                        <a:buFontTx/>
-                        <a:buNone/>
-                        <a:tabLst/>
-                        <a:defRPr/>
-                      </a:pPr>
-                      <a:r>
-                        <a:rPr lang="en" altLang="ko-Kore-KR" sz="1400" kern="1200" dirty="0">
-                          <a:solidFill>
-                            <a:schemeClr val="dk1"/>
-                          </a:solidFill>
-                          <a:effectLst/>
-                          <a:latin typeface="+mn-lt"/>
-                          <a:ea typeface="+mn-ea"/>
-                          <a:cs typeface="+mn-cs"/>
-                        </a:rPr>
-                        <a:t>member/login/login</a:t>
-                      </a:r>
-                      <a:endParaRPr lang="ko-Kore-KR" altLang="en-US" sz="1400" dirty="0"/>
-                    </a:p>
-                  </a:txBody>
-                  <a:tcPr anchor="ctr"/>
-                </a:tc>
-                <a:tc>
-                  <a:txBody>
-                    <a:bodyPr/>
-                    <a:lstStyle/>
-                    <a:p>
-                      <a:pPr algn="ctr"/>
-                      <a:r>
-                        <a:rPr lang="ko-KR" altLang="en-US" sz="1400" dirty="0"/>
-                        <a:t>테스트 멤버 생성</a:t>
-                      </a:r>
-                      <a:endParaRPr lang="ko-Kore-KR" altLang="en-US" sz="1400" dirty="0"/>
-                    </a:p>
-                  </a:txBody>
-                  <a:tcPr anchor="ctr"/>
-                </a:tc>
-                <a:tc>
-                  <a:txBody>
-                    <a:bodyPr/>
-                    <a:lstStyle/>
-                    <a:p>
-                      <a:pPr algn="ctr"/>
-                      <a:endParaRPr lang="ko-Kore-KR" altLang="en-US" sz="1400" dirty="0"/>
-                    </a:p>
-                  </a:txBody>
-                  <a:tcPr anchor="ctr"/>
-                </a:tc>
-                <a:tc>
-                  <a:txBody>
-                    <a:bodyPr/>
-                    <a:lstStyle/>
-                    <a:p>
-                      <a:pPr algn="ctr"/>
-                      <a:endParaRPr lang="ko-Kore-KR" altLang="en-US" sz="1400" dirty="0"/>
-                    </a:p>
-                  </a:txBody>
-                  <a:tcPr anchor="ctr"/>
-                </a:tc>
-                <a:extLst>
-                  <a:ext uri="{0D108BD9-81ED-4DB2-BD59-A6C34878D82A}">
-                    <a16:rowId xmlns:a16="http://schemas.microsoft.com/office/drawing/2014/main" val="2712519252"/>
-                  </a:ext>
-                </a:extLst>
-              </a:tr>
-            </a:tbl>
-          </a:graphicData>
-        </a:graphic>
-      </p:graphicFrame>
-    </p:spTree>
-    <p:extLst>
-      <p:ext uri="{BB962C8B-B14F-4D97-AF65-F5344CB8AC3E}">
-        <p14:creationId xmlns:p14="http://schemas.microsoft.com/office/powerpoint/2010/main" val="116076827"/>
-      </p:ext>
-    </p:extLst>
-  </p:cSld>
-  <p:clrMapOvr>
-    <a:masterClrMapping/>
-  </p:clrMapOvr>
-</p:sld>
-</file>
-
-<file path=ppt/slides/slide3.xml><?xml version="1.0" encoding="utf-8"?>
-<p:sld xmlns:a="http://schemas.openxmlformats.org/drawingml/2006/main" xmlns:r="http://schemas.openxmlformats.org/officeDocument/2006/relationships" xmlns:p="http://schemas.openxmlformats.org/presentationml/2006/main">
-  <p:cSld>
-    <p:spTree>
-      <p:nvGrpSpPr>
-        <p:cNvPr id="1" name=""/>
-        <p:cNvGrpSpPr/>
-        <p:nvPr/>
-      </p:nvGrpSpPr>
-      <p:grpSpPr>
-        <a:xfrm>
-          <a:off x="0" y="0"/>
-          <a:ext cx="0" cy="0"/>
-          <a:chOff x="0" y="0"/>
-          <a:chExt cx="0" cy="0"/>
-        </a:xfrm>
-      </p:grpSpPr>
-      <p:graphicFrame>
-        <p:nvGraphicFramePr>
-          <p:cNvPr id="2" name="표 2">
-            <a:extLst>
-              <a:ext uri="{FF2B5EF4-FFF2-40B4-BE49-F238E27FC236}">
-                <a16:creationId xmlns:a16="http://schemas.microsoft.com/office/drawing/2014/main" id="{CC300455-4F74-BF47-AFFF-B0674FF1458B}"/>
-              </a:ext>
-            </a:extLst>
-          </p:cNvPr>
-          <p:cNvGraphicFramePr>
-            <a:graphicFrameLocks noGrp="1"/>
-          </p:cNvGraphicFramePr>
-          <p:nvPr>
-            <p:extLst>
-              <p:ext uri="{D42A27DB-BD31-4B8C-83A1-F6EECF244321}">
-                <p14:modId xmlns:p14="http://schemas.microsoft.com/office/powerpoint/2010/main" val="1011320192"/>
-              </p:ext>
-            </p:extLst>
-          </p:nvPr>
-        </p:nvGraphicFramePr>
-        <p:xfrm>
-          <a:off x="0" y="17912"/>
-          <a:ext cx="12192001" cy="3480511"/>
-        </p:xfrm>
-        <a:graphic>
-          <a:graphicData uri="http://schemas.openxmlformats.org/drawingml/2006/table">
-            <a:tbl>
-              <a:tblPr firstRow="1" bandRow="1">
-                <a:tableStyleId>{5C22544A-7EE6-4342-B048-85BDC9FD1C3A}</a:tableStyleId>
-              </a:tblPr>
-              <a:tblGrid>
-                <a:gridCol w="1835150">
-                  <a:extLst>
-                    <a:ext uri="{9D8B030D-6E8A-4147-A177-3AD203B41FA5}">
-                      <a16:colId xmlns:a16="http://schemas.microsoft.com/office/drawing/2014/main" val="1489473714"/>
-                    </a:ext>
-                  </a:extLst>
-                </a:gridCol>
-                <a:gridCol w="3092450">
-                  <a:extLst>
-                    <a:ext uri="{9D8B030D-6E8A-4147-A177-3AD203B41FA5}">
-                      <a16:colId xmlns:a16="http://schemas.microsoft.com/office/drawing/2014/main" val="3533057056"/>
-                    </a:ext>
-                  </a:extLst>
-                </a:gridCol>
-                <a:gridCol w="3175000">
-                  <a:extLst>
-                    <a:ext uri="{9D8B030D-6E8A-4147-A177-3AD203B41FA5}">
-                      <a16:colId xmlns:a16="http://schemas.microsoft.com/office/drawing/2014/main" val="3633217806"/>
-                    </a:ext>
-                  </a:extLst>
-                </a:gridCol>
-                <a:gridCol w="1692001">
-                  <a:extLst>
-                    <a:ext uri="{9D8B030D-6E8A-4147-A177-3AD203B41FA5}">
-                      <a16:colId xmlns:a16="http://schemas.microsoft.com/office/drawing/2014/main" val="2914489929"/>
-                    </a:ext>
-                  </a:extLst>
-                </a:gridCol>
-                <a:gridCol w="2397400">
-                  <a:extLst>
-                    <a:ext uri="{9D8B030D-6E8A-4147-A177-3AD203B41FA5}">
-                      <a16:colId xmlns:a16="http://schemas.microsoft.com/office/drawing/2014/main" val="2539804702"/>
-                    </a:ext>
-                  </a:extLst>
-                </a:gridCol>
-              </a:tblGrid>
-              <a:tr h="407243">
-                <a:tc>
-                  <a:txBody>
-                    <a:bodyPr/>
-                    <a:lstStyle/>
-                    <a:p>
-                      <a:pPr algn="ctr"/>
-                      <a:r>
-                        <a:rPr lang="en-US" altLang="ko-Kore-KR" dirty="0"/>
-                        <a:t>Method/</a:t>
-                      </a:r>
-                      <a:r>
-                        <a:rPr lang="en-US" altLang="ko-Kore-KR" dirty="0" err="1"/>
-                        <a:t>url</a:t>
-                      </a:r>
-                      <a:endParaRPr lang="ko-Kore-KR" altLang="en-US" dirty="0"/>
-                    </a:p>
-                  </a:txBody>
-                  <a:tcPr anchor="ctr"/>
-                </a:tc>
-                <a:tc>
-                  <a:txBody>
-                    <a:bodyPr/>
-                    <a:lstStyle/>
-                    <a:p>
-                      <a:pPr algn="ctr"/>
-                      <a:r>
-                        <a:rPr lang="en-US" altLang="ko-Kore-KR" dirty="0"/>
-                        <a:t>Return html</a:t>
-                      </a:r>
-                      <a:endParaRPr lang="ko-Kore-KR" altLang="en-US" dirty="0"/>
-                    </a:p>
-                  </a:txBody>
-                  <a:tcPr anchor="ctr"/>
-                </a:tc>
-                <a:tc>
-                  <a:txBody>
-                    <a:bodyPr/>
-                    <a:lstStyle/>
-                    <a:p>
-                      <a:pPr algn="ctr"/>
-                      <a:r>
-                        <a:rPr lang="en-US" altLang="ko-Kore-KR" dirty="0"/>
-                        <a:t>Data(Valid)</a:t>
-                      </a:r>
-                      <a:endParaRPr lang="ko-Kore-KR" altLang="en-US" dirty="0"/>
-                    </a:p>
-                  </a:txBody>
-                  <a:tcPr anchor="ctr"/>
-                </a:tc>
-                <a:tc>
-                  <a:txBody>
-                    <a:bodyPr/>
-                    <a:lstStyle/>
-                    <a:p>
-                      <a:pPr algn="ctr"/>
-                      <a:r>
-                        <a:rPr lang="en-US" altLang="ko-Kore-KR" dirty="0" err="1"/>
-                        <a:t>arg</a:t>
-                      </a:r>
-                      <a:endParaRPr lang="ko-Kore-KR" altLang="en-US" dirty="0"/>
-                    </a:p>
-                  </a:txBody>
-                  <a:tcPr anchor="ctr"/>
-                </a:tc>
-                <a:tc>
-                  <a:txBody>
-                    <a:bodyPr/>
-                    <a:lstStyle/>
-                    <a:p>
-                      <a:pPr algn="ctr"/>
-                      <a:r>
-                        <a:rPr lang="en-US" altLang="ko-Kore-KR" dirty="0"/>
-                        <a:t>model</a:t>
-                      </a:r>
-                      <a:endParaRPr lang="ko-Kore-KR" altLang="en-US" dirty="0"/>
-                    </a:p>
-                  </a:txBody>
-                  <a:tcPr anchor="ctr"/>
-                </a:tc>
-                <a:extLst>
-                  <a:ext uri="{0D108BD9-81ED-4DB2-BD59-A6C34878D82A}">
-                    <a16:rowId xmlns:a16="http://schemas.microsoft.com/office/drawing/2014/main" val="1302320296"/>
-                  </a:ext>
-                </a:extLst>
-              </a:tr>
-              <a:tr h="407243">
-                <a:tc>
-                  <a:txBody>
-                    <a:bodyPr/>
-                    <a:lstStyle/>
-                    <a:p>
-                      <a:pPr algn="ctr"/>
-                      <a:r>
-                        <a:rPr lang="en-US" altLang="ko-KR" sz="1400" dirty="0"/>
-                        <a:t>Get / </a:t>
-                      </a:r>
-                      <a:r>
-                        <a:rPr lang="en-US" altLang="ko-KR" sz="1400" kern="1200" dirty="0" err="1">
-                          <a:solidFill>
-                            <a:schemeClr val="dk1"/>
-                          </a:solidFill>
-                          <a:effectLst/>
-                          <a:latin typeface="+mn-lt"/>
-                          <a:ea typeface="+mn-ea"/>
-                          <a:cs typeface="+mn-cs"/>
-                        </a:rPr>
-                        <a:t>findPassword</a:t>
-                      </a:r>
-                      <a:endParaRPr lang="ko-Kore-KR" altLang="en-US" sz="1400" dirty="0"/>
-                    </a:p>
-                  </a:txBody>
-                  <a:tcPr anchor="ctr"/>
-                </a:tc>
-                <a:tc>
-                  <a:txBody>
-                    <a:bodyPr/>
-                    <a:lstStyle/>
-                    <a:p>
-                      <a:pPr marL="0" marR="0" lvl="0" indent="0" algn="ctr" defTabSz="914400" rtl="0" eaLnBrk="1" fontAlgn="auto" latinLnBrk="1" hangingPunct="1">
-                        <a:lnSpc>
-                          <a:spcPct val="100000"/>
-                        </a:lnSpc>
-                        <a:spcBef>
-                          <a:spcPts val="0"/>
-                        </a:spcBef>
-                        <a:spcAft>
-                          <a:spcPts val="0"/>
-                        </a:spcAft>
-                        <a:buClrTx/>
-                        <a:buSzTx/>
-                        <a:buFontTx/>
-                        <a:buNone/>
-                        <a:tabLst/>
-                        <a:defRPr/>
-                      </a:pPr>
-                      <a:r>
-                        <a:rPr lang="en-US" altLang="ko-KR" sz="1400" kern="1200" dirty="0">
-                          <a:solidFill>
-                            <a:schemeClr val="dk1"/>
-                          </a:solidFill>
-                          <a:effectLst/>
-                          <a:latin typeface="+mn-lt"/>
-                          <a:ea typeface="+mn-ea"/>
-                          <a:cs typeface="+mn-cs"/>
-                        </a:rPr>
-                        <a:t>member/password/</a:t>
-                      </a:r>
-                      <a:r>
-                        <a:rPr lang="en-US" altLang="ko-KR" sz="1400" kern="1200" dirty="0" err="1">
-                          <a:solidFill>
-                            <a:schemeClr val="dk1"/>
-                          </a:solidFill>
-                          <a:effectLst/>
-                          <a:latin typeface="+mn-lt"/>
-                          <a:ea typeface="+mn-ea"/>
-                          <a:cs typeface="+mn-cs"/>
-                        </a:rPr>
-                        <a:t>findPassword</a:t>
-                      </a:r>
-                      <a:endParaRPr lang="ko-Kore-KR" altLang="en-US" sz="1400" dirty="0"/>
-                    </a:p>
-                  </a:txBody>
-                  <a:tcPr anchor="ctr"/>
-                </a:tc>
-                <a:tc>
-                  <a:txBody>
-                    <a:bodyPr/>
-                    <a:lstStyle/>
-                    <a:p>
-                      <a:pPr algn="ctr"/>
-                      <a:endParaRPr lang="ko-Kore-KR" altLang="en-US" sz="1400" dirty="0"/>
-                    </a:p>
-                  </a:txBody>
-                  <a:tcPr anchor="ctr"/>
-                </a:tc>
-                <a:tc>
-                  <a:txBody>
-                    <a:bodyPr/>
-                    <a:lstStyle/>
-                    <a:p>
-                      <a:pPr algn="ctr"/>
-                      <a:endParaRPr lang="ko-Kore-KR" altLang="en-US" sz="1400" dirty="0"/>
-                    </a:p>
-                  </a:txBody>
-                  <a:tcPr anchor="ctr"/>
-                </a:tc>
-                <a:tc>
-                  <a:txBody>
-                    <a:bodyPr/>
-                    <a:lstStyle/>
-                    <a:p>
-                      <a:pPr algn="ctr"/>
-                      <a:r>
-                        <a:rPr lang="en-US" altLang="ko-KR" sz="1400" dirty="0" err="1"/>
-                        <a:t>FindPasswordForm</a:t>
-                      </a:r>
-                      <a:endParaRPr lang="ko-Kore-KR" altLang="en-US" sz="1400" dirty="0"/>
-                    </a:p>
-                  </a:txBody>
-                  <a:tcPr anchor="ctr"/>
-                </a:tc>
-                <a:extLst>
-                  <a:ext uri="{0D108BD9-81ED-4DB2-BD59-A6C34878D82A}">
-                    <a16:rowId xmlns:a16="http://schemas.microsoft.com/office/drawing/2014/main" val="3407941668"/>
-                  </a:ext>
-                </a:extLst>
-              </a:tr>
-              <a:tr h="704302">
-                <a:tc>
-                  <a:txBody>
-                    <a:bodyPr/>
-                    <a:lstStyle/>
-                    <a:p>
-                      <a:pPr algn="ctr"/>
-                      <a:r>
-                        <a:rPr lang="en-US" altLang="ko-KR" sz="1400" dirty="0"/>
-                        <a:t>Post / </a:t>
-                      </a:r>
-                      <a:r>
-                        <a:rPr lang="en-US" altLang="ko-KR" sz="1400" dirty="0" err="1"/>
-                        <a:t>findPassword</a:t>
-                      </a:r>
-                      <a:endParaRPr lang="ko-Kore-KR" altLang="en-US" sz="1400" dirty="0"/>
-                    </a:p>
-                  </a:txBody>
-                  <a:tcPr anchor="ctr"/>
-                </a:tc>
-                <a:tc>
-                  <a:txBody>
-                    <a:bodyPr/>
-                    <a:lstStyle/>
-                    <a:p>
-                      <a:pPr algn="ctr"/>
-                      <a:r>
-                        <a:rPr lang="en-US" altLang="ko-KR" sz="1400" kern="1200" dirty="0">
-                          <a:solidFill>
-                            <a:schemeClr val="dk1"/>
-                          </a:solidFill>
-                          <a:effectLst/>
-                          <a:latin typeface="+mn-lt"/>
-                          <a:ea typeface="+mn-ea"/>
-                          <a:cs typeface="+mn-cs"/>
-                        </a:rPr>
-                        <a:t>member/password/</a:t>
-                      </a:r>
-                      <a:r>
-                        <a:rPr lang="en-US" altLang="ko-KR" sz="1400" kern="1200" dirty="0" err="1">
-                          <a:solidFill>
-                            <a:schemeClr val="dk1"/>
-                          </a:solidFill>
-                          <a:effectLst/>
-                          <a:latin typeface="+mn-lt"/>
-                          <a:ea typeface="+mn-ea"/>
-                          <a:cs typeface="+mn-cs"/>
-                        </a:rPr>
-                        <a:t>changePassword</a:t>
-                      </a:r>
-                      <a:endParaRPr lang="ko-Kore-KR" altLang="en-US" sz="1400" dirty="0"/>
-                    </a:p>
-                  </a:txBody>
-                  <a:tcPr anchor="ctr"/>
-                </a:tc>
-                <a:tc>
-                  <a:txBody>
-                    <a:bodyPr/>
-                    <a:lstStyle/>
-                    <a:p>
-                      <a:pPr algn="l"/>
-                      <a:endParaRPr lang="ko-Kore-KR" altLang="en-US" sz="1400" dirty="0"/>
-                    </a:p>
-                  </a:txBody>
-                  <a:tcPr anchor="ctr"/>
-                </a:tc>
-                <a:tc>
-                  <a:txBody>
-                    <a:bodyPr/>
-                    <a:lstStyle/>
-                    <a:p>
-                      <a:pPr algn="ctr"/>
-                      <a:r>
-                        <a:rPr lang="en-US" altLang="ko-KR" sz="1400" dirty="0"/>
-                        <a:t>Name</a:t>
-                      </a:r>
-                    </a:p>
-                    <a:p>
-                      <a:pPr algn="ctr"/>
-                      <a:r>
-                        <a:rPr lang="en-US" altLang="ko-KR" sz="1400" dirty="0"/>
-                        <a:t>email</a:t>
-                      </a:r>
-                      <a:endParaRPr lang="ko-Kore-KR" altLang="en-US" sz="1400" dirty="0"/>
-                    </a:p>
-                  </a:txBody>
-                  <a:tcPr anchor="ctr"/>
-                </a:tc>
-                <a:tc>
-                  <a:txBody>
-                    <a:bodyPr/>
-                    <a:lstStyle/>
-                    <a:p>
-                      <a:pPr algn="ctr"/>
-                      <a:r>
-                        <a:rPr lang="en-US" altLang="ko-KR" sz="1400" kern="1200" dirty="0" err="1">
-                          <a:solidFill>
-                            <a:schemeClr val="dk1"/>
-                          </a:solidFill>
-                          <a:effectLst/>
-                          <a:latin typeface="+mn-lt"/>
-                          <a:ea typeface="+mn-ea"/>
-                          <a:cs typeface="+mn-cs"/>
-                        </a:rPr>
-                        <a:t>changePasswordForm</a:t>
-                      </a:r>
-                      <a:endParaRPr lang="ko-Kore-KR" altLang="en-US" sz="1400" dirty="0"/>
-                    </a:p>
-                  </a:txBody>
-                  <a:tcPr anchor="ctr"/>
-                </a:tc>
-                <a:extLst>
-                  <a:ext uri="{0D108BD9-81ED-4DB2-BD59-A6C34878D82A}">
-                    <a16:rowId xmlns:a16="http://schemas.microsoft.com/office/drawing/2014/main" val="1412555143"/>
-                  </a:ext>
-                </a:extLst>
-              </a:tr>
-              <a:tr h="407243">
-                <a:tc>
-                  <a:txBody>
-                    <a:bodyPr/>
-                    <a:lstStyle/>
-                    <a:p>
-                      <a:pPr algn="ctr"/>
-                      <a:endParaRPr lang="ko-Kore-KR" altLang="en-US" sz="1400" dirty="0"/>
-                    </a:p>
-                  </a:txBody>
-                  <a:tcPr anchor="ctr"/>
-                </a:tc>
-                <a:tc>
-                  <a:txBody>
-                    <a:bodyPr/>
-                    <a:lstStyle/>
-                    <a:p>
-                      <a:pPr algn="ctr"/>
-                      <a:endParaRPr lang="ko-Kore-KR" altLang="en-US" sz="1400" dirty="0"/>
-                    </a:p>
-                  </a:txBody>
-                  <a:tcPr anchor="ctr"/>
-                </a:tc>
-                <a:tc>
-                  <a:txBody>
-                    <a:bodyPr/>
-                    <a:lstStyle/>
-                    <a:p>
-                      <a:pPr algn="ctr"/>
-                      <a:endParaRPr lang="ko-Kore-KR" altLang="en-US" sz="1400" dirty="0"/>
-                    </a:p>
-                  </a:txBody>
-                  <a:tcPr anchor="ctr"/>
-                </a:tc>
-                <a:tc>
-                  <a:txBody>
-                    <a:bodyPr/>
-                    <a:lstStyle/>
-                    <a:p>
-                      <a:pPr algn="ctr"/>
-                      <a:endParaRPr lang="ko-Kore-KR" altLang="en-US" sz="1400" dirty="0"/>
-                    </a:p>
-                  </a:txBody>
-                  <a:tcPr anchor="ctr"/>
-                </a:tc>
-                <a:tc>
-                  <a:txBody>
-                    <a:bodyPr/>
-                    <a:lstStyle/>
-                    <a:p>
-                      <a:pPr algn="ctr"/>
-                      <a:endParaRPr lang="ko-Kore-KR" altLang="en-US" sz="1400" dirty="0"/>
-                    </a:p>
-                  </a:txBody>
-                  <a:tcPr anchor="ctr"/>
-                </a:tc>
-                <a:extLst>
-                  <a:ext uri="{0D108BD9-81ED-4DB2-BD59-A6C34878D82A}">
-                    <a16:rowId xmlns:a16="http://schemas.microsoft.com/office/drawing/2014/main" val="407931481"/>
-                  </a:ext>
-                </a:extLst>
-              </a:tr>
-              <a:tr h="0">
-                <a:tc>
-                  <a:txBody>
-                    <a:bodyPr/>
-                    <a:lstStyle/>
-                    <a:p>
-                      <a:pPr algn="ctr"/>
-                      <a:r>
-                        <a:rPr lang="en-US" altLang="en-US" sz="1400" dirty="0"/>
-                        <a:t>Get / </a:t>
-                      </a:r>
-                      <a:r>
-                        <a:rPr lang="en-US" altLang="en-US" sz="1400" dirty="0" err="1"/>
-                        <a:t>memberDetail</a:t>
-                      </a:r>
-                      <a:r>
-                        <a:rPr lang="en-US" altLang="en-US" sz="1400" dirty="0"/>
-                        <a:t>/download</a:t>
-                      </a:r>
-                      <a:endParaRPr lang="ko-Kore-KR" altLang="en-US" sz="1400" dirty="0"/>
-                    </a:p>
-                  </a:txBody>
-                  <a:tcPr anchor="ctr"/>
-                </a:tc>
-                <a:tc>
-                  <a:txBody>
-                    <a:bodyPr/>
-                    <a:lstStyle/>
-                    <a:p>
-                      <a:pPr algn="ctr"/>
-                      <a:r>
-                        <a:rPr lang="en-US" altLang="ko-KR" sz="1400" kern="1200" dirty="0">
-                          <a:solidFill>
-                            <a:schemeClr val="dk1"/>
-                          </a:solidFill>
-                          <a:effectLst/>
-                          <a:latin typeface="+mn-lt"/>
-                          <a:ea typeface="+mn-ea"/>
-                          <a:cs typeface="+mn-cs"/>
-                        </a:rPr>
-                        <a:t>member/detail/</a:t>
-                      </a:r>
-                      <a:r>
-                        <a:rPr lang="en-US" altLang="ko-KR" sz="1400" kern="1200" dirty="0" err="1">
-                          <a:solidFill>
-                            <a:schemeClr val="dk1"/>
-                          </a:solidFill>
-                          <a:effectLst/>
-                          <a:latin typeface="+mn-lt"/>
-                          <a:ea typeface="+mn-ea"/>
-                          <a:cs typeface="+mn-cs"/>
-                        </a:rPr>
-                        <a:t>downloadList</a:t>
-                      </a:r>
-                      <a:endParaRPr lang="ko-Kore-KR" altLang="en-US" sz="1400" dirty="0"/>
-                    </a:p>
-                  </a:txBody>
-                  <a:tcPr anchor="ctr"/>
-                </a:tc>
-                <a:tc>
-                  <a:txBody>
-                    <a:bodyPr/>
-                    <a:lstStyle/>
-                    <a:p>
-                      <a:pPr algn="l"/>
-                      <a:endParaRPr lang="ko-Kore-KR" altLang="en-US" sz="1400" dirty="0"/>
-                    </a:p>
-                  </a:txBody>
-                  <a:tcPr anchor="ctr"/>
-                </a:tc>
-                <a:tc>
-                  <a:txBody>
-                    <a:bodyPr/>
-                    <a:lstStyle/>
-                    <a:p>
-                      <a:pPr algn="ctr"/>
-                      <a:endParaRPr lang="ko-Kore-KR" altLang="en-US" sz="1400" dirty="0"/>
-                    </a:p>
-                  </a:txBody>
-                  <a:tcPr anchor="ctr"/>
-                </a:tc>
-                <a:tc>
-                  <a:txBody>
-                    <a:bodyPr/>
-                    <a:lstStyle/>
-                    <a:p>
-                      <a:pPr algn="ctr"/>
-                      <a:endParaRPr lang="ko-Kore-KR" altLang="en-US" sz="1400" dirty="0"/>
-                    </a:p>
-                  </a:txBody>
-                  <a:tcPr anchor="ctr"/>
-                </a:tc>
-                <a:extLst>
-                  <a:ext uri="{0D108BD9-81ED-4DB2-BD59-A6C34878D82A}">
-                    <a16:rowId xmlns:a16="http://schemas.microsoft.com/office/drawing/2014/main" val="870056479"/>
-                  </a:ext>
-                </a:extLst>
-              </a:tr>
-              <a:tr h="263949">
-                <a:tc>
-                  <a:txBody>
-                    <a:bodyPr/>
-                    <a:lstStyle/>
-                    <a:p>
-                      <a:pPr marL="0" marR="0" lvl="0" indent="0" algn="ctr" defTabSz="914400" rtl="0" eaLnBrk="1" fontAlgn="auto" latinLnBrk="1" hangingPunct="1">
-                        <a:lnSpc>
-                          <a:spcPct val="100000"/>
-                        </a:lnSpc>
-                        <a:spcBef>
-                          <a:spcPts val="0"/>
-                        </a:spcBef>
-                        <a:spcAft>
-                          <a:spcPts val="0"/>
-                        </a:spcAft>
-                        <a:buClrTx/>
-                        <a:buSzTx/>
-                        <a:buFontTx/>
-                        <a:buNone/>
-                        <a:tabLst/>
-                        <a:defRPr/>
-                      </a:pPr>
-                      <a:r>
-                        <a:rPr lang="en-US" altLang="en-US" sz="1400" dirty="0"/>
-                        <a:t>Get / </a:t>
-                      </a:r>
-                      <a:r>
-                        <a:rPr lang="en-US" altLang="en-US" sz="1400" dirty="0" err="1"/>
-                        <a:t>memberDetail</a:t>
-                      </a:r>
-                      <a:r>
-                        <a:rPr lang="en-US" altLang="en-US" sz="1400" dirty="0"/>
-                        <a:t>/</a:t>
-                      </a:r>
-                      <a:r>
-                        <a:rPr lang="en-US" altLang="ko-KR" sz="1400" kern="1200" dirty="0">
-                          <a:solidFill>
-                            <a:schemeClr val="dk1"/>
-                          </a:solidFill>
-                          <a:effectLst/>
-                          <a:latin typeface="+mn-lt"/>
-                          <a:ea typeface="+mn-ea"/>
-                          <a:cs typeface="+mn-cs"/>
-                        </a:rPr>
-                        <a:t>point</a:t>
-                      </a:r>
-                      <a:endParaRPr lang="ko-Kore-KR" altLang="en-US" sz="1400" dirty="0"/>
-                    </a:p>
-                  </a:txBody>
-                  <a:tcPr anchor="ctr"/>
-                </a:tc>
-                <a:tc>
-                  <a:txBody>
-                    <a:bodyPr/>
-                    <a:lstStyle/>
-                    <a:p>
-                      <a:pPr algn="ctr"/>
-                      <a:r>
-                        <a:rPr lang="en-US" altLang="ko-KR" sz="1400" kern="1200" dirty="0">
-                          <a:solidFill>
-                            <a:schemeClr val="dk1"/>
-                          </a:solidFill>
-                          <a:effectLst/>
-                          <a:latin typeface="+mn-lt"/>
-                          <a:ea typeface="+mn-ea"/>
-                          <a:cs typeface="+mn-cs"/>
-                        </a:rPr>
-                        <a:t>member/detail/</a:t>
-                      </a:r>
-                      <a:r>
-                        <a:rPr lang="en-US" altLang="ko-KR" sz="1400" kern="1200" dirty="0" err="1">
-                          <a:solidFill>
-                            <a:schemeClr val="dk1"/>
-                          </a:solidFill>
-                          <a:effectLst/>
-                          <a:latin typeface="+mn-lt"/>
-                          <a:ea typeface="+mn-ea"/>
-                          <a:cs typeface="+mn-cs"/>
-                        </a:rPr>
-                        <a:t>pointDetail</a:t>
-                      </a:r>
-                      <a:endParaRPr lang="ko-Kore-KR" altLang="en-US" sz="1400" dirty="0"/>
-                    </a:p>
-                  </a:txBody>
-                  <a:tcPr anchor="ctr"/>
-                </a:tc>
-                <a:tc>
-                  <a:txBody>
-                    <a:bodyPr/>
-                    <a:lstStyle/>
-                    <a:p>
-                      <a:pPr algn="ctr"/>
-                      <a:endParaRPr lang="ko-Kore-KR" altLang="en-US" sz="1400" dirty="0"/>
-                    </a:p>
-                  </a:txBody>
-                  <a:tcPr anchor="ctr"/>
-                </a:tc>
-                <a:tc>
-                  <a:txBody>
-                    <a:bodyPr/>
-                    <a:lstStyle/>
-                    <a:p>
-                      <a:pPr algn="ctr"/>
-                      <a:endParaRPr lang="ko-Kore-KR" altLang="en-US" sz="1400" dirty="0"/>
-                    </a:p>
-                  </a:txBody>
-                  <a:tcPr anchor="ctr"/>
-                </a:tc>
-                <a:tc>
-                  <a:txBody>
-                    <a:bodyPr/>
-                    <a:lstStyle/>
-                    <a:p>
-                      <a:pPr algn="ctr"/>
-                      <a:endParaRPr lang="ko-Kore-KR" altLang="en-US" sz="1400" dirty="0"/>
-                    </a:p>
-                  </a:txBody>
-                  <a:tcPr anchor="ctr"/>
-                </a:tc>
-                <a:extLst>
-                  <a:ext uri="{0D108BD9-81ED-4DB2-BD59-A6C34878D82A}">
-                    <a16:rowId xmlns:a16="http://schemas.microsoft.com/office/drawing/2014/main" val="3955993190"/>
-                  </a:ext>
-                </a:extLst>
-              </a:tr>
-              <a:tr h="162139">
-                <a:tc>
-                  <a:txBody>
-                    <a:bodyPr/>
-                    <a:lstStyle/>
-                    <a:p>
-                      <a:pPr marL="0" marR="0" lvl="0" indent="0" algn="ctr" defTabSz="914400" rtl="0" eaLnBrk="1" fontAlgn="auto" latinLnBrk="1" hangingPunct="1">
-                        <a:lnSpc>
-                          <a:spcPct val="100000"/>
-                        </a:lnSpc>
-                        <a:spcBef>
-                          <a:spcPts val="0"/>
-                        </a:spcBef>
-                        <a:spcAft>
-                          <a:spcPts val="0"/>
-                        </a:spcAft>
-                        <a:buClrTx/>
-                        <a:buSzTx/>
-                        <a:buFontTx/>
-                        <a:buNone/>
-                        <a:tabLst/>
-                        <a:defRPr/>
-                      </a:pPr>
-                      <a:r>
-                        <a:rPr lang="en-US" altLang="en-US" sz="1400" dirty="0"/>
-                        <a:t>Get / </a:t>
-                      </a:r>
-                      <a:r>
-                        <a:rPr lang="en-US" altLang="en-US" sz="1400" dirty="0" err="1"/>
-                        <a:t>memberDetail</a:t>
-                      </a:r>
-                      <a:r>
-                        <a:rPr lang="en-US" altLang="en-US" sz="1400" dirty="0"/>
-                        <a:t>/</a:t>
-                      </a:r>
-                      <a:r>
-                        <a:rPr lang="en-US" altLang="ko-KR" sz="1400" kern="1200" dirty="0">
-                          <a:solidFill>
-                            <a:schemeClr val="dk1"/>
-                          </a:solidFill>
-                          <a:effectLst/>
-                          <a:latin typeface="+mn-lt"/>
-                          <a:ea typeface="+mn-ea"/>
-                          <a:cs typeface="+mn-cs"/>
-                        </a:rPr>
-                        <a:t>order</a:t>
-                      </a:r>
-                      <a:endParaRPr lang="ko-Kore-KR" altLang="en-US" sz="1400" dirty="0"/>
-                    </a:p>
-                  </a:txBody>
-                  <a:tcPr anchor="ctr"/>
-                </a:tc>
-                <a:tc>
-                  <a:txBody>
-                    <a:bodyPr/>
-                    <a:lstStyle/>
-                    <a:p>
-                      <a:pPr marL="0" marR="0" lvl="0" indent="0" algn="ctr" defTabSz="914400" rtl="0" eaLnBrk="1" fontAlgn="auto" latinLnBrk="1" hangingPunct="1">
-                        <a:lnSpc>
-                          <a:spcPct val="100000"/>
-                        </a:lnSpc>
-                        <a:spcBef>
-                          <a:spcPts val="0"/>
-                        </a:spcBef>
-                        <a:spcAft>
-                          <a:spcPts val="0"/>
-                        </a:spcAft>
-                        <a:buClrTx/>
-                        <a:buSzTx/>
-                        <a:buFontTx/>
-                        <a:buNone/>
-                        <a:tabLst/>
-                        <a:defRPr/>
-                      </a:pPr>
-                      <a:r>
-                        <a:rPr lang="en-US" altLang="ko-KR" sz="1400" kern="1200" dirty="0">
-                          <a:solidFill>
-                            <a:schemeClr val="dk1"/>
-                          </a:solidFill>
-                          <a:effectLst/>
-                          <a:latin typeface="+mn-lt"/>
-                          <a:ea typeface="+mn-ea"/>
-                          <a:cs typeface="+mn-cs"/>
-                        </a:rPr>
-                        <a:t>member/detail/</a:t>
-                      </a:r>
-                      <a:r>
-                        <a:rPr lang="en-US" altLang="ko-KR" sz="1400" kern="1200" dirty="0" err="1">
-                          <a:solidFill>
-                            <a:schemeClr val="dk1"/>
-                          </a:solidFill>
-                          <a:effectLst/>
-                          <a:latin typeface="+mn-lt"/>
-                          <a:ea typeface="+mn-ea"/>
-                          <a:cs typeface="+mn-cs"/>
-                        </a:rPr>
-                        <a:t>orderList</a:t>
-                      </a:r>
-                      <a:endParaRPr lang="ko-Kore-KR" altLang="en-US" sz="1400" dirty="0"/>
-                    </a:p>
-                  </a:txBody>
-                  <a:tcPr anchor="ctr"/>
-                </a:tc>
-                <a:tc>
-                  <a:txBody>
-                    <a:bodyPr/>
-                    <a:lstStyle/>
-                    <a:p>
-                      <a:pPr algn="ctr"/>
-                      <a:endParaRPr lang="ko-Kore-KR" altLang="en-US" sz="1400" dirty="0"/>
-                    </a:p>
-                  </a:txBody>
-                  <a:tcPr anchor="ctr"/>
-                </a:tc>
-                <a:tc>
-                  <a:txBody>
-                    <a:bodyPr/>
-                    <a:lstStyle/>
-                    <a:p>
-                      <a:pPr algn="ctr"/>
-                      <a:endParaRPr lang="ko-Kore-KR" altLang="en-US" sz="1400" dirty="0"/>
-                    </a:p>
-                  </a:txBody>
-                  <a:tcPr anchor="ctr"/>
-                </a:tc>
-                <a:tc>
-                  <a:txBody>
-                    <a:bodyPr/>
-                    <a:lstStyle/>
-                    <a:p>
-                      <a:pPr algn="ctr"/>
-                      <a:endParaRPr lang="ko-Kore-KR" altLang="en-US" sz="1400" dirty="0"/>
-                    </a:p>
-                  </a:txBody>
-                  <a:tcPr anchor="ctr"/>
-                </a:tc>
-                <a:extLst>
-                  <a:ext uri="{0D108BD9-81ED-4DB2-BD59-A6C34878D82A}">
-                    <a16:rowId xmlns:a16="http://schemas.microsoft.com/office/drawing/2014/main" val="2712519252"/>
-                  </a:ext>
-                </a:extLst>
-              </a:tr>
-            </a:tbl>
-          </a:graphicData>
-        </a:graphic>
-      </p:graphicFrame>
-    </p:spTree>
-    <p:extLst>
-      <p:ext uri="{BB962C8B-B14F-4D97-AF65-F5344CB8AC3E}">
-        <p14:creationId xmlns:p14="http://schemas.microsoft.com/office/powerpoint/2010/main" val="3547951087"/>
-      </p:ext>
-    </p:extLst>
-  </p:cSld>
-  <p:clrMapOvr>
-    <a:masterClrMapping/>
-  </p:clrMapOvr>
-</p:sld>
-</file>
-
 <file path=ppt/theme/theme1.xml><?xml version="1.0" encoding="utf-8"?>
 <a:theme xmlns:a="http://schemas.openxmlformats.org/drawingml/2006/main" name="Office 테마">
   <a:themeElements>
